--- a/server/presentations/07_N1QL Details.pptx
+++ b/server/presentations/07_N1QL Details.pptx
@@ -604,11 +604,11 @@
           <c:showBubbleSize val="0"/>
         </c:dLbls>
         <c:gapWidth val="150"/>
-        <c:axId val="-2084026952"/>
-        <c:axId val="-2081221512"/>
+        <c:axId val="-2081564648"/>
+        <c:axId val="-2081561320"/>
       </c:barChart>
       <c:catAx>
-        <c:axId val="-2084026952"/>
+        <c:axId val="-2081564648"/>
         <c:scaling>
           <c:orientation val="minMax"/>
         </c:scaling>
@@ -634,7 +634,7 @@
             <a:endParaRPr lang="de-DE"/>
           </a:p>
         </c:txPr>
-        <c:crossAx val="-2081221512"/>
+        <c:crossAx val="-2081561320"/>
         <c:crosses val="autoZero"/>
         <c:auto val="1"/>
         <c:lblAlgn val="ctr"/>
@@ -642,7 +642,7 @@
         <c:noMultiLvlLbl val="0"/>
       </c:catAx>
       <c:valAx>
-        <c:axId val="-2081221512"/>
+        <c:axId val="-2081561320"/>
         <c:scaling>
           <c:orientation val="minMax"/>
         </c:scaling>
@@ -684,7 +684,7 @@
             <a:endParaRPr lang="de-DE"/>
           </a:p>
         </c:txPr>
-        <c:crossAx val="-2084026952"/>
+        <c:crossAx val="-2081564648"/>
         <c:crosses val="autoZero"/>
         <c:crossBetween val="between"/>
       </c:valAx>
@@ -926,11 +926,11 @@
           <c:showBubbleSize val="0"/>
         </c:dLbls>
         <c:gapWidth val="150"/>
-        <c:axId val="-2092527144"/>
-        <c:axId val="-2092523928"/>
+        <c:axId val="-2069488232"/>
+        <c:axId val="-2069484904"/>
       </c:barChart>
       <c:catAx>
-        <c:axId val="-2092527144"/>
+        <c:axId val="-2069488232"/>
         <c:scaling>
           <c:orientation val="minMax"/>
         </c:scaling>
@@ -956,7 +956,7 @@
             <a:endParaRPr lang="de-DE"/>
           </a:p>
         </c:txPr>
-        <c:crossAx val="-2092523928"/>
+        <c:crossAx val="-2069484904"/>
         <c:crosses val="autoZero"/>
         <c:auto val="1"/>
         <c:lblAlgn val="ctr"/>
@@ -964,7 +964,7 @@
         <c:noMultiLvlLbl val="0"/>
       </c:catAx>
       <c:valAx>
-        <c:axId val="-2092523928"/>
+        <c:axId val="-2069484904"/>
         <c:scaling>
           <c:orientation val="minMax"/>
         </c:scaling>
@@ -1006,7 +1006,7 @@
             <a:endParaRPr lang="de-DE"/>
           </a:p>
         </c:txPr>
-        <c:crossAx val="-2092527144"/>
+        <c:crossAx val="-2069488232"/>
         <c:crosses val="autoZero"/>
         <c:crossBetween val="between"/>
       </c:valAx>
@@ -1256,11 +1256,11 @@
         </c:dLbls>
         <c:marker val="1"/>
         <c:smooth val="0"/>
-        <c:axId val="-2147303112"/>
-        <c:axId val="-2092769208"/>
+        <c:axId val="-2069466872"/>
+        <c:axId val="-2069463544"/>
       </c:lineChart>
       <c:catAx>
-        <c:axId val="-2147303112"/>
+        <c:axId val="-2069466872"/>
         <c:scaling>
           <c:orientation val="minMax"/>
         </c:scaling>
@@ -1286,7 +1286,7 @@
             <a:endParaRPr lang="de-DE"/>
           </a:p>
         </c:txPr>
-        <c:crossAx val="-2092769208"/>
+        <c:crossAx val="-2069463544"/>
         <c:crosses val="autoZero"/>
         <c:auto val="1"/>
         <c:lblAlgn val="ctr"/>
@@ -1294,7 +1294,7 @@
         <c:noMultiLvlLbl val="0"/>
       </c:catAx>
       <c:valAx>
-        <c:axId val="-2092769208"/>
+        <c:axId val="-2069463544"/>
         <c:scaling>
           <c:orientation val="minMax"/>
         </c:scaling>
@@ -1334,7 +1334,7 @@
             <a:endParaRPr lang="de-DE"/>
           </a:p>
         </c:txPr>
-        <c:crossAx val="-2147303112"/>
+        <c:crossAx val="-2069466872"/>
         <c:crosses val="autoZero"/>
         <c:crossBetween val="between"/>
       </c:valAx>
@@ -4911,10 +4911,6 @@
           <a:bodyPr/>
           <a:lstStyle/>
           <a:p>
-            <a:r>
-              <a:rPr lang="en-US" dirty="0" smtClean="0"/>
-              <a:t>Subtitle</a:t>
-            </a:r>
             <a:endParaRPr lang="en-US" dirty="0"/>
           </a:p>
         </p:txBody>
@@ -15867,7 +15863,6 @@
               <a:rPr lang="en-US" dirty="0" smtClean="0"/>
               <a:t>Are the backing data structure for N1QL</a:t>
             </a:r>
-            <a:endParaRPr lang="en-US" dirty="0" smtClean="0"/>
           </a:p>
           <a:p>
             <a:pPr>
@@ -15877,13 +15872,8 @@
             </a:pPr>
             <a:r>
               <a:rPr lang="en-US" dirty="0" smtClean="0"/>
-              <a:t>Optimize the data lookup path for the query </a:t>
-            </a:r>
-            <a:r>
-              <a:rPr lang="en-US" dirty="0" smtClean="0"/>
-              <a:t>engine (“avoiding the full table scan”)</a:t>
-            </a:r>
-            <a:endParaRPr lang="en-US" dirty="0" smtClean="0"/>
+              <a:t>Optimize the data lookup path for the query engine (“avoiding the full table scan”)</a:t>
+            </a:r>
           </a:p>
           <a:p>
             <a:pPr>
@@ -15933,286 +15923,9 @@
   <p:timing>
     <p:tnLst>
       <p:par>
-        <p:cTn xmlns:p14="http://schemas.microsoft.com/office/powerpoint/2010/main" id="1" dur="indefinite" restart="never" nodeType="tmRoot">
-          <p:childTnLst>
-            <p:seq concurrent="1" nextAc="seek">
-              <p:cTn id="2" dur="indefinite" nodeType="mainSeq">
-                <p:childTnLst>
-                  <p:par>
-                    <p:cTn id="3" fill="hold">
-                      <p:stCondLst>
-                        <p:cond delay="indefinite"/>
-                      </p:stCondLst>
-                      <p:childTnLst>
-                        <p:par>
-                          <p:cTn id="4" fill="hold">
-                            <p:stCondLst>
-                              <p:cond delay="0"/>
-                            </p:stCondLst>
-                            <p:childTnLst>
-                              <p:par>
-                                <p:cTn id="5" presetID="10" presetClass="entr" presetSubtype="0" fill="hold" grpId="0" nodeType="clickEffect">
-                                  <p:stCondLst>
-                                    <p:cond delay="0"/>
-                                  </p:stCondLst>
-                                  <p:childTnLst>
-                                    <p:set>
-                                      <p:cBhvr>
-                                        <p:cTn id="6" dur="1" fill="hold">
-                                          <p:stCondLst>
-                                            <p:cond delay="0"/>
-                                          </p:stCondLst>
-                                        </p:cTn>
-                                        <p:tgtEl>
-                                          <p:spTgt spid="3">
-                                            <p:txEl>
-                                              <p:pRg st="0" end="0"/>
-                                            </p:txEl>
-                                          </p:spTgt>
-                                        </p:tgtEl>
-                                        <p:attrNameLst>
-                                          <p:attrName>style.visibility</p:attrName>
-                                        </p:attrNameLst>
-                                      </p:cBhvr>
-                                      <p:to>
-                                        <p:strVal val="visible"/>
-                                      </p:to>
-                                    </p:set>
-                                    <p:animEffect transition="in" filter="fade">
-                                      <p:cBhvr>
-                                        <p:cTn id="7" dur="500"/>
-                                        <p:tgtEl>
-                                          <p:spTgt spid="3">
-                                            <p:txEl>
-                                              <p:pRg st="0" end="0"/>
-                                            </p:txEl>
-                                          </p:spTgt>
-                                        </p:tgtEl>
-                                      </p:cBhvr>
-                                    </p:animEffect>
-                                  </p:childTnLst>
-                                </p:cTn>
-                              </p:par>
-                            </p:childTnLst>
-                          </p:cTn>
-                        </p:par>
-                      </p:childTnLst>
-                    </p:cTn>
-                  </p:par>
-                  <p:par>
-                    <p:cTn id="8" fill="hold">
-                      <p:stCondLst>
-                        <p:cond delay="indefinite"/>
-                      </p:stCondLst>
-                      <p:childTnLst>
-                        <p:par>
-                          <p:cTn id="9" fill="hold">
-                            <p:stCondLst>
-                              <p:cond delay="0"/>
-                            </p:stCondLst>
-                            <p:childTnLst>
-                              <p:par>
-                                <p:cTn id="10" presetID="10" presetClass="entr" presetSubtype="0" fill="hold" grpId="0" nodeType="clickEffect">
-                                  <p:stCondLst>
-                                    <p:cond delay="0"/>
-                                  </p:stCondLst>
-                                  <p:childTnLst>
-                                    <p:set>
-                                      <p:cBhvr>
-                                        <p:cTn id="11" dur="1" fill="hold">
-                                          <p:stCondLst>
-                                            <p:cond delay="0"/>
-                                          </p:stCondLst>
-                                        </p:cTn>
-                                        <p:tgtEl>
-                                          <p:spTgt spid="3">
-                                            <p:txEl>
-                                              <p:pRg st="1" end="1"/>
-                                            </p:txEl>
-                                          </p:spTgt>
-                                        </p:tgtEl>
-                                        <p:attrNameLst>
-                                          <p:attrName>style.visibility</p:attrName>
-                                        </p:attrNameLst>
-                                      </p:cBhvr>
-                                      <p:to>
-                                        <p:strVal val="visible"/>
-                                      </p:to>
-                                    </p:set>
-                                    <p:animEffect transition="in" filter="fade">
-                                      <p:cBhvr>
-                                        <p:cTn id="12" dur="500"/>
-                                        <p:tgtEl>
-                                          <p:spTgt spid="3">
-                                            <p:txEl>
-                                              <p:pRg st="1" end="1"/>
-                                            </p:txEl>
-                                          </p:spTgt>
-                                        </p:tgtEl>
-                                      </p:cBhvr>
-                                    </p:animEffect>
-                                  </p:childTnLst>
-                                </p:cTn>
-                              </p:par>
-                              <p:par>
-                                <p:cTn id="13" presetID="10" presetClass="entr" presetSubtype="0" fill="hold" grpId="0" nodeType="withEffect">
-                                  <p:stCondLst>
-                                    <p:cond delay="0"/>
-                                  </p:stCondLst>
-                                  <p:childTnLst>
-                                    <p:set>
-                                      <p:cBhvr>
-                                        <p:cTn id="14" dur="1" fill="hold">
-                                          <p:stCondLst>
-                                            <p:cond delay="0"/>
-                                          </p:stCondLst>
-                                        </p:cTn>
-                                        <p:tgtEl>
-                                          <p:spTgt spid="3">
-                                            <p:txEl>
-                                              <p:pRg st="2" end="2"/>
-                                            </p:txEl>
-                                          </p:spTgt>
-                                        </p:tgtEl>
-                                        <p:attrNameLst>
-                                          <p:attrName>style.visibility</p:attrName>
-                                        </p:attrNameLst>
-                                      </p:cBhvr>
-                                      <p:to>
-                                        <p:strVal val="visible"/>
-                                      </p:to>
-                                    </p:set>
-                                    <p:animEffect transition="in" filter="fade">
-                                      <p:cBhvr>
-                                        <p:cTn id="15" dur="500"/>
-                                        <p:tgtEl>
-                                          <p:spTgt spid="3">
-                                            <p:txEl>
-                                              <p:pRg st="2" end="2"/>
-                                            </p:txEl>
-                                          </p:spTgt>
-                                        </p:tgtEl>
-                                      </p:cBhvr>
-                                    </p:animEffect>
-                                  </p:childTnLst>
-                                </p:cTn>
-                              </p:par>
-                              <p:par>
-                                <p:cTn id="16" presetID="10" presetClass="entr" presetSubtype="0" fill="hold" grpId="0" nodeType="withEffect">
-                                  <p:stCondLst>
-                                    <p:cond delay="0"/>
-                                  </p:stCondLst>
-                                  <p:childTnLst>
-                                    <p:set>
-                                      <p:cBhvr>
-                                        <p:cTn id="17" dur="1" fill="hold">
-                                          <p:stCondLst>
-                                            <p:cond delay="0"/>
-                                          </p:stCondLst>
-                                        </p:cTn>
-                                        <p:tgtEl>
-                                          <p:spTgt spid="3">
-                                            <p:txEl>
-                                              <p:pRg st="3" end="3"/>
-                                            </p:txEl>
-                                          </p:spTgt>
-                                        </p:tgtEl>
-                                        <p:attrNameLst>
-                                          <p:attrName>style.visibility</p:attrName>
-                                        </p:attrNameLst>
-                                      </p:cBhvr>
-                                      <p:to>
-                                        <p:strVal val="visible"/>
-                                      </p:to>
-                                    </p:set>
-                                    <p:animEffect transition="in" filter="fade">
-                                      <p:cBhvr>
-                                        <p:cTn id="18" dur="500"/>
-                                        <p:tgtEl>
-                                          <p:spTgt spid="3">
-                                            <p:txEl>
-                                              <p:pRg st="3" end="3"/>
-                                            </p:txEl>
-                                          </p:spTgt>
-                                        </p:tgtEl>
-                                      </p:cBhvr>
-                                    </p:animEffect>
-                                  </p:childTnLst>
-                                </p:cTn>
-                              </p:par>
-                              <p:par>
-                                <p:cTn id="19" presetID="10" presetClass="entr" presetSubtype="0" fill="hold" grpId="0" nodeType="withEffect">
-                                  <p:stCondLst>
-                                    <p:cond delay="0"/>
-                                  </p:stCondLst>
-                                  <p:childTnLst>
-                                    <p:set>
-                                      <p:cBhvr>
-                                        <p:cTn id="20" dur="1" fill="hold">
-                                          <p:stCondLst>
-                                            <p:cond delay="0"/>
-                                          </p:stCondLst>
-                                        </p:cTn>
-                                        <p:tgtEl>
-                                          <p:spTgt spid="3">
-                                            <p:txEl>
-                                              <p:pRg st="4" end="4"/>
-                                            </p:txEl>
-                                          </p:spTgt>
-                                        </p:tgtEl>
-                                        <p:attrNameLst>
-                                          <p:attrName>style.visibility</p:attrName>
-                                        </p:attrNameLst>
-                                      </p:cBhvr>
-                                      <p:to>
-                                        <p:strVal val="visible"/>
-                                      </p:to>
-                                    </p:set>
-                                    <p:animEffect transition="in" filter="fade">
-                                      <p:cBhvr>
-                                        <p:cTn id="21" dur="500"/>
-                                        <p:tgtEl>
-                                          <p:spTgt spid="3">
-                                            <p:txEl>
-                                              <p:pRg st="4" end="4"/>
-                                            </p:txEl>
-                                          </p:spTgt>
-                                        </p:tgtEl>
-                                      </p:cBhvr>
-                                    </p:animEffect>
-                                  </p:childTnLst>
-                                </p:cTn>
-                              </p:par>
-                            </p:childTnLst>
-                          </p:cTn>
-                        </p:par>
-                      </p:childTnLst>
-                    </p:cTn>
-                  </p:par>
-                </p:childTnLst>
-              </p:cTn>
-              <p:prevCondLst>
-                <p:cond evt="onPrev" delay="0">
-                  <p:tgtEl>
-                    <p:sldTgt/>
-                  </p:tgtEl>
-                </p:cond>
-              </p:prevCondLst>
-              <p:nextCondLst>
-                <p:cond evt="onNext" delay="0">
-                  <p:tgtEl>
-                    <p:sldTgt/>
-                  </p:tgtEl>
-                </p:cond>
-              </p:nextCondLst>
-            </p:seq>
-          </p:childTnLst>
-        </p:cTn>
+        <p:cTn xmlns:p14="http://schemas.microsoft.com/office/powerpoint/2010/main" id="1" dur="indefinite" restart="never" nodeType="tmRoot"/>
       </p:par>
     </p:tnLst>
-    <p:bldLst>
-      <p:bldP spid="3" grpId="0" build="p"/>
-    </p:bldLst>
   </p:timing>
 </p:sld>
 </file>
@@ -18347,7 +18060,6 @@
               <a:rPr lang="en-US" dirty="0" smtClean="0"/>
               <a:t>basis</a:t>
             </a:r>
-            <a:endParaRPr lang="en-US" dirty="0" smtClean="0"/>
           </a:p>
           <a:p>
             <a:pPr>
@@ -18357,11 +18069,7 @@
             </a:pPr>
             <a:r>
               <a:rPr lang="en-US" dirty="0" smtClean="0"/>
-              <a:t>Indexes can </a:t>
-            </a:r>
-            <a:r>
-              <a:rPr lang="en-US" dirty="0" smtClean="0"/>
-              <a:t>be created and dropped</a:t>
+              <a:t>Indexes can be created and dropped</a:t>
             </a:r>
           </a:p>
           <a:p>
@@ -18372,15 +18080,7 @@
             </a:pPr>
             <a:r>
               <a:rPr lang="en-US" dirty="0" smtClean="0"/>
-              <a:t>Special </a:t>
-            </a:r>
-            <a:r>
-              <a:rPr lang="en-US" dirty="0" smtClean="0"/>
-              <a:t>case: primary </a:t>
-            </a:r>
-            <a:r>
-              <a:rPr lang="en-US" dirty="0" smtClean="0"/>
-              <a:t>index</a:t>
+              <a:t>Special case: primary index</a:t>
             </a:r>
             <a:endParaRPr lang="en-US" dirty="0"/>
           </a:p>
@@ -18410,279 +18110,9 @@
   <p:timing>
     <p:tnLst>
       <p:par>
-        <p:cTn xmlns:p14="http://schemas.microsoft.com/office/powerpoint/2010/main" id="1" dur="indefinite" restart="never" nodeType="tmRoot">
-          <p:childTnLst>
-            <p:seq concurrent="1" nextAc="seek">
-              <p:cTn id="2" dur="indefinite" nodeType="mainSeq">
-                <p:childTnLst>
-                  <p:par>
-                    <p:cTn id="3" fill="hold">
-                      <p:stCondLst>
-                        <p:cond delay="indefinite"/>
-                      </p:stCondLst>
-                      <p:childTnLst>
-                        <p:par>
-                          <p:cTn id="4" fill="hold">
-                            <p:stCondLst>
-                              <p:cond delay="0"/>
-                            </p:stCondLst>
-                            <p:childTnLst>
-                              <p:par>
-                                <p:cTn id="5" presetID="10" presetClass="entr" presetSubtype="0" fill="hold" grpId="0" nodeType="clickEffect">
-                                  <p:stCondLst>
-                                    <p:cond delay="0"/>
-                                  </p:stCondLst>
-                                  <p:childTnLst>
-                                    <p:set>
-                                      <p:cBhvr>
-                                        <p:cTn id="6" dur="1" fill="hold">
-                                          <p:stCondLst>
-                                            <p:cond delay="0"/>
-                                          </p:stCondLst>
-                                        </p:cTn>
-                                        <p:tgtEl>
-                                          <p:spTgt spid="3">
-                                            <p:txEl>
-                                              <p:pRg st="0" end="0"/>
-                                            </p:txEl>
-                                          </p:spTgt>
-                                        </p:tgtEl>
-                                        <p:attrNameLst>
-                                          <p:attrName>style.visibility</p:attrName>
-                                        </p:attrNameLst>
-                                      </p:cBhvr>
-                                      <p:to>
-                                        <p:strVal val="visible"/>
-                                      </p:to>
-                                    </p:set>
-                                    <p:animEffect transition="in" filter="fade">
-                                      <p:cBhvr>
-                                        <p:cTn id="7" dur="500"/>
-                                        <p:tgtEl>
-                                          <p:spTgt spid="3">
-                                            <p:txEl>
-                                              <p:pRg st="0" end="0"/>
-                                            </p:txEl>
-                                          </p:spTgt>
-                                        </p:tgtEl>
-                                      </p:cBhvr>
-                                    </p:animEffect>
-                                  </p:childTnLst>
-                                </p:cTn>
-                              </p:par>
-                            </p:childTnLst>
-                          </p:cTn>
-                        </p:par>
-                      </p:childTnLst>
-                    </p:cTn>
-                  </p:par>
-                  <p:par>
-                    <p:cTn id="8" fill="hold">
-                      <p:stCondLst>
-                        <p:cond delay="indefinite"/>
-                      </p:stCondLst>
-                      <p:childTnLst>
-                        <p:par>
-                          <p:cTn id="9" fill="hold">
-                            <p:stCondLst>
-                              <p:cond delay="0"/>
-                            </p:stCondLst>
-                            <p:childTnLst>
-                              <p:par>
-                                <p:cTn id="10" presetID="10" presetClass="entr" presetSubtype="0" fill="hold" grpId="0" nodeType="clickEffect">
-                                  <p:stCondLst>
-                                    <p:cond delay="0"/>
-                                  </p:stCondLst>
-                                  <p:childTnLst>
-                                    <p:set>
-                                      <p:cBhvr>
-                                        <p:cTn id="11" dur="1" fill="hold">
-                                          <p:stCondLst>
-                                            <p:cond delay="0"/>
-                                          </p:stCondLst>
-                                        </p:cTn>
-                                        <p:tgtEl>
-                                          <p:spTgt spid="3">
-                                            <p:txEl>
-                                              <p:pRg st="1" end="1"/>
-                                            </p:txEl>
-                                          </p:spTgt>
-                                        </p:tgtEl>
-                                        <p:attrNameLst>
-                                          <p:attrName>style.visibility</p:attrName>
-                                        </p:attrNameLst>
-                                      </p:cBhvr>
-                                      <p:to>
-                                        <p:strVal val="visible"/>
-                                      </p:to>
-                                    </p:set>
-                                    <p:animEffect transition="in" filter="fade">
-                                      <p:cBhvr>
-                                        <p:cTn id="12" dur="500"/>
-                                        <p:tgtEl>
-                                          <p:spTgt spid="3">
-                                            <p:txEl>
-                                              <p:pRg st="1" end="1"/>
-                                            </p:txEl>
-                                          </p:spTgt>
-                                        </p:tgtEl>
-                                      </p:cBhvr>
-                                    </p:animEffect>
-                                  </p:childTnLst>
-                                </p:cTn>
-                              </p:par>
-                            </p:childTnLst>
-                          </p:cTn>
-                        </p:par>
-                      </p:childTnLst>
-                    </p:cTn>
-                  </p:par>
-                  <p:par>
-                    <p:cTn id="13" fill="hold">
-                      <p:stCondLst>
-                        <p:cond delay="indefinite"/>
-                      </p:stCondLst>
-                      <p:childTnLst>
-                        <p:par>
-                          <p:cTn id="14" fill="hold">
-                            <p:stCondLst>
-                              <p:cond delay="0"/>
-                            </p:stCondLst>
-                            <p:childTnLst>
-                              <p:par>
-                                <p:cTn id="15" presetID="10" presetClass="entr" presetSubtype="0" fill="hold" grpId="0" nodeType="clickEffect">
-                                  <p:stCondLst>
-                                    <p:cond delay="0"/>
-                                  </p:stCondLst>
-                                  <p:childTnLst>
-                                    <p:set>
-                                      <p:cBhvr>
-                                        <p:cTn id="16" dur="1" fill="hold">
-                                          <p:stCondLst>
-                                            <p:cond delay="0"/>
-                                          </p:stCondLst>
-                                        </p:cTn>
-                                        <p:tgtEl>
-                                          <p:spTgt spid="3">
-                                            <p:txEl>
-                                              <p:pRg st="2" end="2"/>
-                                            </p:txEl>
-                                          </p:spTgt>
-                                        </p:tgtEl>
-                                        <p:attrNameLst>
-                                          <p:attrName>style.visibility</p:attrName>
-                                        </p:attrNameLst>
-                                      </p:cBhvr>
-                                      <p:to>
-                                        <p:strVal val="visible"/>
-                                      </p:to>
-                                    </p:set>
-                                    <p:animEffect transition="in" filter="fade">
-                                      <p:cBhvr>
-                                        <p:cTn id="17" dur="500"/>
-                                        <p:tgtEl>
-                                          <p:spTgt spid="3">
-                                            <p:txEl>
-                                              <p:pRg st="2" end="2"/>
-                                            </p:txEl>
-                                          </p:spTgt>
-                                        </p:tgtEl>
-                                      </p:cBhvr>
-                                    </p:animEffect>
-                                  </p:childTnLst>
-                                </p:cTn>
-                              </p:par>
-                            </p:childTnLst>
-                          </p:cTn>
-                        </p:par>
-                      </p:childTnLst>
-                    </p:cTn>
-                  </p:par>
-                  <p:par>
-                    <p:cTn id="18" fill="hold">
-                      <p:stCondLst>
-                        <p:cond delay="indefinite"/>
-                      </p:stCondLst>
-                      <p:childTnLst>
-                        <p:par>
-                          <p:cTn id="19" fill="hold">
-                            <p:stCondLst>
-                              <p:cond delay="0"/>
-                            </p:stCondLst>
-                            <p:childTnLst>
-                              <p:par>
-                                <p:cTn id="20" presetID="10" presetClass="entr" presetSubtype="0" fill="hold" grpId="0" nodeType="clickEffect">
-                                  <p:stCondLst>
-                                    <p:cond delay="0"/>
-                                  </p:stCondLst>
-                                  <p:childTnLst>
-                                    <p:set>
-                                      <p:cBhvr>
-                                        <p:cTn id="21" dur="1" fill="hold">
-                                          <p:stCondLst>
-                                            <p:cond delay="0"/>
-                                          </p:stCondLst>
-                                        </p:cTn>
-                                        <p:tgtEl>
-                                          <p:spTgt spid="3">
-                                            <p:txEl>
-                                              <p:pRg st="3" end="3"/>
-                                            </p:txEl>
-                                          </p:spTgt>
-                                        </p:tgtEl>
-                                        <p:attrNameLst>
-                                          <p:attrName>style.visibility</p:attrName>
-                                        </p:attrNameLst>
-                                      </p:cBhvr>
-                                      <p:to>
-                                        <p:strVal val="visible"/>
-                                      </p:to>
-                                    </p:set>
-                                    <p:animEffect transition="in" filter="fade">
-                                      <p:cBhvr>
-                                        <p:cTn id="22" dur="500"/>
-                                        <p:tgtEl>
-                                          <p:spTgt spid="3">
-                                            <p:txEl>
-                                              <p:pRg st="3" end="3"/>
-                                            </p:txEl>
-                                          </p:spTgt>
-                                        </p:tgtEl>
-                                      </p:cBhvr>
-                                    </p:animEffect>
-                                  </p:childTnLst>
-                                </p:cTn>
-                              </p:par>
-                            </p:childTnLst>
-                          </p:cTn>
-                        </p:par>
-                      </p:childTnLst>
-                    </p:cTn>
-                  </p:par>
-                </p:childTnLst>
-              </p:cTn>
-              <p:prevCondLst>
-                <p:cond evt="onPrev" delay="0">
-                  <p:tgtEl>
-                    <p:sldTgt/>
-                  </p:tgtEl>
-                </p:cond>
-              </p:prevCondLst>
-              <p:nextCondLst>
-                <p:cond evt="onNext" delay="0">
-                  <p:tgtEl>
-                    <p:sldTgt/>
-                  </p:tgtEl>
-                </p:cond>
-              </p:nextCondLst>
-            </p:seq>
-          </p:childTnLst>
-        </p:cTn>
+        <p:cTn xmlns:p14="http://schemas.microsoft.com/office/powerpoint/2010/main" id="1" dur="indefinite" restart="never" nodeType="tmRoot"/>
       </p:par>
     </p:tnLst>
-    <p:bldLst>
-      <p:bldP spid="3" grpId="0" build="p"/>
-    </p:bldLst>
   </p:timing>
 </p:sld>
 </file>
@@ -18752,10 +18182,128 @@
                 <a:spcPct val="140000"/>
               </a:lnSpc>
             </a:pPr>
+            <a:r>
+              <a:rPr lang="en-US" dirty="0" smtClean="0"/>
+              <a:t>Query Information through</a:t>
+            </a:r>
+          </a:p>
+          <a:p>
+            <a:pPr>
+              <a:lnSpc>
+                <a:spcPct val="140000"/>
+              </a:lnSpc>
+            </a:pPr>
+            <a:r>
+              <a:rPr lang="en-US" dirty="0" smtClean="0"/>
+              <a:t>For each Index:</a:t>
+            </a:r>
+            <a:endParaRPr lang="en-US" dirty="0" smtClean="0"/>
+          </a:p>
+          <a:p>
+            <a:pPr>
+              <a:lnSpc>
+                <a:spcPct val="140000"/>
+              </a:lnSpc>
+            </a:pPr>
+            <a:endParaRPr lang="en-US" dirty="0"/>
+          </a:p>
+          <a:p>
+            <a:pPr>
+              <a:lnSpc>
+                <a:spcPct val="140000"/>
+              </a:lnSpc>
+            </a:pPr>
+            <a:endParaRPr lang="en-US" dirty="0" smtClean="0"/>
+          </a:p>
+          <a:p>
+            <a:pPr>
+              <a:lnSpc>
+                <a:spcPct val="140000"/>
+              </a:lnSpc>
+            </a:pPr>
             <a:endParaRPr lang="en-US" dirty="0" smtClean="0"/>
           </a:p>
         </p:txBody>
       </p:sp>
+      <p:sp>
+        <p:nvSpPr>
+          <p:cNvPr id="4" name="Rechteck 3"/>
+          <p:cNvSpPr/>
+          <p:nvPr/>
+        </p:nvSpPr>
+        <p:spPr>
+          <a:xfrm>
+            <a:off x="4340194" y="1149902"/>
+            <a:ext cx="4201804" cy="369332"/>
+          </a:xfrm>
+          <a:prstGeom prst="rect">
+            <a:avLst/>
+          </a:prstGeom>
+        </p:spPr>
+        <p:txBody>
+          <a:bodyPr wrap="none">
+            <a:spAutoFit/>
+          </a:bodyPr>
+          <a:lstStyle/>
+          <a:p>
+            <a:r>
+              <a:rPr lang="de-DE" dirty="0" smtClean="0">
+                <a:latin typeface="Courier New"/>
+                <a:cs typeface="Courier New"/>
+              </a:rPr>
+              <a:t>SELECT * FROM </a:t>
+            </a:r>
+            <a:r>
+              <a:rPr lang="de-DE" b="1" dirty="0" err="1" smtClean="0">
+                <a:latin typeface="Courier New"/>
+                <a:cs typeface="Courier New"/>
+              </a:rPr>
+              <a:t>system:indexes</a:t>
+            </a:r>
+            <a:r>
+              <a:rPr lang="de-DE" dirty="0">
+                <a:latin typeface="Courier New"/>
+                <a:cs typeface="Courier New"/>
+              </a:rPr>
+              <a:t>;</a:t>
+            </a:r>
+            <a:endParaRPr lang="de-DE" dirty="0">
+              <a:latin typeface="Courier New"/>
+              <a:cs typeface="Courier New"/>
+            </a:endParaRPr>
+          </a:p>
+        </p:txBody>
+      </p:sp>
+      <p:pic>
+        <p:nvPicPr>
+          <p:cNvPr id="5" name="Bild 4" descr="Screen Shot 2015-05-25 at 19.53.59.png"/>
+          <p:cNvPicPr>
+            <a:picLocks noChangeAspect="1"/>
+          </p:cNvPicPr>
+          <p:nvPr/>
+        </p:nvPicPr>
+        <p:blipFill>
+          <a:blip r:embed="rId2">
+            <a:extLst>
+              <a:ext uri="{28A0092B-C50C-407E-A947-70E740481C1C}">
+                <a14:useLocalDpi xmlns:a14="http://schemas.microsoft.com/office/drawing/2010/main" val="0"/>
+              </a:ext>
+            </a:extLst>
+          </a:blip>
+          <a:stretch>
+            <a:fillRect/>
+          </a:stretch>
+        </p:blipFill>
+        <p:spPr>
+          <a:xfrm>
+            <a:off x="3054386" y="1712851"/>
+            <a:ext cx="4437276" cy="3196627"/>
+          </a:xfrm>
+          <a:prstGeom prst="rect">
+            <a:avLst/>
+          </a:prstGeom>
+        </p:spPr>
+      </p:pic>
     </p:spTree>
     <p:extLst>
       <p:ext uri="{BB962C8B-B14F-4D97-AF65-F5344CB8AC3E}">
@@ -18769,101 +18317,9 @@
   <p:timing>
     <p:tnLst>
       <p:par>
-        <p:cTn xmlns:p14="http://schemas.microsoft.com/office/powerpoint/2010/main" id="1" dur="indefinite" restart="never" nodeType="tmRoot">
-          <p:childTnLst>
-            <p:seq concurrent="1" nextAc="seek">
-              <p:cTn id="2" dur="indefinite" nodeType="mainSeq">
-                <p:childTnLst>
-                  <p:par>
-                    <p:cTn id="3" fill="hold">
-                      <p:stCondLst>
-                        <p:cond delay="indefinite"/>
-                      </p:stCondLst>
-                      <p:childTnLst>
-                        <p:par>
-                          <p:cTn id="4" fill="hold">
-                            <p:stCondLst>
-                              <p:cond delay="0"/>
-                            </p:stCondLst>
-                            <p:childTnLst>
-                              <p:par>
-                                <p:cTn id="5" presetID="10" presetClass="entr" presetSubtype="0" fill="hold" grpId="0" nodeType="clickEffect" nodePh="1">
-                                  <p:stCondLst>
-                                    <p:cond delay="0"/>
-                                  </p:stCondLst>
-                                  <p:endCondLst>
-                                    <p:cond evt="begin" delay="0">
-                                      <p:tn val="5"/>
-                                    </p:cond>
-                                  </p:endCondLst>
-                                  <p:childTnLst>
-                                    <p:set>
-                                      <p:cBhvr>
-                                        <p:cTn id="6" dur="1" fill="hold">
-                                          <p:stCondLst>
-                                            <p:cond delay="0"/>
-                                          </p:stCondLst>
-                                        </p:cTn>
-                                        <p:tgtEl>
-                                          <p:spTgt spid="3">
-                                            <p:txEl>
-                                              <p:pRg st="0" end="0"/>
-                                            </p:txEl>
-                                          </p:spTgt>
-                                        </p:tgtEl>
-                                        <p:attrNameLst>
-                                          <p:attrName>style.visibility</p:attrName>
-                                        </p:attrNameLst>
-                                      </p:cBhvr>
-                                      <p:to>
-                                        <p:strVal val="visible"/>
-                                      </p:to>
-                                    </p:set>
-                                    <p:animEffect transition="in" filter="fade">
-                                      <p:cBhvr>
-                                        <p:cTn id="7" dur="500"/>
-                                        <p:tgtEl>
-                                          <p:spTgt spid="3">
-                                            <p:txEl>
-                                              <p:pRg st="0" end="0"/>
-                                            </p:txEl>
-                                          </p:spTgt>
-                                        </p:tgtEl>
-                                      </p:cBhvr>
-                                    </p:animEffect>
-                                  </p:childTnLst>
-                                </p:cTn>
-                              </p:par>
-                            </p:childTnLst>
-                          </p:cTn>
-                        </p:par>
-                      </p:childTnLst>
-                    </p:cTn>
-                  </p:par>
-                </p:childTnLst>
-              </p:cTn>
-              <p:prevCondLst>
-                <p:cond evt="onPrev" delay="0">
-                  <p:tgtEl>
-                    <p:sldTgt/>
-                  </p:tgtEl>
-                </p:cond>
-              </p:prevCondLst>
-              <p:nextCondLst>
-                <p:cond evt="onNext" delay="0">
-                  <p:tgtEl>
-                    <p:sldTgt/>
-                  </p:tgtEl>
-                </p:cond>
-              </p:nextCondLst>
-            </p:seq>
-          </p:childTnLst>
-        </p:cTn>
+        <p:cTn xmlns:p14="http://schemas.microsoft.com/office/powerpoint/2010/main" id="1" dur="indefinite" restart="never" nodeType="tmRoot"/>
       </p:par>
     </p:tnLst>
-    <p:bldLst>
-      <p:bldP spid="3" grpId="0" build="p"/>
-    </p:bldLst>
   </p:timing>
 </p:sld>
 </file>
@@ -19295,10 +18751,152 @@
                 <a:spcPct val="140000"/>
               </a:lnSpc>
             </a:pPr>
+            <a:r>
+              <a:rPr lang="en-US" dirty="0" smtClean="0"/>
+              <a:t>Shows the planned execution </a:t>
+            </a:r>
+            <a:br>
+              <a:rPr lang="en-US" dirty="0" smtClean="0"/>
+            </a:br>
+            <a:r>
+              <a:rPr lang="en-US" dirty="0" smtClean="0"/>
+              <a:t>(including selected index)</a:t>
+            </a:r>
             <a:endParaRPr lang="en-US" dirty="0" smtClean="0"/>
           </a:p>
         </p:txBody>
       </p:sp>
+      <p:sp>
+        <p:nvSpPr>
+          <p:cNvPr id="4" name="Rechteck 3"/>
+          <p:cNvSpPr/>
+          <p:nvPr/>
+        </p:nvSpPr>
+        <p:spPr>
+          <a:xfrm>
+            <a:off x="807525" y="2633710"/>
+            <a:ext cx="3363520" cy="1200329"/>
+          </a:xfrm>
+          <a:prstGeom prst="rect">
+            <a:avLst/>
+          </a:prstGeom>
+        </p:spPr>
+        <p:txBody>
+          <a:bodyPr wrap="square">
+            <a:spAutoFit/>
+          </a:bodyPr>
+          <a:lstStyle/>
+          <a:p>
+            <a:r>
+              <a:rPr lang="de-DE" b="1" dirty="0" smtClean="0">
+                <a:latin typeface="Courier New"/>
+                <a:cs typeface="Courier New"/>
+              </a:rPr>
+              <a:t>EXPLAIN </a:t>
+            </a:r>
+          </a:p>
+          <a:p>
+            <a:r>
+              <a:rPr lang="de-DE" dirty="0" smtClean="0">
+                <a:latin typeface="Courier New"/>
+                <a:cs typeface="Courier New"/>
+              </a:rPr>
+              <a:t>SELECT * </a:t>
+            </a:r>
+          </a:p>
+          <a:p>
+            <a:r>
+              <a:rPr lang="de-DE" dirty="0" err="1" smtClean="0">
+                <a:latin typeface="Courier New"/>
+                <a:cs typeface="Courier New"/>
+              </a:rPr>
+              <a:t>FROM`</a:t>
+            </a:r>
+            <a:r>
+              <a:rPr lang="de-DE" dirty="0" err="1">
+                <a:latin typeface="Courier New"/>
+                <a:cs typeface="Courier New"/>
+              </a:rPr>
+              <a:t>travel</a:t>
+            </a:r>
+            <a:r>
+              <a:rPr lang="de-DE" dirty="0">
+                <a:latin typeface="Courier New"/>
+                <a:cs typeface="Courier New"/>
+              </a:rPr>
+              <a:t>-sample` </a:t>
+            </a:r>
+            <a:endParaRPr lang="de-DE" dirty="0" smtClean="0">
+              <a:latin typeface="Courier New"/>
+              <a:cs typeface="Courier New"/>
+            </a:endParaRPr>
+          </a:p>
+          <a:p>
+            <a:r>
+              <a:rPr lang="de-DE" dirty="0" smtClean="0">
+                <a:latin typeface="Courier New"/>
+                <a:cs typeface="Courier New"/>
+              </a:rPr>
+              <a:t>WHERE type </a:t>
+            </a:r>
+            <a:r>
+              <a:rPr lang="de-DE" dirty="0">
+                <a:latin typeface="Courier New"/>
+                <a:cs typeface="Courier New"/>
+              </a:rPr>
+              <a:t>= "</a:t>
+            </a:r>
+            <a:r>
+              <a:rPr lang="de-DE" dirty="0" err="1">
+                <a:latin typeface="Courier New"/>
+                <a:cs typeface="Courier New"/>
+              </a:rPr>
+              <a:t>airline</a:t>
+            </a:r>
+            <a:r>
+              <a:rPr lang="de-DE" dirty="0">
+                <a:latin typeface="Courier New"/>
+                <a:cs typeface="Courier New"/>
+              </a:rPr>
+              <a:t>";</a:t>
+            </a:r>
+            <a:endParaRPr lang="de-DE" dirty="0">
+              <a:latin typeface="Courier New"/>
+              <a:cs typeface="Courier New"/>
+            </a:endParaRPr>
+          </a:p>
+        </p:txBody>
+      </p:sp>
+      <p:pic>
+        <p:nvPicPr>
+          <p:cNvPr id="5" name="Bild 4" descr="Screen Shot 2015-05-25 at 20.09.18.png"/>
+          <p:cNvPicPr>
+            <a:picLocks noChangeAspect="1"/>
+          </p:cNvPicPr>
+          <p:nvPr/>
+        </p:nvPicPr>
+        <p:blipFill>
+          <a:blip r:embed="rId2">
+            <a:extLst>
+              <a:ext uri="{28A0092B-C50C-407E-A947-70E740481C1C}">
+                <a14:useLocalDpi xmlns:a14="http://schemas.microsoft.com/office/drawing/2010/main" val="0"/>
+              </a:ext>
+            </a:extLst>
+          </a:blip>
+          <a:stretch>
+            <a:fillRect/>
+          </a:stretch>
+        </p:blipFill>
+        <p:spPr>
+          <a:xfrm>
+            <a:off x="5206011" y="850439"/>
+            <a:ext cx="3070389" cy="4107144"/>
+          </a:xfrm>
+          <a:prstGeom prst="rect">
+            <a:avLst/>
+          </a:prstGeom>
+        </p:spPr>
+      </p:pic>
     </p:spTree>
     <p:extLst>
       <p:ext uri="{BB962C8B-B14F-4D97-AF65-F5344CB8AC3E}">
@@ -19312,101 +18910,9 @@
   <p:timing>
     <p:tnLst>
       <p:par>
-        <p:cTn xmlns:p14="http://schemas.microsoft.com/office/powerpoint/2010/main" id="1" dur="indefinite" restart="never" nodeType="tmRoot">
-          <p:childTnLst>
-            <p:seq concurrent="1" nextAc="seek">
-              <p:cTn id="2" dur="indefinite" nodeType="mainSeq">
-                <p:childTnLst>
-                  <p:par>
-                    <p:cTn id="3" fill="hold">
-                      <p:stCondLst>
-                        <p:cond delay="indefinite"/>
-                      </p:stCondLst>
-                      <p:childTnLst>
-                        <p:par>
-                          <p:cTn id="4" fill="hold">
-                            <p:stCondLst>
-                              <p:cond delay="0"/>
-                            </p:stCondLst>
-                            <p:childTnLst>
-                              <p:par>
-                                <p:cTn id="5" presetID="10" presetClass="entr" presetSubtype="0" fill="hold" grpId="0" nodeType="clickEffect" nodePh="1">
-                                  <p:stCondLst>
-                                    <p:cond delay="0"/>
-                                  </p:stCondLst>
-                                  <p:endCondLst>
-                                    <p:cond evt="begin" delay="0">
-                                      <p:tn val="5"/>
-                                    </p:cond>
-                                  </p:endCondLst>
-                                  <p:childTnLst>
-                                    <p:set>
-                                      <p:cBhvr>
-                                        <p:cTn id="6" dur="1" fill="hold">
-                                          <p:stCondLst>
-                                            <p:cond delay="0"/>
-                                          </p:stCondLst>
-                                        </p:cTn>
-                                        <p:tgtEl>
-                                          <p:spTgt spid="3">
-                                            <p:txEl>
-                                              <p:pRg st="0" end="0"/>
-                                            </p:txEl>
-                                          </p:spTgt>
-                                        </p:tgtEl>
-                                        <p:attrNameLst>
-                                          <p:attrName>style.visibility</p:attrName>
-                                        </p:attrNameLst>
-                                      </p:cBhvr>
-                                      <p:to>
-                                        <p:strVal val="visible"/>
-                                      </p:to>
-                                    </p:set>
-                                    <p:animEffect transition="in" filter="fade">
-                                      <p:cBhvr>
-                                        <p:cTn id="7" dur="500"/>
-                                        <p:tgtEl>
-                                          <p:spTgt spid="3">
-                                            <p:txEl>
-                                              <p:pRg st="0" end="0"/>
-                                            </p:txEl>
-                                          </p:spTgt>
-                                        </p:tgtEl>
-                                      </p:cBhvr>
-                                    </p:animEffect>
-                                  </p:childTnLst>
-                                </p:cTn>
-                              </p:par>
-                            </p:childTnLst>
-                          </p:cTn>
-                        </p:par>
-                      </p:childTnLst>
-                    </p:cTn>
-                  </p:par>
-                </p:childTnLst>
-              </p:cTn>
-              <p:prevCondLst>
-                <p:cond evt="onPrev" delay="0">
-                  <p:tgtEl>
-                    <p:sldTgt/>
-                  </p:tgtEl>
-                </p:cond>
-              </p:prevCondLst>
-              <p:nextCondLst>
-                <p:cond evt="onNext" delay="0">
-                  <p:tgtEl>
-                    <p:sldTgt/>
-                  </p:tgtEl>
-                </p:cond>
-              </p:nextCondLst>
-            </p:seq>
-          </p:childTnLst>
-        </p:cTn>
+        <p:cTn xmlns:p14="http://schemas.microsoft.com/office/powerpoint/2010/main" id="1" dur="indefinite" restart="never" nodeType="tmRoot"/>
       </p:par>
     </p:tnLst>
-    <p:bldLst>
-      <p:bldP spid="3" grpId="0" build="p"/>
-    </p:bldLst>
   </p:timing>
 </p:sld>
 </file>

--- a/server/presentations/07_N1QL Details.pptx
+++ b/server/presentations/07_N1QL Details.pptx
@@ -5060,7 +5060,79 @@
                 <a:spcPct val="140000"/>
               </a:lnSpc>
             </a:pPr>
-            <a:endParaRPr lang="en-US" dirty="0" smtClean="0"/>
+            <a:r>
+              <a:rPr lang="en-US" dirty="0" smtClean="0"/>
+              <a:t>Non-Stale queries used for “immediate query consistency”</a:t>
+            </a:r>
+          </a:p>
+          <a:p>
+            <a:pPr>
+              <a:lnSpc>
+                <a:spcPct val="140000"/>
+              </a:lnSpc>
+            </a:pPr>
+            <a:r>
+              <a:rPr lang="en-US" dirty="0" smtClean="0"/>
+              <a:t>Query performance is likely to be slower (since indexing is not </a:t>
+            </a:r>
+            <a:r>
+              <a:rPr lang="en-US" dirty="0" err="1" smtClean="0"/>
+              <a:t>async</a:t>
+            </a:r>
+            <a:r>
+              <a:rPr lang="en-US" dirty="0" smtClean="0"/>
+              <a:t> from query anymore)</a:t>
+            </a:r>
+          </a:p>
+          <a:p>
+            <a:pPr>
+              <a:lnSpc>
+                <a:spcPct val="140000"/>
+              </a:lnSpc>
+            </a:pPr>
+            <a:r>
+              <a:rPr lang="en-US" dirty="0" smtClean="0"/>
+              <a:t>How?</a:t>
+            </a:r>
+          </a:p>
+          <a:p>
+            <a:pPr lvl="1">
+              <a:lnSpc>
+                <a:spcPct val="140000"/>
+              </a:lnSpc>
+            </a:pPr>
+            <a:r>
+              <a:rPr lang="en-US" dirty="0" smtClean="0"/>
+              <a:t>Perform document mutation (insert, </a:t>
+            </a:r>
+            <a:r>
+              <a:rPr lang="en-US" dirty="0" err="1" smtClean="0"/>
+              <a:t>upsert</a:t>
+            </a:r>
+            <a:r>
+              <a:rPr lang="en-US" dirty="0" smtClean="0"/>
+              <a:t>, replace,…)</a:t>
+            </a:r>
+          </a:p>
+          <a:p>
+            <a:pPr lvl="1">
+              <a:lnSpc>
+                <a:spcPct val="140000"/>
+              </a:lnSpc>
+            </a:pPr>
+            <a:r>
+              <a:rPr lang="en-US" dirty="0" smtClean="0"/>
+              <a:t>Query with REQUEST_PLUS consistency</a:t>
+            </a:r>
+          </a:p>
+          <a:p>
+            <a:pPr marL="0" indent="0">
+              <a:lnSpc>
+                <a:spcPct val="140000"/>
+              </a:lnSpc>
+              <a:buNone/>
+            </a:pPr>
+            <a:endParaRPr lang="en-US" dirty="0"/>
           </a:p>
         </p:txBody>
       </p:sp>
@@ -5095,15 +5167,10 @@
                             </p:stCondLst>
                             <p:childTnLst>
                               <p:par>
-                                <p:cTn id="5" presetID="10" presetClass="entr" presetSubtype="0" fill="hold" grpId="0" nodeType="clickEffect" nodePh="1">
+                                <p:cTn id="5" presetID="10" presetClass="entr" presetSubtype="0" fill="hold" grpId="0" nodeType="clickEffect">
                                   <p:stCondLst>
                                     <p:cond delay="0"/>
                                   </p:stCondLst>
-                                  <p:endCondLst>
-                                    <p:cond evt="begin" delay="0">
-                                      <p:tn val="5"/>
-                                    </p:cond>
-                                  </p:endCondLst>
                                   <p:childTnLst>
                                     <p:set>
                                       <p:cBhvr>
@@ -5134,6 +5201,214 @@
                                           <p:spTgt spid="3">
                                             <p:txEl>
                                               <p:pRg st="0" end="0"/>
+                                            </p:txEl>
+                                          </p:spTgt>
+                                        </p:tgtEl>
+                                      </p:cBhvr>
+                                    </p:animEffect>
+                                  </p:childTnLst>
+                                </p:cTn>
+                              </p:par>
+                            </p:childTnLst>
+                          </p:cTn>
+                        </p:par>
+                      </p:childTnLst>
+                    </p:cTn>
+                  </p:par>
+                  <p:par>
+                    <p:cTn id="8" fill="hold">
+                      <p:stCondLst>
+                        <p:cond delay="indefinite"/>
+                      </p:stCondLst>
+                      <p:childTnLst>
+                        <p:par>
+                          <p:cTn id="9" fill="hold">
+                            <p:stCondLst>
+                              <p:cond delay="0"/>
+                            </p:stCondLst>
+                            <p:childTnLst>
+                              <p:par>
+                                <p:cTn id="10" presetID="10" presetClass="entr" presetSubtype="0" fill="hold" grpId="0" nodeType="clickEffect">
+                                  <p:stCondLst>
+                                    <p:cond delay="0"/>
+                                  </p:stCondLst>
+                                  <p:childTnLst>
+                                    <p:set>
+                                      <p:cBhvr>
+                                        <p:cTn id="11" dur="1" fill="hold">
+                                          <p:stCondLst>
+                                            <p:cond delay="0"/>
+                                          </p:stCondLst>
+                                        </p:cTn>
+                                        <p:tgtEl>
+                                          <p:spTgt spid="3">
+                                            <p:txEl>
+                                              <p:pRg st="1" end="1"/>
+                                            </p:txEl>
+                                          </p:spTgt>
+                                        </p:tgtEl>
+                                        <p:attrNameLst>
+                                          <p:attrName>style.visibility</p:attrName>
+                                        </p:attrNameLst>
+                                      </p:cBhvr>
+                                      <p:to>
+                                        <p:strVal val="visible"/>
+                                      </p:to>
+                                    </p:set>
+                                    <p:animEffect transition="in" filter="fade">
+                                      <p:cBhvr>
+                                        <p:cTn id="12" dur="500"/>
+                                        <p:tgtEl>
+                                          <p:spTgt spid="3">
+                                            <p:txEl>
+                                              <p:pRg st="1" end="1"/>
+                                            </p:txEl>
+                                          </p:spTgt>
+                                        </p:tgtEl>
+                                      </p:cBhvr>
+                                    </p:animEffect>
+                                  </p:childTnLst>
+                                </p:cTn>
+                              </p:par>
+                            </p:childTnLst>
+                          </p:cTn>
+                        </p:par>
+                      </p:childTnLst>
+                    </p:cTn>
+                  </p:par>
+                  <p:par>
+                    <p:cTn id="13" fill="hold">
+                      <p:stCondLst>
+                        <p:cond delay="indefinite"/>
+                      </p:stCondLst>
+                      <p:childTnLst>
+                        <p:par>
+                          <p:cTn id="14" fill="hold">
+                            <p:stCondLst>
+                              <p:cond delay="0"/>
+                            </p:stCondLst>
+                            <p:childTnLst>
+                              <p:par>
+                                <p:cTn id="15" presetID="10" presetClass="entr" presetSubtype="0" fill="hold" grpId="0" nodeType="clickEffect">
+                                  <p:stCondLst>
+                                    <p:cond delay="0"/>
+                                  </p:stCondLst>
+                                  <p:childTnLst>
+                                    <p:set>
+                                      <p:cBhvr>
+                                        <p:cTn id="16" dur="1" fill="hold">
+                                          <p:stCondLst>
+                                            <p:cond delay="0"/>
+                                          </p:stCondLst>
+                                        </p:cTn>
+                                        <p:tgtEl>
+                                          <p:spTgt spid="3">
+                                            <p:txEl>
+                                              <p:pRg st="2" end="2"/>
+                                            </p:txEl>
+                                          </p:spTgt>
+                                        </p:tgtEl>
+                                        <p:attrNameLst>
+                                          <p:attrName>style.visibility</p:attrName>
+                                        </p:attrNameLst>
+                                      </p:cBhvr>
+                                      <p:to>
+                                        <p:strVal val="visible"/>
+                                      </p:to>
+                                    </p:set>
+                                    <p:animEffect transition="in" filter="fade">
+                                      <p:cBhvr>
+                                        <p:cTn id="17" dur="500"/>
+                                        <p:tgtEl>
+                                          <p:spTgt spid="3">
+                                            <p:txEl>
+                                              <p:pRg st="2" end="2"/>
+                                            </p:txEl>
+                                          </p:spTgt>
+                                        </p:tgtEl>
+                                      </p:cBhvr>
+                                    </p:animEffect>
+                                  </p:childTnLst>
+                                </p:cTn>
+                              </p:par>
+                              <p:par>
+                                <p:cTn id="18" presetID="10" presetClass="entr" presetSubtype="0" fill="hold" grpId="0" nodeType="withEffect">
+                                  <p:stCondLst>
+                                    <p:cond delay="0"/>
+                                  </p:stCondLst>
+                                  <p:childTnLst>
+                                    <p:set>
+                                      <p:cBhvr>
+                                        <p:cTn id="19" dur="1" fill="hold">
+                                          <p:stCondLst>
+                                            <p:cond delay="0"/>
+                                          </p:stCondLst>
+                                        </p:cTn>
+                                        <p:tgtEl>
+                                          <p:spTgt spid="3">
+                                            <p:txEl>
+                                              <p:pRg st="3" end="3"/>
+                                            </p:txEl>
+                                          </p:spTgt>
+                                        </p:tgtEl>
+                                        <p:attrNameLst>
+                                          <p:attrName>style.visibility</p:attrName>
+                                        </p:attrNameLst>
+                                      </p:cBhvr>
+                                      <p:to>
+                                        <p:strVal val="visible"/>
+                                      </p:to>
+                                    </p:set>
+                                    <p:animEffect transition="in" filter="fade">
+                                      <p:cBhvr>
+                                        <p:cTn id="20" dur="500"/>
+                                        <p:tgtEl>
+                                          <p:spTgt spid="3">
+                                            <p:txEl>
+                                              <p:pRg st="3" end="3"/>
+                                            </p:txEl>
+                                          </p:spTgt>
+                                        </p:tgtEl>
+                                      </p:cBhvr>
+                                    </p:animEffect>
+                                  </p:childTnLst>
+                                </p:cTn>
+                              </p:par>
+                              <p:par>
+                                <p:cTn id="21" presetID="10" presetClass="entr" presetSubtype="0" fill="hold" grpId="0" nodeType="withEffect">
+                                  <p:stCondLst>
+                                    <p:cond delay="0"/>
+                                  </p:stCondLst>
+                                  <p:childTnLst>
+                                    <p:set>
+                                      <p:cBhvr>
+                                        <p:cTn id="22" dur="1" fill="hold">
+                                          <p:stCondLst>
+                                            <p:cond delay="0"/>
+                                          </p:stCondLst>
+                                        </p:cTn>
+                                        <p:tgtEl>
+                                          <p:spTgt spid="3">
+                                            <p:txEl>
+                                              <p:pRg st="4" end="4"/>
+                                            </p:txEl>
+                                          </p:spTgt>
+                                        </p:tgtEl>
+                                        <p:attrNameLst>
+                                          <p:attrName>style.visibility</p:attrName>
+                                        </p:attrNameLst>
+                                      </p:cBhvr>
+                                      <p:to>
+                                        <p:strVal val="visible"/>
+                                      </p:to>
+                                    </p:set>
+                                    <p:animEffect transition="in" filter="fade">
+                                      <p:cBhvr>
+                                        <p:cTn id="23" dur="500"/>
+                                        <p:tgtEl>
+                                          <p:spTgt spid="3">
+                                            <p:txEl>
+                                              <p:pRg st="4" end="4"/>
                                             </p:txEl>
                                           </p:spTgt>
                                         </p:tgtEl>
@@ -5241,7 +5516,273 @@
                 <a:spcPct val="140000"/>
               </a:lnSpc>
             </a:pPr>
+            <a:r>
+              <a:rPr lang="en-US" dirty="0" smtClean="0"/>
+              <a:t>Decouple parameters from the actual Query</a:t>
+            </a:r>
+          </a:p>
+          <a:p>
+            <a:pPr>
+              <a:lnSpc>
+                <a:spcPct val="140000"/>
+              </a:lnSpc>
+            </a:pPr>
+            <a:r>
+              <a:rPr lang="en-US" dirty="0" smtClean="0"/>
+              <a:t>Two variants</a:t>
+            </a:r>
+          </a:p>
+          <a:p>
+            <a:pPr lvl="1">
+              <a:lnSpc>
+                <a:spcPct val="140000"/>
+              </a:lnSpc>
+            </a:pPr>
+            <a:r>
+              <a:rPr lang="en-US" dirty="0" smtClean="0"/>
+              <a:t>Positional Parameters ($1, $2,…)</a:t>
+            </a:r>
+          </a:p>
+          <a:p>
+            <a:pPr lvl="1">
+              <a:lnSpc>
+                <a:spcPct val="140000"/>
+              </a:lnSpc>
+            </a:pPr>
+            <a:r>
+              <a:rPr lang="en-US" dirty="0" smtClean="0"/>
+              <a:t>Named Parameters ($</a:t>
+            </a:r>
+            <a:r>
+              <a:rPr lang="en-US" dirty="0" err="1" smtClean="0"/>
+              <a:t>fname</a:t>
+            </a:r>
+            <a:r>
+              <a:rPr lang="en-US" dirty="0" smtClean="0"/>
+              <a:t>, $</a:t>
+            </a:r>
+            <a:r>
+              <a:rPr lang="en-US" dirty="0" err="1" smtClean="0"/>
+              <a:t>lname</a:t>
+            </a:r>
+            <a:r>
+              <a:rPr lang="en-US" dirty="0" smtClean="0"/>
+              <a:t>)</a:t>
+            </a:r>
             <a:endParaRPr lang="en-US" dirty="0" smtClean="0"/>
+          </a:p>
+        </p:txBody>
+      </p:sp>
+      <p:sp>
+        <p:nvSpPr>
+          <p:cNvPr id="4" name="Rechteck 3"/>
+          <p:cNvSpPr/>
+          <p:nvPr/>
+        </p:nvSpPr>
+        <p:spPr>
+          <a:xfrm>
+            <a:off x="457200" y="3244984"/>
+            <a:ext cx="8396825" cy="369332"/>
+          </a:xfrm>
+          <a:prstGeom prst="rect">
+            <a:avLst/>
+          </a:prstGeom>
+        </p:spPr>
+        <p:txBody>
+          <a:bodyPr wrap="square">
+            <a:spAutoFit/>
+          </a:bodyPr>
+          <a:lstStyle/>
+          <a:p>
+            <a:r>
+              <a:rPr lang="de-DE" dirty="0">
+                <a:latin typeface="Courier New"/>
+                <a:cs typeface="Courier New"/>
+              </a:rPr>
+              <a:t> SELECT </a:t>
+            </a:r>
+            <a:r>
+              <a:rPr lang="de-DE" dirty="0" err="1">
+                <a:latin typeface="Courier New"/>
+                <a:cs typeface="Courier New"/>
+              </a:rPr>
+              <a:t>detail</a:t>
+            </a:r>
+            <a:r>
+              <a:rPr lang="de-DE" dirty="0">
+                <a:latin typeface="Courier New"/>
+                <a:cs typeface="Courier New"/>
+              </a:rPr>
+              <a:t> FROM </a:t>
+            </a:r>
+            <a:r>
+              <a:rPr lang="de-DE" dirty="0" err="1">
+                <a:latin typeface="Courier New"/>
+                <a:cs typeface="Courier New"/>
+              </a:rPr>
+              <a:t>emp</a:t>
+            </a:r>
+            <a:r>
+              <a:rPr lang="de-DE" dirty="0">
+                <a:latin typeface="Courier New"/>
+                <a:cs typeface="Courier New"/>
+              </a:rPr>
+              <a:t> </a:t>
+            </a:r>
+            <a:r>
+              <a:rPr lang="de-DE" b="1" dirty="0">
+                <a:latin typeface="Courier New"/>
+                <a:cs typeface="Courier New"/>
+              </a:rPr>
+              <a:t>WHERE </a:t>
+            </a:r>
+            <a:r>
+              <a:rPr lang="de-DE" b="1" dirty="0" err="1">
+                <a:latin typeface="Courier New"/>
+                <a:cs typeface="Courier New"/>
+              </a:rPr>
+              <a:t>name</a:t>
+            </a:r>
+            <a:r>
+              <a:rPr lang="de-DE" b="1" dirty="0">
+                <a:latin typeface="Courier New"/>
+                <a:cs typeface="Courier New"/>
+              </a:rPr>
+              <a:t> = $1 AND </a:t>
+            </a:r>
+            <a:r>
+              <a:rPr lang="de-DE" b="1" dirty="0" err="1">
+                <a:latin typeface="Courier New"/>
+                <a:cs typeface="Courier New"/>
+              </a:rPr>
+              <a:t>hiredate</a:t>
+            </a:r>
+            <a:r>
+              <a:rPr lang="de-DE" b="1" dirty="0">
+                <a:latin typeface="Courier New"/>
+                <a:cs typeface="Courier New"/>
+              </a:rPr>
+              <a:t> &gt; $2 </a:t>
+            </a:r>
+          </a:p>
+        </p:txBody>
+      </p:sp>
+      <p:sp>
+        <p:nvSpPr>
+          <p:cNvPr id="5" name="Rechteck 4"/>
+          <p:cNvSpPr/>
+          <p:nvPr/>
+        </p:nvSpPr>
+        <p:spPr>
+          <a:xfrm>
+            <a:off x="422552" y="3691073"/>
+            <a:ext cx="8554885" cy="369332"/>
+          </a:xfrm>
+          <a:prstGeom prst="rect">
+            <a:avLst/>
+          </a:prstGeom>
+        </p:spPr>
+        <p:txBody>
+          <a:bodyPr wrap="square">
+            <a:spAutoFit/>
+          </a:bodyPr>
+          <a:lstStyle/>
+          <a:p>
+            <a:r>
+              <a:rPr lang="de-DE" dirty="0">
+                <a:latin typeface="Courier New"/>
+                <a:cs typeface="Courier New"/>
+              </a:rPr>
+              <a:t> SELECT </a:t>
+            </a:r>
+            <a:r>
+              <a:rPr lang="de-DE" dirty="0" err="1">
+                <a:latin typeface="Courier New"/>
+                <a:cs typeface="Courier New"/>
+              </a:rPr>
+              <a:t>detail</a:t>
+            </a:r>
+            <a:r>
+              <a:rPr lang="de-DE" dirty="0">
+                <a:latin typeface="Courier New"/>
+                <a:cs typeface="Courier New"/>
+              </a:rPr>
+              <a:t> FROM </a:t>
+            </a:r>
+            <a:r>
+              <a:rPr lang="de-DE" dirty="0" err="1">
+                <a:latin typeface="Courier New"/>
+                <a:cs typeface="Courier New"/>
+              </a:rPr>
+              <a:t>emp</a:t>
+            </a:r>
+            <a:r>
+              <a:rPr lang="de-DE" dirty="0">
+                <a:latin typeface="Courier New"/>
+                <a:cs typeface="Courier New"/>
+              </a:rPr>
+              <a:t> </a:t>
+            </a:r>
+            <a:r>
+              <a:rPr lang="de-DE" b="1" dirty="0">
+                <a:latin typeface="Courier New"/>
+                <a:cs typeface="Courier New"/>
+              </a:rPr>
+              <a:t>WHERE </a:t>
+            </a:r>
+            <a:r>
+              <a:rPr lang="de-DE" b="1" dirty="0" err="1">
+                <a:latin typeface="Courier New"/>
+                <a:cs typeface="Courier New"/>
+              </a:rPr>
+              <a:t>name</a:t>
+            </a:r>
+            <a:r>
+              <a:rPr lang="de-DE" b="1" dirty="0">
+                <a:latin typeface="Courier New"/>
+                <a:cs typeface="Courier New"/>
+              </a:rPr>
+              <a:t> = $</a:t>
+            </a:r>
+            <a:r>
+              <a:rPr lang="de-DE" b="1" dirty="0" err="1">
+                <a:latin typeface="Courier New"/>
+                <a:cs typeface="Courier New"/>
+              </a:rPr>
+              <a:t>nval</a:t>
+            </a:r>
+            <a:r>
+              <a:rPr lang="de-DE" b="1" dirty="0">
+                <a:latin typeface="Courier New"/>
+                <a:cs typeface="Courier New"/>
+              </a:rPr>
+              <a:t> AND </a:t>
+            </a:r>
+            <a:r>
+              <a:rPr lang="de-DE" b="1" dirty="0" err="1">
+                <a:latin typeface="Courier New"/>
+                <a:cs typeface="Courier New"/>
+              </a:rPr>
+              <a:t>age</a:t>
+            </a:r>
+            <a:r>
+              <a:rPr lang="de-DE" b="1" dirty="0">
+                <a:latin typeface="Courier New"/>
+                <a:cs typeface="Courier New"/>
+              </a:rPr>
+              <a:t> &gt; $</a:t>
+            </a:r>
+            <a:r>
+              <a:rPr lang="de-DE" b="1" dirty="0" err="1">
+                <a:latin typeface="Courier New"/>
+                <a:cs typeface="Courier New"/>
+              </a:rPr>
+              <a:t>aval</a:t>
+            </a:r>
+            <a:endParaRPr lang="de-DE" b="1" dirty="0">
+              <a:latin typeface="Courier New"/>
+              <a:cs typeface="Courier New"/>
+            </a:endParaRPr>
           </a:p>
         </p:txBody>
       </p:sp>
@@ -5276,15 +5817,10 @@
                             </p:stCondLst>
                             <p:childTnLst>
                               <p:par>
-                                <p:cTn id="5" presetID="10" presetClass="entr" presetSubtype="0" fill="hold" grpId="0" nodeType="clickEffect" nodePh="1">
+                                <p:cTn id="5" presetID="10" presetClass="entr" presetSubtype="0" fill="hold" grpId="0" nodeType="clickEffect">
                                   <p:stCondLst>
                                     <p:cond delay="0"/>
                                   </p:stCondLst>
-                                  <p:endCondLst>
-                                    <p:cond evt="begin" delay="0">
-                                      <p:tn val="5"/>
-                                    </p:cond>
-                                  </p:endCondLst>
                                   <p:childTnLst>
                                     <p:set>
                                       <p:cBhvr>
@@ -5315,6 +5851,153 @@
                                           <p:spTgt spid="3">
                                             <p:txEl>
                                               <p:pRg st="0" end="0"/>
+                                            </p:txEl>
+                                          </p:spTgt>
+                                        </p:tgtEl>
+                                      </p:cBhvr>
+                                    </p:animEffect>
+                                  </p:childTnLst>
+                                </p:cTn>
+                              </p:par>
+                            </p:childTnLst>
+                          </p:cTn>
+                        </p:par>
+                      </p:childTnLst>
+                    </p:cTn>
+                  </p:par>
+                  <p:par>
+                    <p:cTn id="8" fill="hold">
+                      <p:stCondLst>
+                        <p:cond delay="indefinite"/>
+                      </p:stCondLst>
+                      <p:childTnLst>
+                        <p:par>
+                          <p:cTn id="9" fill="hold">
+                            <p:stCondLst>
+                              <p:cond delay="0"/>
+                            </p:stCondLst>
+                            <p:childTnLst>
+                              <p:par>
+                                <p:cTn id="10" presetID="10" presetClass="entr" presetSubtype="0" fill="hold" grpId="0" nodeType="clickEffect">
+                                  <p:stCondLst>
+                                    <p:cond delay="0"/>
+                                  </p:stCondLst>
+                                  <p:childTnLst>
+                                    <p:set>
+                                      <p:cBhvr>
+                                        <p:cTn id="11" dur="1" fill="hold">
+                                          <p:stCondLst>
+                                            <p:cond delay="0"/>
+                                          </p:stCondLst>
+                                        </p:cTn>
+                                        <p:tgtEl>
+                                          <p:spTgt spid="3">
+                                            <p:txEl>
+                                              <p:pRg st="1" end="1"/>
+                                            </p:txEl>
+                                          </p:spTgt>
+                                        </p:tgtEl>
+                                        <p:attrNameLst>
+                                          <p:attrName>style.visibility</p:attrName>
+                                        </p:attrNameLst>
+                                      </p:cBhvr>
+                                      <p:to>
+                                        <p:strVal val="visible"/>
+                                      </p:to>
+                                    </p:set>
+                                    <p:animEffect transition="in" filter="fade">
+                                      <p:cBhvr>
+                                        <p:cTn id="12" dur="500"/>
+                                        <p:tgtEl>
+                                          <p:spTgt spid="3">
+                                            <p:txEl>
+                                              <p:pRg st="1" end="1"/>
+                                            </p:txEl>
+                                          </p:spTgt>
+                                        </p:tgtEl>
+                                      </p:cBhvr>
+                                    </p:animEffect>
+                                  </p:childTnLst>
+                                </p:cTn>
+                              </p:par>
+                              <p:par>
+                                <p:cTn id="13" presetID="10" presetClass="entr" presetSubtype="0" fill="hold" grpId="0" nodeType="withEffect">
+                                  <p:stCondLst>
+                                    <p:cond delay="0"/>
+                                  </p:stCondLst>
+                                  <p:childTnLst>
+                                    <p:set>
+                                      <p:cBhvr>
+                                        <p:cTn id="14" dur="1" fill="hold">
+                                          <p:stCondLst>
+                                            <p:cond delay="0"/>
+                                          </p:stCondLst>
+                                        </p:cTn>
+                                        <p:tgtEl>
+                                          <p:spTgt spid="3">
+                                            <p:txEl>
+                                              <p:pRg st="2" end="2"/>
+                                            </p:txEl>
+                                          </p:spTgt>
+                                        </p:tgtEl>
+                                        <p:attrNameLst>
+                                          <p:attrName>style.visibility</p:attrName>
+                                        </p:attrNameLst>
+                                      </p:cBhvr>
+                                      <p:to>
+                                        <p:strVal val="visible"/>
+                                      </p:to>
+                                    </p:set>
+                                    <p:animEffect transition="in" filter="fade">
+                                      <p:cBhvr>
+                                        <p:cTn id="15" dur="500"/>
+                                        <p:tgtEl>
+                                          <p:spTgt spid="3">
+                                            <p:txEl>
+                                              <p:pRg st="2" end="2"/>
+                                            </p:txEl>
+                                          </p:spTgt>
+                                        </p:tgtEl>
+                                      </p:cBhvr>
+                                    </p:animEffect>
+                                  </p:childTnLst>
+                                </p:cTn>
+                              </p:par>
+                              <p:par>
+                                <p:cTn id="16" presetID="10" presetClass="entr" presetSubtype="0" fill="hold" grpId="0" nodeType="withEffect">
+                                  <p:stCondLst>
+                                    <p:cond delay="0"/>
+                                  </p:stCondLst>
+                                  <p:childTnLst>
+                                    <p:set>
+                                      <p:cBhvr>
+                                        <p:cTn id="17" dur="1" fill="hold">
+                                          <p:stCondLst>
+                                            <p:cond delay="0"/>
+                                          </p:stCondLst>
+                                        </p:cTn>
+                                        <p:tgtEl>
+                                          <p:spTgt spid="3">
+                                            <p:txEl>
+                                              <p:pRg st="3" end="3"/>
+                                            </p:txEl>
+                                          </p:spTgt>
+                                        </p:tgtEl>
+                                        <p:attrNameLst>
+                                          <p:attrName>style.visibility</p:attrName>
+                                        </p:attrNameLst>
+                                      </p:cBhvr>
+                                      <p:to>
+                                        <p:strVal val="visible"/>
+                                      </p:to>
+                                    </p:set>
+                                    <p:animEffect transition="in" filter="fade">
+                                      <p:cBhvr>
+                                        <p:cTn id="18" dur="500"/>
+                                        <p:tgtEl>
+                                          <p:spTgt spid="3">
+                                            <p:txEl>
+                                              <p:pRg st="3" end="3"/>
                                             </p:txEl>
                                           </p:spTgt>
                                         </p:tgtEl>
@@ -5422,7 +6105,101 @@
                 <a:spcPct val="140000"/>
               </a:lnSpc>
             </a:pPr>
+            <a:r>
+              <a:rPr lang="en-US" dirty="0" smtClean="0"/>
+              <a:t>Prepare a Query to avoid repeated AST-building overhead on the server side.</a:t>
+            </a:r>
+          </a:p>
+          <a:p>
+            <a:pPr>
+              <a:lnSpc>
+                <a:spcPct val="140000"/>
+              </a:lnSpc>
+            </a:pPr>
+            <a:endParaRPr lang="en-US" dirty="0"/>
+          </a:p>
+          <a:p>
+            <a:pPr>
+              <a:lnSpc>
+                <a:spcPct val="140000"/>
+              </a:lnSpc>
+            </a:pPr>
+            <a:r>
+              <a:rPr lang="en-US" dirty="0" smtClean="0"/>
+              <a:t>Returns a “blob” which can be subsequently used instead of the original query.</a:t>
+            </a:r>
+          </a:p>
+          <a:p>
+            <a:pPr>
+              <a:lnSpc>
+                <a:spcPct val="140000"/>
+              </a:lnSpc>
+            </a:pPr>
+            <a:r>
+              <a:rPr lang="en-US" dirty="0" smtClean="0"/>
+              <a:t>SDK support for easier handling</a:t>
+            </a:r>
             <a:endParaRPr lang="en-US" dirty="0" smtClean="0"/>
+          </a:p>
+        </p:txBody>
+      </p:sp>
+      <p:sp>
+        <p:nvSpPr>
+          <p:cNvPr id="4" name="Rechteck 3"/>
+          <p:cNvSpPr/>
+          <p:nvPr/>
+        </p:nvSpPr>
+        <p:spPr>
+          <a:xfrm>
+            <a:off x="752322" y="2202418"/>
+            <a:ext cx="5309980" cy="369332"/>
+          </a:xfrm>
+          <a:prstGeom prst="rect">
+            <a:avLst/>
+          </a:prstGeom>
+        </p:spPr>
+        <p:txBody>
+          <a:bodyPr wrap="none">
+            <a:spAutoFit/>
+          </a:bodyPr>
+          <a:lstStyle/>
+          <a:p>
+            <a:r>
+              <a:rPr lang="de-DE" b="1" dirty="0" smtClean="0">
+                <a:latin typeface="Courier New"/>
+                <a:cs typeface="Courier New"/>
+              </a:rPr>
+              <a:t>PREPARE</a:t>
+            </a:r>
+            <a:r>
+              <a:rPr lang="de-DE" dirty="0" smtClean="0">
+                <a:latin typeface="Courier New"/>
+                <a:cs typeface="Courier New"/>
+              </a:rPr>
+              <a:t> SELECT </a:t>
+            </a:r>
+            <a:r>
+              <a:rPr lang="de-DE" dirty="0">
+                <a:latin typeface="Courier New"/>
+                <a:cs typeface="Courier New"/>
+              </a:rPr>
+              <a:t>* FROM `</a:t>
+            </a:r>
+            <a:r>
+              <a:rPr lang="de-DE" dirty="0" err="1">
+                <a:latin typeface="Courier New"/>
+                <a:cs typeface="Courier New"/>
+              </a:rPr>
+              <a:t>travel</a:t>
+            </a:r>
+            <a:r>
+              <a:rPr lang="de-DE" dirty="0">
+                <a:latin typeface="Courier New"/>
+                <a:cs typeface="Courier New"/>
+              </a:rPr>
+              <a:t>-sample` </a:t>
+            </a:r>
+            <a:endParaRPr lang="de-DE" dirty="0"/>
           </a:p>
         </p:txBody>
       </p:sp>
@@ -5457,15 +6234,10 @@
                             </p:stCondLst>
                             <p:childTnLst>
                               <p:par>
-                                <p:cTn id="5" presetID="10" presetClass="entr" presetSubtype="0" fill="hold" grpId="0" nodeType="clickEffect" nodePh="1">
+                                <p:cTn id="5" presetID="10" presetClass="entr" presetSubtype="0" fill="hold" grpId="0" nodeType="clickEffect">
                                   <p:stCondLst>
                                     <p:cond delay="0"/>
                                   </p:stCondLst>
-                                  <p:endCondLst>
-                                    <p:cond evt="begin" delay="0">
-                                      <p:tn val="5"/>
-                                    </p:cond>
-                                  </p:endCondLst>
                                   <p:childTnLst>
                                     <p:set>
                                       <p:cBhvr>
@@ -5496,6 +6268,128 @@
                                           <p:spTgt spid="3">
                                             <p:txEl>
                                               <p:pRg st="0" end="0"/>
+                                            </p:txEl>
+                                          </p:spTgt>
+                                        </p:tgtEl>
+                                      </p:cBhvr>
+                                    </p:animEffect>
+                                  </p:childTnLst>
+                                </p:cTn>
+                              </p:par>
+                            </p:childTnLst>
+                          </p:cTn>
+                        </p:par>
+                      </p:childTnLst>
+                    </p:cTn>
+                  </p:par>
+                  <p:par>
+                    <p:cTn id="8" fill="hold">
+                      <p:stCondLst>
+                        <p:cond delay="indefinite"/>
+                      </p:stCondLst>
+                      <p:childTnLst>
+                        <p:par>
+                          <p:cTn id="9" fill="hold">
+                            <p:stCondLst>
+                              <p:cond delay="0"/>
+                            </p:stCondLst>
+                            <p:childTnLst>
+                              <p:par>
+                                <p:cTn id="10" presetID="10" presetClass="entr" presetSubtype="0" fill="hold" grpId="0" nodeType="clickEffect">
+                                  <p:stCondLst>
+                                    <p:cond delay="0"/>
+                                  </p:stCondLst>
+                                  <p:childTnLst>
+                                    <p:set>
+                                      <p:cBhvr>
+                                        <p:cTn id="11" dur="1" fill="hold">
+                                          <p:stCondLst>
+                                            <p:cond delay="0"/>
+                                          </p:stCondLst>
+                                        </p:cTn>
+                                        <p:tgtEl>
+                                          <p:spTgt spid="3">
+                                            <p:txEl>
+                                              <p:pRg st="2" end="2"/>
+                                            </p:txEl>
+                                          </p:spTgt>
+                                        </p:tgtEl>
+                                        <p:attrNameLst>
+                                          <p:attrName>style.visibility</p:attrName>
+                                        </p:attrNameLst>
+                                      </p:cBhvr>
+                                      <p:to>
+                                        <p:strVal val="visible"/>
+                                      </p:to>
+                                    </p:set>
+                                    <p:animEffect transition="in" filter="fade">
+                                      <p:cBhvr>
+                                        <p:cTn id="12" dur="500"/>
+                                        <p:tgtEl>
+                                          <p:spTgt spid="3">
+                                            <p:txEl>
+                                              <p:pRg st="2" end="2"/>
+                                            </p:txEl>
+                                          </p:spTgt>
+                                        </p:tgtEl>
+                                      </p:cBhvr>
+                                    </p:animEffect>
+                                  </p:childTnLst>
+                                </p:cTn>
+                              </p:par>
+                            </p:childTnLst>
+                          </p:cTn>
+                        </p:par>
+                      </p:childTnLst>
+                    </p:cTn>
+                  </p:par>
+                  <p:par>
+                    <p:cTn id="13" fill="hold">
+                      <p:stCondLst>
+                        <p:cond delay="indefinite"/>
+                      </p:stCondLst>
+                      <p:childTnLst>
+                        <p:par>
+                          <p:cTn id="14" fill="hold">
+                            <p:stCondLst>
+                              <p:cond delay="0"/>
+                            </p:stCondLst>
+                            <p:childTnLst>
+                              <p:par>
+                                <p:cTn id="15" presetID="10" presetClass="entr" presetSubtype="0" fill="hold" grpId="0" nodeType="clickEffect">
+                                  <p:stCondLst>
+                                    <p:cond delay="0"/>
+                                  </p:stCondLst>
+                                  <p:childTnLst>
+                                    <p:set>
+                                      <p:cBhvr>
+                                        <p:cTn id="16" dur="1" fill="hold">
+                                          <p:stCondLst>
+                                            <p:cond delay="0"/>
+                                          </p:stCondLst>
+                                        </p:cTn>
+                                        <p:tgtEl>
+                                          <p:spTgt spid="3">
+                                            <p:txEl>
+                                              <p:pRg st="3" end="3"/>
+                                            </p:txEl>
+                                          </p:spTgt>
+                                        </p:tgtEl>
+                                        <p:attrNameLst>
+                                          <p:attrName>style.visibility</p:attrName>
+                                        </p:attrNameLst>
+                                      </p:cBhvr>
+                                      <p:to>
+                                        <p:strVal val="visible"/>
+                                      </p:to>
+                                    </p:set>
+                                    <p:animEffect transition="in" filter="fade">
+                                      <p:cBhvr>
+                                        <p:cTn id="17" dur="500"/>
+                                        <p:tgtEl>
+                                          <p:spTgt spid="3">
+                                            <p:txEl>
+                                              <p:pRg st="3" end="3"/>
                                             </p:txEl>
                                           </p:spTgt>
                                         </p:tgtEl>
@@ -18053,23 +18947,12 @@
               </a:lnSpc>
             </a:pPr>
             <a:r>
-              <a:rPr lang="en-US" dirty="0"/>
-              <a:t>Names are unique on a per-bucket </a:t>
-            </a:r>
-            <a:r>
               <a:rPr lang="en-US" dirty="0" smtClean="0"/>
-              <a:t>basis</a:t>
-            </a:r>
-          </a:p>
-          <a:p>
-            <a:pPr>
-              <a:lnSpc>
-                <a:spcPct val="140000"/>
-              </a:lnSpc>
-            </a:pPr>
+              <a:t>Indexes </a:t>
+            </a:r>
             <a:r>
               <a:rPr lang="en-US" dirty="0" smtClean="0"/>
-              <a:t>Indexes can be created and dropped</a:t>
+              <a:t>can be created and dropped</a:t>
             </a:r>
           </a:p>
           <a:p>
@@ -18389,7 +19272,238 @@
                 <a:spcPct val="140000"/>
               </a:lnSpc>
             </a:pPr>
-            <a:endParaRPr lang="en-US" dirty="0" smtClean="0"/>
+            <a:r>
+              <a:rPr lang="en-US" dirty="0" smtClean="0"/>
+              <a:t>Creates an Index on the specified document fields</a:t>
+            </a:r>
+          </a:p>
+          <a:p>
+            <a:pPr>
+              <a:lnSpc>
+                <a:spcPct val="140000"/>
+              </a:lnSpc>
+            </a:pPr>
+            <a:r>
+              <a:rPr lang="en-US" dirty="0"/>
+              <a:t>Names are unique on a per-bucket </a:t>
+            </a:r>
+            <a:r>
+              <a:rPr lang="en-US" dirty="0" smtClean="0"/>
+              <a:t>basis</a:t>
+            </a:r>
+            <a:endParaRPr lang="en-US" dirty="0"/>
+          </a:p>
+        </p:txBody>
+      </p:sp>
+      <p:sp>
+        <p:nvSpPr>
+          <p:cNvPr id="4" name="Rechteck 3"/>
+          <p:cNvSpPr/>
+          <p:nvPr/>
+        </p:nvSpPr>
+        <p:spPr>
+          <a:xfrm>
+            <a:off x="597716" y="2316653"/>
+            <a:ext cx="7424540" cy="2862323"/>
+          </a:xfrm>
+          <a:prstGeom prst="rect">
+            <a:avLst/>
+          </a:prstGeom>
+        </p:spPr>
+        <p:txBody>
+          <a:bodyPr wrap="square">
+            <a:spAutoFit/>
+          </a:bodyPr>
+          <a:lstStyle/>
+          <a:p>
+            <a:r>
+              <a:rPr lang="de-DE" dirty="0">
+                <a:latin typeface="Courier New"/>
+                <a:cs typeface="Courier New"/>
+              </a:rPr>
+              <a:t>CREATE INDEX index-name ON </a:t>
+            </a:r>
+            <a:r>
+              <a:rPr lang="de-DE" dirty="0" err="1" smtClean="0">
+                <a:latin typeface="Courier New"/>
+                <a:cs typeface="Courier New"/>
+              </a:rPr>
+              <a:t>bucket</a:t>
+            </a:r>
+            <a:r>
+              <a:rPr lang="de-DE" dirty="0" smtClean="0">
+                <a:latin typeface="Courier New"/>
+                <a:cs typeface="Courier New"/>
+              </a:rPr>
+              <a:t> ( </a:t>
+            </a:r>
+            <a:r>
+              <a:rPr lang="de-DE" dirty="0" err="1" smtClean="0">
+                <a:latin typeface="Courier New"/>
+                <a:cs typeface="Courier New"/>
+              </a:rPr>
+              <a:t>fields</a:t>
+            </a:r>
+            <a:r>
+              <a:rPr lang="de-DE" dirty="0" smtClean="0">
+                <a:latin typeface="Courier New"/>
+                <a:cs typeface="Courier New"/>
+              </a:rPr>
+              <a:t>+ ) [</a:t>
+            </a:r>
+            <a:r>
+              <a:rPr lang="de-DE" dirty="0" err="1">
+                <a:latin typeface="Courier New"/>
+                <a:cs typeface="Courier New"/>
+              </a:rPr>
+              <a:t>where-clause</a:t>
+            </a:r>
+            <a:r>
+              <a:rPr lang="de-DE" dirty="0">
+                <a:latin typeface="Courier New"/>
+                <a:cs typeface="Courier New"/>
+              </a:rPr>
+              <a:t>] [</a:t>
+            </a:r>
+            <a:r>
+              <a:rPr lang="de-DE" dirty="0" err="1">
+                <a:latin typeface="Courier New"/>
+                <a:cs typeface="Courier New"/>
+              </a:rPr>
+              <a:t>using</a:t>
+            </a:r>
+            <a:r>
+              <a:rPr lang="de-DE" dirty="0" smtClean="0">
+                <a:latin typeface="Courier New"/>
+                <a:cs typeface="Courier New"/>
+              </a:rPr>
+              <a:t>]</a:t>
+            </a:r>
+          </a:p>
+          <a:p>
+            <a:endParaRPr lang="de-DE" dirty="0" smtClean="0">
+              <a:latin typeface="Courier New"/>
+              <a:cs typeface="Courier New"/>
+            </a:endParaRPr>
+          </a:p>
+          <a:p>
+            <a:endParaRPr lang="de-DE" dirty="0">
+              <a:latin typeface="Courier New"/>
+              <a:cs typeface="Courier New"/>
+            </a:endParaRPr>
+          </a:p>
+          <a:p>
+            <a:r>
+              <a:rPr lang="de-DE" dirty="0" smtClean="0">
+                <a:latin typeface="Courier New"/>
+                <a:cs typeface="Courier New"/>
+              </a:rPr>
+              <a:t>CREATE INDEX </a:t>
+            </a:r>
+            <a:r>
+              <a:rPr lang="de-DE" dirty="0" err="1" smtClean="0">
+                <a:latin typeface="Courier New"/>
+                <a:cs typeface="Courier New"/>
+              </a:rPr>
+              <a:t>airline_idx</a:t>
+            </a:r>
+            <a:r>
+              <a:rPr lang="de-DE" dirty="0" smtClean="0">
+                <a:latin typeface="Courier New"/>
+                <a:cs typeface="Courier New"/>
+              </a:rPr>
+              <a:t> ON </a:t>
+            </a:r>
+            <a:r>
+              <a:rPr lang="de-DE" dirty="0" smtClean="0">
+                <a:latin typeface="Courier New"/>
+                <a:cs typeface="Courier New"/>
+              </a:rPr>
+              <a:t>`</a:t>
+            </a:r>
+            <a:r>
+              <a:rPr lang="de-DE" dirty="0" err="1" smtClean="0">
+                <a:latin typeface="Courier New"/>
+                <a:cs typeface="Courier New"/>
+              </a:rPr>
+              <a:t>travel</a:t>
+            </a:r>
+            <a:r>
+              <a:rPr lang="de-DE" dirty="0" smtClean="0">
+                <a:latin typeface="Courier New"/>
+                <a:cs typeface="Courier New"/>
+              </a:rPr>
+              <a:t>-sample` (type)</a:t>
+            </a:r>
+          </a:p>
+          <a:p>
+            <a:endParaRPr lang="de-DE" dirty="0" smtClean="0">
+              <a:latin typeface="Courier New"/>
+              <a:cs typeface="Courier New"/>
+            </a:endParaRPr>
+          </a:p>
+          <a:p>
+            <a:r>
+              <a:rPr lang="de-DE" dirty="0" smtClean="0">
+                <a:latin typeface="Courier New"/>
+                <a:cs typeface="Courier New"/>
+              </a:rPr>
+              <a:t>CREATE </a:t>
+            </a:r>
+            <a:r>
+              <a:rPr lang="de-DE" dirty="0">
+                <a:latin typeface="Courier New"/>
+                <a:cs typeface="Courier New"/>
+              </a:rPr>
+              <a:t>INDEX </a:t>
+            </a:r>
+            <a:r>
+              <a:rPr lang="de-DE" dirty="0" err="1">
+                <a:latin typeface="Courier New"/>
+                <a:cs typeface="Courier New"/>
+              </a:rPr>
+              <a:t>airline_idx</a:t>
+            </a:r>
+            <a:r>
+              <a:rPr lang="de-DE" dirty="0">
+                <a:latin typeface="Courier New"/>
+                <a:cs typeface="Courier New"/>
+              </a:rPr>
+              <a:t> ON `</a:t>
+            </a:r>
+            <a:r>
+              <a:rPr lang="de-DE" dirty="0" err="1">
+                <a:latin typeface="Courier New"/>
+                <a:cs typeface="Courier New"/>
+              </a:rPr>
+              <a:t>travel</a:t>
+            </a:r>
+            <a:r>
+              <a:rPr lang="de-DE" dirty="0">
+                <a:latin typeface="Courier New"/>
+                <a:cs typeface="Courier New"/>
+              </a:rPr>
+              <a:t>-sample` (type</a:t>
+            </a:r>
+            <a:r>
+              <a:rPr lang="de-DE" dirty="0" smtClean="0">
+                <a:latin typeface="Courier New"/>
+                <a:cs typeface="Courier New"/>
+              </a:rPr>
+              <a:t>) USING GSI</a:t>
+            </a:r>
+          </a:p>
+          <a:p>
+            <a:endParaRPr lang="de-DE" dirty="0">
+              <a:latin typeface="Courier New"/>
+              <a:cs typeface="Courier New"/>
+            </a:endParaRPr>
+          </a:p>
+          <a:p>
+            <a:endParaRPr lang="de-DE" dirty="0">
+              <a:latin typeface="Courier New"/>
+              <a:cs typeface="Courier New"/>
+            </a:endParaRPr>
           </a:p>
         </p:txBody>
       </p:sp>
@@ -18424,15 +19538,10 @@
                             </p:stCondLst>
                             <p:childTnLst>
                               <p:par>
-                                <p:cTn id="5" presetID="10" presetClass="entr" presetSubtype="0" fill="hold" grpId="0" nodeType="clickEffect" nodePh="1">
+                                <p:cTn id="5" presetID="10" presetClass="entr" presetSubtype="0" fill="hold" grpId="0" nodeType="clickEffect">
                                   <p:stCondLst>
                                     <p:cond delay="0"/>
                                   </p:stCondLst>
-                                  <p:endCondLst>
-                                    <p:cond evt="begin" delay="0">
-                                      <p:tn val="5"/>
-                                    </p:cond>
-                                  </p:endCondLst>
                                   <p:childTnLst>
                                     <p:set>
                                       <p:cBhvr>
@@ -18463,6 +19572,67 @@
                                           <p:spTgt spid="3">
                                             <p:txEl>
                                               <p:pRg st="0" end="0"/>
+                                            </p:txEl>
+                                          </p:spTgt>
+                                        </p:tgtEl>
+                                      </p:cBhvr>
+                                    </p:animEffect>
+                                  </p:childTnLst>
+                                </p:cTn>
+                              </p:par>
+                            </p:childTnLst>
+                          </p:cTn>
+                        </p:par>
+                      </p:childTnLst>
+                    </p:cTn>
+                  </p:par>
+                  <p:par>
+                    <p:cTn id="8" fill="hold">
+                      <p:stCondLst>
+                        <p:cond delay="indefinite"/>
+                      </p:stCondLst>
+                      <p:childTnLst>
+                        <p:par>
+                          <p:cTn id="9" fill="hold">
+                            <p:stCondLst>
+                              <p:cond delay="0"/>
+                            </p:stCondLst>
+                            <p:childTnLst>
+                              <p:par>
+                                <p:cTn id="10" presetID="10" presetClass="entr" presetSubtype="0" fill="hold" grpId="0" nodeType="clickEffect">
+                                  <p:stCondLst>
+                                    <p:cond delay="0"/>
+                                  </p:stCondLst>
+                                  <p:childTnLst>
+                                    <p:set>
+                                      <p:cBhvr>
+                                        <p:cTn id="11" dur="1" fill="hold">
+                                          <p:stCondLst>
+                                            <p:cond delay="0"/>
+                                          </p:stCondLst>
+                                        </p:cTn>
+                                        <p:tgtEl>
+                                          <p:spTgt spid="3">
+                                            <p:txEl>
+                                              <p:pRg st="1" end="1"/>
+                                            </p:txEl>
+                                          </p:spTgt>
+                                        </p:tgtEl>
+                                        <p:attrNameLst>
+                                          <p:attrName>style.visibility</p:attrName>
+                                        </p:attrNameLst>
+                                      </p:cBhvr>
+                                      <p:to>
+                                        <p:strVal val="visible"/>
+                                      </p:to>
+                                    </p:set>
+                                    <p:animEffect transition="in" filter="fade">
+                                      <p:cBhvr>
+                                        <p:cTn id="12" dur="500"/>
+                                        <p:tgtEl>
+                                          <p:spTgt spid="3">
+                                            <p:txEl>
+                                              <p:pRg st="1" end="1"/>
                                             </p:txEl>
                                           </p:spTgt>
                                         </p:tgtEl>
@@ -18570,7 +19740,169 @@
                 <a:spcPct val="140000"/>
               </a:lnSpc>
             </a:pPr>
+            <a:r>
+              <a:rPr lang="en-US" dirty="0" smtClean="0"/>
+              <a:t>Indexes can be dropped</a:t>
+            </a:r>
+          </a:p>
+          <a:p>
+            <a:pPr>
+              <a:lnSpc>
+                <a:spcPct val="140000"/>
+              </a:lnSpc>
+            </a:pPr>
+            <a:r>
+              <a:rPr lang="en-US" dirty="0" smtClean="0"/>
+              <a:t>Make sure to drop the proper index (using)</a:t>
+            </a:r>
             <a:endParaRPr lang="en-US" dirty="0" smtClean="0"/>
+          </a:p>
+        </p:txBody>
+      </p:sp>
+      <p:sp>
+        <p:nvSpPr>
+          <p:cNvPr id="4" name="Rechteck 3"/>
+          <p:cNvSpPr/>
+          <p:nvPr/>
+        </p:nvSpPr>
+        <p:spPr>
+          <a:xfrm>
+            <a:off x="709542" y="2336181"/>
+            <a:ext cx="7293169" cy="1200329"/>
+          </a:xfrm>
+          <a:prstGeom prst="rect">
+            <a:avLst/>
+          </a:prstGeom>
+        </p:spPr>
+        <p:txBody>
+          <a:bodyPr wrap="square">
+            <a:spAutoFit/>
+          </a:bodyPr>
+          <a:lstStyle/>
+          <a:p>
+            <a:r>
+              <a:rPr lang="de-DE" dirty="0">
+                <a:latin typeface="Courier New"/>
+                <a:cs typeface="Courier New"/>
+              </a:rPr>
+              <a:t>DROP </a:t>
+            </a:r>
+            <a:r>
+              <a:rPr lang="de-DE" dirty="0" smtClean="0">
+                <a:latin typeface="Courier New"/>
+                <a:cs typeface="Courier New"/>
+              </a:rPr>
+              <a:t>INDEX </a:t>
+            </a:r>
+            <a:r>
+              <a:rPr lang="de-DE" dirty="0" err="1" smtClean="0">
+                <a:latin typeface="Courier New"/>
+                <a:cs typeface="Courier New"/>
+              </a:rPr>
+              <a:t>bucket.index</a:t>
+            </a:r>
+            <a:r>
+              <a:rPr lang="de-DE" dirty="0">
+                <a:latin typeface="Courier New"/>
+                <a:cs typeface="Courier New"/>
+              </a:rPr>
+              <a:t>-</a:t>
+            </a:r>
+            <a:r>
+              <a:rPr lang="de-DE" dirty="0" smtClean="0">
+                <a:latin typeface="Courier New"/>
+                <a:cs typeface="Courier New"/>
+              </a:rPr>
+              <a:t>name</a:t>
+            </a:r>
+          </a:p>
+          <a:p>
+            <a:endParaRPr lang="de-DE" dirty="0">
+              <a:latin typeface="Courier New"/>
+              <a:cs typeface="Courier New"/>
+            </a:endParaRPr>
+          </a:p>
+          <a:p>
+            <a:r>
+              <a:rPr lang="de-DE" dirty="0" smtClean="0">
+                <a:latin typeface="Courier New"/>
+                <a:cs typeface="Courier New"/>
+              </a:rPr>
+              <a:t>DROP INDEX </a:t>
+            </a:r>
+            <a:r>
+              <a:rPr lang="de-DE" dirty="0" smtClean="0">
+                <a:latin typeface="Courier New"/>
+                <a:cs typeface="Courier New"/>
+              </a:rPr>
+              <a:t>`</a:t>
+            </a:r>
+            <a:r>
+              <a:rPr lang="de-DE" dirty="0" err="1" smtClean="0">
+                <a:latin typeface="Courier New"/>
+                <a:cs typeface="Courier New"/>
+              </a:rPr>
+              <a:t>travel</a:t>
+            </a:r>
+            <a:r>
+              <a:rPr lang="de-DE" dirty="0" smtClean="0">
+                <a:latin typeface="Courier New"/>
+                <a:cs typeface="Courier New"/>
+              </a:rPr>
+              <a:t>-sample`.</a:t>
+            </a:r>
+            <a:r>
+              <a:rPr lang="de-DE" dirty="0" err="1" smtClean="0">
+                <a:latin typeface="Courier New"/>
+                <a:cs typeface="Courier New"/>
+              </a:rPr>
+              <a:t>airline_idx</a:t>
+            </a:r>
+            <a:endParaRPr lang="de-DE" dirty="0" smtClean="0">
+              <a:latin typeface="Courier New"/>
+              <a:cs typeface="Courier New"/>
+            </a:endParaRPr>
+          </a:p>
+          <a:p>
+            <a:r>
+              <a:rPr lang="de-DE" dirty="0">
+                <a:latin typeface="Courier New"/>
+                <a:cs typeface="Courier New"/>
+              </a:rPr>
+              <a:t>DROP INDEX `</a:t>
+            </a:r>
+            <a:r>
+              <a:rPr lang="de-DE" dirty="0" err="1">
+                <a:latin typeface="Courier New"/>
+                <a:cs typeface="Courier New"/>
+              </a:rPr>
+              <a:t>travel</a:t>
+            </a:r>
+            <a:r>
+              <a:rPr lang="de-DE" dirty="0">
+                <a:latin typeface="Courier New"/>
+                <a:cs typeface="Courier New"/>
+              </a:rPr>
+              <a:t>-sample`.</a:t>
+            </a:r>
+            <a:r>
+              <a:rPr lang="de-DE" dirty="0" err="1" smtClean="0">
+                <a:latin typeface="Courier New"/>
+                <a:cs typeface="Courier New"/>
+              </a:rPr>
+              <a:t>airline_idx</a:t>
+            </a:r>
+            <a:r>
+              <a:rPr lang="de-DE" dirty="0" smtClean="0">
+                <a:latin typeface="Courier New"/>
+                <a:cs typeface="Courier New"/>
+              </a:rPr>
+              <a:t> USING GSI</a:t>
+            </a:r>
+            <a:endParaRPr lang="de-DE" dirty="0">
+              <a:latin typeface="Courier New"/>
+              <a:cs typeface="Courier New"/>
+            </a:endParaRPr>
           </a:p>
         </p:txBody>
       </p:sp>
@@ -18605,15 +19937,10 @@
                             </p:stCondLst>
                             <p:childTnLst>
                               <p:par>
-                                <p:cTn id="5" presetID="10" presetClass="entr" presetSubtype="0" fill="hold" grpId="0" nodeType="clickEffect" nodePh="1">
+                                <p:cTn id="5" presetID="10" presetClass="entr" presetSubtype="0" fill="hold" grpId="0" nodeType="clickEffect">
                                   <p:stCondLst>
                                     <p:cond delay="0"/>
                                   </p:stCondLst>
-                                  <p:endCondLst>
-                                    <p:cond evt="begin" delay="0">
-                                      <p:tn val="5"/>
-                                    </p:cond>
-                                  </p:endCondLst>
                                   <p:childTnLst>
                                     <p:set>
                                       <p:cBhvr>
@@ -18644,6 +19971,67 @@
                                           <p:spTgt spid="3">
                                             <p:txEl>
                                               <p:pRg st="0" end="0"/>
+                                            </p:txEl>
+                                          </p:spTgt>
+                                        </p:tgtEl>
+                                      </p:cBhvr>
+                                    </p:animEffect>
+                                  </p:childTnLst>
+                                </p:cTn>
+                              </p:par>
+                            </p:childTnLst>
+                          </p:cTn>
+                        </p:par>
+                      </p:childTnLst>
+                    </p:cTn>
+                  </p:par>
+                  <p:par>
+                    <p:cTn id="8" fill="hold">
+                      <p:stCondLst>
+                        <p:cond delay="indefinite"/>
+                      </p:stCondLst>
+                      <p:childTnLst>
+                        <p:par>
+                          <p:cTn id="9" fill="hold">
+                            <p:stCondLst>
+                              <p:cond delay="0"/>
+                            </p:stCondLst>
+                            <p:childTnLst>
+                              <p:par>
+                                <p:cTn id="10" presetID="10" presetClass="entr" presetSubtype="0" fill="hold" grpId="0" nodeType="clickEffect">
+                                  <p:stCondLst>
+                                    <p:cond delay="0"/>
+                                  </p:stCondLst>
+                                  <p:childTnLst>
+                                    <p:set>
+                                      <p:cBhvr>
+                                        <p:cTn id="11" dur="1" fill="hold">
+                                          <p:stCondLst>
+                                            <p:cond delay="0"/>
+                                          </p:stCondLst>
+                                        </p:cTn>
+                                        <p:tgtEl>
+                                          <p:spTgt spid="3">
+                                            <p:txEl>
+                                              <p:pRg st="1" end="1"/>
+                                            </p:txEl>
+                                          </p:spTgt>
+                                        </p:tgtEl>
+                                        <p:attrNameLst>
+                                          <p:attrName>style.visibility</p:attrName>
+                                        </p:attrNameLst>
+                                      </p:cBhvr>
+                                      <p:to>
+                                        <p:strVal val="visible"/>
+                                      </p:to>
+                                    </p:set>
+                                    <p:animEffect transition="in" filter="fade">
+                                      <p:cBhvr>
+                                        <p:cTn id="12" dur="500"/>
+                                        <p:tgtEl>
+                                          <p:spTgt spid="3">
+                                            <p:txEl>
+                                              <p:pRg st="1" end="1"/>
                                             </p:txEl>
                                           </p:spTgt>
                                         </p:tgtEl>
@@ -18982,7 +20370,242 @@
                 <a:spcPct val="140000"/>
               </a:lnSpc>
             </a:pPr>
+            <a:r>
+              <a:rPr lang="en-US" dirty="0" smtClean="0"/>
+              <a:t>Manually specify the Index to use.</a:t>
+            </a:r>
+          </a:p>
+          <a:p>
+            <a:pPr marL="0" indent="0">
+              <a:lnSpc>
+                <a:spcPct val="140000"/>
+              </a:lnSpc>
+              <a:buNone/>
+            </a:pPr>
             <a:endParaRPr lang="en-US" dirty="0" smtClean="0"/>
+          </a:p>
+          <a:p>
+            <a:pPr>
+              <a:lnSpc>
+                <a:spcPct val="140000"/>
+              </a:lnSpc>
+            </a:pPr>
+            <a:endParaRPr lang="en-US" dirty="0" smtClean="0"/>
+          </a:p>
+          <a:p>
+            <a:pPr>
+              <a:lnSpc>
+                <a:spcPct val="140000"/>
+              </a:lnSpc>
+            </a:pPr>
+            <a:r>
+              <a:rPr lang="en-US" dirty="0" smtClean="0"/>
+              <a:t>Index type can also be selected</a:t>
+            </a:r>
+            <a:endParaRPr lang="en-US" dirty="0" smtClean="0"/>
+          </a:p>
+        </p:txBody>
+      </p:sp>
+      <p:sp>
+        <p:nvSpPr>
+          <p:cNvPr id="4" name="Rechteck 3"/>
+          <p:cNvSpPr/>
+          <p:nvPr/>
+        </p:nvSpPr>
+        <p:spPr>
+          <a:xfrm>
+            <a:off x="466344" y="1682583"/>
+            <a:ext cx="7657415" cy="369332"/>
+          </a:xfrm>
+          <a:prstGeom prst="rect">
+            <a:avLst/>
+          </a:prstGeom>
+        </p:spPr>
+        <p:txBody>
+          <a:bodyPr wrap="square">
+            <a:spAutoFit/>
+          </a:bodyPr>
+          <a:lstStyle/>
+          <a:p>
+            <a:r>
+              <a:rPr lang="de-DE" dirty="0" smtClean="0">
+                <a:latin typeface="Courier New"/>
+                <a:cs typeface="Courier New"/>
+              </a:rPr>
+              <a:t>SELECT * FROM </a:t>
+            </a:r>
+            <a:r>
+              <a:rPr lang="de-DE" dirty="0" smtClean="0">
+                <a:latin typeface="Courier New"/>
+                <a:cs typeface="Courier New"/>
+              </a:rPr>
+              <a:t>`</a:t>
+            </a:r>
+            <a:r>
+              <a:rPr lang="de-DE" dirty="0" err="1" smtClean="0">
+                <a:latin typeface="Courier New"/>
+                <a:cs typeface="Courier New"/>
+              </a:rPr>
+              <a:t>travel</a:t>
+            </a:r>
+            <a:r>
+              <a:rPr lang="de-DE" dirty="0" smtClean="0">
+                <a:latin typeface="Courier New"/>
+                <a:cs typeface="Courier New"/>
+              </a:rPr>
+              <a:t>-sample` </a:t>
+            </a:r>
+            <a:r>
+              <a:rPr lang="de-DE" b="1" dirty="0" smtClean="0">
+                <a:latin typeface="Courier New"/>
+                <a:cs typeface="Courier New"/>
+              </a:rPr>
+              <a:t>USE INDEX(</a:t>
+            </a:r>
+            <a:r>
+              <a:rPr lang="de-DE" b="1" dirty="0" err="1" smtClean="0">
+                <a:latin typeface="Courier New"/>
+                <a:cs typeface="Courier New"/>
+              </a:rPr>
+              <a:t>airlines</a:t>
+            </a:r>
+            <a:r>
+              <a:rPr lang="de-DE" b="1" dirty="0" smtClean="0">
+                <a:latin typeface="Courier New"/>
+                <a:cs typeface="Courier New"/>
+              </a:rPr>
+              <a:t>)</a:t>
+            </a:r>
+            <a:endParaRPr lang="de-DE" b="1" dirty="0">
+              <a:latin typeface="Courier New"/>
+              <a:cs typeface="Courier New"/>
+            </a:endParaRPr>
+          </a:p>
+        </p:txBody>
+      </p:sp>
+      <p:sp>
+        <p:nvSpPr>
+          <p:cNvPr id="5" name="Rechteck 4"/>
+          <p:cNvSpPr/>
+          <p:nvPr/>
+        </p:nvSpPr>
+        <p:spPr>
+          <a:xfrm>
+            <a:off x="457200" y="3277361"/>
+            <a:ext cx="7657415" cy="369332"/>
+          </a:xfrm>
+          <a:prstGeom prst="rect">
+            <a:avLst/>
+          </a:prstGeom>
+        </p:spPr>
+        <p:txBody>
+          <a:bodyPr wrap="square">
+            <a:spAutoFit/>
+          </a:bodyPr>
+          <a:lstStyle/>
+          <a:p>
+            <a:r>
+              <a:rPr lang="de-DE" dirty="0" smtClean="0">
+                <a:latin typeface="Courier New"/>
+                <a:cs typeface="Courier New"/>
+              </a:rPr>
+              <a:t>... USE INDEX(</a:t>
+            </a:r>
+            <a:r>
+              <a:rPr lang="de-DE" dirty="0" err="1" smtClean="0">
+                <a:latin typeface="Courier New"/>
+                <a:cs typeface="Courier New"/>
+              </a:rPr>
+              <a:t>airlines</a:t>
+            </a:r>
+            <a:r>
+              <a:rPr lang="de-DE" dirty="0" smtClean="0">
+                <a:latin typeface="Courier New"/>
+                <a:cs typeface="Courier New"/>
+              </a:rPr>
+              <a:t> </a:t>
+            </a:r>
+            <a:r>
+              <a:rPr lang="de-DE" b="1" dirty="0" smtClean="0">
+                <a:latin typeface="Courier New"/>
+                <a:cs typeface="Courier New"/>
+              </a:rPr>
+              <a:t>USING GSI</a:t>
+            </a:r>
+            <a:r>
+              <a:rPr lang="de-DE" dirty="0" smtClean="0">
+                <a:latin typeface="Courier New"/>
+                <a:cs typeface="Courier New"/>
+              </a:rPr>
+              <a:t>)</a:t>
+            </a:r>
+            <a:endParaRPr lang="de-DE" dirty="0">
+              <a:latin typeface="Courier New"/>
+              <a:cs typeface="Courier New"/>
+            </a:endParaRPr>
+          </a:p>
+        </p:txBody>
+      </p:sp>
+      <p:sp>
+        <p:nvSpPr>
+          <p:cNvPr id="6" name="Rechteck 5"/>
+          <p:cNvSpPr/>
+          <p:nvPr/>
+        </p:nvSpPr>
+        <p:spPr>
+          <a:xfrm>
+            <a:off x="457200" y="3734875"/>
+            <a:ext cx="7657415" cy="369332"/>
+          </a:xfrm>
+          <a:prstGeom prst="rect">
+            <a:avLst/>
+          </a:prstGeom>
+        </p:spPr>
+        <p:txBody>
+          <a:bodyPr wrap="square">
+            <a:spAutoFit/>
+          </a:bodyPr>
+          <a:lstStyle/>
+          <a:p>
+            <a:r>
+              <a:rPr lang="de-DE" dirty="0" smtClean="0">
+                <a:latin typeface="Courier New"/>
+                <a:cs typeface="Courier New"/>
+              </a:rPr>
+              <a:t>... USE INDEX(</a:t>
+            </a:r>
+            <a:r>
+              <a:rPr lang="de-DE" dirty="0" err="1" smtClean="0">
+                <a:latin typeface="Courier New"/>
+                <a:cs typeface="Courier New"/>
+              </a:rPr>
+              <a:t>airlines</a:t>
+            </a:r>
+            <a:r>
+              <a:rPr lang="de-DE" dirty="0" smtClean="0">
+                <a:latin typeface="Courier New"/>
+                <a:cs typeface="Courier New"/>
+              </a:rPr>
+              <a:t> </a:t>
+            </a:r>
+            <a:r>
+              <a:rPr lang="de-DE" b="1" dirty="0" smtClean="0">
+                <a:latin typeface="Courier New"/>
+                <a:cs typeface="Courier New"/>
+              </a:rPr>
+              <a:t>USING VIEW</a:t>
+            </a:r>
+            <a:r>
+              <a:rPr lang="de-DE" dirty="0" smtClean="0">
+                <a:latin typeface="Courier New"/>
+                <a:cs typeface="Courier New"/>
+              </a:rPr>
+              <a:t>)</a:t>
+            </a:r>
+            <a:endParaRPr lang="de-DE" dirty="0">
+              <a:latin typeface="Courier New"/>
+              <a:cs typeface="Courier New"/>
+            </a:endParaRPr>
           </a:p>
         </p:txBody>
       </p:sp>
@@ -19017,15 +20640,10 @@
                             </p:stCondLst>
                             <p:childTnLst>
                               <p:par>
-                                <p:cTn id="5" presetID="10" presetClass="entr" presetSubtype="0" fill="hold" grpId="0" nodeType="clickEffect" nodePh="1">
+                                <p:cTn id="5" presetID="10" presetClass="entr" presetSubtype="0" fill="hold" grpId="0" nodeType="clickEffect">
                                   <p:stCondLst>
                                     <p:cond delay="0"/>
                                   </p:stCondLst>
-                                  <p:endCondLst>
-                                    <p:cond evt="begin" delay="0">
-                                      <p:tn val="5"/>
-                                    </p:cond>
-                                  </p:endCondLst>
                                   <p:childTnLst>
                                     <p:set>
                                       <p:cBhvr>
@@ -19056,6 +20674,67 @@
                                           <p:spTgt spid="3">
                                             <p:txEl>
                                               <p:pRg st="0" end="0"/>
+                                            </p:txEl>
+                                          </p:spTgt>
+                                        </p:tgtEl>
+                                      </p:cBhvr>
+                                    </p:animEffect>
+                                  </p:childTnLst>
+                                </p:cTn>
+                              </p:par>
+                            </p:childTnLst>
+                          </p:cTn>
+                        </p:par>
+                      </p:childTnLst>
+                    </p:cTn>
+                  </p:par>
+                  <p:par>
+                    <p:cTn id="8" fill="hold">
+                      <p:stCondLst>
+                        <p:cond delay="indefinite"/>
+                      </p:stCondLst>
+                      <p:childTnLst>
+                        <p:par>
+                          <p:cTn id="9" fill="hold">
+                            <p:stCondLst>
+                              <p:cond delay="0"/>
+                            </p:stCondLst>
+                            <p:childTnLst>
+                              <p:par>
+                                <p:cTn id="10" presetID="10" presetClass="entr" presetSubtype="0" fill="hold" grpId="0" nodeType="clickEffect">
+                                  <p:stCondLst>
+                                    <p:cond delay="0"/>
+                                  </p:stCondLst>
+                                  <p:childTnLst>
+                                    <p:set>
+                                      <p:cBhvr>
+                                        <p:cTn id="11" dur="1" fill="hold">
+                                          <p:stCondLst>
+                                            <p:cond delay="0"/>
+                                          </p:stCondLst>
+                                        </p:cTn>
+                                        <p:tgtEl>
+                                          <p:spTgt spid="3">
+                                            <p:txEl>
+                                              <p:pRg st="3" end="3"/>
+                                            </p:txEl>
+                                          </p:spTgt>
+                                        </p:tgtEl>
+                                        <p:attrNameLst>
+                                          <p:attrName>style.visibility</p:attrName>
+                                        </p:attrNameLst>
+                                      </p:cBhvr>
+                                      <p:to>
+                                        <p:strVal val="visible"/>
+                                      </p:to>
+                                    </p:set>
+                                    <p:animEffect transition="in" filter="fade">
+                                      <p:cBhvr>
+                                        <p:cTn id="12" dur="500"/>
+                                        <p:tgtEl>
+                                          <p:spTgt spid="3">
+                                            <p:txEl>
+                                              <p:pRg st="3" end="3"/>
                                             </p:txEl>
                                           </p:spTgt>
                                         </p:tgtEl>

--- a/server/presentations/07_N1QL Details.pptx
+++ b/server/presentations/07_N1QL Details.pptx
@@ -5,10 +5,10 @@
     <p:sldMasterId id="2147483648" r:id="rId1"/>
   </p:sldMasterIdLst>
   <p:notesMasterIdLst>
-    <p:notesMasterId r:id="rId38"/>
+    <p:notesMasterId r:id="rId39"/>
   </p:notesMasterIdLst>
   <p:handoutMasterIdLst>
-    <p:handoutMasterId r:id="rId39"/>
+    <p:handoutMasterId r:id="rId40"/>
   </p:handoutMasterIdLst>
   <p:sldIdLst>
     <p:sldId id="256" r:id="rId2"/>
@@ -20,33 +20,34 @@
     <p:sldId id="297" r:id="rId8"/>
     <p:sldId id="299" r:id="rId9"/>
     <p:sldId id="300" r:id="rId10"/>
-    <p:sldId id="301" r:id="rId11"/>
-    <p:sldId id="302" r:id="rId12"/>
-    <p:sldId id="304" r:id="rId13"/>
-    <p:sldId id="303" r:id="rId14"/>
-    <p:sldId id="290" r:id="rId15"/>
-    <p:sldId id="291" r:id="rId16"/>
-    <p:sldId id="292" r:id="rId17"/>
-    <p:sldId id="285" r:id="rId18"/>
-    <p:sldId id="284" r:id="rId19"/>
-    <p:sldId id="288" r:id="rId20"/>
-    <p:sldId id="287" r:id="rId21"/>
-    <p:sldId id="286" r:id="rId22"/>
-    <p:sldId id="289" r:id="rId23"/>
-    <p:sldId id="294" r:id="rId24"/>
-    <p:sldId id="279" r:id="rId25"/>
-    <p:sldId id="280" r:id="rId26"/>
-    <p:sldId id="281" r:id="rId27"/>
-    <p:sldId id="264" r:id="rId28"/>
-    <p:sldId id="270" r:id="rId29"/>
-    <p:sldId id="276" r:id="rId30"/>
-    <p:sldId id="277" r:id="rId31"/>
-    <p:sldId id="272" r:id="rId32"/>
-    <p:sldId id="275" r:id="rId33"/>
-    <p:sldId id="273" r:id="rId34"/>
-    <p:sldId id="274" r:id="rId35"/>
-    <p:sldId id="267" r:id="rId36"/>
-    <p:sldId id="269" r:id="rId37"/>
+    <p:sldId id="305" r:id="rId11"/>
+    <p:sldId id="301" r:id="rId12"/>
+    <p:sldId id="302" r:id="rId13"/>
+    <p:sldId id="304" r:id="rId14"/>
+    <p:sldId id="303" r:id="rId15"/>
+    <p:sldId id="290" r:id="rId16"/>
+    <p:sldId id="291" r:id="rId17"/>
+    <p:sldId id="292" r:id="rId18"/>
+    <p:sldId id="285" r:id="rId19"/>
+    <p:sldId id="284" r:id="rId20"/>
+    <p:sldId id="288" r:id="rId21"/>
+    <p:sldId id="287" r:id="rId22"/>
+    <p:sldId id="286" r:id="rId23"/>
+    <p:sldId id="289" r:id="rId24"/>
+    <p:sldId id="294" r:id="rId25"/>
+    <p:sldId id="279" r:id="rId26"/>
+    <p:sldId id="280" r:id="rId27"/>
+    <p:sldId id="281" r:id="rId28"/>
+    <p:sldId id="264" r:id="rId29"/>
+    <p:sldId id="270" r:id="rId30"/>
+    <p:sldId id="276" r:id="rId31"/>
+    <p:sldId id="277" r:id="rId32"/>
+    <p:sldId id="272" r:id="rId33"/>
+    <p:sldId id="275" r:id="rId34"/>
+    <p:sldId id="273" r:id="rId35"/>
+    <p:sldId id="274" r:id="rId36"/>
+    <p:sldId id="267" r:id="rId37"/>
+    <p:sldId id="269" r:id="rId38"/>
   </p:sldIdLst>
   <p:sldSz cx="9144000" cy="5143500" type="screen16x9"/>
   <p:notesSz cx="6858000" cy="9144000"/>
@@ -604,11 +605,11 @@
           <c:showBubbleSize val="0"/>
         </c:dLbls>
         <c:gapWidth val="150"/>
-        <c:axId val="-2081564648"/>
-        <c:axId val="-2081561320"/>
+        <c:axId val="-2110872712"/>
+        <c:axId val="-2085143288"/>
       </c:barChart>
       <c:catAx>
-        <c:axId val="-2081564648"/>
+        <c:axId val="-2110872712"/>
         <c:scaling>
           <c:orientation val="minMax"/>
         </c:scaling>
@@ -634,7 +635,7 @@
             <a:endParaRPr lang="de-DE"/>
           </a:p>
         </c:txPr>
-        <c:crossAx val="-2081561320"/>
+        <c:crossAx val="-2085143288"/>
         <c:crosses val="autoZero"/>
         <c:auto val="1"/>
         <c:lblAlgn val="ctr"/>
@@ -642,7 +643,7 @@
         <c:noMultiLvlLbl val="0"/>
       </c:catAx>
       <c:valAx>
-        <c:axId val="-2081561320"/>
+        <c:axId val="-2085143288"/>
         <c:scaling>
           <c:orientation val="minMax"/>
         </c:scaling>
@@ -684,7 +685,7 @@
             <a:endParaRPr lang="de-DE"/>
           </a:p>
         </c:txPr>
-        <c:crossAx val="-2081564648"/>
+        <c:crossAx val="-2110872712"/>
         <c:crosses val="autoZero"/>
         <c:crossBetween val="between"/>
       </c:valAx>
@@ -926,11 +927,11 @@
           <c:showBubbleSize val="0"/>
         </c:dLbls>
         <c:gapWidth val="150"/>
-        <c:axId val="-2069488232"/>
-        <c:axId val="-2069484904"/>
+        <c:axId val="-2085823752"/>
+        <c:axId val="-2085820536"/>
       </c:barChart>
       <c:catAx>
-        <c:axId val="-2069488232"/>
+        <c:axId val="-2085823752"/>
         <c:scaling>
           <c:orientation val="minMax"/>
         </c:scaling>
@@ -956,7 +957,7 @@
             <a:endParaRPr lang="de-DE"/>
           </a:p>
         </c:txPr>
-        <c:crossAx val="-2069484904"/>
+        <c:crossAx val="-2085820536"/>
         <c:crosses val="autoZero"/>
         <c:auto val="1"/>
         <c:lblAlgn val="ctr"/>
@@ -964,7 +965,7 @@
         <c:noMultiLvlLbl val="0"/>
       </c:catAx>
       <c:valAx>
-        <c:axId val="-2069484904"/>
+        <c:axId val="-2085820536"/>
         <c:scaling>
           <c:orientation val="minMax"/>
         </c:scaling>
@@ -1006,7 +1007,7 @@
             <a:endParaRPr lang="de-DE"/>
           </a:p>
         </c:txPr>
-        <c:crossAx val="-2069488232"/>
+        <c:crossAx val="-2085823752"/>
         <c:crosses val="autoZero"/>
         <c:crossBetween val="between"/>
       </c:valAx>
@@ -1256,11 +1257,11 @@
         </c:dLbls>
         <c:marker val="1"/>
         <c:smooth val="0"/>
-        <c:axId val="-2069466872"/>
-        <c:axId val="-2069463544"/>
+        <c:axId val="-2084959624"/>
+        <c:axId val="-2084954088"/>
       </c:lineChart>
       <c:catAx>
-        <c:axId val="-2069466872"/>
+        <c:axId val="-2084959624"/>
         <c:scaling>
           <c:orientation val="minMax"/>
         </c:scaling>
@@ -1286,7 +1287,7 @@
             <a:endParaRPr lang="de-DE"/>
           </a:p>
         </c:txPr>
-        <c:crossAx val="-2069463544"/>
+        <c:crossAx val="-2084954088"/>
         <c:crosses val="autoZero"/>
         <c:auto val="1"/>
         <c:lblAlgn val="ctr"/>
@@ -1294,7 +1295,7 @@
         <c:noMultiLvlLbl val="0"/>
       </c:catAx>
       <c:valAx>
-        <c:axId val="-2069463544"/>
+        <c:axId val="-2084954088"/>
         <c:scaling>
           <c:orientation val="minMax"/>
         </c:scaling>
@@ -1334,7 +1335,7 @@
             <a:endParaRPr lang="de-DE"/>
           </a:p>
         </c:txPr>
-        <c:crossAx val="-2069466872"/>
+        <c:crossAx val="-2084959624"/>
         <c:crosses val="autoZero"/>
         <c:crossBetween val="between"/>
       </c:valAx>
@@ -1456,7 +1457,7 @@
           <a:p>
             <a:fld id="{B5389E1E-C654-E943-9883-792E99AD7287}" type="datetimeFigureOut">
               <a:rPr lang="en-US" smtClean="0"/>
-              <a:t>25/05/15</a:t>
+              <a:t>26/05/15</a:t>
             </a:fld>
             <a:endParaRPr lang="en-US"/>
           </a:p>
@@ -1622,7 +1623,7 @@
           <a:p>
             <a:fld id="{9920D99B-2862-464A-984E-65BFC5FC0BBC}" type="datetimeFigureOut">
               <a:rPr lang="en-US" smtClean="0"/>
-              <a:t>25/05/15</a:t>
+              <a:t>26/05/15</a:t>
             </a:fld>
             <a:endParaRPr lang="en-US"/>
           </a:p>
@@ -2017,7 +2018,7 @@
                 <a:latin typeface="Calibri"/>
               </a:rPr>
               <a:pPr/>
-              <a:t>19</a:t>
+              <a:t>20</a:t>
             </a:fld>
             <a:endParaRPr lang="en-US">
               <a:solidFill>
@@ -2106,7 +2107,7 @@
           <a:p>
             <a:fld id="{615C908D-C35B-B346-A739-79C621D2BD36}" type="slidenum">
               <a:rPr lang="en-US" smtClean="0"/>
-              <a:t>20</a:t>
+              <a:t>21</a:t>
             </a:fld>
             <a:endParaRPr lang="en-US"/>
           </a:p>
@@ -4959,6 +4960,565 @@
             <a:spLocks noGrp="1"/>
           </p:cNvSpPr>
           <p:nvPr>
+            <p:ph type="title"/>
+          </p:nvPr>
+        </p:nvSpPr>
+        <p:spPr/>
+        <p:txBody>
+          <a:bodyPr/>
+          <a:lstStyle/>
+          <a:p>
+            <a:r>
+              <a:rPr lang="en-US" dirty="0" smtClean="0"/>
+              <a:t>Sync vs. </a:t>
+            </a:r>
+            <a:r>
+              <a:rPr lang="en-US" dirty="0" err="1" smtClean="0"/>
+              <a:t>Async</a:t>
+            </a:r>
+            <a:endParaRPr lang="en-US" dirty="0"/>
+          </a:p>
+        </p:txBody>
+      </p:sp>
+      <p:sp>
+        <p:nvSpPr>
+          <p:cNvPr id="3" name="Content Placeholder 2"/>
+          <p:cNvSpPr>
+            <a:spLocks noGrp="1"/>
+          </p:cNvSpPr>
+          <p:nvPr>
+            <p:ph idx="1"/>
+          </p:nvPr>
+        </p:nvSpPr>
+        <p:spPr>
+          <a:xfrm>
+            <a:off x="457200" y="955193"/>
+            <a:ext cx="8007739" cy="3493655"/>
+          </a:xfrm>
+        </p:spPr>
+        <p:txBody>
+          <a:bodyPr/>
+          <a:lstStyle/>
+          <a:p>
+            <a:pPr>
+              <a:lnSpc>
+                <a:spcPct val="140000"/>
+              </a:lnSpc>
+            </a:pPr>
+            <a:r>
+              <a:rPr lang="en-US" dirty="0" smtClean="0"/>
+              <a:t>Index creation is per default synchronous</a:t>
+            </a:r>
+          </a:p>
+          <a:p>
+            <a:pPr>
+              <a:lnSpc>
+                <a:spcPct val="140000"/>
+              </a:lnSpc>
+            </a:pPr>
+            <a:r>
+              <a:rPr lang="en-US" dirty="0" smtClean="0"/>
+              <a:t>On large datasets, index creation can take time</a:t>
+            </a:r>
+            <a:endParaRPr lang="en-US" dirty="0" smtClean="0"/>
+          </a:p>
+          <a:p>
+            <a:pPr>
+              <a:lnSpc>
+                <a:spcPct val="140000"/>
+              </a:lnSpc>
+            </a:pPr>
+            <a:r>
+              <a:rPr lang="en-US" dirty="0" smtClean="0"/>
+              <a:t>Can be made asynchronous through:</a:t>
+            </a:r>
+          </a:p>
+          <a:p>
+            <a:pPr>
+              <a:lnSpc>
+                <a:spcPct val="140000"/>
+              </a:lnSpc>
+            </a:pPr>
+            <a:endParaRPr lang="en-US" dirty="0"/>
+          </a:p>
+          <a:p>
+            <a:pPr>
+              <a:lnSpc>
+                <a:spcPct val="140000"/>
+              </a:lnSpc>
+            </a:pPr>
+            <a:r>
+              <a:rPr lang="en-US" dirty="0" smtClean="0"/>
+              <a:t>Monitor build status through:</a:t>
+            </a:r>
+            <a:endParaRPr lang="en-US" dirty="0" smtClean="0"/>
+          </a:p>
+        </p:txBody>
+      </p:sp>
+      <p:sp>
+        <p:nvSpPr>
+          <p:cNvPr id="7" name="Rechteck 6"/>
+          <p:cNvSpPr/>
+          <p:nvPr/>
+        </p:nvSpPr>
+        <p:spPr>
+          <a:xfrm>
+            <a:off x="457200" y="4002082"/>
+            <a:ext cx="8782592" cy="369332"/>
+          </a:xfrm>
+          <a:prstGeom prst="rect">
+            <a:avLst/>
+          </a:prstGeom>
+        </p:spPr>
+        <p:txBody>
+          <a:bodyPr wrap="square">
+            <a:spAutoFit/>
+          </a:bodyPr>
+          <a:lstStyle/>
+          <a:p>
+            <a:r>
+              <a:rPr lang="de-DE" dirty="0" err="1">
+                <a:latin typeface="Courier New"/>
+                <a:cs typeface="Courier New"/>
+              </a:rPr>
+              <a:t>select</a:t>
+            </a:r>
+            <a:r>
+              <a:rPr lang="de-DE" dirty="0">
+                <a:latin typeface="Courier New"/>
+                <a:cs typeface="Courier New"/>
+              </a:rPr>
+              <a:t> </a:t>
+            </a:r>
+            <a:r>
+              <a:rPr lang="de-DE" dirty="0" err="1">
+                <a:latin typeface="Courier New"/>
+                <a:cs typeface="Courier New"/>
+              </a:rPr>
+              <a:t>count</a:t>
+            </a:r>
+            <a:r>
+              <a:rPr lang="de-DE" dirty="0">
+                <a:latin typeface="Courier New"/>
+                <a:cs typeface="Courier New"/>
+              </a:rPr>
+              <a:t>(*) </a:t>
+            </a:r>
+            <a:r>
+              <a:rPr lang="de-DE" dirty="0" err="1">
+                <a:latin typeface="Courier New"/>
+                <a:cs typeface="Courier New"/>
+              </a:rPr>
+              <a:t>from</a:t>
+            </a:r>
+            <a:r>
+              <a:rPr lang="de-DE" dirty="0">
+                <a:latin typeface="Courier New"/>
+                <a:cs typeface="Courier New"/>
+              </a:rPr>
+              <a:t> </a:t>
+            </a:r>
+            <a:r>
+              <a:rPr lang="de-DE" dirty="0" err="1">
+                <a:latin typeface="Courier New"/>
+                <a:cs typeface="Courier New"/>
+              </a:rPr>
+              <a:t>system:indexes</a:t>
+            </a:r>
+            <a:r>
+              <a:rPr lang="de-DE" dirty="0">
+                <a:latin typeface="Courier New"/>
+                <a:cs typeface="Courier New"/>
+              </a:rPr>
+              <a:t> </a:t>
+            </a:r>
+            <a:r>
+              <a:rPr lang="de-DE" dirty="0" err="1">
+                <a:latin typeface="Courier New"/>
+                <a:cs typeface="Courier New"/>
+              </a:rPr>
+              <a:t>where</a:t>
+            </a:r>
+            <a:r>
+              <a:rPr lang="de-DE" dirty="0">
+                <a:latin typeface="Courier New"/>
+                <a:cs typeface="Courier New"/>
+              </a:rPr>
+              <a:t> </a:t>
+            </a:r>
+            <a:r>
+              <a:rPr lang="de-DE" dirty="0" err="1">
+                <a:latin typeface="Courier New"/>
+                <a:cs typeface="Courier New"/>
+              </a:rPr>
+              <a:t>state</a:t>
+            </a:r>
+            <a:r>
+              <a:rPr lang="de-DE" dirty="0">
+                <a:latin typeface="Courier New"/>
+                <a:cs typeface="Courier New"/>
+              </a:rPr>
+              <a:t> = "online";</a:t>
+            </a:r>
+            <a:endParaRPr lang="de-DE" dirty="0">
+              <a:latin typeface="Courier New"/>
+              <a:cs typeface="Courier New"/>
+            </a:endParaRPr>
+          </a:p>
+        </p:txBody>
+      </p:sp>
+      <p:sp>
+        <p:nvSpPr>
+          <p:cNvPr id="8" name="Rechteck 7"/>
+          <p:cNvSpPr/>
+          <p:nvPr/>
+        </p:nvSpPr>
+        <p:spPr>
+          <a:xfrm>
+            <a:off x="609600" y="2724750"/>
+            <a:ext cx="8782592" cy="369332"/>
+          </a:xfrm>
+          <a:prstGeom prst="rect">
+            <a:avLst/>
+          </a:prstGeom>
+          <a:solidFill>
+            <a:srgbClr val="E10021"/>
+          </a:solidFill>
+        </p:spPr>
+        <p:txBody>
+          <a:bodyPr wrap="square">
+            <a:spAutoFit/>
+          </a:bodyPr>
+          <a:lstStyle/>
+          <a:p>
+            <a:r>
+              <a:rPr lang="de-DE" dirty="0" smtClean="0">
+                <a:latin typeface="Courier New"/>
+                <a:cs typeface="Courier New"/>
+              </a:rPr>
+              <a:t>ADD ME</a:t>
+            </a:r>
+            <a:endParaRPr lang="de-DE" dirty="0">
+              <a:latin typeface="Courier New"/>
+              <a:cs typeface="Courier New"/>
+            </a:endParaRPr>
+          </a:p>
+        </p:txBody>
+      </p:sp>
+    </p:spTree>
+    <p:extLst>
+      <p:ext uri="{BB962C8B-B14F-4D97-AF65-F5344CB8AC3E}">
+        <p14:creationId xmlns:p14="http://schemas.microsoft.com/office/powerpoint/2010/main" val="1848800269"/>
+      </p:ext>
+    </p:extLst>
+  </p:cSld>
+  <p:clrMapOvr>
+    <a:masterClrMapping/>
+  </p:clrMapOvr>
+  <p:timing>
+    <p:tnLst>
+      <p:par>
+        <p:cTn xmlns:p14="http://schemas.microsoft.com/office/powerpoint/2010/main" id="1" dur="indefinite" restart="never" nodeType="tmRoot">
+          <p:childTnLst>
+            <p:seq concurrent="1" nextAc="seek">
+              <p:cTn id="2" dur="indefinite" nodeType="mainSeq">
+                <p:childTnLst>
+                  <p:par>
+                    <p:cTn id="3" fill="hold">
+                      <p:stCondLst>
+                        <p:cond delay="indefinite"/>
+                      </p:stCondLst>
+                      <p:childTnLst>
+                        <p:par>
+                          <p:cTn id="4" fill="hold">
+                            <p:stCondLst>
+                              <p:cond delay="0"/>
+                            </p:stCondLst>
+                            <p:childTnLst>
+                              <p:par>
+                                <p:cTn id="5" presetID="10" presetClass="entr" presetSubtype="0" fill="hold" grpId="0" nodeType="clickEffect">
+                                  <p:stCondLst>
+                                    <p:cond delay="0"/>
+                                  </p:stCondLst>
+                                  <p:childTnLst>
+                                    <p:set>
+                                      <p:cBhvr>
+                                        <p:cTn id="6" dur="1" fill="hold">
+                                          <p:stCondLst>
+                                            <p:cond delay="0"/>
+                                          </p:stCondLst>
+                                        </p:cTn>
+                                        <p:tgtEl>
+                                          <p:spTgt spid="3">
+                                            <p:txEl>
+                                              <p:pRg st="0" end="0"/>
+                                            </p:txEl>
+                                          </p:spTgt>
+                                        </p:tgtEl>
+                                        <p:attrNameLst>
+                                          <p:attrName>style.visibility</p:attrName>
+                                        </p:attrNameLst>
+                                      </p:cBhvr>
+                                      <p:to>
+                                        <p:strVal val="visible"/>
+                                      </p:to>
+                                    </p:set>
+                                    <p:animEffect transition="in" filter="fade">
+                                      <p:cBhvr>
+                                        <p:cTn id="7" dur="500"/>
+                                        <p:tgtEl>
+                                          <p:spTgt spid="3">
+                                            <p:txEl>
+                                              <p:pRg st="0" end="0"/>
+                                            </p:txEl>
+                                          </p:spTgt>
+                                        </p:tgtEl>
+                                      </p:cBhvr>
+                                    </p:animEffect>
+                                  </p:childTnLst>
+                                </p:cTn>
+                              </p:par>
+                            </p:childTnLst>
+                          </p:cTn>
+                        </p:par>
+                      </p:childTnLst>
+                    </p:cTn>
+                  </p:par>
+                  <p:par>
+                    <p:cTn id="8" fill="hold">
+                      <p:stCondLst>
+                        <p:cond delay="indefinite"/>
+                      </p:stCondLst>
+                      <p:childTnLst>
+                        <p:par>
+                          <p:cTn id="9" fill="hold">
+                            <p:stCondLst>
+                              <p:cond delay="0"/>
+                            </p:stCondLst>
+                            <p:childTnLst>
+                              <p:par>
+                                <p:cTn id="10" presetID="10" presetClass="entr" presetSubtype="0" fill="hold" grpId="0" nodeType="clickEffect">
+                                  <p:stCondLst>
+                                    <p:cond delay="0"/>
+                                  </p:stCondLst>
+                                  <p:childTnLst>
+                                    <p:set>
+                                      <p:cBhvr>
+                                        <p:cTn id="11" dur="1" fill="hold">
+                                          <p:stCondLst>
+                                            <p:cond delay="0"/>
+                                          </p:stCondLst>
+                                        </p:cTn>
+                                        <p:tgtEl>
+                                          <p:spTgt spid="3">
+                                            <p:txEl>
+                                              <p:pRg st="1" end="1"/>
+                                            </p:txEl>
+                                          </p:spTgt>
+                                        </p:tgtEl>
+                                        <p:attrNameLst>
+                                          <p:attrName>style.visibility</p:attrName>
+                                        </p:attrNameLst>
+                                      </p:cBhvr>
+                                      <p:to>
+                                        <p:strVal val="visible"/>
+                                      </p:to>
+                                    </p:set>
+                                    <p:animEffect transition="in" filter="fade">
+                                      <p:cBhvr>
+                                        <p:cTn id="12" dur="500"/>
+                                        <p:tgtEl>
+                                          <p:spTgt spid="3">
+                                            <p:txEl>
+                                              <p:pRg st="1" end="1"/>
+                                            </p:txEl>
+                                          </p:spTgt>
+                                        </p:tgtEl>
+                                      </p:cBhvr>
+                                    </p:animEffect>
+                                  </p:childTnLst>
+                                </p:cTn>
+                              </p:par>
+                            </p:childTnLst>
+                          </p:cTn>
+                        </p:par>
+                      </p:childTnLst>
+                    </p:cTn>
+                  </p:par>
+                  <p:par>
+                    <p:cTn id="13" fill="hold">
+                      <p:stCondLst>
+                        <p:cond delay="indefinite"/>
+                      </p:stCondLst>
+                      <p:childTnLst>
+                        <p:par>
+                          <p:cTn id="14" fill="hold">
+                            <p:stCondLst>
+                              <p:cond delay="0"/>
+                            </p:stCondLst>
+                            <p:childTnLst>
+                              <p:par>
+                                <p:cTn id="15" presetID="10" presetClass="entr" presetSubtype="0" fill="hold" grpId="0" nodeType="clickEffect">
+                                  <p:stCondLst>
+                                    <p:cond delay="0"/>
+                                  </p:stCondLst>
+                                  <p:childTnLst>
+                                    <p:set>
+                                      <p:cBhvr>
+                                        <p:cTn id="16" dur="1" fill="hold">
+                                          <p:stCondLst>
+                                            <p:cond delay="0"/>
+                                          </p:stCondLst>
+                                        </p:cTn>
+                                        <p:tgtEl>
+                                          <p:spTgt spid="3">
+                                            <p:txEl>
+                                              <p:pRg st="2" end="2"/>
+                                            </p:txEl>
+                                          </p:spTgt>
+                                        </p:tgtEl>
+                                        <p:attrNameLst>
+                                          <p:attrName>style.visibility</p:attrName>
+                                        </p:attrNameLst>
+                                      </p:cBhvr>
+                                      <p:to>
+                                        <p:strVal val="visible"/>
+                                      </p:to>
+                                    </p:set>
+                                    <p:animEffect transition="in" filter="fade">
+                                      <p:cBhvr>
+                                        <p:cTn id="17" dur="500"/>
+                                        <p:tgtEl>
+                                          <p:spTgt spid="3">
+                                            <p:txEl>
+                                              <p:pRg st="2" end="2"/>
+                                            </p:txEl>
+                                          </p:spTgt>
+                                        </p:tgtEl>
+                                      </p:cBhvr>
+                                    </p:animEffect>
+                                  </p:childTnLst>
+                                </p:cTn>
+                              </p:par>
+                            </p:childTnLst>
+                          </p:cTn>
+                        </p:par>
+                      </p:childTnLst>
+                    </p:cTn>
+                  </p:par>
+                  <p:par>
+                    <p:cTn id="18" fill="hold">
+                      <p:stCondLst>
+                        <p:cond delay="indefinite"/>
+                      </p:stCondLst>
+                      <p:childTnLst>
+                        <p:par>
+                          <p:cTn id="19" fill="hold">
+                            <p:stCondLst>
+                              <p:cond delay="0"/>
+                            </p:stCondLst>
+                            <p:childTnLst>
+                              <p:par>
+                                <p:cTn id="20" presetID="10" presetClass="entr" presetSubtype="0" fill="hold" grpId="0" nodeType="clickEffect">
+                                  <p:stCondLst>
+                                    <p:cond delay="0"/>
+                                  </p:stCondLst>
+                                  <p:childTnLst>
+                                    <p:set>
+                                      <p:cBhvr>
+                                        <p:cTn id="21" dur="1" fill="hold">
+                                          <p:stCondLst>
+                                            <p:cond delay="0"/>
+                                          </p:stCondLst>
+                                        </p:cTn>
+                                        <p:tgtEl>
+                                          <p:spTgt spid="3">
+                                            <p:txEl>
+                                              <p:pRg st="4" end="4"/>
+                                            </p:txEl>
+                                          </p:spTgt>
+                                        </p:tgtEl>
+                                        <p:attrNameLst>
+                                          <p:attrName>style.visibility</p:attrName>
+                                        </p:attrNameLst>
+                                      </p:cBhvr>
+                                      <p:to>
+                                        <p:strVal val="visible"/>
+                                      </p:to>
+                                    </p:set>
+                                    <p:animEffect transition="in" filter="fade">
+                                      <p:cBhvr>
+                                        <p:cTn id="22" dur="500"/>
+                                        <p:tgtEl>
+                                          <p:spTgt spid="3">
+                                            <p:txEl>
+                                              <p:pRg st="4" end="4"/>
+                                            </p:txEl>
+                                          </p:spTgt>
+                                        </p:tgtEl>
+                                      </p:cBhvr>
+                                    </p:animEffect>
+                                  </p:childTnLst>
+                                </p:cTn>
+                              </p:par>
+                            </p:childTnLst>
+                          </p:cTn>
+                        </p:par>
+                      </p:childTnLst>
+                    </p:cTn>
+                  </p:par>
+                </p:childTnLst>
+              </p:cTn>
+              <p:prevCondLst>
+                <p:cond evt="onPrev" delay="0">
+                  <p:tgtEl>
+                    <p:sldTgt/>
+                  </p:tgtEl>
+                </p:cond>
+              </p:prevCondLst>
+              <p:nextCondLst>
+                <p:cond evt="onNext" delay="0">
+                  <p:tgtEl>
+                    <p:sldTgt/>
+                  </p:tgtEl>
+                </p:cond>
+              </p:nextCondLst>
+            </p:seq>
+          </p:childTnLst>
+        </p:cTn>
+      </p:par>
+    </p:tnLst>
+    <p:bldLst>
+      <p:bldP spid="3" grpId="0" build="p"/>
+    </p:bldLst>
+  </p:timing>
+</p:sld>
+</file>
+
+<file path=ppt/slides/slide11.xml><?xml version="1.0" encoding="utf-8"?>
+<p:sld xmlns:a="http://schemas.openxmlformats.org/drawingml/2006/main" xmlns:r="http://schemas.openxmlformats.org/officeDocument/2006/relationships" xmlns:p="http://schemas.openxmlformats.org/presentationml/2006/main">
+  <p:cSld>
+    <p:spTree>
+      <p:nvGrpSpPr>
+        <p:cNvPr id="1" name=""/>
+        <p:cNvGrpSpPr/>
+        <p:nvPr/>
+      </p:nvGrpSpPr>
+      <p:grpSpPr>
+        <a:xfrm>
+          <a:off x="0" y="0"/>
+          <a:ext cx="0" cy="0"/>
+          <a:chOff x="0" y="0"/>
+          <a:chExt cx="0" cy="0"/>
+        </a:xfrm>
+      </p:grpSpPr>
+      <p:sp>
+        <p:nvSpPr>
+          <p:cNvPr id="2" name="Title 1"/>
+          <p:cNvSpPr>
+            <a:spLocks noGrp="1"/>
+          </p:cNvSpPr>
+          <p:nvPr>
             <p:ph type="ctrTitle"/>
           </p:nvPr>
         </p:nvSpPr>
@@ -4995,7 +5555,7 @@
 </p:sld>
 </file>
 
-<file path=ppt/slides/slide11.xml><?xml version="1.0" encoding="utf-8"?>
+<file path=ppt/slides/slide12.xml><?xml version="1.0" encoding="utf-8"?>
 <p:sld xmlns:a="http://schemas.openxmlformats.org/drawingml/2006/main" xmlns:r="http://schemas.openxmlformats.org/officeDocument/2006/relationships" xmlns:p="http://schemas.openxmlformats.org/presentationml/2006/main">
   <p:cSld>
     <p:spTree>
@@ -5451,7 +6011,7 @@
 </p:sld>
 </file>
 
-<file path=ppt/slides/slide12.xml><?xml version="1.0" encoding="utf-8"?>
+<file path=ppt/slides/slide13.xml><?xml version="1.0" encoding="utf-8"?>
 <p:sld xmlns:a="http://schemas.openxmlformats.org/drawingml/2006/main" xmlns:r="http://schemas.openxmlformats.org/officeDocument/2006/relationships" xmlns:p="http://schemas.openxmlformats.org/presentationml/2006/main">
   <p:cSld>
     <p:spTree>
@@ -5569,7 +6129,6 @@
               <a:rPr lang="en-US" dirty="0" smtClean="0"/>
               <a:t>)</a:t>
             </a:r>
-            <a:endParaRPr lang="en-US" dirty="0" smtClean="0"/>
           </a:p>
         </p:txBody>
       </p:sp>
@@ -6040,7 +6599,7 @@
 </p:sld>
 </file>
 
-<file path=ppt/slides/slide13.xml><?xml version="1.0" encoding="utf-8"?>
+<file path=ppt/slides/slide14.xml><?xml version="1.0" encoding="utf-8"?>
 <p:sld xmlns:a="http://schemas.openxmlformats.org/drawingml/2006/main" xmlns:r="http://schemas.openxmlformats.org/officeDocument/2006/relationships" xmlns:p="http://schemas.openxmlformats.org/presentationml/2006/main">
   <p:cSld>
     <p:spTree>
@@ -6139,7 +6698,6 @@
               <a:rPr lang="en-US" dirty="0" smtClean="0"/>
               <a:t>SDK support for easier handling</a:t>
             </a:r>
-            <a:endParaRPr lang="en-US" dirty="0" smtClean="0"/>
           </a:p>
         </p:txBody>
       </p:sp>
@@ -6432,66 +6990,6 @@
 </p:sld>
 </file>
 
-<file path=ppt/slides/slide14.xml><?xml version="1.0" encoding="utf-8"?>
-<p:sld xmlns:a="http://schemas.openxmlformats.org/drawingml/2006/main" xmlns:r="http://schemas.openxmlformats.org/officeDocument/2006/relationships" xmlns:p="http://schemas.openxmlformats.org/presentationml/2006/main">
-  <p:cSld>
-    <p:spTree>
-      <p:nvGrpSpPr>
-        <p:cNvPr id="1" name=""/>
-        <p:cNvGrpSpPr/>
-        <p:nvPr/>
-      </p:nvGrpSpPr>
-      <p:grpSpPr>
-        <a:xfrm>
-          <a:off x="0" y="0"/>
-          <a:ext cx="0" cy="0"/>
-          <a:chOff x="0" y="0"/>
-          <a:chExt cx="0" cy="0"/>
-        </a:xfrm>
-      </p:grpSpPr>
-      <p:sp>
-        <p:nvSpPr>
-          <p:cNvPr id="2" name="Title 1"/>
-          <p:cNvSpPr>
-            <a:spLocks noGrp="1"/>
-          </p:cNvSpPr>
-          <p:nvPr>
-            <p:ph type="ctrTitle"/>
-          </p:nvPr>
-        </p:nvSpPr>
-        <p:spPr/>
-        <p:txBody>
-          <a:bodyPr/>
-          <a:lstStyle/>
-          <a:p>
-            <a:r>
-              <a:rPr lang="en-US" dirty="0" smtClean="0"/>
-              <a:t>Advanced Queries - Java</a:t>
-            </a:r>
-            <a:endParaRPr lang="en-US" dirty="0"/>
-          </a:p>
-        </p:txBody>
-      </p:sp>
-    </p:spTree>
-    <p:extLst>
-      <p:ext uri="{BB962C8B-B14F-4D97-AF65-F5344CB8AC3E}">
-        <p14:creationId xmlns:p14="http://schemas.microsoft.com/office/powerpoint/2010/main" val="3683186877"/>
-      </p:ext>
-    </p:extLst>
-  </p:cSld>
-  <p:clrMapOvr>
-    <a:masterClrMapping/>
-  </p:clrMapOvr>
-  <p:timing>
-    <p:tnLst>
-      <p:par>
-        <p:cTn xmlns:p14="http://schemas.microsoft.com/office/powerpoint/2010/main" id="1" dur="indefinite" restart="never" nodeType="tmRoot"/>
-      </p:par>
-    </p:tnLst>
-  </p:timing>
-</p:sld>
-</file>
-
 <file path=ppt/slides/slide15.xml><?xml version="1.0" encoding="utf-8"?>
 <p:sld xmlns:a="http://schemas.openxmlformats.org/drawingml/2006/main" xmlns:r="http://schemas.openxmlformats.org/officeDocument/2006/relationships" xmlns:p="http://schemas.openxmlformats.org/presentationml/2006/main">
   <p:cSld>
@@ -6525,12 +7023,8 @@
           <a:lstStyle/>
           <a:p>
             <a:r>
-              <a:rPr lang="en-US" dirty="0"/>
-              <a:t>Advanced Queries - </a:t>
-            </a:r>
-            <a:r>
               <a:rPr lang="en-US" dirty="0" smtClean="0"/>
-              <a:t>.NET</a:t>
+              <a:t>Advanced Queries - Java</a:t>
             </a:r>
             <a:endParaRPr lang="en-US" dirty="0"/>
           </a:p>
@@ -6539,7 +7033,7 @@
     </p:spTree>
     <p:extLst>
       <p:ext uri="{BB962C8B-B14F-4D97-AF65-F5344CB8AC3E}">
-        <p14:creationId xmlns:p14="http://schemas.microsoft.com/office/powerpoint/2010/main" val="882545490"/>
+        <p14:creationId xmlns:p14="http://schemas.microsoft.com/office/powerpoint/2010/main" val="3683186877"/>
       </p:ext>
     </p:extLst>
   </p:cSld>
@@ -6593,8 +7087,8 @@
               <a:t>Advanced Queries - </a:t>
             </a:r>
             <a:r>
-              <a:rPr lang="en-US" dirty="0" err="1" smtClean="0"/>
-              <a:t>NodeJS</a:t>
+              <a:rPr lang="en-US" dirty="0" smtClean="0"/>
+              <a:t>.NET</a:t>
             </a:r>
             <a:endParaRPr lang="en-US" dirty="0"/>
           </a:p>
@@ -6603,7 +7097,7 @@
     </p:spTree>
     <p:extLst>
       <p:ext uri="{BB962C8B-B14F-4D97-AF65-F5344CB8AC3E}">
-        <p14:creationId xmlns:p14="http://schemas.microsoft.com/office/powerpoint/2010/main" val="3686523847"/>
+        <p14:creationId xmlns:p14="http://schemas.microsoft.com/office/powerpoint/2010/main" val="882545490"/>
       </p:ext>
     </p:extLst>
   </p:cSld>
@@ -6653,6 +7147,70 @@
           <a:lstStyle/>
           <a:p>
             <a:r>
+              <a:rPr lang="en-US" dirty="0"/>
+              <a:t>Advanced Queries - </a:t>
+            </a:r>
+            <a:r>
+              <a:rPr lang="en-US" dirty="0" err="1" smtClean="0"/>
+              <a:t>NodeJS</a:t>
+            </a:r>
+            <a:endParaRPr lang="en-US" dirty="0"/>
+          </a:p>
+        </p:txBody>
+      </p:sp>
+    </p:spTree>
+    <p:extLst>
+      <p:ext uri="{BB962C8B-B14F-4D97-AF65-F5344CB8AC3E}">
+        <p14:creationId xmlns:p14="http://schemas.microsoft.com/office/powerpoint/2010/main" val="3686523847"/>
+      </p:ext>
+    </p:extLst>
+  </p:cSld>
+  <p:clrMapOvr>
+    <a:masterClrMapping/>
+  </p:clrMapOvr>
+  <p:timing>
+    <p:tnLst>
+      <p:par>
+        <p:cTn xmlns:p14="http://schemas.microsoft.com/office/powerpoint/2010/main" id="1" dur="indefinite" restart="never" nodeType="tmRoot"/>
+      </p:par>
+    </p:tnLst>
+  </p:timing>
+</p:sld>
+</file>
+
+<file path=ppt/slides/slide18.xml><?xml version="1.0" encoding="utf-8"?>
+<p:sld xmlns:a="http://schemas.openxmlformats.org/drawingml/2006/main" xmlns:r="http://schemas.openxmlformats.org/officeDocument/2006/relationships" xmlns:p="http://schemas.openxmlformats.org/presentationml/2006/main">
+  <p:cSld>
+    <p:spTree>
+      <p:nvGrpSpPr>
+        <p:cNvPr id="1" name=""/>
+        <p:cNvGrpSpPr/>
+        <p:nvPr/>
+      </p:nvGrpSpPr>
+      <p:grpSpPr>
+        <a:xfrm>
+          <a:off x="0" y="0"/>
+          <a:ext cx="0" cy="0"/>
+          <a:chOff x="0" y="0"/>
+          <a:chExt cx="0" cy="0"/>
+        </a:xfrm>
+      </p:grpSpPr>
+      <p:sp>
+        <p:nvSpPr>
+          <p:cNvPr id="2" name="Title 1"/>
+          <p:cNvSpPr>
+            <a:spLocks noGrp="1"/>
+          </p:cNvSpPr>
+          <p:nvPr>
+            <p:ph type="ctrTitle"/>
+          </p:nvPr>
+        </p:nvSpPr>
+        <p:spPr/>
+        <p:txBody>
+          <a:bodyPr/>
+          <a:lstStyle/>
+          <a:p>
+            <a:r>
               <a:rPr lang="en-US" dirty="0" smtClean="0"/>
               <a:t>View vs. Indexes</a:t>
             </a:r>
@@ -6680,7 +7238,7 @@
 </p:sld>
 </file>
 
-<file path=ppt/slides/slide18.xml><?xml version="1.0" encoding="utf-8"?>
+<file path=ppt/slides/slide19.xml><?xml version="1.0" encoding="utf-8"?>
 <p:sld xmlns:a="http://schemas.openxmlformats.org/drawingml/2006/main" xmlns:r="http://schemas.openxmlformats.org/officeDocument/2006/relationships" xmlns:p="http://schemas.openxmlformats.org/presentationml/2006/main">
   <p:cSld>
     <p:spTree>
@@ -7095,7 +7653,67 @@
 </p:sld>
 </file>
 
-<file path=ppt/slides/slide19.xml><?xml version="1.0" encoding="utf-8"?>
+<file path=ppt/slides/slide2.xml><?xml version="1.0" encoding="utf-8"?>
+<p:sld xmlns:a="http://schemas.openxmlformats.org/drawingml/2006/main" xmlns:r="http://schemas.openxmlformats.org/officeDocument/2006/relationships" xmlns:p="http://schemas.openxmlformats.org/presentationml/2006/main">
+  <p:cSld>
+    <p:spTree>
+      <p:nvGrpSpPr>
+        <p:cNvPr id="1" name=""/>
+        <p:cNvGrpSpPr/>
+        <p:nvPr/>
+      </p:nvGrpSpPr>
+      <p:grpSpPr>
+        <a:xfrm>
+          <a:off x="0" y="0"/>
+          <a:ext cx="0" cy="0"/>
+          <a:chOff x="0" y="0"/>
+          <a:chExt cx="0" cy="0"/>
+        </a:xfrm>
+      </p:grpSpPr>
+      <p:sp>
+        <p:nvSpPr>
+          <p:cNvPr id="2" name="Title 1"/>
+          <p:cNvSpPr>
+            <a:spLocks noGrp="1"/>
+          </p:cNvSpPr>
+          <p:nvPr>
+            <p:ph type="ctrTitle"/>
+          </p:nvPr>
+        </p:nvSpPr>
+        <p:spPr/>
+        <p:txBody>
+          <a:bodyPr/>
+          <a:lstStyle/>
+          <a:p>
+            <a:r>
+              <a:rPr lang="en-US" dirty="0" smtClean="0"/>
+              <a:t>Index Management</a:t>
+            </a:r>
+            <a:endParaRPr lang="en-US" dirty="0"/>
+          </a:p>
+        </p:txBody>
+      </p:sp>
+    </p:spTree>
+    <p:extLst>
+      <p:ext uri="{BB962C8B-B14F-4D97-AF65-F5344CB8AC3E}">
+        <p14:creationId xmlns:p14="http://schemas.microsoft.com/office/powerpoint/2010/main" val="735871736"/>
+      </p:ext>
+    </p:extLst>
+  </p:cSld>
+  <p:clrMapOvr>
+    <a:masterClrMapping/>
+  </p:clrMapOvr>
+  <p:timing>
+    <p:tnLst>
+      <p:par>
+        <p:cTn xmlns:p14="http://schemas.microsoft.com/office/powerpoint/2010/main" id="1" dur="indefinite" restart="never" nodeType="tmRoot"/>
+      </p:par>
+    </p:tnLst>
+  </p:timing>
+</p:sld>
+</file>
+
+<file path=ppt/slides/slide20.xml><?xml version="1.0" encoding="utf-8"?>
 <p:sld xmlns:a="http://schemas.openxmlformats.org/drawingml/2006/main" xmlns:r="http://schemas.openxmlformats.org/officeDocument/2006/relationships" xmlns:p="http://schemas.openxmlformats.org/presentationml/2006/main">
   <p:cSld>
     <p:spTree>
@@ -7328,7 +7946,7 @@
             <a:fld id="{2066355A-084C-D24E-9AD2-7E4FC41EA627}" type="slidenum">
               <a:rPr lang="en-US" smtClean="0"/>
               <a:pPr/>
-              <a:t>19</a:t>
+              <a:t>20</a:t>
             </a:fld>
             <a:endParaRPr lang="en-US" dirty="0"/>
           </a:p>
@@ -10952,67 +11570,7 @@
 </p:sld>
 </file>
 
-<file path=ppt/slides/slide2.xml><?xml version="1.0" encoding="utf-8"?>
-<p:sld xmlns:a="http://schemas.openxmlformats.org/drawingml/2006/main" xmlns:r="http://schemas.openxmlformats.org/officeDocument/2006/relationships" xmlns:p="http://schemas.openxmlformats.org/presentationml/2006/main">
-  <p:cSld>
-    <p:spTree>
-      <p:nvGrpSpPr>
-        <p:cNvPr id="1" name=""/>
-        <p:cNvGrpSpPr/>
-        <p:nvPr/>
-      </p:nvGrpSpPr>
-      <p:grpSpPr>
-        <a:xfrm>
-          <a:off x="0" y="0"/>
-          <a:ext cx="0" cy="0"/>
-          <a:chOff x="0" y="0"/>
-          <a:chExt cx="0" cy="0"/>
-        </a:xfrm>
-      </p:grpSpPr>
-      <p:sp>
-        <p:nvSpPr>
-          <p:cNvPr id="2" name="Title 1"/>
-          <p:cNvSpPr>
-            <a:spLocks noGrp="1"/>
-          </p:cNvSpPr>
-          <p:nvPr>
-            <p:ph type="ctrTitle"/>
-          </p:nvPr>
-        </p:nvSpPr>
-        <p:spPr/>
-        <p:txBody>
-          <a:bodyPr/>
-          <a:lstStyle/>
-          <a:p>
-            <a:r>
-              <a:rPr lang="en-US" dirty="0" smtClean="0"/>
-              <a:t>Index Management</a:t>
-            </a:r>
-            <a:endParaRPr lang="en-US" dirty="0"/>
-          </a:p>
-        </p:txBody>
-      </p:sp>
-    </p:spTree>
-    <p:extLst>
-      <p:ext uri="{BB962C8B-B14F-4D97-AF65-F5344CB8AC3E}">
-        <p14:creationId xmlns:p14="http://schemas.microsoft.com/office/powerpoint/2010/main" val="735871736"/>
-      </p:ext>
-    </p:extLst>
-  </p:cSld>
-  <p:clrMapOvr>
-    <a:masterClrMapping/>
-  </p:clrMapOvr>
-  <p:timing>
-    <p:tnLst>
-      <p:par>
-        <p:cTn xmlns:p14="http://schemas.microsoft.com/office/powerpoint/2010/main" id="1" dur="indefinite" restart="never" nodeType="tmRoot"/>
-      </p:par>
-    </p:tnLst>
-  </p:timing>
-</p:sld>
-</file>
-
-<file path=ppt/slides/slide20.xml><?xml version="1.0" encoding="utf-8"?>
+<file path=ppt/slides/slide21.xml><?xml version="1.0" encoding="utf-8"?>
 <p:sld xmlns:a="http://schemas.openxmlformats.org/drawingml/2006/main" xmlns:r="http://schemas.openxmlformats.org/officeDocument/2006/relationships" xmlns:p="http://schemas.openxmlformats.org/presentationml/2006/main">
   <p:cSld>
     <p:spTree>
@@ -12939,7 +13497,7 @@
 </p:sld>
 </file>
 
-<file path=ppt/slides/slide21.xml><?xml version="1.0" encoding="utf-8"?>
+<file path=ppt/slides/slide22.xml><?xml version="1.0" encoding="utf-8"?>
 <p:sld xmlns:a="http://schemas.openxmlformats.org/drawingml/2006/main" xmlns:r="http://schemas.openxmlformats.org/officeDocument/2006/relationships" xmlns:p="http://schemas.openxmlformats.org/presentationml/2006/main">
   <p:cSld>
     <p:spTree>
@@ -13648,85 +14206,6 @@
 </p:sld>
 </file>
 
-<file path=ppt/slides/slide22.xml><?xml version="1.0" encoding="utf-8"?>
-<p:sld xmlns:a="http://schemas.openxmlformats.org/drawingml/2006/main" xmlns:r="http://schemas.openxmlformats.org/officeDocument/2006/relationships" xmlns:p="http://schemas.openxmlformats.org/presentationml/2006/main">
-  <p:cSld>
-    <p:spTree>
-      <p:nvGrpSpPr>
-        <p:cNvPr id="1" name=""/>
-        <p:cNvGrpSpPr/>
-        <p:nvPr/>
-      </p:nvGrpSpPr>
-      <p:grpSpPr>
-        <a:xfrm>
-          <a:off x="0" y="0"/>
-          <a:ext cx="0" cy="0"/>
-          <a:chOff x="0" y="0"/>
-          <a:chExt cx="0" cy="0"/>
-        </a:xfrm>
-      </p:grpSpPr>
-      <p:sp>
-        <p:nvSpPr>
-          <p:cNvPr id="2" name="Title 1"/>
-          <p:cNvSpPr>
-            <a:spLocks noGrp="1"/>
-          </p:cNvSpPr>
-          <p:nvPr>
-            <p:ph type="ctrTitle"/>
-          </p:nvPr>
-        </p:nvSpPr>
-        <p:spPr/>
-        <p:txBody>
-          <a:bodyPr/>
-          <a:lstStyle/>
-          <a:p>
-            <a:r>
-              <a:rPr lang="en-US" dirty="0" smtClean="0"/>
-              <a:t>Questions?</a:t>
-            </a:r>
-            <a:endParaRPr lang="en-US" dirty="0"/>
-          </a:p>
-        </p:txBody>
-      </p:sp>
-      <p:sp>
-        <p:nvSpPr>
-          <p:cNvPr id="3" name="Subtitle 2"/>
-          <p:cNvSpPr>
-            <a:spLocks noGrp="1"/>
-          </p:cNvSpPr>
-          <p:nvPr>
-            <p:ph type="subTitle" idx="1"/>
-          </p:nvPr>
-        </p:nvSpPr>
-        <p:spPr/>
-        <p:txBody>
-          <a:bodyPr/>
-          <a:lstStyle/>
-          <a:p>
-            <a:endParaRPr lang="en-US" dirty="0"/>
-          </a:p>
-        </p:txBody>
-      </p:sp>
-    </p:spTree>
-    <p:extLst>
-      <p:ext uri="{BB962C8B-B14F-4D97-AF65-F5344CB8AC3E}">
-        <p14:creationId xmlns:p14="http://schemas.microsoft.com/office/powerpoint/2010/main" val="904379520"/>
-      </p:ext>
-    </p:extLst>
-  </p:cSld>
-  <p:clrMapOvr>
-    <a:masterClrMapping/>
-  </p:clrMapOvr>
-  <p:timing>
-    <p:tnLst>
-      <p:par>
-        <p:cTn xmlns:p14="http://schemas.microsoft.com/office/powerpoint/2010/main" id="1" dur="indefinite" restart="never" nodeType="tmRoot"/>
-      </p:par>
-    </p:tnLst>
-  </p:timing>
-</p:sld>
-</file>
-
 <file path=ppt/slides/slide23.xml><?xml version="1.0" encoding="utf-8"?>
 <p:sld xmlns:a="http://schemas.openxmlformats.org/drawingml/2006/main" xmlns:r="http://schemas.openxmlformats.org/officeDocument/2006/relationships" xmlns:p="http://schemas.openxmlformats.org/presentationml/2006/main">
   <p:cSld>
@@ -13761,8 +14240,27 @@
           <a:p>
             <a:r>
               <a:rPr lang="en-US" dirty="0" smtClean="0"/>
-              <a:t>Thank you.</a:t>
-            </a:r>
+              <a:t>Questions?</a:t>
+            </a:r>
+            <a:endParaRPr lang="en-US" dirty="0"/>
+          </a:p>
+        </p:txBody>
+      </p:sp>
+      <p:sp>
+        <p:nvSpPr>
+          <p:cNvPr id="3" name="Subtitle 2"/>
+          <p:cNvSpPr>
+            <a:spLocks noGrp="1"/>
+          </p:cNvSpPr>
+          <p:nvPr>
+            <p:ph type="subTitle" idx="1"/>
+          </p:nvPr>
+        </p:nvSpPr>
+        <p:spPr/>
+        <p:txBody>
+          <a:bodyPr/>
+          <a:lstStyle/>
+          <a:p>
             <a:endParaRPr lang="en-US" dirty="0"/>
           </a:p>
         </p:txBody>
@@ -13770,7 +14268,7 @@
     </p:spTree>
     <p:extLst>
       <p:ext uri="{BB962C8B-B14F-4D97-AF65-F5344CB8AC3E}">
-        <p14:creationId xmlns:p14="http://schemas.microsoft.com/office/powerpoint/2010/main" val="2598212430"/>
+        <p14:creationId xmlns:p14="http://schemas.microsoft.com/office/powerpoint/2010/main" val="904379520"/>
       </p:ext>
     </p:extLst>
   </p:cSld>
@@ -13788,7 +14286,7 @@
 </file>
 
 <file path=ppt/slides/slide24.xml><?xml version="1.0" encoding="utf-8"?>
-<p:sld xmlns:a="http://schemas.openxmlformats.org/drawingml/2006/main" xmlns:r="http://schemas.openxmlformats.org/officeDocument/2006/relationships" xmlns:p="http://schemas.openxmlformats.org/presentationml/2006/main" show="0">
+<p:sld xmlns:a="http://schemas.openxmlformats.org/drawingml/2006/main" xmlns:r="http://schemas.openxmlformats.org/officeDocument/2006/relationships" xmlns:p="http://schemas.openxmlformats.org/presentationml/2006/main">
   <p:cSld>
     <p:spTree>
       <p:nvGrpSpPr>
@@ -13811,7 +14309,7 @@
             <a:spLocks noGrp="1"/>
           </p:cNvSpPr>
           <p:nvPr>
-            <p:ph type="title"/>
+            <p:ph type="ctrTitle"/>
           </p:nvPr>
         </p:nvSpPr>
         <p:spPr/>
@@ -13821,58 +14319,7 @@
           <a:p>
             <a:r>
               <a:rPr lang="en-US" dirty="0" smtClean="0"/>
-              <a:t>Title and Bullets</a:t>
-            </a:r>
-            <a:endParaRPr lang="en-US" dirty="0"/>
-          </a:p>
-        </p:txBody>
-      </p:sp>
-      <p:sp>
-        <p:nvSpPr>
-          <p:cNvPr id="3" name="Content Placeholder 2"/>
-          <p:cNvSpPr>
-            <a:spLocks noGrp="1"/>
-          </p:cNvSpPr>
-          <p:nvPr>
-            <p:ph idx="1"/>
-          </p:nvPr>
-        </p:nvSpPr>
-        <p:spPr/>
-        <p:txBody>
-          <a:bodyPr/>
-          <a:lstStyle/>
-          <a:p>
-            <a:r>
-              <a:rPr lang="en-US" dirty="0" smtClean="0"/>
-              <a:t>First Level Bullet</a:t>
-            </a:r>
-          </a:p>
-          <a:p>
-            <a:pPr lvl="1"/>
-            <a:r>
-              <a:rPr lang="en-US" dirty="0" smtClean="0"/>
-              <a:t>Second Level Bullet</a:t>
-            </a:r>
-          </a:p>
-          <a:p>
-            <a:pPr lvl="2"/>
-            <a:r>
-              <a:rPr lang="en-US" dirty="0" smtClean="0"/>
-              <a:t>Third Level Bullet</a:t>
-            </a:r>
-          </a:p>
-          <a:p>
-            <a:pPr lvl="3"/>
-            <a:r>
-              <a:rPr lang="en-US" dirty="0" smtClean="0"/>
-              <a:t>Fourth Level Bullet</a:t>
-            </a:r>
-          </a:p>
-          <a:p>
-            <a:pPr lvl="4"/>
-            <a:r>
-              <a:rPr lang="en-US" dirty="0" smtClean="0"/>
-              <a:t>Fifth Level Bullet</a:t>
+              <a:t>Thank you.</a:t>
             </a:r>
             <a:endParaRPr lang="en-US" dirty="0"/>
           </a:p>
@@ -13881,21 +14328,13 @@
     </p:spTree>
     <p:extLst>
       <p:ext uri="{BB962C8B-B14F-4D97-AF65-F5344CB8AC3E}">
-        <p14:creationId xmlns:p14="http://schemas.microsoft.com/office/powerpoint/2010/main" val="1910273132"/>
+        <p14:creationId xmlns:p14="http://schemas.microsoft.com/office/powerpoint/2010/main" val="2598212430"/>
       </p:ext>
     </p:extLst>
   </p:cSld>
   <p:clrMapOvr>
     <a:masterClrMapping/>
   </p:clrMapOvr>
-  <mc:AlternateContent xmlns:mc="http://schemas.openxmlformats.org/markup-compatibility/2006">
-    <mc:Choice xmlns:p14="http://schemas.microsoft.com/office/powerpoint/2010/main" Requires="p14">
-      <p:transition spd="slow" p14:dur="2000"/>
-    </mc:Choice>
-    <mc:Fallback>
-      <p:transition xmlns:p14="http://schemas.microsoft.com/office/powerpoint/2010/main" spd="slow"/>
-    </mc:Fallback>
-  </mc:AlternateContent>
   <p:timing>
     <p:tnLst>
       <p:par>
@@ -13940,7 +14379,7 @@
           <a:p>
             <a:r>
               <a:rPr lang="en-US" dirty="0" smtClean="0"/>
-              <a:t>Title and Text</a:t>
+              <a:t>Title and Bullets</a:t>
             </a:r>
             <a:endParaRPr lang="en-US" dirty="0"/>
           </a:p>
@@ -13962,167 +14401,37 @@
           <a:lstStyle/>
           <a:p>
             <a:r>
-              <a:rPr lang="en-US" dirty="0" err="1"/>
-              <a:t>Lorem</a:t>
-            </a:r>
-            <a:r>
-              <a:rPr lang="en-US" dirty="0"/>
-              <a:t> </a:t>
-            </a:r>
-            <a:r>
-              <a:rPr lang="en-US" dirty="0" err="1"/>
-              <a:t>ipsum</a:t>
-            </a:r>
-            <a:r>
-              <a:rPr lang="en-US" dirty="0"/>
-              <a:t> dolor sit </a:t>
-            </a:r>
-            <a:r>
-              <a:rPr lang="en-US" dirty="0" err="1"/>
-              <a:t>amet</a:t>
-            </a:r>
-            <a:r>
-              <a:rPr lang="en-US" dirty="0"/>
-              <a:t>, </a:t>
-            </a:r>
-            <a:r>
-              <a:rPr lang="en-US" dirty="0" err="1"/>
-              <a:t>consectetur</a:t>
-            </a:r>
-            <a:r>
-              <a:rPr lang="en-US" dirty="0"/>
-              <a:t> </a:t>
-            </a:r>
-            <a:r>
-              <a:rPr lang="en-US" dirty="0" err="1"/>
-              <a:t>adipiscing</a:t>
-            </a:r>
-            <a:r>
-              <a:rPr lang="en-US" dirty="0"/>
-              <a:t> </a:t>
-            </a:r>
-            <a:r>
-              <a:rPr lang="en-US" dirty="0" err="1"/>
-              <a:t>elit</a:t>
-            </a:r>
-            <a:r>
-              <a:rPr lang="en-US" dirty="0"/>
-              <a:t>. </a:t>
-            </a:r>
-            <a:r>
-              <a:rPr lang="en-US" dirty="0" err="1"/>
-              <a:t>Donec</a:t>
-            </a:r>
-            <a:r>
-              <a:rPr lang="en-US" dirty="0"/>
-              <a:t> </a:t>
-            </a:r>
-            <a:r>
-              <a:rPr lang="en-US" dirty="0" err="1"/>
-              <a:t>risus</a:t>
-            </a:r>
-            <a:r>
-              <a:rPr lang="en-US" dirty="0"/>
-              <a:t> </a:t>
-            </a:r>
-            <a:r>
-              <a:rPr lang="en-US" dirty="0" err="1"/>
-              <a:t>purus</a:t>
-            </a:r>
-            <a:r>
-              <a:rPr lang="en-US" dirty="0"/>
-              <a:t>, tempus in </a:t>
-            </a:r>
-            <a:r>
-              <a:rPr lang="en-US" dirty="0" err="1"/>
-              <a:t>quis</a:t>
-            </a:r>
-            <a:r>
-              <a:rPr lang="en-US" dirty="0"/>
-              <a:t>, </a:t>
-            </a:r>
-            <a:r>
-              <a:rPr lang="en-US" dirty="0" err="1"/>
-              <a:t>ultricies</a:t>
-            </a:r>
-            <a:r>
-              <a:rPr lang="en-US" dirty="0"/>
-              <a:t> </a:t>
-            </a:r>
-            <a:r>
-              <a:rPr lang="en-US" dirty="0" err="1"/>
-              <a:t>eu</a:t>
-            </a:r>
-            <a:r>
-              <a:rPr lang="en-US" dirty="0"/>
-              <a:t> diam. </a:t>
-            </a:r>
-            <a:r>
-              <a:rPr lang="en-US" dirty="0" err="1"/>
-              <a:t>Donec</a:t>
-            </a:r>
-            <a:r>
-              <a:rPr lang="en-US" dirty="0"/>
-              <a:t> </a:t>
-            </a:r>
-            <a:r>
-              <a:rPr lang="en-US" dirty="0" err="1"/>
-              <a:t>convallis</a:t>
-            </a:r>
-            <a:r>
-              <a:rPr lang="en-US" dirty="0"/>
-              <a:t> </a:t>
-            </a:r>
-            <a:r>
-              <a:rPr lang="en-US" dirty="0" err="1"/>
-              <a:t>enim</a:t>
-            </a:r>
-            <a:r>
-              <a:rPr lang="en-US" dirty="0"/>
-              <a:t> in mi </a:t>
-            </a:r>
-            <a:r>
-              <a:rPr lang="en-US" dirty="0" err="1"/>
-              <a:t>lacinia</a:t>
-            </a:r>
-            <a:r>
-              <a:rPr lang="en-US" dirty="0"/>
-              <a:t>, id </a:t>
-            </a:r>
-            <a:r>
-              <a:rPr lang="en-US" dirty="0" err="1"/>
-              <a:t>viverra</a:t>
-            </a:r>
-            <a:r>
-              <a:rPr lang="en-US" dirty="0"/>
-              <a:t> </a:t>
-            </a:r>
-            <a:r>
-              <a:rPr lang="en-US" dirty="0" err="1"/>
-              <a:t>neque</a:t>
-            </a:r>
-            <a:r>
-              <a:rPr lang="en-US" dirty="0"/>
-              <a:t> </a:t>
-            </a:r>
-            <a:r>
-              <a:rPr lang="en-US" dirty="0" err="1"/>
-              <a:t>pretium</a:t>
-            </a:r>
-            <a:r>
-              <a:rPr lang="en-US" dirty="0"/>
-              <a:t>. </a:t>
-            </a:r>
-            <a:r>
-              <a:rPr lang="en-US" dirty="0" err="1"/>
-              <a:t>Phasellus</a:t>
-            </a:r>
-            <a:r>
-              <a:rPr lang="en-US" dirty="0"/>
-              <a:t> et.</a:t>
-            </a:r>
-          </a:p>
-          <a:p>
+              <a:rPr lang="en-US" dirty="0" smtClean="0"/>
+              <a:t>First Level Bullet</a:t>
+            </a:r>
+          </a:p>
+          <a:p>
+            <a:pPr lvl="1"/>
+            <a:r>
+              <a:rPr lang="en-US" dirty="0" smtClean="0"/>
+              <a:t>Second Level Bullet</a:t>
+            </a:r>
+          </a:p>
+          <a:p>
+            <a:pPr lvl="2"/>
+            <a:r>
+              <a:rPr lang="en-US" dirty="0" smtClean="0"/>
+              <a:t>Third Level Bullet</a:t>
+            </a:r>
+          </a:p>
+          <a:p>
+            <a:pPr lvl="3"/>
+            <a:r>
+              <a:rPr lang="en-US" dirty="0" smtClean="0"/>
+              <a:t>Fourth Level Bullet</a:t>
+            </a:r>
+          </a:p>
+          <a:p>
+            <a:pPr lvl="4"/>
+            <a:r>
+              <a:rPr lang="en-US" dirty="0" smtClean="0"/>
+              <a:t>Fifth Level Bullet</a:t>
+            </a:r>
             <a:endParaRPr lang="en-US" dirty="0"/>
           </a:p>
         </p:txBody>
@@ -14130,7 +14439,7 @@
     </p:spTree>
     <p:extLst>
       <p:ext uri="{BB962C8B-B14F-4D97-AF65-F5344CB8AC3E}">
-        <p14:creationId xmlns:p14="http://schemas.microsoft.com/office/powerpoint/2010/main" val="2354427935"/>
+        <p14:creationId xmlns:p14="http://schemas.microsoft.com/office/powerpoint/2010/main" val="1910273132"/>
       </p:ext>
     </p:extLst>
   </p:cSld>
@@ -14174,7 +14483,7 @@
       </p:grpSpPr>
       <p:sp>
         <p:nvSpPr>
-          <p:cNvPr id="5" name="Title 4"/>
+          <p:cNvPr id="2" name="Title 1"/>
           <p:cNvSpPr>
             <a:spLocks noGrp="1"/>
           </p:cNvSpPr>
@@ -14189,8 +14498,189 @@
           <a:p>
             <a:r>
               <a:rPr lang="en-US" dirty="0" smtClean="0"/>
-              <a:t>Title Only</a:t>
-            </a:r>
+              <a:t>Title and Text</a:t>
+            </a:r>
+            <a:endParaRPr lang="en-US" dirty="0"/>
+          </a:p>
+        </p:txBody>
+      </p:sp>
+      <p:sp>
+        <p:nvSpPr>
+          <p:cNvPr id="3" name="Content Placeholder 2"/>
+          <p:cNvSpPr>
+            <a:spLocks noGrp="1"/>
+          </p:cNvSpPr>
+          <p:nvPr>
+            <p:ph idx="1"/>
+          </p:nvPr>
+        </p:nvSpPr>
+        <p:spPr/>
+        <p:txBody>
+          <a:bodyPr/>
+          <a:lstStyle/>
+          <a:p>
+            <a:r>
+              <a:rPr lang="en-US" dirty="0" err="1"/>
+              <a:t>Lorem</a:t>
+            </a:r>
+            <a:r>
+              <a:rPr lang="en-US" dirty="0"/>
+              <a:t> </a:t>
+            </a:r>
+            <a:r>
+              <a:rPr lang="en-US" dirty="0" err="1"/>
+              <a:t>ipsum</a:t>
+            </a:r>
+            <a:r>
+              <a:rPr lang="en-US" dirty="0"/>
+              <a:t> dolor sit </a:t>
+            </a:r>
+            <a:r>
+              <a:rPr lang="en-US" dirty="0" err="1"/>
+              <a:t>amet</a:t>
+            </a:r>
+            <a:r>
+              <a:rPr lang="en-US" dirty="0"/>
+              <a:t>, </a:t>
+            </a:r>
+            <a:r>
+              <a:rPr lang="en-US" dirty="0" err="1"/>
+              <a:t>consectetur</a:t>
+            </a:r>
+            <a:r>
+              <a:rPr lang="en-US" dirty="0"/>
+              <a:t> </a:t>
+            </a:r>
+            <a:r>
+              <a:rPr lang="en-US" dirty="0" err="1"/>
+              <a:t>adipiscing</a:t>
+            </a:r>
+            <a:r>
+              <a:rPr lang="en-US" dirty="0"/>
+              <a:t> </a:t>
+            </a:r>
+            <a:r>
+              <a:rPr lang="en-US" dirty="0" err="1"/>
+              <a:t>elit</a:t>
+            </a:r>
+            <a:r>
+              <a:rPr lang="en-US" dirty="0"/>
+              <a:t>. </a:t>
+            </a:r>
+            <a:r>
+              <a:rPr lang="en-US" dirty="0" err="1"/>
+              <a:t>Donec</a:t>
+            </a:r>
+            <a:r>
+              <a:rPr lang="en-US" dirty="0"/>
+              <a:t> </a:t>
+            </a:r>
+            <a:r>
+              <a:rPr lang="en-US" dirty="0" err="1"/>
+              <a:t>risus</a:t>
+            </a:r>
+            <a:r>
+              <a:rPr lang="en-US" dirty="0"/>
+              <a:t> </a:t>
+            </a:r>
+            <a:r>
+              <a:rPr lang="en-US" dirty="0" err="1"/>
+              <a:t>purus</a:t>
+            </a:r>
+            <a:r>
+              <a:rPr lang="en-US" dirty="0"/>
+              <a:t>, tempus in </a:t>
+            </a:r>
+            <a:r>
+              <a:rPr lang="en-US" dirty="0" err="1"/>
+              <a:t>quis</a:t>
+            </a:r>
+            <a:r>
+              <a:rPr lang="en-US" dirty="0"/>
+              <a:t>, </a:t>
+            </a:r>
+            <a:r>
+              <a:rPr lang="en-US" dirty="0" err="1"/>
+              <a:t>ultricies</a:t>
+            </a:r>
+            <a:r>
+              <a:rPr lang="en-US" dirty="0"/>
+              <a:t> </a:t>
+            </a:r>
+            <a:r>
+              <a:rPr lang="en-US" dirty="0" err="1"/>
+              <a:t>eu</a:t>
+            </a:r>
+            <a:r>
+              <a:rPr lang="en-US" dirty="0"/>
+              <a:t> diam. </a:t>
+            </a:r>
+            <a:r>
+              <a:rPr lang="en-US" dirty="0" err="1"/>
+              <a:t>Donec</a:t>
+            </a:r>
+            <a:r>
+              <a:rPr lang="en-US" dirty="0"/>
+              <a:t> </a:t>
+            </a:r>
+            <a:r>
+              <a:rPr lang="en-US" dirty="0" err="1"/>
+              <a:t>convallis</a:t>
+            </a:r>
+            <a:r>
+              <a:rPr lang="en-US" dirty="0"/>
+              <a:t> </a:t>
+            </a:r>
+            <a:r>
+              <a:rPr lang="en-US" dirty="0" err="1"/>
+              <a:t>enim</a:t>
+            </a:r>
+            <a:r>
+              <a:rPr lang="en-US" dirty="0"/>
+              <a:t> in mi </a:t>
+            </a:r>
+            <a:r>
+              <a:rPr lang="en-US" dirty="0" err="1"/>
+              <a:t>lacinia</a:t>
+            </a:r>
+            <a:r>
+              <a:rPr lang="en-US" dirty="0"/>
+              <a:t>, id </a:t>
+            </a:r>
+            <a:r>
+              <a:rPr lang="en-US" dirty="0" err="1"/>
+              <a:t>viverra</a:t>
+            </a:r>
+            <a:r>
+              <a:rPr lang="en-US" dirty="0"/>
+              <a:t> </a:t>
+            </a:r>
+            <a:r>
+              <a:rPr lang="en-US" dirty="0" err="1"/>
+              <a:t>neque</a:t>
+            </a:r>
+            <a:r>
+              <a:rPr lang="en-US" dirty="0"/>
+              <a:t> </a:t>
+            </a:r>
+            <a:r>
+              <a:rPr lang="en-US" dirty="0" err="1"/>
+              <a:t>pretium</a:t>
+            </a:r>
+            <a:r>
+              <a:rPr lang="en-US" dirty="0"/>
+              <a:t>. </a:t>
+            </a:r>
+            <a:r>
+              <a:rPr lang="en-US" dirty="0" err="1"/>
+              <a:t>Phasellus</a:t>
+            </a:r>
+            <a:r>
+              <a:rPr lang="en-US" dirty="0"/>
+              <a:t> et.</a:t>
+            </a:r>
+          </a:p>
+          <a:p>
             <a:endParaRPr lang="en-US" dirty="0"/>
           </a:p>
         </p:txBody>
@@ -14198,7 +14688,7 @@
     </p:spTree>
     <p:extLst>
       <p:ext uri="{BB962C8B-B14F-4D97-AF65-F5344CB8AC3E}">
-        <p14:creationId xmlns:p14="http://schemas.microsoft.com/office/powerpoint/2010/main" val="1439852271"/>
+        <p14:creationId xmlns:p14="http://schemas.microsoft.com/office/powerpoint/2010/main" val="2354427935"/>
       </p:ext>
     </p:extLst>
   </p:cSld>
@@ -14242,6 +14732,74 @@
       </p:grpSpPr>
       <p:sp>
         <p:nvSpPr>
+          <p:cNvPr id="5" name="Title 4"/>
+          <p:cNvSpPr>
+            <a:spLocks noGrp="1"/>
+          </p:cNvSpPr>
+          <p:nvPr>
+            <p:ph type="title"/>
+          </p:nvPr>
+        </p:nvSpPr>
+        <p:spPr/>
+        <p:txBody>
+          <a:bodyPr/>
+          <a:lstStyle/>
+          <a:p>
+            <a:r>
+              <a:rPr lang="en-US" dirty="0" smtClean="0"/>
+              <a:t>Title Only</a:t>
+            </a:r>
+            <a:endParaRPr lang="en-US" dirty="0"/>
+          </a:p>
+        </p:txBody>
+      </p:sp>
+    </p:spTree>
+    <p:extLst>
+      <p:ext uri="{BB962C8B-B14F-4D97-AF65-F5344CB8AC3E}">
+        <p14:creationId xmlns:p14="http://schemas.microsoft.com/office/powerpoint/2010/main" val="1439852271"/>
+      </p:ext>
+    </p:extLst>
+  </p:cSld>
+  <p:clrMapOvr>
+    <a:masterClrMapping/>
+  </p:clrMapOvr>
+  <mc:AlternateContent xmlns:mc="http://schemas.openxmlformats.org/markup-compatibility/2006">
+    <mc:Choice xmlns:p14="http://schemas.microsoft.com/office/powerpoint/2010/main" Requires="p14">
+      <p:transition spd="slow" p14:dur="2000"/>
+    </mc:Choice>
+    <mc:Fallback>
+      <p:transition xmlns:p14="http://schemas.microsoft.com/office/powerpoint/2010/main" spd="slow"/>
+    </mc:Fallback>
+  </mc:AlternateContent>
+  <p:timing>
+    <p:tnLst>
+      <p:par>
+        <p:cTn xmlns:p14="http://schemas.microsoft.com/office/powerpoint/2010/main" id="1" dur="indefinite" restart="never" nodeType="tmRoot"/>
+      </p:par>
+    </p:tnLst>
+  </p:timing>
+</p:sld>
+</file>
+
+<file path=ppt/slides/slide28.xml><?xml version="1.0" encoding="utf-8"?>
+<p:sld xmlns:a="http://schemas.openxmlformats.org/drawingml/2006/main" xmlns:r="http://schemas.openxmlformats.org/officeDocument/2006/relationships" xmlns:p="http://schemas.openxmlformats.org/presentationml/2006/main" show="0">
+  <p:cSld>
+    <p:spTree>
+      <p:nvGrpSpPr>
+        <p:cNvPr id="1" name=""/>
+        <p:cNvGrpSpPr/>
+        <p:nvPr/>
+      </p:nvGrpSpPr>
+      <p:grpSpPr>
+        <a:xfrm>
+          <a:off x="0" y="0"/>
+          <a:ext cx="0" cy="0"/>
+          <a:chOff x="0" y="0"/>
+          <a:chExt cx="0" cy="0"/>
+        </a:xfrm>
+      </p:grpSpPr>
+      <p:sp>
+        <p:nvSpPr>
           <p:cNvPr id="2" name="Title 1"/>
           <p:cNvSpPr>
             <a:spLocks noGrp="1"/>
@@ -14314,7 +14872,7 @@
 </p:sld>
 </file>
 
-<file path=ppt/slides/slide28.xml><?xml version="1.0" encoding="utf-8"?>
+<file path=ppt/slides/slide29.xml><?xml version="1.0" encoding="utf-8"?>
 <p:sld xmlns:a="http://schemas.openxmlformats.org/drawingml/2006/main" xmlns:r="http://schemas.openxmlformats.org/officeDocument/2006/relationships" xmlns:p="http://schemas.openxmlformats.org/presentationml/2006/main" show="0">
   <p:cSld>
     <p:spTree>
@@ -15936,7 +16494,143 @@
 </p:sld>
 </file>
 
-<file path=ppt/slides/slide29.xml><?xml version="1.0" encoding="utf-8"?>
+<file path=ppt/slides/slide3.xml><?xml version="1.0" encoding="utf-8"?>
+<p:sld xmlns:a="http://schemas.openxmlformats.org/drawingml/2006/main" xmlns:r="http://schemas.openxmlformats.org/officeDocument/2006/relationships" xmlns:p="http://schemas.openxmlformats.org/presentationml/2006/main">
+  <p:cSld>
+    <p:spTree>
+      <p:nvGrpSpPr>
+        <p:cNvPr id="1" name=""/>
+        <p:cNvGrpSpPr/>
+        <p:nvPr/>
+      </p:nvGrpSpPr>
+      <p:grpSpPr>
+        <a:xfrm>
+          <a:off x="0" y="0"/>
+          <a:ext cx="0" cy="0"/>
+          <a:chOff x="0" y="0"/>
+          <a:chExt cx="0" cy="0"/>
+        </a:xfrm>
+      </p:grpSpPr>
+      <p:sp>
+        <p:nvSpPr>
+          <p:cNvPr id="2" name="Title 1"/>
+          <p:cNvSpPr>
+            <a:spLocks noGrp="1"/>
+          </p:cNvSpPr>
+          <p:nvPr>
+            <p:ph type="title"/>
+          </p:nvPr>
+        </p:nvSpPr>
+        <p:spPr/>
+        <p:txBody>
+          <a:bodyPr/>
+          <a:lstStyle/>
+          <a:p>
+            <a:r>
+              <a:rPr lang="en-US" dirty="0" smtClean="0"/>
+              <a:t>Secondary Indexes</a:t>
+            </a:r>
+            <a:endParaRPr lang="en-US" dirty="0"/>
+          </a:p>
+        </p:txBody>
+      </p:sp>
+      <p:sp>
+        <p:nvSpPr>
+          <p:cNvPr id="3" name="Content Placeholder 2"/>
+          <p:cNvSpPr>
+            <a:spLocks noGrp="1"/>
+          </p:cNvSpPr>
+          <p:nvPr>
+            <p:ph idx="1"/>
+          </p:nvPr>
+        </p:nvSpPr>
+        <p:spPr>
+          <a:xfrm>
+            <a:off x="457200" y="955193"/>
+            <a:ext cx="8007739" cy="3493655"/>
+          </a:xfrm>
+        </p:spPr>
+        <p:txBody>
+          <a:bodyPr/>
+          <a:lstStyle/>
+          <a:p>
+            <a:pPr>
+              <a:lnSpc>
+                <a:spcPct val="140000"/>
+              </a:lnSpc>
+            </a:pPr>
+            <a:r>
+              <a:rPr lang="en-US" dirty="0" smtClean="0"/>
+              <a:t>Are the backing data structure for N1QL</a:t>
+            </a:r>
+          </a:p>
+          <a:p>
+            <a:pPr>
+              <a:lnSpc>
+                <a:spcPct val="140000"/>
+              </a:lnSpc>
+            </a:pPr>
+            <a:r>
+              <a:rPr lang="en-US" dirty="0" smtClean="0"/>
+              <a:t>Optimize the data lookup path for the query engine (“avoiding the full table scan”)</a:t>
+            </a:r>
+          </a:p>
+          <a:p>
+            <a:pPr>
+              <a:lnSpc>
+                <a:spcPct val="140000"/>
+              </a:lnSpc>
+            </a:pPr>
+            <a:r>
+              <a:rPr lang="en-US" dirty="0" smtClean="0"/>
+              <a:t>Two types of indexes</a:t>
+            </a:r>
+          </a:p>
+          <a:p>
+            <a:pPr lvl="1">
+              <a:lnSpc>
+                <a:spcPct val="140000"/>
+              </a:lnSpc>
+            </a:pPr>
+            <a:r>
+              <a:rPr lang="en-US" dirty="0" smtClean="0"/>
+              <a:t>View indexes</a:t>
+            </a:r>
+          </a:p>
+          <a:p>
+            <a:pPr lvl="1">
+              <a:lnSpc>
+                <a:spcPct val="140000"/>
+              </a:lnSpc>
+            </a:pPr>
+            <a:r>
+              <a:rPr lang="en-US" dirty="0" smtClean="0"/>
+              <a:t>GSI indexes (new global secondary indexes)</a:t>
+            </a:r>
+          </a:p>
+        </p:txBody>
+      </p:sp>
+    </p:spTree>
+    <p:extLst>
+      <p:ext uri="{BB962C8B-B14F-4D97-AF65-F5344CB8AC3E}">
+        <p14:creationId xmlns:p14="http://schemas.microsoft.com/office/powerpoint/2010/main" val="230402553"/>
+      </p:ext>
+    </p:extLst>
+  </p:cSld>
+  <p:clrMapOvr>
+    <a:masterClrMapping/>
+  </p:clrMapOvr>
+  <p:timing>
+    <p:tnLst>
+      <p:par>
+        <p:cTn xmlns:p14="http://schemas.microsoft.com/office/powerpoint/2010/main" id="1" dur="indefinite" restart="never" nodeType="tmRoot"/>
+      </p:par>
+    </p:tnLst>
+  </p:timing>
+</p:sld>
+</file>
+
+<file path=ppt/slides/slide30.xml><?xml version="1.0" encoding="utf-8"?>
 <p:sld xmlns:a="http://schemas.openxmlformats.org/drawingml/2006/main" xmlns:r="http://schemas.openxmlformats.org/officeDocument/2006/relationships" xmlns:p="http://schemas.openxmlformats.org/presentationml/2006/main" show="0">
   <p:cSld>
     <p:spTree>
@@ -16688,143 +17382,7 @@
 </p:sld>
 </file>
 
-<file path=ppt/slides/slide3.xml><?xml version="1.0" encoding="utf-8"?>
-<p:sld xmlns:a="http://schemas.openxmlformats.org/drawingml/2006/main" xmlns:r="http://schemas.openxmlformats.org/officeDocument/2006/relationships" xmlns:p="http://schemas.openxmlformats.org/presentationml/2006/main">
-  <p:cSld>
-    <p:spTree>
-      <p:nvGrpSpPr>
-        <p:cNvPr id="1" name=""/>
-        <p:cNvGrpSpPr/>
-        <p:nvPr/>
-      </p:nvGrpSpPr>
-      <p:grpSpPr>
-        <a:xfrm>
-          <a:off x="0" y="0"/>
-          <a:ext cx="0" cy="0"/>
-          <a:chOff x="0" y="0"/>
-          <a:chExt cx="0" cy="0"/>
-        </a:xfrm>
-      </p:grpSpPr>
-      <p:sp>
-        <p:nvSpPr>
-          <p:cNvPr id="2" name="Title 1"/>
-          <p:cNvSpPr>
-            <a:spLocks noGrp="1"/>
-          </p:cNvSpPr>
-          <p:nvPr>
-            <p:ph type="title"/>
-          </p:nvPr>
-        </p:nvSpPr>
-        <p:spPr/>
-        <p:txBody>
-          <a:bodyPr/>
-          <a:lstStyle/>
-          <a:p>
-            <a:r>
-              <a:rPr lang="en-US" dirty="0" smtClean="0"/>
-              <a:t>Secondary Indexes</a:t>
-            </a:r>
-            <a:endParaRPr lang="en-US" dirty="0"/>
-          </a:p>
-        </p:txBody>
-      </p:sp>
-      <p:sp>
-        <p:nvSpPr>
-          <p:cNvPr id="3" name="Content Placeholder 2"/>
-          <p:cNvSpPr>
-            <a:spLocks noGrp="1"/>
-          </p:cNvSpPr>
-          <p:nvPr>
-            <p:ph idx="1"/>
-          </p:nvPr>
-        </p:nvSpPr>
-        <p:spPr>
-          <a:xfrm>
-            <a:off x="457200" y="955193"/>
-            <a:ext cx="8007739" cy="3493655"/>
-          </a:xfrm>
-        </p:spPr>
-        <p:txBody>
-          <a:bodyPr/>
-          <a:lstStyle/>
-          <a:p>
-            <a:pPr>
-              <a:lnSpc>
-                <a:spcPct val="140000"/>
-              </a:lnSpc>
-            </a:pPr>
-            <a:r>
-              <a:rPr lang="en-US" dirty="0" smtClean="0"/>
-              <a:t>Are the backing data structure for N1QL</a:t>
-            </a:r>
-          </a:p>
-          <a:p>
-            <a:pPr>
-              <a:lnSpc>
-                <a:spcPct val="140000"/>
-              </a:lnSpc>
-            </a:pPr>
-            <a:r>
-              <a:rPr lang="en-US" dirty="0" smtClean="0"/>
-              <a:t>Optimize the data lookup path for the query engine (“avoiding the full table scan”)</a:t>
-            </a:r>
-          </a:p>
-          <a:p>
-            <a:pPr>
-              <a:lnSpc>
-                <a:spcPct val="140000"/>
-              </a:lnSpc>
-            </a:pPr>
-            <a:r>
-              <a:rPr lang="en-US" dirty="0" smtClean="0"/>
-              <a:t>Two types of indexes</a:t>
-            </a:r>
-          </a:p>
-          <a:p>
-            <a:pPr lvl="1">
-              <a:lnSpc>
-                <a:spcPct val="140000"/>
-              </a:lnSpc>
-            </a:pPr>
-            <a:r>
-              <a:rPr lang="en-US" dirty="0" smtClean="0"/>
-              <a:t>View indexes</a:t>
-            </a:r>
-          </a:p>
-          <a:p>
-            <a:pPr lvl="1">
-              <a:lnSpc>
-                <a:spcPct val="140000"/>
-              </a:lnSpc>
-            </a:pPr>
-            <a:r>
-              <a:rPr lang="en-US" dirty="0" smtClean="0"/>
-              <a:t>GSI indexes (new global secondary indexes)</a:t>
-            </a:r>
-          </a:p>
-        </p:txBody>
-      </p:sp>
-    </p:spTree>
-    <p:extLst>
-      <p:ext uri="{BB962C8B-B14F-4D97-AF65-F5344CB8AC3E}">
-        <p14:creationId xmlns:p14="http://schemas.microsoft.com/office/powerpoint/2010/main" val="230402553"/>
-      </p:ext>
-    </p:extLst>
-  </p:cSld>
-  <p:clrMapOvr>
-    <a:masterClrMapping/>
-  </p:clrMapOvr>
-  <p:timing>
-    <p:tnLst>
-      <p:par>
-        <p:cTn xmlns:p14="http://schemas.microsoft.com/office/powerpoint/2010/main" id="1" dur="indefinite" restart="never" nodeType="tmRoot"/>
-      </p:par>
-    </p:tnLst>
-  </p:timing>
-</p:sld>
-</file>
-
-<file path=ppt/slides/slide30.xml><?xml version="1.0" encoding="utf-8"?>
+<file path=ppt/slides/slide31.xml><?xml version="1.0" encoding="utf-8"?>
 <p:sld xmlns:a="http://schemas.openxmlformats.org/drawingml/2006/main" xmlns:r="http://schemas.openxmlformats.org/officeDocument/2006/relationships" xmlns:p="http://schemas.openxmlformats.org/presentationml/2006/main" show="0">
   <p:cSld>
     <p:spTree>
@@ -17576,7 +18134,7 @@
 </p:sld>
 </file>
 
-<file path=ppt/slides/slide31.xml><?xml version="1.0" encoding="utf-8"?>
+<file path=ppt/slides/slide32.xml><?xml version="1.0" encoding="utf-8"?>
 <p:sld xmlns:a="http://schemas.openxmlformats.org/drawingml/2006/main" xmlns:r="http://schemas.openxmlformats.org/officeDocument/2006/relationships" xmlns:p="http://schemas.openxmlformats.org/presentationml/2006/main" show="0">
   <p:cSld>
     <p:spTree>
@@ -17742,7 +18300,7 @@
 </p:sld>
 </file>
 
-<file path=ppt/slides/slide32.xml><?xml version="1.0" encoding="utf-8"?>
+<file path=ppt/slides/slide33.xml><?xml version="1.0" encoding="utf-8"?>
 <p:sld xmlns:a="http://schemas.openxmlformats.org/drawingml/2006/main" xmlns:r="http://schemas.openxmlformats.org/officeDocument/2006/relationships" xmlns:p="http://schemas.openxmlformats.org/presentationml/2006/main" show="0">
   <p:cSld>
     <p:spTree>
@@ -17908,7 +18466,7 @@
 </p:sld>
 </file>
 
-<file path=ppt/slides/slide33.xml><?xml version="1.0" encoding="utf-8"?>
+<file path=ppt/slides/slide34.xml><?xml version="1.0" encoding="utf-8"?>
 <p:sld xmlns:a="http://schemas.openxmlformats.org/drawingml/2006/main" xmlns:r="http://schemas.openxmlformats.org/officeDocument/2006/relationships" xmlns:p="http://schemas.openxmlformats.org/presentationml/2006/main" show="0">
   <p:cSld>
     <p:spTree>
@@ -18074,7 +18632,7 @@
 </p:sld>
 </file>
 
-<file path=ppt/slides/slide34.xml><?xml version="1.0" encoding="utf-8"?>
+<file path=ppt/slides/slide35.xml><?xml version="1.0" encoding="utf-8"?>
 <p:sld xmlns:a="http://schemas.openxmlformats.org/drawingml/2006/main" xmlns:r="http://schemas.openxmlformats.org/officeDocument/2006/relationships" xmlns:p="http://schemas.openxmlformats.org/presentationml/2006/main" show="0">
   <p:cSld>
     <p:spTree>
@@ -18768,7 +19326,7 @@
 </p:sld>
 </file>
 
-<file path=ppt/slides/slide35.xml><?xml version="1.0" encoding="utf-8"?>
+<file path=ppt/slides/slide36.xml><?xml version="1.0" encoding="utf-8"?>
 <p:sld xmlns:a="http://schemas.openxmlformats.org/drawingml/2006/main" xmlns:r="http://schemas.openxmlformats.org/officeDocument/2006/relationships" xmlns:p="http://schemas.openxmlformats.org/presentationml/2006/main" show="0">
   <p:cSld>
     <p:spTree>
@@ -18836,7 +19394,7 @@
 </p:sld>
 </file>
 
-<file path=ppt/slides/slide36.xml><?xml version="1.0" encoding="utf-8"?>
+<file path=ppt/slides/slide37.xml><?xml version="1.0" encoding="utf-8"?>
 <p:sld xmlns:a="http://schemas.openxmlformats.org/drawingml/2006/main" xmlns:r="http://schemas.openxmlformats.org/officeDocument/2006/relationships" xmlns:p="http://schemas.openxmlformats.org/presentationml/2006/main" show="0">
   <p:cSld>
     <p:spTree>
@@ -18948,11 +19506,7 @@
             </a:pPr>
             <a:r>
               <a:rPr lang="en-US" dirty="0" smtClean="0"/>
-              <a:t>Indexes </a:t>
-            </a:r>
-            <a:r>
-              <a:rPr lang="en-US" dirty="0" smtClean="0"/>
-              <a:t>can be created and dropped</a:t>
+              <a:t>Indexes can be created and dropped</a:t>
             </a:r>
           </a:p>
           <a:p>
@@ -19080,7 +19634,6 @@
               <a:rPr lang="en-US" dirty="0" smtClean="0"/>
               <a:t>For each Index:</a:t>
             </a:r>
-            <a:endParaRPr lang="en-US" dirty="0" smtClean="0"/>
           </a:p>
           <a:p>
             <a:pPr>
@@ -19150,10 +19703,6 @@
               </a:rPr>
               <a:t>;</a:t>
             </a:r>
-            <a:endParaRPr lang="de-DE" dirty="0">
-              <a:latin typeface="Courier New"/>
-              <a:cs typeface="Courier New"/>
-            </a:endParaRPr>
           </a:p>
         </p:txBody>
       </p:sp>
@@ -19412,14 +19961,7 @@
                 <a:latin typeface="Courier New"/>
                 <a:cs typeface="Courier New"/>
               </a:rPr>
-              <a:t> ON </a:t>
-            </a:r>
-            <a:r>
-              <a:rPr lang="de-DE" dirty="0" smtClean="0">
-                <a:latin typeface="Courier New"/>
-                <a:cs typeface="Courier New"/>
-              </a:rPr>
-              <a:t>`</a:t>
+              <a:t> ON `</a:t>
             </a:r>
             <a:r>
               <a:rPr lang="de-DE" dirty="0" err="1" smtClean="0">
@@ -19755,7 +20297,6 @@
               <a:rPr lang="en-US" dirty="0" smtClean="0"/>
               <a:t>Make sure to drop the proper index (using)</a:t>
             </a:r>
-            <a:endParaRPr lang="en-US" dirty="0" smtClean="0"/>
           </a:p>
         </p:txBody>
       </p:sp>
@@ -19828,14 +20369,7 @@
                 <a:latin typeface="Courier New"/>
                 <a:cs typeface="Courier New"/>
               </a:rPr>
-              <a:t>DROP INDEX </a:t>
-            </a:r>
-            <a:r>
-              <a:rPr lang="de-DE" dirty="0" smtClean="0">
-                <a:latin typeface="Courier New"/>
-                <a:cs typeface="Courier New"/>
-              </a:rPr>
-              <a:t>`</a:t>
+              <a:t>DROP INDEX `</a:t>
             </a:r>
             <a:r>
               <a:rPr lang="de-DE" dirty="0" err="1" smtClean="0">
@@ -20150,7 +20684,6 @@
               <a:rPr lang="en-US" dirty="0" smtClean="0"/>
               <a:t>(including selected index)</a:t>
             </a:r>
-            <a:endParaRPr lang="en-US" dirty="0" smtClean="0"/>
           </a:p>
         </p:txBody>
       </p:sp>
@@ -20248,10 +20781,6 @@
               </a:rPr>
               <a:t>";</a:t>
             </a:r>
-            <a:endParaRPr lang="de-DE" dirty="0">
-              <a:latin typeface="Courier New"/>
-              <a:cs typeface="Courier New"/>
-            </a:endParaRPr>
           </a:p>
         </p:txBody>
       </p:sp>
@@ -20402,7 +20931,6 @@
               <a:rPr lang="en-US" dirty="0" smtClean="0"/>
               <a:t>Index type can also be selected</a:t>
             </a:r>
-            <a:endParaRPr lang="en-US" dirty="0" smtClean="0"/>
           </a:p>
         </p:txBody>
       </p:sp>
@@ -20432,14 +20960,7 @@
                 <a:latin typeface="Courier New"/>
                 <a:cs typeface="Courier New"/>
               </a:rPr>
-              <a:t>SELECT * FROM </a:t>
-            </a:r>
-            <a:r>
-              <a:rPr lang="de-DE" dirty="0" smtClean="0">
-                <a:latin typeface="Courier New"/>
-                <a:cs typeface="Courier New"/>
-              </a:rPr>
-              <a:t>`</a:t>
+              <a:t>SELECT * FROM `</a:t>
             </a:r>
             <a:r>
               <a:rPr lang="de-DE" dirty="0" err="1" smtClean="0">

--- a/server/presentations/07_N1QL Details.pptx
+++ b/server/presentations/07_N1QL Details.pptx
@@ -4992,7 +4992,7 @@
         </p:nvSpPr>
         <p:spPr>
           <a:xfrm>
-            <a:off x="457200" y="955193"/>
+            <a:off x="457200" y="769052"/>
             <a:ext cx="8007739" cy="3493655"/>
           </a:xfrm>
         </p:spPr>
@@ -5040,6 +5040,14 @@
               </a:lnSpc>
             </a:pPr>
             <a:endParaRPr lang="en-US" dirty="0"/>
+          </a:p>
+          <a:p>
+            <a:pPr>
+              <a:lnSpc>
+                <a:spcPct val="140000"/>
+              </a:lnSpc>
+            </a:pPr>
+            <a:endParaRPr lang="en-US" dirty="0" smtClean="0"/>
           </a:p>
           <a:p>
             <a:pPr>
@@ -5063,7 +5071,7 @@
         </p:nvSpPr>
         <p:spPr>
           <a:xfrm>
-            <a:off x="457200" y="4002082"/>
+            <a:off x="466344" y="4186748"/>
             <a:ext cx="8782592" cy="369332"/>
           </a:xfrm>
           <a:prstGeom prst="rect">
@@ -5077,88 +5085,60 @@
           <a:lstStyle/>
           <a:p>
             <a:r>
-              <a:rPr lang="de-DE" dirty="0" err="1">
+              <a:rPr lang="de-DE" dirty="0" smtClean="0">
                 <a:latin typeface="Courier New"/>
                 <a:cs typeface="Courier New"/>
               </a:rPr>
-              <a:t>select</a:t>
+              <a:t>SELECT COUNT(</a:t>
             </a:r>
             <a:r>
               <a:rPr lang="de-DE" dirty="0">
                 <a:latin typeface="Courier New"/>
                 <a:cs typeface="Courier New"/>
               </a:rPr>
-              <a:t> </a:t>
-            </a:r>
-            <a:r>
-              <a:rPr lang="de-DE" dirty="0" err="1">
+              <a:t>*) </a:t>
+            </a:r>
+            <a:r>
+              <a:rPr lang="de-DE" dirty="0" smtClean="0">
                 <a:latin typeface="Courier New"/>
                 <a:cs typeface="Courier New"/>
               </a:rPr>
-              <a:t>count</a:t>
+              <a:t>FROM </a:t>
+            </a:r>
+            <a:r>
+              <a:rPr lang="de-DE" dirty="0" err="1" smtClean="0">
+                <a:latin typeface="Courier New"/>
+                <a:cs typeface="Courier New"/>
+              </a:rPr>
+              <a:t>system:indexes</a:t>
+            </a:r>
+            <a:r>
+              <a:rPr lang="de-DE" dirty="0" smtClean="0">
+                <a:latin typeface="Courier New"/>
+                <a:cs typeface="Courier New"/>
+              </a:rPr>
+              <a:t> WHERE </a:t>
+            </a:r>
+            <a:r>
+              <a:rPr lang="de-DE" dirty="0" err="1" smtClean="0">
+                <a:latin typeface="Courier New"/>
+                <a:cs typeface="Courier New"/>
+              </a:rPr>
+              <a:t>state</a:t>
+            </a:r>
+            <a:r>
+              <a:rPr lang="de-DE" dirty="0" smtClean="0">
+                <a:latin typeface="Courier New"/>
+                <a:cs typeface="Courier New"/>
+              </a:rPr>
+              <a:t> </a:t>
             </a:r>
             <a:r>
               <a:rPr lang="de-DE" dirty="0">
                 <a:latin typeface="Courier New"/>
                 <a:cs typeface="Courier New"/>
               </a:rPr>
-              <a:t>(*) </a:t>
-            </a:r>
-            <a:r>
-              <a:rPr lang="de-DE" dirty="0" err="1">
-                <a:latin typeface="Courier New"/>
-                <a:cs typeface="Courier New"/>
-              </a:rPr>
-              <a:t>from</a:t>
-            </a:r>
-            <a:r>
-              <a:rPr lang="de-DE" dirty="0">
-                <a:latin typeface="Courier New"/>
-                <a:cs typeface="Courier New"/>
-              </a:rPr>
-              <a:t> </a:t>
-            </a:r>
-            <a:r>
-              <a:rPr lang="de-DE" dirty="0" err="1">
-                <a:latin typeface="Courier New"/>
-                <a:cs typeface="Courier New"/>
-              </a:rPr>
-              <a:t>system:indexes</a:t>
-            </a:r>
-            <a:r>
-              <a:rPr lang="de-DE" dirty="0">
-                <a:latin typeface="Courier New"/>
-                <a:cs typeface="Courier New"/>
-              </a:rPr>
-              <a:t> </a:t>
-            </a:r>
-            <a:r>
-              <a:rPr lang="de-DE" dirty="0" err="1">
-                <a:latin typeface="Courier New"/>
-                <a:cs typeface="Courier New"/>
-              </a:rPr>
-              <a:t>where</a:t>
-            </a:r>
-            <a:r>
-              <a:rPr lang="de-DE" dirty="0">
-                <a:latin typeface="Courier New"/>
-                <a:cs typeface="Courier New"/>
-              </a:rPr>
-              <a:t> </a:t>
-            </a:r>
-            <a:r>
-              <a:rPr lang="de-DE" dirty="0" err="1">
-                <a:latin typeface="Courier New"/>
-                <a:cs typeface="Courier New"/>
-              </a:rPr>
-              <a:t>state</a:t>
-            </a:r>
-            <a:r>
-              <a:rPr lang="de-DE" dirty="0">
-                <a:latin typeface="Courier New"/>
-                <a:cs typeface="Courier New"/>
-              </a:rPr>
-              <a:t> = "online";</a:t>
+              <a:t>= "online";</a:t>
             </a:r>
             <a:endParaRPr lang="de-DE" dirty="0">
               <a:latin typeface="Courier New"/>
@@ -5169,21 +5149,18 @@
       </p:sp>
       <p:sp>
         <p:nvSpPr>
-          <p:cNvPr id="8" name="Rechteck 7"/>
+          <p:cNvPr id="9" name="Rechteck 8"/>
           <p:cNvSpPr/>
           <p:nvPr/>
         </p:nvSpPr>
         <p:spPr>
           <a:xfrm>
-            <a:off x="609600" y="2724750"/>
-            <a:ext cx="8782592" cy="369332"/>
+            <a:off x="260940" y="2605238"/>
+            <a:ext cx="8987996" cy="738664"/>
           </a:xfrm>
           <a:prstGeom prst="rect">
             <a:avLst/>
           </a:prstGeom>
-          <a:solidFill>
-            <a:srgbClr val="E10021"/>
-          </a:solidFill>
         </p:spPr>
         <p:txBody>
           <a:bodyPr wrap="square">
@@ -5192,13 +5169,276 @@
           <a:lstStyle/>
           <a:p>
             <a:r>
-              <a:rPr lang="de-DE" dirty="0" smtClean="0">
+              <a:rPr lang="de-DE" sz="1400" dirty="0">
                 <a:latin typeface="Courier New"/>
                 <a:cs typeface="Courier New"/>
               </a:rPr>
-              <a:t>ADD ME</a:t>
-            </a:r>
-            <a:endParaRPr lang="de-DE" dirty="0">
+              <a:t>CREATE INDEX </a:t>
+            </a:r>
+            <a:r>
+              <a:rPr lang="de-DE" sz="1400" dirty="0" err="1">
+                <a:latin typeface="Courier New"/>
+                <a:cs typeface="Courier New"/>
+              </a:rPr>
+              <a:t>foo</a:t>
+            </a:r>
+            <a:r>
+              <a:rPr lang="de-DE" sz="1400" dirty="0">
+                <a:latin typeface="Courier New"/>
+                <a:cs typeface="Courier New"/>
+              </a:rPr>
+              <a:t> ON </a:t>
+            </a:r>
+            <a:r>
+              <a:rPr lang="de-DE" sz="1400" dirty="0" smtClean="0">
+                <a:latin typeface="Courier New"/>
+                <a:cs typeface="Courier New"/>
+              </a:rPr>
+              <a:t>`</a:t>
+            </a:r>
+            <a:r>
+              <a:rPr lang="de-DE" sz="1400" dirty="0" err="1" smtClean="0">
+                <a:latin typeface="Courier New"/>
+                <a:cs typeface="Courier New"/>
+              </a:rPr>
+              <a:t>travel</a:t>
+            </a:r>
+            <a:r>
+              <a:rPr lang="de-DE" sz="1400" dirty="0" smtClean="0">
+                <a:latin typeface="Courier New"/>
+                <a:cs typeface="Courier New"/>
+              </a:rPr>
+              <a:t>-</a:t>
+            </a:r>
+            <a:r>
+              <a:rPr lang="de-DE" sz="1400" dirty="0">
+                <a:latin typeface="Courier New"/>
+                <a:cs typeface="Courier New"/>
+              </a:rPr>
+              <a:t>sample`</a:t>
+            </a:r>
+            <a:r>
+              <a:rPr lang="de-DE" sz="1400" dirty="0" smtClean="0">
+                <a:latin typeface="Courier New"/>
+                <a:cs typeface="Courier New"/>
+              </a:rPr>
+              <a:t>(</a:t>
+            </a:r>
+            <a:r>
+              <a:rPr lang="de-DE" sz="1400" dirty="0" err="1" smtClean="0">
+                <a:latin typeface="Courier New"/>
+                <a:cs typeface="Courier New"/>
+              </a:rPr>
+              <a:t>fieldb</a:t>
+            </a:r>
+            <a:r>
+              <a:rPr lang="de-DE" sz="1400" dirty="0" smtClean="0">
+                <a:latin typeface="Courier New"/>
+                <a:cs typeface="Courier New"/>
+              </a:rPr>
+              <a:t>) USING GSI WITH </a:t>
+            </a:r>
+            <a:r>
+              <a:rPr lang="de-DE" sz="1400" b="1" dirty="0">
+                <a:latin typeface="Courier New"/>
+                <a:cs typeface="Courier New"/>
+              </a:rPr>
+              <a:t>{"</a:t>
+            </a:r>
+            <a:r>
+              <a:rPr lang="de-DE" sz="1400" b="1" dirty="0" err="1">
+                <a:latin typeface="Courier New"/>
+                <a:cs typeface="Courier New"/>
+              </a:rPr>
+              <a:t>defer_build</a:t>
+            </a:r>
+            <a:r>
+              <a:rPr lang="de-DE" sz="1400" b="1" dirty="0">
+                <a:latin typeface="Courier New"/>
+                <a:cs typeface="Courier New"/>
+              </a:rPr>
+              <a:t>": </a:t>
+            </a:r>
+            <a:r>
+              <a:rPr lang="de-DE" sz="1400" b="1" dirty="0" err="1">
+                <a:latin typeface="Courier New"/>
+                <a:cs typeface="Courier New"/>
+              </a:rPr>
+              <a:t>true</a:t>
+            </a:r>
+            <a:r>
+              <a:rPr lang="de-DE" sz="1400" b="1" dirty="0">
+                <a:latin typeface="Courier New"/>
+                <a:cs typeface="Courier New"/>
+              </a:rPr>
+              <a:t>}</a:t>
+            </a:r>
+          </a:p>
+          <a:p>
+            <a:r>
+              <a:rPr lang="de-DE" sz="1400" dirty="0">
+                <a:latin typeface="Courier New"/>
+                <a:cs typeface="Courier New"/>
+              </a:rPr>
+              <a:t>CREATE INDEX bar ON </a:t>
+            </a:r>
+            <a:r>
+              <a:rPr lang="de-DE" sz="1400" dirty="0" smtClean="0">
+                <a:latin typeface="Courier New"/>
+                <a:cs typeface="Courier New"/>
+              </a:rPr>
+              <a:t>`</a:t>
+            </a:r>
+            <a:r>
+              <a:rPr lang="de-DE" sz="1400" dirty="0" err="1" smtClean="0">
+                <a:latin typeface="Courier New"/>
+                <a:cs typeface="Courier New"/>
+              </a:rPr>
+              <a:t>travel</a:t>
+            </a:r>
+            <a:r>
+              <a:rPr lang="de-DE" sz="1400" dirty="0" smtClean="0">
+                <a:latin typeface="Courier New"/>
+                <a:cs typeface="Courier New"/>
+              </a:rPr>
+              <a:t>-</a:t>
+            </a:r>
+            <a:r>
+              <a:rPr lang="de-DE" sz="1400" dirty="0">
+                <a:latin typeface="Courier New"/>
+                <a:cs typeface="Courier New"/>
+              </a:rPr>
+              <a:t>sample`</a:t>
+            </a:r>
+            <a:r>
+              <a:rPr lang="de-DE" sz="1400" dirty="0" smtClean="0">
+                <a:latin typeface="Courier New"/>
+                <a:cs typeface="Courier New"/>
+              </a:rPr>
+              <a:t>(</a:t>
+            </a:r>
+            <a:r>
+              <a:rPr lang="de-DE" sz="1400" dirty="0" err="1" smtClean="0">
+                <a:latin typeface="Courier New"/>
+                <a:cs typeface="Courier New"/>
+              </a:rPr>
+              <a:t>fielda</a:t>
+            </a:r>
+            <a:r>
+              <a:rPr lang="de-DE" sz="1400" dirty="0" smtClean="0">
+                <a:latin typeface="Courier New"/>
+                <a:cs typeface="Courier New"/>
+              </a:rPr>
+              <a:t>) </a:t>
+            </a:r>
+            <a:r>
+              <a:rPr lang="de-DE" sz="1400" dirty="0">
+                <a:latin typeface="Courier New"/>
+                <a:cs typeface="Courier New"/>
+              </a:rPr>
+              <a:t>USING GSI WITH </a:t>
+            </a:r>
+            <a:r>
+              <a:rPr lang="de-DE" sz="1400" b="1" dirty="0">
+                <a:latin typeface="Courier New"/>
+                <a:cs typeface="Courier New"/>
+              </a:rPr>
+              <a:t>{"</a:t>
+            </a:r>
+            <a:r>
+              <a:rPr lang="de-DE" sz="1400" b="1" dirty="0" err="1">
+                <a:latin typeface="Courier New"/>
+                <a:cs typeface="Courier New"/>
+              </a:rPr>
+              <a:t>defer_build</a:t>
+            </a:r>
+            <a:r>
+              <a:rPr lang="de-DE" sz="1400" b="1" dirty="0">
+                <a:latin typeface="Courier New"/>
+                <a:cs typeface="Courier New"/>
+              </a:rPr>
+              <a:t>": </a:t>
+            </a:r>
+            <a:r>
+              <a:rPr lang="de-DE" sz="1400" b="1" dirty="0" err="1">
+                <a:latin typeface="Courier New"/>
+                <a:cs typeface="Courier New"/>
+              </a:rPr>
+              <a:t>true</a:t>
+            </a:r>
+            <a:r>
+              <a:rPr lang="de-DE" sz="1400" b="1" dirty="0">
+                <a:latin typeface="Courier New"/>
+                <a:cs typeface="Courier New"/>
+              </a:rPr>
+              <a:t>}</a:t>
+            </a:r>
+          </a:p>
+          <a:p>
+            <a:r>
+              <a:rPr lang="de-DE" sz="1400" b="1" dirty="0" smtClean="0">
+                <a:latin typeface="Courier New"/>
+                <a:cs typeface="Courier New"/>
+              </a:rPr>
+              <a:t>BUILD </a:t>
+            </a:r>
+            <a:r>
+              <a:rPr lang="de-DE" sz="1400" b="1" dirty="0">
+                <a:latin typeface="Courier New"/>
+                <a:cs typeface="Courier New"/>
+              </a:rPr>
+              <a:t>INDEX </a:t>
+            </a:r>
+            <a:r>
+              <a:rPr lang="de-DE" sz="1400" b="1" dirty="0" smtClean="0">
+                <a:latin typeface="Courier New"/>
+                <a:cs typeface="Courier New"/>
+              </a:rPr>
+              <a:t>`</a:t>
+            </a:r>
+            <a:r>
+              <a:rPr lang="de-DE" sz="1400" b="1" dirty="0" err="1" smtClean="0">
+                <a:latin typeface="Courier New"/>
+                <a:cs typeface="Courier New"/>
+              </a:rPr>
+              <a:t>travel</a:t>
+            </a:r>
+            <a:r>
+              <a:rPr lang="de-DE" sz="1400" b="1" dirty="0" smtClean="0">
+                <a:latin typeface="Courier New"/>
+                <a:cs typeface="Courier New"/>
+              </a:rPr>
+              <a:t>-</a:t>
+            </a:r>
+            <a:r>
+              <a:rPr lang="de-DE" sz="1400" b="1" dirty="0">
+                <a:latin typeface="Courier New"/>
+                <a:cs typeface="Courier New"/>
+              </a:rPr>
+              <a:t>sample`(</a:t>
+            </a:r>
+            <a:r>
+              <a:rPr lang="de-DE" sz="1400" b="1" dirty="0" err="1">
+                <a:latin typeface="Courier New"/>
+                <a:cs typeface="Courier New"/>
+              </a:rPr>
+              <a:t>foo</a:t>
+            </a:r>
+            <a:r>
+              <a:rPr lang="de-DE" sz="1400" b="1" dirty="0">
+                <a:latin typeface="Courier New"/>
+                <a:cs typeface="Courier New"/>
+              </a:rPr>
+              <a:t>, </a:t>
+            </a:r>
+            <a:r>
+              <a:rPr lang="de-DE" sz="1400" b="1" dirty="0" smtClean="0">
+                <a:latin typeface="Courier New"/>
+                <a:cs typeface="Courier New"/>
+              </a:rPr>
+              <a:t>bar)</a:t>
+            </a:r>
+            <a:endParaRPr lang="de-DE" sz="1400" b="1" dirty="0">
               <a:latin typeface="Courier New"/>
               <a:cs typeface="Courier New"/>
             </a:endParaRPr>
@@ -5434,7 +5674,7 @@
                                         <p:tgtEl>
                                           <p:spTgt spid="3">
                                             <p:txEl>
-                                              <p:pRg st="4" end="4"/>
+                                              <p:pRg st="5" end="5"/>
                                             </p:txEl>
                                           </p:spTgt>
                                         </p:tgtEl>
@@ -5452,7 +5692,7 @@
                                         <p:tgtEl>
                                           <p:spTgt spid="3">
                                             <p:txEl>
-                                              <p:pRg st="4" end="4"/>
+                                              <p:pRg st="5" end="5"/>
                                             </p:txEl>
                                           </p:spTgt>
                                         </p:tgtEl>

--- a/server/presentations/07_N1QL Details.pptx
+++ b/server/presentations/07_N1QL Details.pptx
@@ -5,10 +5,10 @@
     <p:sldMasterId id="2147483648" r:id="rId1"/>
   </p:sldMasterIdLst>
   <p:notesMasterIdLst>
-    <p:notesMasterId r:id="rId39"/>
+    <p:notesMasterId r:id="rId40"/>
   </p:notesMasterIdLst>
   <p:handoutMasterIdLst>
-    <p:handoutMasterId r:id="rId40"/>
+    <p:handoutMasterId r:id="rId41"/>
   </p:handoutMasterIdLst>
   <p:sldIdLst>
     <p:sldId id="256" r:id="rId2"/>
@@ -21,33 +21,34 @@
     <p:sldId id="299" r:id="rId9"/>
     <p:sldId id="300" r:id="rId10"/>
     <p:sldId id="305" r:id="rId11"/>
-    <p:sldId id="301" r:id="rId12"/>
-    <p:sldId id="302" r:id="rId13"/>
-    <p:sldId id="304" r:id="rId14"/>
-    <p:sldId id="303" r:id="rId15"/>
-    <p:sldId id="290" r:id="rId16"/>
-    <p:sldId id="291" r:id="rId17"/>
-    <p:sldId id="292" r:id="rId18"/>
-    <p:sldId id="285" r:id="rId19"/>
-    <p:sldId id="284" r:id="rId20"/>
-    <p:sldId id="288" r:id="rId21"/>
-    <p:sldId id="287" r:id="rId22"/>
-    <p:sldId id="286" r:id="rId23"/>
-    <p:sldId id="289" r:id="rId24"/>
-    <p:sldId id="294" r:id="rId25"/>
-    <p:sldId id="279" r:id="rId26"/>
-    <p:sldId id="280" r:id="rId27"/>
-    <p:sldId id="281" r:id="rId28"/>
-    <p:sldId id="264" r:id="rId29"/>
-    <p:sldId id="270" r:id="rId30"/>
-    <p:sldId id="276" r:id="rId31"/>
-    <p:sldId id="277" r:id="rId32"/>
-    <p:sldId id="272" r:id="rId33"/>
-    <p:sldId id="275" r:id="rId34"/>
-    <p:sldId id="273" r:id="rId35"/>
-    <p:sldId id="274" r:id="rId36"/>
-    <p:sldId id="267" r:id="rId37"/>
-    <p:sldId id="269" r:id="rId38"/>
+    <p:sldId id="306" r:id="rId12"/>
+    <p:sldId id="301" r:id="rId13"/>
+    <p:sldId id="302" r:id="rId14"/>
+    <p:sldId id="304" r:id="rId15"/>
+    <p:sldId id="303" r:id="rId16"/>
+    <p:sldId id="290" r:id="rId17"/>
+    <p:sldId id="291" r:id="rId18"/>
+    <p:sldId id="292" r:id="rId19"/>
+    <p:sldId id="285" r:id="rId20"/>
+    <p:sldId id="284" r:id="rId21"/>
+    <p:sldId id="288" r:id="rId22"/>
+    <p:sldId id="287" r:id="rId23"/>
+    <p:sldId id="286" r:id="rId24"/>
+    <p:sldId id="289" r:id="rId25"/>
+    <p:sldId id="294" r:id="rId26"/>
+    <p:sldId id="279" r:id="rId27"/>
+    <p:sldId id="280" r:id="rId28"/>
+    <p:sldId id="281" r:id="rId29"/>
+    <p:sldId id="264" r:id="rId30"/>
+    <p:sldId id="270" r:id="rId31"/>
+    <p:sldId id="276" r:id="rId32"/>
+    <p:sldId id="277" r:id="rId33"/>
+    <p:sldId id="272" r:id="rId34"/>
+    <p:sldId id="275" r:id="rId35"/>
+    <p:sldId id="273" r:id="rId36"/>
+    <p:sldId id="274" r:id="rId37"/>
+    <p:sldId id="267" r:id="rId38"/>
+    <p:sldId id="269" r:id="rId39"/>
   </p:sldIdLst>
   <p:sldSz cx="9144000" cy="5143500" type="screen16x9"/>
   <p:notesSz cx="6858000" cy="9144000"/>
@@ -605,11 +606,11 @@
           <c:showBubbleSize val="0"/>
         </c:dLbls>
         <c:gapWidth val="150"/>
-        <c:axId val="-2110872712"/>
-        <c:axId val="-2085143288"/>
+        <c:axId val="-2111926792"/>
+        <c:axId val="-2112635928"/>
       </c:barChart>
       <c:catAx>
-        <c:axId val="-2110872712"/>
+        <c:axId val="-2111926792"/>
         <c:scaling>
           <c:orientation val="minMax"/>
         </c:scaling>
@@ -635,7 +636,7 @@
             <a:endParaRPr lang="de-DE"/>
           </a:p>
         </c:txPr>
-        <c:crossAx val="-2085143288"/>
+        <c:crossAx val="-2112635928"/>
         <c:crosses val="autoZero"/>
         <c:auto val="1"/>
         <c:lblAlgn val="ctr"/>
@@ -643,7 +644,7 @@
         <c:noMultiLvlLbl val="0"/>
       </c:catAx>
       <c:valAx>
-        <c:axId val="-2085143288"/>
+        <c:axId val="-2112635928"/>
         <c:scaling>
           <c:orientation val="minMax"/>
         </c:scaling>
@@ -685,7 +686,7 @@
             <a:endParaRPr lang="de-DE"/>
           </a:p>
         </c:txPr>
-        <c:crossAx val="-2110872712"/>
+        <c:crossAx val="-2111926792"/>
         <c:crosses val="autoZero"/>
         <c:crossBetween val="between"/>
       </c:valAx>
@@ -927,11 +928,11 @@
           <c:showBubbleSize val="0"/>
         </c:dLbls>
         <c:gapWidth val="150"/>
-        <c:axId val="-2085823752"/>
-        <c:axId val="-2085820536"/>
+        <c:axId val="-2080167240"/>
+        <c:axId val="2133867768"/>
       </c:barChart>
       <c:catAx>
-        <c:axId val="-2085823752"/>
+        <c:axId val="-2080167240"/>
         <c:scaling>
           <c:orientation val="minMax"/>
         </c:scaling>
@@ -957,7 +958,7 @@
             <a:endParaRPr lang="de-DE"/>
           </a:p>
         </c:txPr>
-        <c:crossAx val="-2085820536"/>
+        <c:crossAx val="2133867768"/>
         <c:crosses val="autoZero"/>
         <c:auto val="1"/>
         <c:lblAlgn val="ctr"/>
@@ -965,7 +966,7 @@
         <c:noMultiLvlLbl val="0"/>
       </c:catAx>
       <c:valAx>
-        <c:axId val="-2085820536"/>
+        <c:axId val="2133867768"/>
         <c:scaling>
           <c:orientation val="minMax"/>
         </c:scaling>
@@ -1007,7 +1008,7 @@
             <a:endParaRPr lang="de-DE"/>
           </a:p>
         </c:txPr>
-        <c:crossAx val="-2085823752"/>
+        <c:crossAx val="-2080167240"/>
         <c:crosses val="autoZero"/>
         <c:crossBetween val="between"/>
       </c:valAx>
@@ -1257,11 +1258,11 @@
         </c:dLbls>
         <c:marker val="1"/>
         <c:smooth val="0"/>
-        <c:axId val="-2084959624"/>
-        <c:axId val="-2084954088"/>
+        <c:axId val="-2080226648"/>
+        <c:axId val="-2080223432"/>
       </c:lineChart>
       <c:catAx>
-        <c:axId val="-2084959624"/>
+        <c:axId val="-2080226648"/>
         <c:scaling>
           <c:orientation val="minMax"/>
         </c:scaling>
@@ -1287,7 +1288,7 @@
             <a:endParaRPr lang="de-DE"/>
           </a:p>
         </c:txPr>
-        <c:crossAx val="-2084954088"/>
+        <c:crossAx val="-2080223432"/>
         <c:crosses val="autoZero"/>
         <c:auto val="1"/>
         <c:lblAlgn val="ctr"/>
@@ -1295,7 +1296,7 @@
         <c:noMultiLvlLbl val="0"/>
       </c:catAx>
       <c:valAx>
-        <c:axId val="-2084954088"/>
+        <c:axId val="-2080223432"/>
         <c:scaling>
           <c:orientation val="minMax"/>
         </c:scaling>
@@ -1335,7 +1336,7 @@
             <a:endParaRPr lang="de-DE"/>
           </a:p>
         </c:txPr>
-        <c:crossAx val="-2084959624"/>
+        <c:crossAx val="-2080226648"/>
         <c:crosses val="autoZero"/>
         <c:crossBetween val="between"/>
       </c:valAx>
@@ -1457,7 +1458,7 @@
           <a:p>
             <a:fld id="{B5389E1E-C654-E943-9883-792E99AD7287}" type="datetimeFigureOut">
               <a:rPr lang="en-US" smtClean="0"/>
-              <a:t>26/05/15</a:t>
+              <a:t>27/05/15</a:t>
             </a:fld>
             <a:endParaRPr lang="en-US"/>
           </a:p>
@@ -1623,7 +1624,7 @@
           <a:p>
             <a:fld id="{9920D99B-2862-464A-984E-65BFC5FC0BBC}" type="datetimeFigureOut">
               <a:rPr lang="en-US" smtClean="0"/>
-              <a:t>26/05/15</a:t>
+              <a:t>27/05/15</a:t>
             </a:fld>
             <a:endParaRPr lang="en-US"/>
           </a:p>
@@ -1911,6 +1912,735 @@
       </p:grpSpPr>
       <p:sp>
         <p:nvSpPr>
+          <p:cNvPr id="2" name="Folienbildplatzhalter 1"/>
+          <p:cNvSpPr>
+            <a:spLocks noGrp="1" noRot="1" noChangeAspect="1"/>
+          </p:cNvSpPr>
+          <p:nvPr>
+            <p:ph type="sldImg"/>
+          </p:nvPr>
+        </p:nvSpPr>
+        <p:spPr/>
+      </p:sp>
+      <p:sp>
+        <p:nvSpPr>
+          <p:cNvPr id="3" name="Notizenplatzhalter 2"/>
+          <p:cNvSpPr>
+            <a:spLocks noGrp="1"/>
+          </p:cNvSpPr>
+          <p:nvPr>
+            <p:ph type="body" idx="1"/>
+          </p:nvPr>
+        </p:nvSpPr>
+        <p:spPr/>
+        <p:txBody>
+          <a:bodyPr/>
+          <a:lstStyle/>
+          <a:p>
+            <a:pPr marL="0" marR="0" indent="0" algn="l" defTabSz="457200" rtl="0" eaLnBrk="1" fontAlgn="auto" latinLnBrk="0" hangingPunct="1">
+              <a:lnSpc>
+                <a:spcPct val="100000"/>
+              </a:lnSpc>
+              <a:spcBef>
+                <a:spcPts val="0"/>
+              </a:spcBef>
+              <a:spcAft>
+                <a:spcPts val="0"/>
+              </a:spcAft>
+              <a:buClrTx/>
+              <a:buSzTx/>
+              <a:buFontTx/>
+              <a:buNone/>
+              <a:tabLst/>
+              <a:defRPr/>
+            </a:pPr>
+            <a:r>
+              <a:rPr lang="de-DE" dirty="0" smtClean="0"/>
+              <a:t>Index DDL Request </a:t>
+            </a:r>
+            <a:r>
+              <a:rPr lang="de-DE" dirty="0" err="1" smtClean="0"/>
+              <a:t>from</a:t>
+            </a:r>
+            <a:r>
+              <a:rPr lang="de-DE" dirty="0" smtClean="0"/>
+              <a:t> Query Server </a:t>
+            </a:r>
+            <a:r>
+              <a:rPr lang="de-DE" dirty="0" err="1" smtClean="0"/>
+              <a:t>to</a:t>
+            </a:r>
+            <a:r>
+              <a:rPr lang="de-DE" dirty="0" smtClean="0"/>
+              <a:t> Index Client.</a:t>
+            </a:r>
+          </a:p>
+          <a:p>
+            <a:pPr marL="0" marR="0" indent="0" algn="l" defTabSz="457200" rtl="0" eaLnBrk="1" fontAlgn="auto" latinLnBrk="0" hangingPunct="1">
+              <a:lnSpc>
+                <a:spcPct val="100000"/>
+              </a:lnSpc>
+              <a:spcBef>
+                <a:spcPts val="0"/>
+              </a:spcBef>
+              <a:spcAft>
+                <a:spcPts val="0"/>
+              </a:spcAft>
+              <a:buClrTx/>
+              <a:buSzTx/>
+              <a:buFontTx/>
+              <a:buNone/>
+              <a:tabLst/>
+              <a:defRPr/>
+            </a:pPr>
+            <a:r>
+              <a:rPr lang="de-DE" dirty="0" smtClean="0"/>
+              <a:t>Index Client </a:t>
+            </a:r>
+            <a:r>
+              <a:rPr lang="de-DE" dirty="0" err="1" smtClean="0"/>
+              <a:t>sends</a:t>
+            </a:r>
+            <a:r>
+              <a:rPr lang="de-DE" dirty="0" smtClean="0"/>
+              <a:t> </a:t>
+            </a:r>
+            <a:r>
+              <a:rPr lang="de-DE" dirty="0" err="1" smtClean="0"/>
+              <a:t>the</a:t>
+            </a:r>
+            <a:r>
+              <a:rPr lang="de-DE" dirty="0" smtClean="0"/>
+              <a:t> DDL </a:t>
+            </a:r>
+            <a:r>
+              <a:rPr lang="de-DE" dirty="0" err="1" smtClean="0"/>
+              <a:t>request</a:t>
+            </a:r>
+            <a:r>
+              <a:rPr lang="de-DE" dirty="0" smtClean="0"/>
+              <a:t> </a:t>
+            </a:r>
+            <a:r>
+              <a:rPr lang="de-DE" dirty="0" err="1" smtClean="0"/>
+              <a:t>to</a:t>
+            </a:r>
+            <a:r>
+              <a:rPr lang="de-DE" dirty="0" smtClean="0"/>
+              <a:t> Index </a:t>
+            </a:r>
+            <a:r>
+              <a:rPr lang="de-DE" dirty="0" err="1" smtClean="0"/>
+              <a:t>Coordinator</a:t>
+            </a:r>
+            <a:r>
+              <a:rPr lang="de-DE" dirty="0" smtClean="0"/>
+              <a:t> Master.</a:t>
+            </a:r>
+          </a:p>
+          <a:p>
+            <a:pPr marL="0" marR="0" indent="0" algn="l" defTabSz="457200" rtl="0" eaLnBrk="1" fontAlgn="auto" latinLnBrk="0" hangingPunct="1">
+              <a:lnSpc>
+                <a:spcPct val="100000"/>
+              </a:lnSpc>
+              <a:spcBef>
+                <a:spcPts val="0"/>
+              </a:spcBef>
+              <a:spcAft>
+                <a:spcPts val="0"/>
+              </a:spcAft>
+              <a:buClrTx/>
+              <a:buSzTx/>
+              <a:buFontTx/>
+              <a:buNone/>
+              <a:tabLst/>
+              <a:defRPr/>
+            </a:pPr>
+            <a:r>
+              <a:rPr lang="de-DE" dirty="0" smtClean="0"/>
+              <a:t>Index </a:t>
+            </a:r>
+            <a:r>
+              <a:rPr lang="de-DE" dirty="0" err="1" smtClean="0"/>
+              <a:t>Coordinator</a:t>
+            </a:r>
+            <a:r>
+              <a:rPr lang="de-DE" dirty="0" smtClean="0"/>
+              <a:t> Master </a:t>
+            </a:r>
+            <a:r>
+              <a:rPr lang="de-DE" dirty="0" err="1" smtClean="0"/>
+              <a:t>decides</a:t>
+            </a:r>
+            <a:r>
+              <a:rPr lang="de-DE" dirty="0" smtClean="0"/>
+              <a:t> </a:t>
+            </a:r>
+            <a:r>
+              <a:rPr lang="de-DE" dirty="0" err="1" smtClean="0"/>
+              <a:t>the</a:t>
+            </a:r>
+            <a:r>
+              <a:rPr lang="de-DE" dirty="0" smtClean="0"/>
+              <a:t> </a:t>
+            </a:r>
+            <a:r>
+              <a:rPr lang="de-DE" dirty="0" err="1" smtClean="0"/>
+              <a:t>topology</a:t>
+            </a:r>
+            <a:r>
+              <a:rPr lang="de-DE" dirty="0" smtClean="0"/>
+              <a:t> </a:t>
+            </a:r>
+            <a:r>
+              <a:rPr lang="de-DE" dirty="0" err="1" smtClean="0"/>
+              <a:t>and</a:t>
+            </a:r>
+            <a:r>
+              <a:rPr lang="de-DE" dirty="0" smtClean="0"/>
+              <a:t> </a:t>
+            </a:r>
+            <a:r>
+              <a:rPr lang="de-DE" dirty="0" err="1" smtClean="0"/>
+              <a:t>informs</a:t>
+            </a:r>
+            <a:r>
+              <a:rPr lang="de-DE" dirty="0" smtClean="0"/>
+              <a:t> </a:t>
+            </a:r>
+            <a:r>
+              <a:rPr lang="de-DE" dirty="0" err="1" smtClean="0"/>
+              <a:t>participating</a:t>
+            </a:r>
+            <a:r>
+              <a:rPr lang="de-DE" dirty="0" smtClean="0"/>
+              <a:t> </a:t>
+            </a:r>
+            <a:r>
+              <a:rPr lang="de-DE" dirty="0" err="1" smtClean="0"/>
+              <a:t>Local</a:t>
+            </a:r>
+            <a:r>
+              <a:rPr lang="de-DE" dirty="0" smtClean="0"/>
+              <a:t> </a:t>
+            </a:r>
+            <a:r>
+              <a:rPr lang="de-DE" dirty="0" err="1" smtClean="0"/>
+              <a:t>Indexers</a:t>
+            </a:r>
+            <a:r>
+              <a:rPr lang="de-DE" dirty="0" smtClean="0"/>
+              <a:t> </a:t>
+            </a:r>
+            <a:r>
+              <a:rPr lang="de-DE" dirty="0" err="1" smtClean="0"/>
+              <a:t>to</a:t>
+            </a:r>
+            <a:r>
+              <a:rPr lang="de-DE" dirty="0" smtClean="0"/>
+              <a:t> </a:t>
+            </a:r>
+            <a:r>
+              <a:rPr lang="de-DE" dirty="0" err="1" smtClean="0"/>
+              <a:t>process</a:t>
+            </a:r>
+            <a:r>
+              <a:rPr lang="de-DE" dirty="0" smtClean="0"/>
+              <a:t> DDL.</a:t>
+            </a:r>
+          </a:p>
+          <a:p>
+            <a:pPr marL="0" marR="0" indent="0" algn="l" defTabSz="457200" rtl="0" eaLnBrk="1" fontAlgn="auto" latinLnBrk="0" hangingPunct="1">
+              <a:lnSpc>
+                <a:spcPct val="100000"/>
+              </a:lnSpc>
+              <a:spcBef>
+                <a:spcPts val="0"/>
+              </a:spcBef>
+              <a:spcAft>
+                <a:spcPts val="0"/>
+              </a:spcAft>
+              <a:buClrTx/>
+              <a:buSzTx/>
+              <a:buFontTx/>
+              <a:buNone/>
+              <a:tabLst/>
+              <a:defRPr/>
+            </a:pPr>
+            <a:r>
+              <a:rPr lang="de-DE" dirty="0" err="1" smtClean="0"/>
+              <a:t>Local</a:t>
+            </a:r>
+            <a:r>
+              <a:rPr lang="de-DE" dirty="0" smtClean="0"/>
+              <a:t> </a:t>
+            </a:r>
+            <a:r>
+              <a:rPr lang="de-DE" dirty="0" err="1" smtClean="0"/>
+              <a:t>Indexers</a:t>
+            </a:r>
+            <a:r>
+              <a:rPr lang="de-DE" dirty="0" smtClean="0"/>
+              <a:t> </a:t>
+            </a:r>
+            <a:r>
+              <a:rPr lang="de-DE" dirty="0" err="1" smtClean="0"/>
+              <a:t>allocates</a:t>
+            </a:r>
+            <a:r>
+              <a:rPr lang="de-DE" dirty="0" smtClean="0"/>
+              <a:t>/</a:t>
+            </a:r>
+            <a:r>
+              <a:rPr lang="de-DE" dirty="0" err="1" smtClean="0"/>
+              <a:t>deallocates</a:t>
+            </a:r>
+            <a:r>
+              <a:rPr lang="de-DE" dirty="0" smtClean="0"/>
+              <a:t> </a:t>
+            </a:r>
+            <a:r>
+              <a:rPr lang="de-DE" dirty="0" err="1" smtClean="0"/>
+              <a:t>storage</a:t>
+            </a:r>
+            <a:r>
+              <a:rPr lang="de-DE" dirty="0" smtClean="0"/>
+              <a:t> </a:t>
+            </a:r>
+            <a:r>
+              <a:rPr lang="de-DE" dirty="0" err="1" smtClean="0"/>
+              <a:t>for</a:t>
+            </a:r>
+            <a:r>
+              <a:rPr lang="de-DE" dirty="0" smtClean="0"/>
+              <a:t> </a:t>
+            </a:r>
+            <a:r>
+              <a:rPr lang="de-DE" dirty="0" err="1" smtClean="0"/>
+              <a:t>new</a:t>
+            </a:r>
+            <a:r>
+              <a:rPr lang="de-DE" dirty="0" smtClean="0"/>
+              <a:t> DDL </a:t>
+            </a:r>
+            <a:r>
+              <a:rPr lang="de-DE" dirty="0" err="1" smtClean="0"/>
+              <a:t>request</a:t>
+            </a:r>
+            <a:r>
+              <a:rPr lang="de-DE" dirty="0" smtClean="0"/>
+              <a:t>.</a:t>
+            </a:r>
+          </a:p>
+          <a:p>
+            <a:pPr marL="0" marR="0" indent="0" algn="l" defTabSz="457200" rtl="0" eaLnBrk="1" fontAlgn="auto" latinLnBrk="0" hangingPunct="1">
+              <a:lnSpc>
+                <a:spcPct val="100000"/>
+              </a:lnSpc>
+              <a:spcBef>
+                <a:spcPts val="0"/>
+              </a:spcBef>
+              <a:spcAft>
+                <a:spcPts val="0"/>
+              </a:spcAft>
+              <a:buClrTx/>
+              <a:buSzTx/>
+              <a:buFontTx/>
+              <a:buNone/>
+              <a:tabLst/>
+              <a:defRPr/>
+            </a:pPr>
+            <a:r>
+              <a:rPr lang="de-DE" dirty="0" smtClean="0"/>
+              <a:t>Index </a:t>
+            </a:r>
+            <a:r>
+              <a:rPr lang="de-DE" dirty="0" err="1" smtClean="0"/>
+              <a:t>Coordinator</a:t>
+            </a:r>
+            <a:r>
+              <a:rPr lang="de-DE" dirty="0" smtClean="0"/>
+              <a:t> Master </a:t>
+            </a:r>
+            <a:r>
+              <a:rPr lang="de-DE" dirty="0" err="1" smtClean="0"/>
+              <a:t>replicates</a:t>
+            </a:r>
+            <a:r>
+              <a:rPr lang="de-DE" dirty="0" smtClean="0"/>
+              <a:t> </a:t>
+            </a:r>
+            <a:r>
+              <a:rPr lang="de-DE" dirty="0" err="1" smtClean="0"/>
+              <a:t>the</a:t>
+            </a:r>
+            <a:r>
+              <a:rPr lang="de-DE" dirty="0" smtClean="0"/>
+              <a:t> </a:t>
+            </a:r>
+            <a:r>
+              <a:rPr lang="de-DE" dirty="0" err="1" smtClean="0"/>
+              <a:t>updated</a:t>
+            </a:r>
+            <a:r>
+              <a:rPr lang="de-DE" dirty="0" smtClean="0"/>
+              <a:t> </a:t>
+            </a:r>
+            <a:r>
+              <a:rPr lang="de-DE" dirty="0" err="1" smtClean="0"/>
+              <a:t>metadata</a:t>
+            </a:r>
+            <a:r>
+              <a:rPr lang="de-DE" dirty="0" smtClean="0"/>
+              <a:t>.</a:t>
+            </a:r>
+          </a:p>
+          <a:p>
+            <a:pPr marL="0" marR="0" indent="0" algn="l" defTabSz="457200" rtl="0" eaLnBrk="1" fontAlgn="auto" latinLnBrk="0" hangingPunct="1">
+              <a:lnSpc>
+                <a:spcPct val="100000"/>
+              </a:lnSpc>
+              <a:spcBef>
+                <a:spcPts val="0"/>
+              </a:spcBef>
+              <a:spcAft>
+                <a:spcPts val="0"/>
+              </a:spcAft>
+              <a:buClrTx/>
+              <a:buSzTx/>
+              <a:buFontTx/>
+              <a:buNone/>
+              <a:tabLst/>
+              <a:defRPr/>
+            </a:pPr>
+            <a:r>
+              <a:rPr lang="de-DE" dirty="0" err="1" smtClean="0"/>
+              <a:t>Metadata</a:t>
+            </a:r>
+            <a:r>
+              <a:rPr lang="de-DE" dirty="0" smtClean="0"/>
+              <a:t> </a:t>
+            </a:r>
+            <a:r>
+              <a:rPr lang="de-DE" dirty="0" err="1" smtClean="0"/>
+              <a:t>is</a:t>
+            </a:r>
+            <a:r>
+              <a:rPr lang="de-DE" dirty="0" smtClean="0"/>
+              <a:t> </a:t>
+            </a:r>
+            <a:r>
+              <a:rPr lang="de-DE" dirty="0" err="1" smtClean="0"/>
+              <a:t>persisted</a:t>
+            </a:r>
+            <a:r>
+              <a:rPr lang="de-DE" dirty="0" smtClean="0"/>
+              <a:t> </a:t>
+            </a:r>
+            <a:r>
+              <a:rPr lang="de-DE" dirty="0" err="1" smtClean="0"/>
+              <a:t>at</a:t>
+            </a:r>
+            <a:r>
+              <a:rPr lang="de-DE" dirty="0" smtClean="0"/>
+              <a:t> </a:t>
+            </a:r>
+            <a:r>
+              <a:rPr lang="de-DE" dirty="0" err="1" smtClean="0"/>
+              <a:t>both</a:t>
+            </a:r>
+            <a:r>
+              <a:rPr lang="de-DE" dirty="0" smtClean="0"/>
+              <a:t> </a:t>
+            </a:r>
+            <a:r>
+              <a:rPr lang="de-DE" dirty="0" err="1" smtClean="0"/>
+              <a:t>master</a:t>
+            </a:r>
+            <a:r>
+              <a:rPr lang="de-DE" dirty="0" smtClean="0"/>
+              <a:t> </a:t>
+            </a:r>
+            <a:r>
+              <a:rPr lang="de-DE" dirty="0" err="1" smtClean="0"/>
+              <a:t>and</a:t>
+            </a:r>
+            <a:r>
+              <a:rPr lang="de-DE" dirty="0" smtClean="0"/>
+              <a:t> </a:t>
+            </a:r>
+            <a:r>
+              <a:rPr lang="de-DE" dirty="0" err="1" smtClean="0"/>
+              <a:t>replica</a:t>
+            </a:r>
+            <a:r>
+              <a:rPr lang="de-DE" dirty="0" smtClean="0"/>
+              <a:t> Index </a:t>
+            </a:r>
+            <a:r>
+              <a:rPr lang="de-DE" dirty="0" err="1" smtClean="0"/>
+              <a:t>Coordinator</a:t>
+            </a:r>
+            <a:r>
+              <a:rPr lang="de-DE" dirty="0" smtClean="0"/>
+              <a:t>.</a:t>
+            </a:r>
+          </a:p>
+          <a:p>
+            <a:pPr marL="0" marR="0" indent="0" algn="l" defTabSz="457200" rtl="0" eaLnBrk="1" fontAlgn="auto" latinLnBrk="0" hangingPunct="1">
+              <a:lnSpc>
+                <a:spcPct val="100000"/>
+              </a:lnSpc>
+              <a:spcBef>
+                <a:spcPts val="0"/>
+              </a:spcBef>
+              <a:spcAft>
+                <a:spcPts val="0"/>
+              </a:spcAft>
+              <a:buClrTx/>
+              <a:buSzTx/>
+              <a:buFontTx/>
+              <a:buNone/>
+              <a:tabLst/>
+              <a:defRPr/>
+            </a:pPr>
+            <a:r>
+              <a:rPr lang="de-DE" dirty="0" smtClean="0"/>
+              <a:t>Index </a:t>
+            </a:r>
+            <a:r>
+              <a:rPr lang="de-DE" dirty="0" err="1" smtClean="0"/>
+              <a:t>Coordinator</a:t>
+            </a:r>
+            <a:r>
+              <a:rPr lang="de-DE" dirty="0" smtClean="0"/>
+              <a:t> Master </a:t>
+            </a:r>
+            <a:r>
+              <a:rPr lang="de-DE" dirty="0" err="1" smtClean="0"/>
+              <a:t>notifies</a:t>
+            </a:r>
+            <a:r>
+              <a:rPr lang="de-DE" dirty="0" smtClean="0"/>
+              <a:t> ALL KV </a:t>
+            </a:r>
+            <a:r>
+              <a:rPr lang="de-DE" dirty="0" err="1" smtClean="0"/>
+              <a:t>projectors</a:t>
+            </a:r>
+            <a:r>
+              <a:rPr lang="de-DE" dirty="0" smtClean="0"/>
+              <a:t> </a:t>
+            </a:r>
+            <a:r>
+              <a:rPr lang="de-DE" dirty="0" err="1" smtClean="0"/>
+              <a:t>for</a:t>
+            </a:r>
+            <a:r>
+              <a:rPr lang="de-DE" dirty="0" smtClean="0"/>
+              <a:t> </a:t>
+            </a:r>
+            <a:r>
+              <a:rPr lang="de-DE" dirty="0" err="1" smtClean="0"/>
+              <a:t>the</a:t>
+            </a:r>
+            <a:r>
+              <a:rPr lang="de-DE" dirty="0" smtClean="0"/>
+              <a:t> </a:t>
+            </a:r>
+            <a:r>
+              <a:rPr lang="de-DE" dirty="0" err="1" smtClean="0"/>
+              <a:t>new</a:t>
+            </a:r>
+            <a:r>
+              <a:rPr lang="de-DE" dirty="0" smtClean="0"/>
+              <a:t> DDL </a:t>
+            </a:r>
+            <a:r>
+              <a:rPr lang="de-DE" dirty="0" err="1" smtClean="0"/>
+              <a:t>request</a:t>
+            </a:r>
+            <a:r>
+              <a:rPr lang="de-DE" dirty="0" smtClean="0"/>
+              <a:t>.</a:t>
+            </a:r>
+          </a:p>
+          <a:p>
+            <a:pPr marL="0" marR="0" indent="0" algn="l" defTabSz="457200" rtl="0" eaLnBrk="1" fontAlgn="auto" latinLnBrk="0" hangingPunct="1">
+              <a:lnSpc>
+                <a:spcPct val="100000"/>
+              </a:lnSpc>
+              <a:spcBef>
+                <a:spcPts val="0"/>
+              </a:spcBef>
+              <a:spcAft>
+                <a:spcPts val="0"/>
+              </a:spcAft>
+              <a:buClrTx/>
+              <a:buSzTx/>
+              <a:buFontTx/>
+              <a:buNone/>
+              <a:tabLst/>
+              <a:defRPr/>
+            </a:pPr>
+            <a:r>
+              <a:rPr lang="de-DE" dirty="0" smtClean="0"/>
+              <a:t>Index </a:t>
+            </a:r>
+            <a:r>
+              <a:rPr lang="de-DE" dirty="0" err="1" smtClean="0"/>
+              <a:t>Coordinator</a:t>
+            </a:r>
+            <a:r>
+              <a:rPr lang="de-DE" dirty="0" smtClean="0"/>
+              <a:t> </a:t>
+            </a:r>
+            <a:r>
+              <a:rPr lang="de-DE" dirty="0" err="1" smtClean="0"/>
+              <a:t>returns</a:t>
+            </a:r>
+            <a:r>
+              <a:rPr lang="de-DE" dirty="0" smtClean="0"/>
+              <a:t> </a:t>
+            </a:r>
+            <a:r>
+              <a:rPr lang="de-DE" dirty="0" err="1" smtClean="0"/>
+              <a:t>status</a:t>
+            </a:r>
+            <a:r>
+              <a:rPr lang="de-DE" dirty="0" smtClean="0"/>
+              <a:t> </a:t>
+            </a:r>
+            <a:r>
+              <a:rPr lang="de-DE" dirty="0" err="1" smtClean="0"/>
+              <a:t>of</a:t>
+            </a:r>
+            <a:r>
+              <a:rPr lang="de-DE" dirty="0" smtClean="0"/>
+              <a:t> DDL </a:t>
+            </a:r>
+            <a:r>
+              <a:rPr lang="de-DE" dirty="0" err="1" smtClean="0"/>
+              <a:t>request</a:t>
+            </a:r>
+            <a:r>
+              <a:rPr lang="de-DE" dirty="0" smtClean="0"/>
+              <a:t> </a:t>
+            </a:r>
+            <a:r>
+              <a:rPr lang="de-DE" dirty="0" err="1" smtClean="0"/>
+              <a:t>to</a:t>
+            </a:r>
+            <a:r>
+              <a:rPr lang="de-DE" dirty="0" smtClean="0"/>
+              <a:t> Index Client.</a:t>
+            </a:r>
+          </a:p>
+          <a:p>
+            <a:pPr marL="0" marR="0" indent="0" algn="l" defTabSz="457200" rtl="0" eaLnBrk="1" fontAlgn="auto" latinLnBrk="0" hangingPunct="1">
+              <a:lnSpc>
+                <a:spcPct val="100000"/>
+              </a:lnSpc>
+              <a:spcBef>
+                <a:spcPts val="0"/>
+              </a:spcBef>
+              <a:spcAft>
+                <a:spcPts val="0"/>
+              </a:spcAft>
+              <a:buClrTx/>
+              <a:buSzTx/>
+              <a:buFontTx/>
+              <a:buNone/>
+              <a:tabLst/>
+              <a:defRPr/>
+            </a:pPr>
+            <a:r>
+              <a:rPr lang="de-DE" dirty="0" smtClean="0"/>
+              <a:t>DDL Request Status </a:t>
+            </a:r>
+            <a:r>
+              <a:rPr lang="de-DE" dirty="0" err="1" smtClean="0"/>
+              <a:t>is</a:t>
+            </a:r>
+            <a:r>
+              <a:rPr lang="de-DE" dirty="0" smtClean="0"/>
+              <a:t> </a:t>
+            </a:r>
+            <a:r>
+              <a:rPr lang="de-DE" dirty="0" err="1" smtClean="0"/>
+              <a:t>returned</a:t>
+            </a:r>
+            <a:r>
+              <a:rPr lang="de-DE" dirty="0" smtClean="0"/>
+              <a:t> </a:t>
+            </a:r>
+            <a:r>
+              <a:rPr lang="de-DE" dirty="0" err="1" smtClean="0"/>
+              <a:t>to</a:t>
+            </a:r>
+            <a:r>
+              <a:rPr lang="de-DE" dirty="0" smtClean="0"/>
+              <a:t> Query Server.</a:t>
+            </a:r>
+            <a:endParaRPr lang="de-DE" dirty="0"/>
+          </a:p>
+        </p:txBody>
+      </p:sp>
+      <p:sp>
+        <p:nvSpPr>
+          <p:cNvPr id="4" name="Foliennummernplatzhalter 3"/>
+          <p:cNvSpPr>
+            <a:spLocks noGrp="1"/>
+          </p:cNvSpPr>
+          <p:nvPr>
+            <p:ph type="sldNum" sz="quarter" idx="10"/>
+          </p:nvPr>
+        </p:nvSpPr>
+        <p:spPr/>
+        <p:txBody>
+          <a:bodyPr/>
+          <a:lstStyle/>
+          <a:p>
+            <a:fld id="{F39351FC-18D6-4741-8EEB-9FDB1F020AAC}" type="slidenum">
+              <a:rPr lang="en-US" smtClean="0"/>
+              <a:t>11</a:t>
+            </a:fld>
+            <a:endParaRPr lang="en-US"/>
+          </a:p>
+        </p:txBody>
+      </p:sp>
+    </p:spTree>
+    <p:extLst>
+      <p:ext uri="{BB962C8B-B14F-4D97-AF65-F5344CB8AC3E}">
+        <p14:creationId xmlns:p14="http://schemas.microsoft.com/office/powerpoint/2010/main" val="229821969"/>
+      </p:ext>
+    </p:extLst>
+  </p:cSld>
+  <p:clrMapOvr>
+    <a:masterClrMapping/>
+  </p:clrMapOvr>
+</p:notes>
+</file>
+
+<file path=ppt/notesSlides/notesSlide2.xml><?xml version="1.0" encoding="utf-8"?>
+<p:notes xmlns:a="http://schemas.openxmlformats.org/drawingml/2006/main" xmlns:r="http://schemas.openxmlformats.org/officeDocument/2006/relationships" xmlns:p="http://schemas.openxmlformats.org/presentationml/2006/main">
+  <p:cSld>
+    <p:spTree>
+      <p:nvGrpSpPr>
+        <p:cNvPr id="1" name=""/>
+        <p:cNvGrpSpPr/>
+        <p:nvPr/>
+      </p:nvGrpSpPr>
+      <p:grpSpPr>
+        <a:xfrm>
+          <a:off x="0" y="0"/>
+          <a:ext cx="0" cy="0"/>
+          <a:chOff x="0" y="0"/>
+          <a:chExt cx="0" cy="0"/>
+        </a:xfrm>
+      </p:grpSpPr>
+      <p:sp>
+        <p:nvSpPr>
           <p:cNvPr id="2" name="Slide Image Placeholder 1"/>
           <p:cNvSpPr>
             <a:spLocks noGrp="1" noRot="1" noChangeAspect="1"/>
@@ -2018,7 +2748,7 @@
                 <a:latin typeface="Calibri"/>
               </a:rPr>
               <a:pPr/>
-              <a:t>20</a:t>
+              <a:t>21</a:t>
             </a:fld>
             <a:endParaRPr lang="en-US">
               <a:solidFill>
@@ -2042,7 +2772,7 @@
 </p:notes>
 </file>
 
-<file path=ppt/notesSlides/notesSlide2.xml><?xml version="1.0" encoding="utf-8"?>
+<file path=ppt/notesSlides/notesSlide3.xml><?xml version="1.0" encoding="utf-8"?>
 <p:notes xmlns:a="http://schemas.openxmlformats.org/drawingml/2006/main" xmlns:r="http://schemas.openxmlformats.org/officeDocument/2006/relationships" xmlns:p="http://schemas.openxmlformats.org/presentationml/2006/main">
   <p:cSld>
     <p:spTree>
@@ -2107,7 +2837,7 @@
           <a:p>
             <a:fld id="{615C908D-C35B-B346-A739-79C621D2BD36}" type="slidenum">
               <a:rPr lang="en-US" smtClean="0"/>
-              <a:t>21</a:t>
+              <a:t>22</a:t>
             </a:fld>
             <a:endParaRPr lang="en-US"/>
           </a:p>
@@ -5020,7 +5750,6 @@
               <a:rPr lang="en-US" dirty="0" smtClean="0"/>
               <a:t>On large datasets, index creation can take time</a:t>
             </a:r>
-            <a:endParaRPr lang="en-US" dirty="0" smtClean="0"/>
           </a:p>
           <a:p>
             <a:pPr>
@@ -5059,7 +5788,6 @@
               <a:rPr lang="en-US" dirty="0" smtClean="0"/>
               <a:t>Monitor build status through:</a:t>
             </a:r>
-            <a:endParaRPr lang="en-US" dirty="0" smtClean="0"/>
           </a:p>
         </p:txBody>
       </p:sp>
@@ -5140,10 +5868,6 @@
               </a:rPr>
               <a:t>= "online";</a:t>
             </a:r>
-            <a:endParaRPr lang="de-DE" dirty="0">
-              <a:latin typeface="Courier New"/>
-              <a:cs typeface="Courier New"/>
-            </a:endParaRPr>
           </a:p>
         </p:txBody>
       </p:sp>
@@ -5759,6 +6483,90 @@
             <a:spLocks noGrp="1"/>
           </p:cNvSpPr>
           <p:nvPr>
+            <p:ph type="title"/>
+          </p:nvPr>
+        </p:nvSpPr>
+        <p:spPr/>
+        <p:txBody>
+          <a:bodyPr/>
+          <a:lstStyle/>
+          <a:p>
+            <a:r>
+              <a:rPr lang="en-US" dirty="0" smtClean="0"/>
+              <a:t>Architecture</a:t>
+            </a:r>
+            <a:endParaRPr lang="en-US" dirty="0"/>
+          </a:p>
+        </p:txBody>
+      </p:sp>
+      <p:pic>
+        <p:nvPicPr>
+          <p:cNvPr id="4" name="Bild 3"/>
+          <p:cNvPicPr>
+            <a:picLocks noChangeAspect="1"/>
+          </p:cNvPicPr>
+          <p:nvPr/>
+        </p:nvPicPr>
+        <p:blipFill>
+          <a:blip r:embed="rId3"/>
+          <a:stretch>
+            <a:fillRect/>
+          </a:stretch>
+        </p:blipFill>
+        <p:spPr>
+          <a:xfrm>
+            <a:off x="0" y="599537"/>
+            <a:ext cx="9144000" cy="4220308"/>
+          </a:xfrm>
+          <a:prstGeom prst="rect">
+            <a:avLst/>
+          </a:prstGeom>
+        </p:spPr>
+      </p:pic>
+    </p:spTree>
+    <p:extLst>
+      <p:ext uri="{BB962C8B-B14F-4D97-AF65-F5344CB8AC3E}">
+        <p14:creationId xmlns:p14="http://schemas.microsoft.com/office/powerpoint/2010/main" val="318855054"/>
+      </p:ext>
+    </p:extLst>
+  </p:cSld>
+  <p:clrMapOvr>
+    <a:masterClrMapping/>
+  </p:clrMapOvr>
+  <p:timing>
+    <p:tnLst>
+      <p:par>
+        <p:cTn xmlns:p14="http://schemas.microsoft.com/office/powerpoint/2010/main" id="1" dur="indefinite" restart="never" nodeType="tmRoot"/>
+      </p:par>
+    </p:tnLst>
+  </p:timing>
+</p:sld>
+</file>
+
+<file path=ppt/slides/slide12.xml><?xml version="1.0" encoding="utf-8"?>
+<p:sld xmlns:a="http://schemas.openxmlformats.org/drawingml/2006/main" xmlns:r="http://schemas.openxmlformats.org/officeDocument/2006/relationships" xmlns:p="http://schemas.openxmlformats.org/presentationml/2006/main">
+  <p:cSld>
+    <p:spTree>
+      <p:nvGrpSpPr>
+        <p:cNvPr id="1" name=""/>
+        <p:cNvGrpSpPr/>
+        <p:nvPr/>
+      </p:nvGrpSpPr>
+      <p:grpSpPr>
+        <a:xfrm>
+          <a:off x="0" y="0"/>
+          <a:ext cx="0" cy="0"/>
+          <a:chOff x="0" y="0"/>
+          <a:chExt cx="0" cy="0"/>
+        </a:xfrm>
+      </p:grpSpPr>
+      <p:sp>
+        <p:nvSpPr>
+          <p:cNvPr id="2" name="Title 1"/>
+          <p:cNvSpPr>
+            <a:spLocks noGrp="1"/>
+          </p:cNvSpPr>
+          <p:nvPr>
             <p:ph type="ctrTitle"/>
           </p:nvPr>
         </p:nvSpPr>
@@ -5795,7 +6603,7 @@
 </p:sld>
 </file>
 
-<file path=ppt/slides/slide12.xml><?xml version="1.0" encoding="utf-8"?>
+<file path=ppt/slides/slide13.xml><?xml version="1.0" encoding="utf-8"?>
 <p:sld xmlns:a="http://schemas.openxmlformats.org/drawingml/2006/main" xmlns:r="http://schemas.openxmlformats.org/officeDocument/2006/relationships" xmlns:p="http://schemas.openxmlformats.org/presentationml/2006/main">
   <p:cSld>
     <p:spTree>
@@ -6251,7 +7059,7 @@
 </p:sld>
 </file>
 
-<file path=ppt/slides/slide13.xml><?xml version="1.0" encoding="utf-8"?>
+<file path=ppt/slides/slide14.xml><?xml version="1.0" encoding="utf-8"?>
 <p:sld xmlns:a="http://schemas.openxmlformats.org/drawingml/2006/main" xmlns:r="http://schemas.openxmlformats.org/officeDocument/2006/relationships" xmlns:p="http://schemas.openxmlformats.org/presentationml/2006/main">
   <p:cSld>
     <p:spTree>
@@ -6839,7 +7647,7 @@
 </p:sld>
 </file>
 
-<file path=ppt/slides/slide14.xml><?xml version="1.0" encoding="utf-8"?>
+<file path=ppt/slides/slide15.xml><?xml version="1.0" encoding="utf-8"?>
 <p:sld xmlns:a="http://schemas.openxmlformats.org/drawingml/2006/main" xmlns:r="http://schemas.openxmlformats.org/officeDocument/2006/relationships" xmlns:p="http://schemas.openxmlformats.org/presentationml/2006/main">
   <p:cSld>
     <p:spTree>
@@ -7230,66 +8038,6 @@
 </p:sld>
 </file>
 
-<file path=ppt/slides/slide15.xml><?xml version="1.0" encoding="utf-8"?>
-<p:sld xmlns:a="http://schemas.openxmlformats.org/drawingml/2006/main" xmlns:r="http://schemas.openxmlformats.org/officeDocument/2006/relationships" xmlns:p="http://schemas.openxmlformats.org/presentationml/2006/main">
-  <p:cSld>
-    <p:spTree>
-      <p:nvGrpSpPr>
-        <p:cNvPr id="1" name=""/>
-        <p:cNvGrpSpPr/>
-        <p:nvPr/>
-      </p:nvGrpSpPr>
-      <p:grpSpPr>
-        <a:xfrm>
-          <a:off x="0" y="0"/>
-          <a:ext cx="0" cy="0"/>
-          <a:chOff x="0" y="0"/>
-          <a:chExt cx="0" cy="0"/>
-        </a:xfrm>
-      </p:grpSpPr>
-      <p:sp>
-        <p:nvSpPr>
-          <p:cNvPr id="2" name="Title 1"/>
-          <p:cNvSpPr>
-            <a:spLocks noGrp="1"/>
-          </p:cNvSpPr>
-          <p:nvPr>
-            <p:ph type="ctrTitle"/>
-          </p:nvPr>
-        </p:nvSpPr>
-        <p:spPr/>
-        <p:txBody>
-          <a:bodyPr/>
-          <a:lstStyle/>
-          <a:p>
-            <a:r>
-              <a:rPr lang="en-US" dirty="0" smtClean="0"/>
-              <a:t>Advanced Queries - Java</a:t>
-            </a:r>
-            <a:endParaRPr lang="en-US" dirty="0"/>
-          </a:p>
-        </p:txBody>
-      </p:sp>
-    </p:spTree>
-    <p:extLst>
-      <p:ext uri="{BB962C8B-B14F-4D97-AF65-F5344CB8AC3E}">
-        <p14:creationId xmlns:p14="http://schemas.microsoft.com/office/powerpoint/2010/main" val="3683186877"/>
-      </p:ext>
-    </p:extLst>
-  </p:cSld>
-  <p:clrMapOvr>
-    <a:masterClrMapping/>
-  </p:clrMapOvr>
-  <p:timing>
-    <p:tnLst>
-      <p:par>
-        <p:cTn xmlns:p14="http://schemas.microsoft.com/office/powerpoint/2010/main" id="1" dur="indefinite" restart="never" nodeType="tmRoot"/>
-      </p:par>
-    </p:tnLst>
-  </p:timing>
-</p:sld>
-</file>
-
 <file path=ppt/slides/slide16.xml><?xml version="1.0" encoding="utf-8"?>
 <p:sld xmlns:a="http://schemas.openxmlformats.org/drawingml/2006/main" xmlns:r="http://schemas.openxmlformats.org/officeDocument/2006/relationships" xmlns:p="http://schemas.openxmlformats.org/presentationml/2006/main">
   <p:cSld>
@@ -7323,12 +8071,8 @@
           <a:lstStyle/>
           <a:p>
             <a:r>
-              <a:rPr lang="en-US" dirty="0"/>
-              <a:t>Advanced Queries - </a:t>
-            </a:r>
-            <a:r>
               <a:rPr lang="en-US" dirty="0" smtClean="0"/>
-              <a:t>.NET</a:t>
+              <a:t>Advanced Queries - Java</a:t>
             </a:r>
             <a:endParaRPr lang="en-US" dirty="0"/>
           </a:p>
@@ -7337,7 +8081,7 @@
     </p:spTree>
     <p:extLst>
       <p:ext uri="{BB962C8B-B14F-4D97-AF65-F5344CB8AC3E}">
-        <p14:creationId xmlns:p14="http://schemas.microsoft.com/office/powerpoint/2010/main" val="882545490"/>
+        <p14:creationId xmlns:p14="http://schemas.microsoft.com/office/powerpoint/2010/main" val="3683186877"/>
       </p:ext>
     </p:extLst>
   </p:cSld>
@@ -7391,8 +8135,8 @@
               <a:t>Advanced Queries - </a:t>
             </a:r>
             <a:r>
-              <a:rPr lang="en-US" dirty="0" err="1" smtClean="0"/>
-              <a:t>NodeJS</a:t>
+              <a:rPr lang="en-US" dirty="0" smtClean="0"/>
+              <a:t>.NET</a:t>
             </a:r>
             <a:endParaRPr lang="en-US" dirty="0"/>
           </a:p>
@@ -7401,7 +8145,7 @@
     </p:spTree>
     <p:extLst>
       <p:ext uri="{BB962C8B-B14F-4D97-AF65-F5344CB8AC3E}">
-        <p14:creationId xmlns:p14="http://schemas.microsoft.com/office/powerpoint/2010/main" val="3686523847"/>
+        <p14:creationId xmlns:p14="http://schemas.microsoft.com/office/powerpoint/2010/main" val="882545490"/>
       </p:ext>
     </p:extLst>
   </p:cSld>
@@ -7451,6 +8195,70 @@
           <a:lstStyle/>
           <a:p>
             <a:r>
+              <a:rPr lang="en-US" dirty="0"/>
+              <a:t>Advanced Queries - </a:t>
+            </a:r>
+            <a:r>
+              <a:rPr lang="en-US" dirty="0" err="1" smtClean="0"/>
+              <a:t>NodeJS</a:t>
+            </a:r>
+            <a:endParaRPr lang="en-US" dirty="0"/>
+          </a:p>
+        </p:txBody>
+      </p:sp>
+    </p:spTree>
+    <p:extLst>
+      <p:ext uri="{BB962C8B-B14F-4D97-AF65-F5344CB8AC3E}">
+        <p14:creationId xmlns:p14="http://schemas.microsoft.com/office/powerpoint/2010/main" val="3686523847"/>
+      </p:ext>
+    </p:extLst>
+  </p:cSld>
+  <p:clrMapOvr>
+    <a:masterClrMapping/>
+  </p:clrMapOvr>
+  <p:timing>
+    <p:tnLst>
+      <p:par>
+        <p:cTn xmlns:p14="http://schemas.microsoft.com/office/powerpoint/2010/main" id="1" dur="indefinite" restart="never" nodeType="tmRoot"/>
+      </p:par>
+    </p:tnLst>
+  </p:timing>
+</p:sld>
+</file>
+
+<file path=ppt/slides/slide19.xml><?xml version="1.0" encoding="utf-8"?>
+<p:sld xmlns:a="http://schemas.openxmlformats.org/drawingml/2006/main" xmlns:r="http://schemas.openxmlformats.org/officeDocument/2006/relationships" xmlns:p="http://schemas.openxmlformats.org/presentationml/2006/main">
+  <p:cSld>
+    <p:spTree>
+      <p:nvGrpSpPr>
+        <p:cNvPr id="1" name=""/>
+        <p:cNvGrpSpPr/>
+        <p:nvPr/>
+      </p:nvGrpSpPr>
+      <p:grpSpPr>
+        <a:xfrm>
+          <a:off x="0" y="0"/>
+          <a:ext cx="0" cy="0"/>
+          <a:chOff x="0" y="0"/>
+          <a:chExt cx="0" cy="0"/>
+        </a:xfrm>
+      </p:grpSpPr>
+      <p:sp>
+        <p:nvSpPr>
+          <p:cNvPr id="2" name="Title 1"/>
+          <p:cNvSpPr>
+            <a:spLocks noGrp="1"/>
+          </p:cNvSpPr>
+          <p:nvPr>
+            <p:ph type="ctrTitle"/>
+          </p:nvPr>
+        </p:nvSpPr>
+        <p:spPr/>
+        <p:txBody>
+          <a:bodyPr/>
+          <a:lstStyle/>
+          <a:p>
+            <a:r>
               <a:rPr lang="en-US" dirty="0" smtClean="0"/>
               <a:t>View vs. Indexes</a:t>
             </a:r>
@@ -7478,7 +8286,67 @@
 </p:sld>
 </file>
 
-<file path=ppt/slides/slide19.xml><?xml version="1.0" encoding="utf-8"?>
+<file path=ppt/slides/slide2.xml><?xml version="1.0" encoding="utf-8"?>
+<p:sld xmlns:a="http://schemas.openxmlformats.org/drawingml/2006/main" xmlns:r="http://schemas.openxmlformats.org/officeDocument/2006/relationships" xmlns:p="http://schemas.openxmlformats.org/presentationml/2006/main">
+  <p:cSld>
+    <p:spTree>
+      <p:nvGrpSpPr>
+        <p:cNvPr id="1" name=""/>
+        <p:cNvGrpSpPr/>
+        <p:nvPr/>
+      </p:nvGrpSpPr>
+      <p:grpSpPr>
+        <a:xfrm>
+          <a:off x="0" y="0"/>
+          <a:ext cx="0" cy="0"/>
+          <a:chOff x="0" y="0"/>
+          <a:chExt cx="0" cy="0"/>
+        </a:xfrm>
+      </p:grpSpPr>
+      <p:sp>
+        <p:nvSpPr>
+          <p:cNvPr id="2" name="Title 1"/>
+          <p:cNvSpPr>
+            <a:spLocks noGrp="1"/>
+          </p:cNvSpPr>
+          <p:nvPr>
+            <p:ph type="ctrTitle"/>
+          </p:nvPr>
+        </p:nvSpPr>
+        <p:spPr/>
+        <p:txBody>
+          <a:bodyPr/>
+          <a:lstStyle/>
+          <a:p>
+            <a:r>
+              <a:rPr lang="en-US" dirty="0" smtClean="0"/>
+              <a:t>Index Management</a:t>
+            </a:r>
+            <a:endParaRPr lang="en-US" dirty="0"/>
+          </a:p>
+        </p:txBody>
+      </p:sp>
+    </p:spTree>
+    <p:extLst>
+      <p:ext uri="{BB962C8B-B14F-4D97-AF65-F5344CB8AC3E}">
+        <p14:creationId xmlns:p14="http://schemas.microsoft.com/office/powerpoint/2010/main" val="735871736"/>
+      </p:ext>
+    </p:extLst>
+  </p:cSld>
+  <p:clrMapOvr>
+    <a:masterClrMapping/>
+  </p:clrMapOvr>
+  <p:timing>
+    <p:tnLst>
+      <p:par>
+        <p:cTn xmlns:p14="http://schemas.microsoft.com/office/powerpoint/2010/main" id="1" dur="indefinite" restart="never" nodeType="tmRoot"/>
+      </p:par>
+    </p:tnLst>
+  </p:timing>
+</p:sld>
+</file>
+
+<file path=ppt/slides/slide20.xml><?xml version="1.0" encoding="utf-8"?>
 <p:sld xmlns:a="http://schemas.openxmlformats.org/drawingml/2006/main" xmlns:r="http://schemas.openxmlformats.org/officeDocument/2006/relationships" xmlns:p="http://schemas.openxmlformats.org/presentationml/2006/main">
   <p:cSld>
     <p:spTree>
@@ -7893,67 +8761,7 @@
 </p:sld>
 </file>
 
-<file path=ppt/slides/slide2.xml><?xml version="1.0" encoding="utf-8"?>
-<p:sld xmlns:a="http://schemas.openxmlformats.org/drawingml/2006/main" xmlns:r="http://schemas.openxmlformats.org/officeDocument/2006/relationships" xmlns:p="http://schemas.openxmlformats.org/presentationml/2006/main">
-  <p:cSld>
-    <p:spTree>
-      <p:nvGrpSpPr>
-        <p:cNvPr id="1" name=""/>
-        <p:cNvGrpSpPr/>
-        <p:nvPr/>
-      </p:nvGrpSpPr>
-      <p:grpSpPr>
-        <a:xfrm>
-          <a:off x="0" y="0"/>
-          <a:ext cx="0" cy="0"/>
-          <a:chOff x="0" y="0"/>
-          <a:chExt cx="0" cy="0"/>
-        </a:xfrm>
-      </p:grpSpPr>
-      <p:sp>
-        <p:nvSpPr>
-          <p:cNvPr id="2" name="Title 1"/>
-          <p:cNvSpPr>
-            <a:spLocks noGrp="1"/>
-          </p:cNvSpPr>
-          <p:nvPr>
-            <p:ph type="ctrTitle"/>
-          </p:nvPr>
-        </p:nvSpPr>
-        <p:spPr/>
-        <p:txBody>
-          <a:bodyPr/>
-          <a:lstStyle/>
-          <a:p>
-            <a:r>
-              <a:rPr lang="en-US" dirty="0" smtClean="0"/>
-              <a:t>Index Management</a:t>
-            </a:r>
-            <a:endParaRPr lang="en-US" dirty="0"/>
-          </a:p>
-        </p:txBody>
-      </p:sp>
-    </p:spTree>
-    <p:extLst>
-      <p:ext uri="{BB962C8B-B14F-4D97-AF65-F5344CB8AC3E}">
-        <p14:creationId xmlns:p14="http://schemas.microsoft.com/office/powerpoint/2010/main" val="735871736"/>
-      </p:ext>
-    </p:extLst>
-  </p:cSld>
-  <p:clrMapOvr>
-    <a:masterClrMapping/>
-  </p:clrMapOvr>
-  <p:timing>
-    <p:tnLst>
-      <p:par>
-        <p:cTn xmlns:p14="http://schemas.microsoft.com/office/powerpoint/2010/main" id="1" dur="indefinite" restart="never" nodeType="tmRoot"/>
-      </p:par>
-    </p:tnLst>
-  </p:timing>
-</p:sld>
-</file>
-
-<file path=ppt/slides/slide20.xml><?xml version="1.0" encoding="utf-8"?>
+<file path=ppt/slides/slide21.xml><?xml version="1.0" encoding="utf-8"?>
 <p:sld xmlns:a="http://schemas.openxmlformats.org/drawingml/2006/main" xmlns:r="http://schemas.openxmlformats.org/officeDocument/2006/relationships" xmlns:p="http://schemas.openxmlformats.org/presentationml/2006/main">
   <p:cSld>
     <p:spTree>
@@ -8186,7 +8994,7 @@
             <a:fld id="{2066355A-084C-D24E-9AD2-7E4FC41EA627}" type="slidenum">
               <a:rPr lang="en-US" smtClean="0"/>
               <a:pPr/>
-              <a:t>20</a:t>
+              <a:t>21</a:t>
             </a:fld>
             <a:endParaRPr lang="en-US" dirty="0"/>
           </a:p>
@@ -11810,7 +12618,7 @@
 </p:sld>
 </file>
 
-<file path=ppt/slides/slide21.xml><?xml version="1.0" encoding="utf-8"?>
+<file path=ppt/slides/slide22.xml><?xml version="1.0" encoding="utf-8"?>
 <p:sld xmlns:a="http://schemas.openxmlformats.org/drawingml/2006/main" xmlns:r="http://schemas.openxmlformats.org/officeDocument/2006/relationships" xmlns:p="http://schemas.openxmlformats.org/presentationml/2006/main">
   <p:cSld>
     <p:spTree>
@@ -13737,7 +14545,7 @@
 </p:sld>
 </file>
 
-<file path=ppt/slides/slide22.xml><?xml version="1.0" encoding="utf-8"?>
+<file path=ppt/slides/slide23.xml><?xml version="1.0" encoding="utf-8"?>
 <p:sld xmlns:a="http://schemas.openxmlformats.org/drawingml/2006/main" xmlns:r="http://schemas.openxmlformats.org/officeDocument/2006/relationships" xmlns:p="http://schemas.openxmlformats.org/presentationml/2006/main">
   <p:cSld>
     <p:spTree>
@@ -14446,85 +15254,6 @@
 </p:sld>
 </file>
 
-<file path=ppt/slides/slide23.xml><?xml version="1.0" encoding="utf-8"?>
-<p:sld xmlns:a="http://schemas.openxmlformats.org/drawingml/2006/main" xmlns:r="http://schemas.openxmlformats.org/officeDocument/2006/relationships" xmlns:p="http://schemas.openxmlformats.org/presentationml/2006/main">
-  <p:cSld>
-    <p:spTree>
-      <p:nvGrpSpPr>
-        <p:cNvPr id="1" name=""/>
-        <p:cNvGrpSpPr/>
-        <p:nvPr/>
-      </p:nvGrpSpPr>
-      <p:grpSpPr>
-        <a:xfrm>
-          <a:off x="0" y="0"/>
-          <a:ext cx="0" cy="0"/>
-          <a:chOff x="0" y="0"/>
-          <a:chExt cx="0" cy="0"/>
-        </a:xfrm>
-      </p:grpSpPr>
-      <p:sp>
-        <p:nvSpPr>
-          <p:cNvPr id="2" name="Title 1"/>
-          <p:cNvSpPr>
-            <a:spLocks noGrp="1"/>
-          </p:cNvSpPr>
-          <p:nvPr>
-            <p:ph type="ctrTitle"/>
-          </p:nvPr>
-        </p:nvSpPr>
-        <p:spPr/>
-        <p:txBody>
-          <a:bodyPr/>
-          <a:lstStyle/>
-          <a:p>
-            <a:r>
-              <a:rPr lang="en-US" dirty="0" smtClean="0"/>
-              <a:t>Questions?</a:t>
-            </a:r>
-            <a:endParaRPr lang="en-US" dirty="0"/>
-          </a:p>
-        </p:txBody>
-      </p:sp>
-      <p:sp>
-        <p:nvSpPr>
-          <p:cNvPr id="3" name="Subtitle 2"/>
-          <p:cNvSpPr>
-            <a:spLocks noGrp="1"/>
-          </p:cNvSpPr>
-          <p:nvPr>
-            <p:ph type="subTitle" idx="1"/>
-          </p:nvPr>
-        </p:nvSpPr>
-        <p:spPr/>
-        <p:txBody>
-          <a:bodyPr/>
-          <a:lstStyle/>
-          <a:p>
-            <a:endParaRPr lang="en-US" dirty="0"/>
-          </a:p>
-        </p:txBody>
-      </p:sp>
-    </p:spTree>
-    <p:extLst>
-      <p:ext uri="{BB962C8B-B14F-4D97-AF65-F5344CB8AC3E}">
-        <p14:creationId xmlns:p14="http://schemas.microsoft.com/office/powerpoint/2010/main" val="904379520"/>
-      </p:ext>
-    </p:extLst>
-  </p:cSld>
-  <p:clrMapOvr>
-    <a:masterClrMapping/>
-  </p:clrMapOvr>
-  <p:timing>
-    <p:tnLst>
-      <p:par>
-        <p:cTn xmlns:p14="http://schemas.microsoft.com/office/powerpoint/2010/main" id="1" dur="indefinite" restart="never" nodeType="tmRoot"/>
-      </p:par>
-    </p:tnLst>
-  </p:timing>
-</p:sld>
-</file>
-
 <file path=ppt/slides/slide24.xml><?xml version="1.0" encoding="utf-8"?>
 <p:sld xmlns:a="http://schemas.openxmlformats.org/drawingml/2006/main" xmlns:r="http://schemas.openxmlformats.org/officeDocument/2006/relationships" xmlns:p="http://schemas.openxmlformats.org/presentationml/2006/main">
   <p:cSld>
@@ -14559,8 +15288,27 @@
           <a:p>
             <a:r>
               <a:rPr lang="en-US" dirty="0" smtClean="0"/>
-              <a:t>Thank you.</a:t>
-            </a:r>
+              <a:t>Questions?</a:t>
+            </a:r>
+            <a:endParaRPr lang="en-US" dirty="0"/>
+          </a:p>
+        </p:txBody>
+      </p:sp>
+      <p:sp>
+        <p:nvSpPr>
+          <p:cNvPr id="3" name="Subtitle 2"/>
+          <p:cNvSpPr>
+            <a:spLocks noGrp="1"/>
+          </p:cNvSpPr>
+          <p:nvPr>
+            <p:ph type="subTitle" idx="1"/>
+          </p:nvPr>
+        </p:nvSpPr>
+        <p:spPr/>
+        <p:txBody>
+          <a:bodyPr/>
+          <a:lstStyle/>
+          <a:p>
             <a:endParaRPr lang="en-US" dirty="0"/>
           </a:p>
         </p:txBody>
@@ -14568,7 +15316,7 @@
     </p:spTree>
     <p:extLst>
       <p:ext uri="{BB962C8B-B14F-4D97-AF65-F5344CB8AC3E}">
-        <p14:creationId xmlns:p14="http://schemas.microsoft.com/office/powerpoint/2010/main" val="2598212430"/>
+        <p14:creationId xmlns:p14="http://schemas.microsoft.com/office/powerpoint/2010/main" val="904379520"/>
       </p:ext>
     </p:extLst>
   </p:cSld>
@@ -14586,7 +15334,7 @@
 </file>
 
 <file path=ppt/slides/slide25.xml><?xml version="1.0" encoding="utf-8"?>
-<p:sld xmlns:a="http://schemas.openxmlformats.org/drawingml/2006/main" xmlns:r="http://schemas.openxmlformats.org/officeDocument/2006/relationships" xmlns:p="http://schemas.openxmlformats.org/presentationml/2006/main" show="0">
+<p:sld xmlns:a="http://schemas.openxmlformats.org/drawingml/2006/main" xmlns:r="http://schemas.openxmlformats.org/officeDocument/2006/relationships" xmlns:p="http://schemas.openxmlformats.org/presentationml/2006/main">
   <p:cSld>
     <p:spTree>
       <p:nvGrpSpPr>
@@ -14609,7 +15357,7 @@
             <a:spLocks noGrp="1"/>
           </p:cNvSpPr>
           <p:nvPr>
-            <p:ph type="title"/>
+            <p:ph type="ctrTitle"/>
           </p:nvPr>
         </p:nvSpPr>
         <p:spPr/>
@@ -14619,58 +15367,7 @@
           <a:p>
             <a:r>
               <a:rPr lang="en-US" dirty="0" smtClean="0"/>
-              <a:t>Title and Bullets</a:t>
-            </a:r>
-            <a:endParaRPr lang="en-US" dirty="0"/>
-          </a:p>
-        </p:txBody>
-      </p:sp>
-      <p:sp>
-        <p:nvSpPr>
-          <p:cNvPr id="3" name="Content Placeholder 2"/>
-          <p:cNvSpPr>
-            <a:spLocks noGrp="1"/>
-          </p:cNvSpPr>
-          <p:nvPr>
-            <p:ph idx="1"/>
-          </p:nvPr>
-        </p:nvSpPr>
-        <p:spPr/>
-        <p:txBody>
-          <a:bodyPr/>
-          <a:lstStyle/>
-          <a:p>
-            <a:r>
-              <a:rPr lang="en-US" dirty="0" smtClean="0"/>
-              <a:t>First Level Bullet</a:t>
-            </a:r>
-          </a:p>
-          <a:p>
-            <a:pPr lvl="1"/>
-            <a:r>
-              <a:rPr lang="en-US" dirty="0" smtClean="0"/>
-              <a:t>Second Level Bullet</a:t>
-            </a:r>
-          </a:p>
-          <a:p>
-            <a:pPr lvl="2"/>
-            <a:r>
-              <a:rPr lang="en-US" dirty="0" smtClean="0"/>
-              <a:t>Third Level Bullet</a:t>
-            </a:r>
-          </a:p>
-          <a:p>
-            <a:pPr lvl="3"/>
-            <a:r>
-              <a:rPr lang="en-US" dirty="0" smtClean="0"/>
-              <a:t>Fourth Level Bullet</a:t>
-            </a:r>
-          </a:p>
-          <a:p>
-            <a:pPr lvl="4"/>
-            <a:r>
-              <a:rPr lang="en-US" dirty="0" smtClean="0"/>
-              <a:t>Fifth Level Bullet</a:t>
+              <a:t>Thank you.</a:t>
             </a:r>
             <a:endParaRPr lang="en-US" dirty="0"/>
           </a:p>
@@ -14679,21 +15376,13 @@
     </p:spTree>
     <p:extLst>
       <p:ext uri="{BB962C8B-B14F-4D97-AF65-F5344CB8AC3E}">
-        <p14:creationId xmlns:p14="http://schemas.microsoft.com/office/powerpoint/2010/main" val="1910273132"/>
+        <p14:creationId xmlns:p14="http://schemas.microsoft.com/office/powerpoint/2010/main" val="2598212430"/>
       </p:ext>
     </p:extLst>
   </p:cSld>
   <p:clrMapOvr>
     <a:masterClrMapping/>
   </p:clrMapOvr>
-  <mc:AlternateContent xmlns:mc="http://schemas.openxmlformats.org/markup-compatibility/2006">
-    <mc:Choice xmlns:p14="http://schemas.microsoft.com/office/powerpoint/2010/main" Requires="p14">
-      <p:transition spd="slow" p14:dur="2000"/>
-    </mc:Choice>
-    <mc:Fallback>
-      <p:transition xmlns:p14="http://schemas.microsoft.com/office/powerpoint/2010/main" spd="slow"/>
-    </mc:Fallback>
-  </mc:AlternateContent>
   <p:timing>
     <p:tnLst>
       <p:par>
@@ -14738,7 +15427,7 @@
           <a:p>
             <a:r>
               <a:rPr lang="en-US" dirty="0" smtClean="0"/>
-              <a:t>Title and Text</a:t>
+              <a:t>Title and Bullets</a:t>
             </a:r>
             <a:endParaRPr lang="en-US" dirty="0"/>
           </a:p>
@@ -14760,167 +15449,37 @@
           <a:lstStyle/>
           <a:p>
             <a:r>
-              <a:rPr lang="en-US" dirty="0" err="1"/>
-              <a:t>Lorem</a:t>
-            </a:r>
-            <a:r>
-              <a:rPr lang="en-US" dirty="0"/>
-              <a:t> </a:t>
-            </a:r>
-            <a:r>
-              <a:rPr lang="en-US" dirty="0" err="1"/>
-              <a:t>ipsum</a:t>
-            </a:r>
-            <a:r>
-              <a:rPr lang="en-US" dirty="0"/>
-              <a:t> dolor sit </a:t>
-            </a:r>
-            <a:r>
-              <a:rPr lang="en-US" dirty="0" err="1"/>
-              <a:t>amet</a:t>
-            </a:r>
-            <a:r>
-              <a:rPr lang="en-US" dirty="0"/>
-              <a:t>, </a:t>
-            </a:r>
-            <a:r>
-              <a:rPr lang="en-US" dirty="0" err="1"/>
-              <a:t>consectetur</a:t>
-            </a:r>
-            <a:r>
-              <a:rPr lang="en-US" dirty="0"/>
-              <a:t> </a:t>
-            </a:r>
-            <a:r>
-              <a:rPr lang="en-US" dirty="0" err="1"/>
-              <a:t>adipiscing</a:t>
-            </a:r>
-            <a:r>
-              <a:rPr lang="en-US" dirty="0"/>
-              <a:t> </a:t>
-            </a:r>
-            <a:r>
-              <a:rPr lang="en-US" dirty="0" err="1"/>
-              <a:t>elit</a:t>
-            </a:r>
-            <a:r>
-              <a:rPr lang="en-US" dirty="0"/>
-              <a:t>. </a:t>
-            </a:r>
-            <a:r>
-              <a:rPr lang="en-US" dirty="0" err="1"/>
-              <a:t>Donec</a:t>
-            </a:r>
-            <a:r>
-              <a:rPr lang="en-US" dirty="0"/>
-              <a:t> </a:t>
-            </a:r>
-            <a:r>
-              <a:rPr lang="en-US" dirty="0" err="1"/>
-              <a:t>risus</a:t>
-            </a:r>
-            <a:r>
-              <a:rPr lang="en-US" dirty="0"/>
-              <a:t> </a:t>
-            </a:r>
-            <a:r>
-              <a:rPr lang="en-US" dirty="0" err="1"/>
-              <a:t>purus</a:t>
-            </a:r>
-            <a:r>
-              <a:rPr lang="en-US" dirty="0"/>
-              <a:t>, tempus in </a:t>
-            </a:r>
-            <a:r>
-              <a:rPr lang="en-US" dirty="0" err="1"/>
-              <a:t>quis</a:t>
-            </a:r>
-            <a:r>
-              <a:rPr lang="en-US" dirty="0"/>
-              <a:t>, </a:t>
-            </a:r>
-            <a:r>
-              <a:rPr lang="en-US" dirty="0" err="1"/>
-              <a:t>ultricies</a:t>
-            </a:r>
-            <a:r>
-              <a:rPr lang="en-US" dirty="0"/>
-              <a:t> </a:t>
-            </a:r>
-            <a:r>
-              <a:rPr lang="en-US" dirty="0" err="1"/>
-              <a:t>eu</a:t>
-            </a:r>
-            <a:r>
-              <a:rPr lang="en-US" dirty="0"/>
-              <a:t> diam. </a:t>
-            </a:r>
-            <a:r>
-              <a:rPr lang="en-US" dirty="0" err="1"/>
-              <a:t>Donec</a:t>
-            </a:r>
-            <a:r>
-              <a:rPr lang="en-US" dirty="0"/>
-              <a:t> </a:t>
-            </a:r>
-            <a:r>
-              <a:rPr lang="en-US" dirty="0" err="1"/>
-              <a:t>convallis</a:t>
-            </a:r>
-            <a:r>
-              <a:rPr lang="en-US" dirty="0"/>
-              <a:t> </a:t>
-            </a:r>
-            <a:r>
-              <a:rPr lang="en-US" dirty="0" err="1"/>
-              <a:t>enim</a:t>
-            </a:r>
-            <a:r>
-              <a:rPr lang="en-US" dirty="0"/>
-              <a:t> in mi </a:t>
-            </a:r>
-            <a:r>
-              <a:rPr lang="en-US" dirty="0" err="1"/>
-              <a:t>lacinia</a:t>
-            </a:r>
-            <a:r>
-              <a:rPr lang="en-US" dirty="0"/>
-              <a:t>, id </a:t>
-            </a:r>
-            <a:r>
-              <a:rPr lang="en-US" dirty="0" err="1"/>
-              <a:t>viverra</a:t>
-            </a:r>
-            <a:r>
-              <a:rPr lang="en-US" dirty="0"/>
-              <a:t> </a:t>
-            </a:r>
-            <a:r>
-              <a:rPr lang="en-US" dirty="0" err="1"/>
-              <a:t>neque</a:t>
-            </a:r>
-            <a:r>
-              <a:rPr lang="en-US" dirty="0"/>
-              <a:t> </a:t>
-            </a:r>
-            <a:r>
-              <a:rPr lang="en-US" dirty="0" err="1"/>
-              <a:t>pretium</a:t>
-            </a:r>
-            <a:r>
-              <a:rPr lang="en-US" dirty="0"/>
-              <a:t>. </a:t>
-            </a:r>
-            <a:r>
-              <a:rPr lang="en-US" dirty="0" err="1"/>
-              <a:t>Phasellus</a:t>
-            </a:r>
-            <a:r>
-              <a:rPr lang="en-US" dirty="0"/>
-              <a:t> et.</a:t>
-            </a:r>
-          </a:p>
-          <a:p>
+              <a:rPr lang="en-US" dirty="0" smtClean="0"/>
+              <a:t>First Level Bullet</a:t>
+            </a:r>
+          </a:p>
+          <a:p>
+            <a:pPr lvl="1"/>
+            <a:r>
+              <a:rPr lang="en-US" dirty="0" smtClean="0"/>
+              <a:t>Second Level Bullet</a:t>
+            </a:r>
+          </a:p>
+          <a:p>
+            <a:pPr lvl="2"/>
+            <a:r>
+              <a:rPr lang="en-US" dirty="0" smtClean="0"/>
+              <a:t>Third Level Bullet</a:t>
+            </a:r>
+          </a:p>
+          <a:p>
+            <a:pPr lvl="3"/>
+            <a:r>
+              <a:rPr lang="en-US" dirty="0" smtClean="0"/>
+              <a:t>Fourth Level Bullet</a:t>
+            </a:r>
+          </a:p>
+          <a:p>
+            <a:pPr lvl="4"/>
+            <a:r>
+              <a:rPr lang="en-US" dirty="0" smtClean="0"/>
+              <a:t>Fifth Level Bullet</a:t>
+            </a:r>
             <a:endParaRPr lang="en-US" dirty="0"/>
           </a:p>
         </p:txBody>
@@ -14928,7 +15487,7 @@
     </p:spTree>
     <p:extLst>
       <p:ext uri="{BB962C8B-B14F-4D97-AF65-F5344CB8AC3E}">
-        <p14:creationId xmlns:p14="http://schemas.microsoft.com/office/powerpoint/2010/main" val="2354427935"/>
+        <p14:creationId xmlns:p14="http://schemas.microsoft.com/office/powerpoint/2010/main" val="1910273132"/>
       </p:ext>
     </p:extLst>
   </p:cSld>
@@ -14972,7 +15531,7 @@
       </p:grpSpPr>
       <p:sp>
         <p:nvSpPr>
-          <p:cNvPr id="5" name="Title 4"/>
+          <p:cNvPr id="2" name="Title 1"/>
           <p:cNvSpPr>
             <a:spLocks noGrp="1"/>
           </p:cNvSpPr>
@@ -14987,8 +15546,189 @@
           <a:p>
             <a:r>
               <a:rPr lang="en-US" dirty="0" smtClean="0"/>
-              <a:t>Title Only</a:t>
-            </a:r>
+              <a:t>Title and Text</a:t>
+            </a:r>
+            <a:endParaRPr lang="en-US" dirty="0"/>
+          </a:p>
+        </p:txBody>
+      </p:sp>
+      <p:sp>
+        <p:nvSpPr>
+          <p:cNvPr id="3" name="Content Placeholder 2"/>
+          <p:cNvSpPr>
+            <a:spLocks noGrp="1"/>
+          </p:cNvSpPr>
+          <p:nvPr>
+            <p:ph idx="1"/>
+          </p:nvPr>
+        </p:nvSpPr>
+        <p:spPr/>
+        <p:txBody>
+          <a:bodyPr/>
+          <a:lstStyle/>
+          <a:p>
+            <a:r>
+              <a:rPr lang="en-US" dirty="0" err="1"/>
+              <a:t>Lorem</a:t>
+            </a:r>
+            <a:r>
+              <a:rPr lang="en-US" dirty="0"/>
+              <a:t> </a:t>
+            </a:r>
+            <a:r>
+              <a:rPr lang="en-US" dirty="0" err="1"/>
+              <a:t>ipsum</a:t>
+            </a:r>
+            <a:r>
+              <a:rPr lang="en-US" dirty="0"/>
+              <a:t> dolor sit </a:t>
+            </a:r>
+            <a:r>
+              <a:rPr lang="en-US" dirty="0" err="1"/>
+              <a:t>amet</a:t>
+            </a:r>
+            <a:r>
+              <a:rPr lang="en-US" dirty="0"/>
+              <a:t>, </a:t>
+            </a:r>
+            <a:r>
+              <a:rPr lang="en-US" dirty="0" err="1"/>
+              <a:t>consectetur</a:t>
+            </a:r>
+            <a:r>
+              <a:rPr lang="en-US" dirty="0"/>
+              <a:t> </a:t>
+            </a:r>
+            <a:r>
+              <a:rPr lang="en-US" dirty="0" err="1"/>
+              <a:t>adipiscing</a:t>
+            </a:r>
+            <a:r>
+              <a:rPr lang="en-US" dirty="0"/>
+              <a:t> </a:t>
+            </a:r>
+            <a:r>
+              <a:rPr lang="en-US" dirty="0" err="1"/>
+              <a:t>elit</a:t>
+            </a:r>
+            <a:r>
+              <a:rPr lang="en-US" dirty="0"/>
+              <a:t>. </a:t>
+            </a:r>
+            <a:r>
+              <a:rPr lang="en-US" dirty="0" err="1"/>
+              <a:t>Donec</a:t>
+            </a:r>
+            <a:r>
+              <a:rPr lang="en-US" dirty="0"/>
+              <a:t> </a:t>
+            </a:r>
+            <a:r>
+              <a:rPr lang="en-US" dirty="0" err="1"/>
+              <a:t>risus</a:t>
+            </a:r>
+            <a:r>
+              <a:rPr lang="en-US" dirty="0"/>
+              <a:t> </a:t>
+            </a:r>
+            <a:r>
+              <a:rPr lang="en-US" dirty="0" err="1"/>
+              <a:t>purus</a:t>
+            </a:r>
+            <a:r>
+              <a:rPr lang="en-US" dirty="0"/>
+              <a:t>, tempus in </a:t>
+            </a:r>
+            <a:r>
+              <a:rPr lang="en-US" dirty="0" err="1"/>
+              <a:t>quis</a:t>
+            </a:r>
+            <a:r>
+              <a:rPr lang="en-US" dirty="0"/>
+              <a:t>, </a:t>
+            </a:r>
+            <a:r>
+              <a:rPr lang="en-US" dirty="0" err="1"/>
+              <a:t>ultricies</a:t>
+            </a:r>
+            <a:r>
+              <a:rPr lang="en-US" dirty="0"/>
+              <a:t> </a:t>
+            </a:r>
+            <a:r>
+              <a:rPr lang="en-US" dirty="0" err="1"/>
+              <a:t>eu</a:t>
+            </a:r>
+            <a:r>
+              <a:rPr lang="en-US" dirty="0"/>
+              <a:t> diam. </a:t>
+            </a:r>
+            <a:r>
+              <a:rPr lang="en-US" dirty="0" err="1"/>
+              <a:t>Donec</a:t>
+            </a:r>
+            <a:r>
+              <a:rPr lang="en-US" dirty="0"/>
+              <a:t> </a:t>
+            </a:r>
+            <a:r>
+              <a:rPr lang="en-US" dirty="0" err="1"/>
+              <a:t>convallis</a:t>
+            </a:r>
+            <a:r>
+              <a:rPr lang="en-US" dirty="0"/>
+              <a:t> </a:t>
+            </a:r>
+            <a:r>
+              <a:rPr lang="en-US" dirty="0" err="1"/>
+              <a:t>enim</a:t>
+            </a:r>
+            <a:r>
+              <a:rPr lang="en-US" dirty="0"/>
+              <a:t> in mi </a:t>
+            </a:r>
+            <a:r>
+              <a:rPr lang="en-US" dirty="0" err="1"/>
+              <a:t>lacinia</a:t>
+            </a:r>
+            <a:r>
+              <a:rPr lang="en-US" dirty="0"/>
+              <a:t>, id </a:t>
+            </a:r>
+            <a:r>
+              <a:rPr lang="en-US" dirty="0" err="1"/>
+              <a:t>viverra</a:t>
+            </a:r>
+            <a:r>
+              <a:rPr lang="en-US" dirty="0"/>
+              <a:t> </a:t>
+            </a:r>
+            <a:r>
+              <a:rPr lang="en-US" dirty="0" err="1"/>
+              <a:t>neque</a:t>
+            </a:r>
+            <a:r>
+              <a:rPr lang="en-US" dirty="0"/>
+              <a:t> </a:t>
+            </a:r>
+            <a:r>
+              <a:rPr lang="en-US" dirty="0" err="1"/>
+              <a:t>pretium</a:t>
+            </a:r>
+            <a:r>
+              <a:rPr lang="en-US" dirty="0"/>
+              <a:t>. </a:t>
+            </a:r>
+            <a:r>
+              <a:rPr lang="en-US" dirty="0" err="1"/>
+              <a:t>Phasellus</a:t>
+            </a:r>
+            <a:r>
+              <a:rPr lang="en-US" dirty="0"/>
+              <a:t> et.</a:t>
+            </a:r>
+          </a:p>
+          <a:p>
             <a:endParaRPr lang="en-US" dirty="0"/>
           </a:p>
         </p:txBody>
@@ -14996,7 +15736,7 @@
     </p:spTree>
     <p:extLst>
       <p:ext uri="{BB962C8B-B14F-4D97-AF65-F5344CB8AC3E}">
-        <p14:creationId xmlns:p14="http://schemas.microsoft.com/office/powerpoint/2010/main" val="1439852271"/>
+        <p14:creationId xmlns:p14="http://schemas.microsoft.com/office/powerpoint/2010/main" val="2354427935"/>
       </p:ext>
     </p:extLst>
   </p:cSld>
@@ -15040,6 +15780,74 @@
       </p:grpSpPr>
       <p:sp>
         <p:nvSpPr>
+          <p:cNvPr id="5" name="Title 4"/>
+          <p:cNvSpPr>
+            <a:spLocks noGrp="1"/>
+          </p:cNvSpPr>
+          <p:nvPr>
+            <p:ph type="title"/>
+          </p:nvPr>
+        </p:nvSpPr>
+        <p:spPr/>
+        <p:txBody>
+          <a:bodyPr/>
+          <a:lstStyle/>
+          <a:p>
+            <a:r>
+              <a:rPr lang="en-US" dirty="0" smtClean="0"/>
+              <a:t>Title Only</a:t>
+            </a:r>
+            <a:endParaRPr lang="en-US" dirty="0"/>
+          </a:p>
+        </p:txBody>
+      </p:sp>
+    </p:spTree>
+    <p:extLst>
+      <p:ext uri="{BB962C8B-B14F-4D97-AF65-F5344CB8AC3E}">
+        <p14:creationId xmlns:p14="http://schemas.microsoft.com/office/powerpoint/2010/main" val="1439852271"/>
+      </p:ext>
+    </p:extLst>
+  </p:cSld>
+  <p:clrMapOvr>
+    <a:masterClrMapping/>
+  </p:clrMapOvr>
+  <mc:AlternateContent xmlns:mc="http://schemas.openxmlformats.org/markup-compatibility/2006">
+    <mc:Choice xmlns:p14="http://schemas.microsoft.com/office/powerpoint/2010/main" Requires="p14">
+      <p:transition spd="slow" p14:dur="2000"/>
+    </mc:Choice>
+    <mc:Fallback>
+      <p:transition xmlns:p14="http://schemas.microsoft.com/office/powerpoint/2010/main" spd="slow"/>
+    </mc:Fallback>
+  </mc:AlternateContent>
+  <p:timing>
+    <p:tnLst>
+      <p:par>
+        <p:cTn xmlns:p14="http://schemas.microsoft.com/office/powerpoint/2010/main" id="1" dur="indefinite" restart="never" nodeType="tmRoot"/>
+      </p:par>
+    </p:tnLst>
+  </p:timing>
+</p:sld>
+</file>
+
+<file path=ppt/slides/slide29.xml><?xml version="1.0" encoding="utf-8"?>
+<p:sld xmlns:a="http://schemas.openxmlformats.org/drawingml/2006/main" xmlns:r="http://schemas.openxmlformats.org/officeDocument/2006/relationships" xmlns:p="http://schemas.openxmlformats.org/presentationml/2006/main" show="0">
+  <p:cSld>
+    <p:spTree>
+      <p:nvGrpSpPr>
+        <p:cNvPr id="1" name=""/>
+        <p:cNvGrpSpPr/>
+        <p:nvPr/>
+      </p:nvGrpSpPr>
+      <p:grpSpPr>
+        <a:xfrm>
+          <a:off x="0" y="0"/>
+          <a:ext cx="0" cy="0"/>
+          <a:chOff x="0" y="0"/>
+          <a:chExt cx="0" cy="0"/>
+        </a:xfrm>
+      </p:grpSpPr>
+      <p:sp>
+        <p:nvSpPr>
           <p:cNvPr id="2" name="Title 1"/>
           <p:cNvSpPr>
             <a:spLocks noGrp="1"/>
@@ -15112,7 +15920,143 @@
 </p:sld>
 </file>
 
-<file path=ppt/slides/slide29.xml><?xml version="1.0" encoding="utf-8"?>
+<file path=ppt/slides/slide3.xml><?xml version="1.0" encoding="utf-8"?>
+<p:sld xmlns:a="http://schemas.openxmlformats.org/drawingml/2006/main" xmlns:r="http://schemas.openxmlformats.org/officeDocument/2006/relationships" xmlns:p="http://schemas.openxmlformats.org/presentationml/2006/main">
+  <p:cSld>
+    <p:spTree>
+      <p:nvGrpSpPr>
+        <p:cNvPr id="1" name=""/>
+        <p:cNvGrpSpPr/>
+        <p:nvPr/>
+      </p:nvGrpSpPr>
+      <p:grpSpPr>
+        <a:xfrm>
+          <a:off x="0" y="0"/>
+          <a:ext cx="0" cy="0"/>
+          <a:chOff x="0" y="0"/>
+          <a:chExt cx="0" cy="0"/>
+        </a:xfrm>
+      </p:grpSpPr>
+      <p:sp>
+        <p:nvSpPr>
+          <p:cNvPr id="2" name="Title 1"/>
+          <p:cNvSpPr>
+            <a:spLocks noGrp="1"/>
+          </p:cNvSpPr>
+          <p:nvPr>
+            <p:ph type="title"/>
+          </p:nvPr>
+        </p:nvSpPr>
+        <p:spPr/>
+        <p:txBody>
+          <a:bodyPr/>
+          <a:lstStyle/>
+          <a:p>
+            <a:r>
+              <a:rPr lang="en-US" dirty="0" smtClean="0"/>
+              <a:t>Secondary Indexes</a:t>
+            </a:r>
+            <a:endParaRPr lang="en-US" dirty="0"/>
+          </a:p>
+        </p:txBody>
+      </p:sp>
+      <p:sp>
+        <p:nvSpPr>
+          <p:cNvPr id="3" name="Content Placeholder 2"/>
+          <p:cNvSpPr>
+            <a:spLocks noGrp="1"/>
+          </p:cNvSpPr>
+          <p:nvPr>
+            <p:ph idx="1"/>
+          </p:nvPr>
+        </p:nvSpPr>
+        <p:spPr>
+          <a:xfrm>
+            <a:off x="457200" y="955193"/>
+            <a:ext cx="8007739" cy="3493655"/>
+          </a:xfrm>
+        </p:spPr>
+        <p:txBody>
+          <a:bodyPr/>
+          <a:lstStyle/>
+          <a:p>
+            <a:pPr>
+              <a:lnSpc>
+                <a:spcPct val="140000"/>
+              </a:lnSpc>
+            </a:pPr>
+            <a:r>
+              <a:rPr lang="en-US" dirty="0" smtClean="0"/>
+              <a:t>Are the backing data structure for N1QL</a:t>
+            </a:r>
+          </a:p>
+          <a:p>
+            <a:pPr>
+              <a:lnSpc>
+                <a:spcPct val="140000"/>
+              </a:lnSpc>
+            </a:pPr>
+            <a:r>
+              <a:rPr lang="en-US" dirty="0" smtClean="0"/>
+              <a:t>Optimize the data lookup path for the query engine (“avoiding the full table scan”)</a:t>
+            </a:r>
+          </a:p>
+          <a:p>
+            <a:pPr>
+              <a:lnSpc>
+                <a:spcPct val="140000"/>
+              </a:lnSpc>
+            </a:pPr>
+            <a:r>
+              <a:rPr lang="en-US" dirty="0" smtClean="0"/>
+              <a:t>Two types of indexes</a:t>
+            </a:r>
+          </a:p>
+          <a:p>
+            <a:pPr lvl="1">
+              <a:lnSpc>
+                <a:spcPct val="140000"/>
+              </a:lnSpc>
+            </a:pPr>
+            <a:r>
+              <a:rPr lang="en-US" dirty="0" smtClean="0"/>
+              <a:t>View indexes</a:t>
+            </a:r>
+          </a:p>
+          <a:p>
+            <a:pPr lvl="1">
+              <a:lnSpc>
+                <a:spcPct val="140000"/>
+              </a:lnSpc>
+            </a:pPr>
+            <a:r>
+              <a:rPr lang="en-US" dirty="0" smtClean="0"/>
+              <a:t>GSI indexes (new global secondary indexes)</a:t>
+            </a:r>
+          </a:p>
+        </p:txBody>
+      </p:sp>
+    </p:spTree>
+    <p:extLst>
+      <p:ext uri="{BB962C8B-B14F-4D97-AF65-F5344CB8AC3E}">
+        <p14:creationId xmlns:p14="http://schemas.microsoft.com/office/powerpoint/2010/main" val="230402553"/>
+      </p:ext>
+    </p:extLst>
+  </p:cSld>
+  <p:clrMapOvr>
+    <a:masterClrMapping/>
+  </p:clrMapOvr>
+  <p:timing>
+    <p:tnLst>
+      <p:par>
+        <p:cTn xmlns:p14="http://schemas.microsoft.com/office/powerpoint/2010/main" id="1" dur="indefinite" restart="never" nodeType="tmRoot"/>
+      </p:par>
+    </p:tnLst>
+  </p:timing>
+</p:sld>
+</file>
+
+<file path=ppt/slides/slide30.xml><?xml version="1.0" encoding="utf-8"?>
 <p:sld xmlns:a="http://schemas.openxmlformats.org/drawingml/2006/main" xmlns:r="http://schemas.openxmlformats.org/officeDocument/2006/relationships" xmlns:p="http://schemas.openxmlformats.org/presentationml/2006/main" show="0">
   <p:cSld>
     <p:spTree>
@@ -16734,143 +17678,7 @@
 </p:sld>
 </file>
 
-<file path=ppt/slides/slide3.xml><?xml version="1.0" encoding="utf-8"?>
-<p:sld xmlns:a="http://schemas.openxmlformats.org/drawingml/2006/main" xmlns:r="http://schemas.openxmlformats.org/officeDocument/2006/relationships" xmlns:p="http://schemas.openxmlformats.org/presentationml/2006/main">
-  <p:cSld>
-    <p:spTree>
-      <p:nvGrpSpPr>
-        <p:cNvPr id="1" name=""/>
-        <p:cNvGrpSpPr/>
-        <p:nvPr/>
-      </p:nvGrpSpPr>
-      <p:grpSpPr>
-        <a:xfrm>
-          <a:off x="0" y="0"/>
-          <a:ext cx="0" cy="0"/>
-          <a:chOff x="0" y="0"/>
-          <a:chExt cx="0" cy="0"/>
-        </a:xfrm>
-      </p:grpSpPr>
-      <p:sp>
-        <p:nvSpPr>
-          <p:cNvPr id="2" name="Title 1"/>
-          <p:cNvSpPr>
-            <a:spLocks noGrp="1"/>
-          </p:cNvSpPr>
-          <p:nvPr>
-            <p:ph type="title"/>
-          </p:nvPr>
-        </p:nvSpPr>
-        <p:spPr/>
-        <p:txBody>
-          <a:bodyPr/>
-          <a:lstStyle/>
-          <a:p>
-            <a:r>
-              <a:rPr lang="en-US" dirty="0" smtClean="0"/>
-              <a:t>Secondary Indexes</a:t>
-            </a:r>
-            <a:endParaRPr lang="en-US" dirty="0"/>
-          </a:p>
-        </p:txBody>
-      </p:sp>
-      <p:sp>
-        <p:nvSpPr>
-          <p:cNvPr id="3" name="Content Placeholder 2"/>
-          <p:cNvSpPr>
-            <a:spLocks noGrp="1"/>
-          </p:cNvSpPr>
-          <p:nvPr>
-            <p:ph idx="1"/>
-          </p:nvPr>
-        </p:nvSpPr>
-        <p:spPr>
-          <a:xfrm>
-            <a:off x="457200" y="955193"/>
-            <a:ext cx="8007739" cy="3493655"/>
-          </a:xfrm>
-        </p:spPr>
-        <p:txBody>
-          <a:bodyPr/>
-          <a:lstStyle/>
-          <a:p>
-            <a:pPr>
-              <a:lnSpc>
-                <a:spcPct val="140000"/>
-              </a:lnSpc>
-            </a:pPr>
-            <a:r>
-              <a:rPr lang="en-US" dirty="0" smtClean="0"/>
-              <a:t>Are the backing data structure for N1QL</a:t>
-            </a:r>
-          </a:p>
-          <a:p>
-            <a:pPr>
-              <a:lnSpc>
-                <a:spcPct val="140000"/>
-              </a:lnSpc>
-            </a:pPr>
-            <a:r>
-              <a:rPr lang="en-US" dirty="0" smtClean="0"/>
-              <a:t>Optimize the data lookup path for the query engine (“avoiding the full table scan”)</a:t>
-            </a:r>
-          </a:p>
-          <a:p>
-            <a:pPr>
-              <a:lnSpc>
-                <a:spcPct val="140000"/>
-              </a:lnSpc>
-            </a:pPr>
-            <a:r>
-              <a:rPr lang="en-US" dirty="0" smtClean="0"/>
-              <a:t>Two types of indexes</a:t>
-            </a:r>
-          </a:p>
-          <a:p>
-            <a:pPr lvl="1">
-              <a:lnSpc>
-                <a:spcPct val="140000"/>
-              </a:lnSpc>
-            </a:pPr>
-            <a:r>
-              <a:rPr lang="en-US" dirty="0" smtClean="0"/>
-              <a:t>View indexes</a:t>
-            </a:r>
-          </a:p>
-          <a:p>
-            <a:pPr lvl="1">
-              <a:lnSpc>
-                <a:spcPct val="140000"/>
-              </a:lnSpc>
-            </a:pPr>
-            <a:r>
-              <a:rPr lang="en-US" dirty="0" smtClean="0"/>
-              <a:t>GSI indexes (new global secondary indexes)</a:t>
-            </a:r>
-          </a:p>
-        </p:txBody>
-      </p:sp>
-    </p:spTree>
-    <p:extLst>
-      <p:ext uri="{BB962C8B-B14F-4D97-AF65-F5344CB8AC3E}">
-        <p14:creationId xmlns:p14="http://schemas.microsoft.com/office/powerpoint/2010/main" val="230402553"/>
-      </p:ext>
-    </p:extLst>
-  </p:cSld>
-  <p:clrMapOvr>
-    <a:masterClrMapping/>
-  </p:clrMapOvr>
-  <p:timing>
-    <p:tnLst>
-      <p:par>
-        <p:cTn xmlns:p14="http://schemas.microsoft.com/office/powerpoint/2010/main" id="1" dur="indefinite" restart="never" nodeType="tmRoot"/>
-      </p:par>
-    </p:tnLst>
-  </p:timing>
-</p:sld>
-</file>
-
-<file path=ppt/slides/slide30.xml><?xml version="1.0" encoding="utf-8"?>
+<file path=ppt/slides/slide31.xml><?xml version="1.0" encoding="utf-8"?>
 <p:sld xmlns:a="http://schemas.openxmlformats.org/drawingml/2006/main" xmlns:r="http://schemas.openxmlformats.org/officeDocument/2006/relationships" xmlns:p="http://schemas.openxmlformats.org/presentationml/2006/main" show="0">
   <p:cSld>
     <p:spTree>
@@ -17622,7 +18430,7 @@
 </p:sld>
 </file>
 
-<file path=ppt/slides/slide31.xml><?xml version="1.0" encoding="utf-8"?>
+<file path=ppt/slides/slide32.xml><?xml version="1.0" encoding="utf-8"?>
 <p:sld xmlns:a="http://schemas.openxmlformats.org/drawingml/2006/main" xmlns:r="http://schemas.openxmlformats.org/officeDocument/2006/relationships" xmlns:p="http://schemas.openxmlformats.org/presentationml/2006/main" show="0">
   <p:cSld>
     <p:spTree>
@@ -18374,7 +19182,7 @@
 </p:sld>
 </file>
 
-<file path=ppt/slides/slide32.xml><?xml version="1.0" encoding="utf-8"?>
+<file path=ppt/slides/slide33.xml><?xml version="1.0" encoding="utf-8"?>
 <p:sld xmlns:a="http://schemas.openxmlformats.org/drawingml/2006/main" xmlns:r="http://schemas.openxmlformats.org/officeDocument/2006/relationships" xmlns:p="http://schemas.openxmlformats.org/presentationml/2006/main" show="0">
   <p:cSld>
     <p:spTree>
@@ -18540,7 +19348,7 @@
 </p:sld>
 </file>
 
-<file path=ppt/slides/slide33.xml><?xml version="1.0" encoding="utf-8"?>
+<file path=ppt/slides/slide34.xml><?xml version="1.0" encoding="utf-8"?>
 <p:sld xmlns:a="http://schemas.openxmlformats.org/drawingml/2006/main" xmlns:r="http://schemas.openxmlformats.org/officeDocument/2006/relationships" xmlns:p="http://schemas.openxmlformats.org/presentationml/2006/main" show="0">
   <p:cSld>
     <p:spTree>
@@ -18706,7 +19514,7 @@
 </p:sld>
 </file>
 
-<file path=ppt/slides/slide34.xml><?xml version="1.0" encoding="utf-8"?>
+<file path=ppt/slides/slide35.xml><?xml version="1.0" encoding="utf-8"?>
 <p:sld xmlns:a="http://schemas.openxmlformats.org/drawingml/2006/main" xmlns:r="http://schemas.openxmlformats.org/officeDocument/2006/relationships" xmlns:p="http://schemas.openxmlformats.org/presentationml/2006/main" show="0">
   <p:cSld>
     <p:spTree>
@@ -18872,7 +19680,7 @@
 </p:sld>
 </file>
 
-<file path=ppt/slides/slide35.xml><?xml version="1.0" encoding="utf-8"?>
+<file path=ppt/slides/slide36.xml><?xml version="1.0" encoding="utf-8"?>
 <p:sld xmlns:a="http://schemas.openxmlformats.org/drawingml/2006/main" xmlns:r="http://schemas.openxmlformats.org/officeDocument/2006/relationships" xmlns:p="http://schemas.openxmlformats.org/presentationml/2006/main" show="0">
   <p:cSld>
     <p:spTree>
@@ -19566,7 +20374,7 @@
 </p:sld>
 </file>
 
-<file path=ppt/slides/slide36.xml><?xml version="1.0" encoding="utf-8"?>
+<file path=ppt/slides/slide37.xml><?xml version="1.0" encoding="utf-8"?>
 <p:sld xmlns:a="http://schemas.openxmlformats.org/drawingml/2006/main" xmlns:r="http://schemas.openxmlformats.org/officeDocument/2006/relationships" xmlns:p="http://schemas.openxmlformats.org/presentationml/2006/main" show="0">
   <p:cSld>
     <p:spTree>
@@ -19634,7 +20442,7 @@
 </p:sld>
 </file>
 
-<file path=ppt/slides/slide37.xml><?xml version="1.0" encoding="utf-8"?>
+<file path=ppt/slides/slide38.xml><?xml version="1.0" encoding="utf-8"?>
 <p:sld xmlns:a="http://schemas.openxmlformats.org/drawingml/2006/main" xmlns:r="http://schemas.openxmlformats.org/officeDocument/2006/relationships" xmlns:p="http://schemas.openxmlformats.org/presentationml/2006/main" show="0">
   <p:cSld>
     <p:spTree>

--- a/server/presentations/07_N1QL Details.pptx
+++ b/server/presentations/07_N1QL Details.pptx
@@ -5,10 +5,10 @@
     <p:sldMasterId id="2147483648" r:id="rId1"/>
   </p:sldMasterIdLst>
   <p:notesMasterIdLst>
-    <p:notesMasterId r:id="rId40"/>
+    <p:notesMasterId r:id="rId27"/>
   </p:notesMasterIdLst>
   <p:handoutMasterIdLst>
-    <p:handoutMasterId r:id="rId41"/>
+    <p:handoutMasterId r:id="rId28"/>
   </p:handoutMasterIdLst>
   <p:sldIdLst>
     <p:sldId id="256" r:id="rId2"/>
@@ -36,19 +36,6 @@
     <p:sldId id="286" r:id="rId24"/>
     <p:sldId id="289" r:id="rId25"/>
     <p:sldId id="294" r:id="rId26"/>
-    <p:sldId id="279" r:id="rId27"/>
-    <p:sldId id="280" r:id="rId28"/>
-    <p:sldId id="281" r:id="rId29"/>
-    <p:sldId id="264" r:id="rId30"/>
-    <p:sldId id="270" r:id="rId31"/>
-    <p:sldId id="276" r:id="rId32"/>
-    <p:sldId id="277" r:id="rId33"/>
-    <p:sldId id="272" r:id="rId34"/>
-    <p:sldId id="275" r:id="rId35"/>
-    <p:sldId id="273" r:id="rId36"/>
-    <p:sldId id="274" r:id="rId37"/>
-    <p:sldId id="267" r:id="rId38"/>
-    <p:sldId id="269" r:id="rId39"/>
   </p:sldIdLst>
   <p:sldSz cx="9144000" cy="5143500" type="screen16x9"/>
   <p:notesSz cx="6858000" cy="9144000"/>
@@ -150,1232 +137,6 @@
 </p:presentation>
 </file>
 
-<file path=ppt/charts/chart1.xml><?xml version="1.0" encoding="utf-8"?>
-<c:chartSpace xmlns:c="http://schemas.openxmlformats.org/drawingml/2006/chart" xmlns:a="http://schemas.openxmlformats.org/drawingml/2006/main" xmlns:r="http://schemas.openxmlformats.org/officeDocument/2006/relationships">
-  <c:date1904 val="0"/>
-  <c:lang val="de-DE"/>
-  <c:roundedCorners val="0"/>
-  <mc:AlternateContent xmlns:mc="http://schemas.openxmlformats.org/markup-compatibility/2006">
-    <mc:Choice xmlns:c14="http://schemas.microsoft.com/office/drawing/2007/8/2/chart" Requires="c14">
-      <c14:style val="102"/>
-    </mc:Choice>
-    <mc:Fallback>
-      <c:style val="2"/>
-    </mc:Fallback>
-  </mc:AlternateContent>
-  <c:clrMapOvr bg1="lt1" tx1="dk1" bg2="lt2" tx2="dk2" accent1="accent1" accent2="accent2" accent3="accent3" accent4="accent4" accent5="accent5" accent6="accent6" hlink="hlink" folHlink="folHlink"/>
-  <c:chart>
-    <c:autoTitleDeleted val="1"/>
-    <c:plotArea>
-      <c:layout/>
-      <c:pieChart>
-        <c:varyColors val="1"/>
-        <c:ser>
-          <c:idx val="0"/>
-          <c:order val="0"/>
-          <c:tx>
-            <c:strRef>
-              <c:f>Sheet1!$B$1</c:f>
-              <c:strCache>
-                <c:ptCount val="1"/>
-                <c:pt idx="0">
-                  <c:v>Sales</c:v>
-                </c:pt>
-              </c:strCache>
-            </c:strRef>
-          </c:tx>
-          <c:spPr>
-            <a:ln w="12700" cmpd="sng">
-              <a:solidFill>
-                <a:schemeClr val="bg1"/>
-              </a:solidFill>
-            </a:ln>
-          </c:spPr>
-          <c:cat>
-            <c:strRef>
-              <c:f>Sheet1!$A$2:$A$7</c:f>
-              <c:strCache>
-                <c:ptCount val="6"/>
-                <c:pt idx="0">
-                  <c:v>January</c:v>
-                </c:pt>
-                <c:pt idx="1">
-                  <c:v>February</c:v>
-                </c:pt>
-                <c:pt idx="2">
-                  <c:v>March</c:v>
-                </c:pt>
-                <c:pt idx="3">
-                  <c:v>April</c:v>
-                </c:pt>
-                <c:pt idx="4">
-                  <c:v>May</c:v>
-                </c:pt>
-                <c:pt idx="5">
-                  <c:v>June</c:v>
-                </c:pt>
-              </c:strCache>
-            </c:strRef>
-          </c:cat>
-          <c:val>
-            <c:numRef>
-              <c:f>Sheet1!$B$2:$B$7</c:f>
-              <c:numCache>
-                <c:formatCode>General</c:formatCode>
-                <c:ptCount val="6"/>
-                <c:pt idx="0">
-                  <c:v>8.2</c:v>
-                </c:pt>
-                <c:pt idx="1">
-                  <c:v>3.2</c:v>
-                </c:pt>
-                <c:pt idx="2">
-                  <c:v>1.4</c:v>
-                </c:pt>
-                <c:pt idx="3">
-                  <c:v>1.2</c:v>
-                </c:pt>
-                <c:pt idx="4">
-                  <c:v>5.5</c:v>
-                </c:pt>
-                <c:pt idx="5">
-                  <c:v>4.2</c:v>
-                </c:pt>
-              </c:numCache>
-            </c:numRef>
-          </c:val>
-        </c:ser>
-        <c:dLbls>
-          <c:showLegendKey val="0"/>
-          <c:showVal val="0"/>
-          <c:showCatName val="0"/>
-          <c:showSerName val="0"/>
-          <c:showPercent val="0"/>
-          <c:showBubbleSize val="0"/>
-          <c:showLeaderLines val="1"/>
-        </c:dLbls>
-        <c:firstSliceAng val="0"/>
-      </c:pieChart>
-    </c:plotArea>
-    <c:plotVisOnly val="1"/>
-    <c:dispBlanksAs val="gap"/>
-    <c:showDLblsOverMax val="0"/>
-  </c:chart>
-  <c:txPr>
-    <a:bodyPr/>
-    <a:lstStyle/>
-    <a:p>
-      <a:pPr>
-        <a:defRPr sz="1800"/>
-      </a:pPr>
-      <a:endParaRPr lang="de-DE"/>
-    </a:p>
-  </c:txPr>
-  <c:externalData r:id="rId2">
-    <c:autoUpdate val="0"/>
-  </c:externalData>
-</c:chartSpace>
-</file>
-
-<file path=ppt/charts/chart2.xml><?xml version="1.0" encoding="utf-8"?>
-<c:chartSpace xmlns:c="http://schemas.openxmlformats.org/drawingml/2006/chart" xmlns:a="http://schemas.openxmlformats.org/drawingml/2006/main" xmlns:r="http://schemas.openxmlformats.org/officeDocument/2006/relationships">
-  <c:date1904 val="0"/>
-  <c:lang val="de-DE"/>
-  <c:roundedCorners val="0"/>
-  <mc:AlternateContent xmlns:mc="http://schemas.openxmlformats.org/markup-compatibility/2006">
-    <mc:Choice xmlns:c14="http://schemas.microsoft.com/office/drawing/2007/8/2/chart" Requires="c14">
-      <c14:style val="102"/>
-    </mc:Choice>
-    <mc:Fallback>
-      <c:style val="2"/>
-    </mc:Fallback>
-  </mc:AlternateContent>
-  <c:clrMapOvr bg1="lt1" tx1="dk1" bg2="lt2" tx2="dk2" accent1="accent1" accent2="accent2" accent3="accent3" accent4="accent4" accent5="accent5" accent6="accent6" hlink="hlink" folHlink="folHlink"/>
-  <c:chart>
-    <c:autoTitleDeleted val="1"/>
-    <c:plotArea>
-      <c:layout/>
-      <c:doughnutChart>
-        <c:varyColors val="1"/>
-        <c:ser>
-          <c:idx val="0"/>
-          <c:order val="0"/>
-          <c:tx>
-            <c:strRef>
-              <c:f>Sheet1!$B$1</c:f>
-              <c:strCache>
-                <c:ptCount val="1"/>
-                <c:pt idx="0">
-                  <c:v>Sales</c:v>
-                </c:pt>
-              </c:strCache>
-            </c:strRef>
-          </c:tx>
-          <c:spPr>
-            <a:ln w="12700" cmpd="sng">
-              <a:solidFill>
-                <a:schemeClr val="bg1"/>
-              </a:solidFill>
-            </a:ln>
-          </c:spPr>
-          <c:cat>
-            <c:strRef>
-              <c:f>Sheet1!$A$2:$A$7</c:f>
-              <c:strCache>
-                <c:ptCount val="6"/>
-                <c:pt idx="0">
-                  <c:v>January</c:v>
-                </c:pt>
-                <c:pt idx="1">
-                  <c:v>February</c:v>
-                </c:pt>
-                <c:pt idx="2">
-                  <c:v>March</c:v>
-                </c:pt>
-                <c:pt idx="3">
-                  <c:v>April</c:v>
-                </c:pt>
-                <c:pt idx="4">
-                  <c:v>May</c:v>
-                </c:pt>
-                <c:pt idx="5">
-                  <c:v>June</c:v>
-                </c:pt>
-              </c:strCache>
-            </c:strRef>
-          </c:cat>
-          <c:val>
-            <c:numRef>
-              <c:f>Sheet1!$B$2:$B$7</c:f>
-              <c:numCache>
-                <c:formatCode>General</c:formatCode>
-                <c:ptCount val="6"/>
-                <c:pt idx="0">
-                  <c:v>8.2</c:v>
-                </c:pt>
-                <c:pt idx="1">
-                  <c:v>3.2</c:v>
-                </c:pt>
-                <c:pt idx="2">
-                  <c:v>1.4</c:v>
-                </c:pt>
-                <c:pt idx="3">
-                  <c:v>1.2</c:v>
-                </c:pt>
-                <c:pt idx="4">
-                  <c:v>5.5</c:v>
-                </c:pt>
-                <c:pt idx="5">
-                  <c:v>4.2</c:v>
-                </c:pt>
-              </c:numCache>
-            </c:numRef>
-          </c:val>
-        </c:ser>
-        <c:dLbls>
-          <c:showLegendKey val="0"/>
-          <c:showVal val="0"/>
-          <c:showCatName val="0"/>
-          <c:showSerName val="0"/>
-          <c:showPercent val="0"/>
-          <c:showBubbleSize val="0"/>
-          <c:showLeaderLines val="1"/>
-        </c:dLbls>
-        <c:firstSliceAng val="0"/>
-        <c:holeSize val="50"/>
-      </c:doughnutChart>
-    </c:plotArea>
-    <c:plotVisOnly val="1"/>
-    <c:dispBlanksAs val="gap"/>
-    <c:showDLblsOverMax val="0"/>
-  </c:chart>
-  <c:txPr>
-    <a:bodyPr/>
-    <a:lstStyle/>
-    <a:p>
-      <a:pPr>
-        <a:defRPr sz="1800"/>
-      </a:pPr>
-      <a:endParaRPr lang="de-DE"/>
-    </a:p>
-  </c:txPr>
-  <c:externalData r:id="rId2">
-    <c:autoUpdate val="0"/>
-  </c:externalData>
-</c:chartSpace>
-</file>
-
-<file path=ppt/charts/chart3.xml><?xml version="1.0" encoding="utf-8"?>
-<c:chartSpace xmlns:c="http://schemas.openxmlformats.org/drawingml/2006/chart" xmlns:a="http://schemas.openxmlformats.org/drawingml/2006/main" xmlns:r="http://schemas.openxmlformats.org/officeDocument/2006/relationships">
-  <c:date1904 val="0"/>
-  <c:lang val="de-DE"/>
-  <c:roundedCorners val="0"/>
-  <mc:AlternateContent xmlns:mc="http://schemas.openxmlformats.org/markup-compatibility/2006">
-    <mc:Choice xmlns:c14="http://schemas.microsoft.com/office/drawing/2007/8/2/chart" Requires="c14">
-      <c14:style val="102"/>
-    </mc:Choice>
-    <mc:Fallback>
-      <c:style val="2"/>
-    </mc:Fallback>
-  </mc:AlternateContent>
-  <c:chart>
-    <c:autoTitleDeleted val="0"/>
-    <c:plotArea>
-      <c:layout/>
-      <c:barChart>
-        <c:barDir val="col"/>
-        <c:grouping val="clustered"/>
-        <c:varyColors val="0"/>
-        <c:ser>
-          <c:idx val="0"/>
-          <c:order val="0"/>
-          <c:tx>
-            <c:strRef>
-              <c:f>Sheet1!$B$1</c:f>
-              <c:strCache>
-                <c:ptCount val="1"/>
-                <c:pt idx="0">
-                  <c:v>Series 1</c:v>
-                </c:pt>
-              </c:strCache>
-            </c:strRef>
-          </c:tx>
-          <c:invertIfNegative val="0"/>
-          <c:cat>
-            <c:strRef>
-              <c:f>Sheet1!$A$2:$A$5</c:f>
-              <c:strCache>
-                <c:ptCount val="4"/>
-                <c:pt idx="0">
-                  <c:v>Category 1</c:v>
-                </c:pt>
-                <c:pt idx="1">
-                  <c:v>Category 2</c:v>
-                </c:pt>
-                <c:pt idx="2">
-                  <c:v>Category 3</c:v>
-                </c:pt>
-                <c:pt idx="3">
-                  <c:v>Category 4</c:v>
-                </c:pt>
-              </c:strCache>
-            </c:strRef>
-          </c:cat>
-          <c:val>
-            <c:numRef>
-              <c:f>Sheet1!$B$2:$B$5</c:f>
-              <c:numCache>
-                <c:formatCode>General</c:formatCode>
-                <c:ptCount val="4"/>
-                <c:pt idx="0">
-                  <c:v>4.3</c:v>
-                </c:pt>
-                <c:pt idx="1">
-                  <c:v>2.5</c:v>
-                </c:pt>
-                <c:pt idx="2">
-                  <c:v>3.5</c:v>
-                </c:pt>
-                <c:pt idx="3">
-                  <c:v>4.5</c:v>
-                </c:pt>
-              </c:numCache>
-            </c:numRef>
-          </c:val>
-        </c:ser>
-        <c:ser>
-          <c:idx val="1"/>
-          <c:order val="1"/>
-          <c:tx>
-            <c:strRef>
-              <c:f>Sheet1!$C$1</c:f>
-              <c:strCache>
-                <c:ptCount val="1"/>
-                <c:pt idx="0">
-                  <c:v>Series 2</c:v>
-                </c:pt>
-              </c:strCache>
-            </c:strRef>
-          </c:tx>
-          <c:invertIfNegative val="0"/>
-          <c:cat>
-            <c:strRef>
-              <c:f>Sheet1!$A$2:$A$5</c:f>
-              <c:strCache>
-                <c:ptCount val="4"/>
-                <c:pt idx="0">
-                  <c:v>Category 1</c:v>
-                </c:pt>
-                <c:pt idx="1">
-                  <c:v>Category 2</c:v>
-                </c:pt>
-                <c:pt idx="2">
-                  <c:v>Category 3</c:v>
-                </c:pt>
-                <c:pt idx="3">
-                  <c:v>Category 4</c:v>
-                </c:pt>
-              </c:strCache>
-            </c:strRef>
-          </c:cat>
-          <c:val>
-            <c:numRef>
-              <c:f>Sheet1!$C$2:$C$5</c:f>
-              <c:numCache>
-                <c:formatCode>General</c:formatCode>
-                <c:ptCount val="4"/>
-                <c:pt idx="0">
-                  <c:v>2.4</c:v>
-                </c:pt>
-                <c:pt idx="1">
-                  <c:v>4.4</c:v>
-                </c:pt>
-                <c:pt idx="2">
-                  <c:v>1.8</c:v>
-                </c:pt>
-                <c:pt idx="3">
-                  <c:v>2.8</c:v>
-                </c:pt>
-              </c:numCache>
-            </c:numRef>
-          </c:val>
-        </c:ser>
-        <c:ser>
-          <c:idx val="2"/>
-          <c:order val="2"/>
-          <c:tx>
-            <c:strRef>
-              <c:f>Sheet1!$D$1</c:f>
-              <c:strCache>
-                <c:ptCount val="1"/>
-                <c:pt idx="0">
-                  <c:v>Series 3</c:v>
-                </c:pt>
-              </c:strCache>
-            </c:strRef>
-          </c:tx>
-          <c:invertIfNegative val="0"/>
-          <c:cat>
-            <c:strRef>
-              <c:f>Sheet1!$A$2:$A$5</c:f>
-              <c:strCache>
-                <c:ptCount val="4"/>
-                <c:pt idx="0">
-                  <c:v>Category 1</c:v>
-                </c:pt>
-                <c:pt idx="1">
-                  <c:v>Category 2</c:v>
-                </c:pt>
-                <c:pt idx="2">
-                  <c:v>Category 3</c:v>
-                </c:pt>
-                <c:pt idx="3">
-                  <c:v>Category 4</c:v>
-                </c:pt>
-              </c:strCache>
-            </c:strRef>
-          </c:cat>
-          <c:val>
-            <c:numRef>
-              <c:f>Sheet1!$D$2:$D$5</c:f>
-              <c:numCache>
-                <c:formatCode>General</c:formatCode>
-                <c:ptCount val="4"/>
-                <c:pt idx="0">
-                  <c:v>2.0</c:v>
-                </c:pt>
-                <c:pt idx="1">
-                  <c:v>2.0</c:v>
-                </c:pt>
-                <c:pt idx="2">
-                  <c:v>3.0</c:v>
-                </c:pt>
-                <c:pt idx="3">
-                  <c:v>5.0</c:v>
-                </c:pt>
-              </c:numCache>
-            </c:numRef>
-          </c:val>
-        </c:ser>
-        <c:dLbls>
-          <c:showLegendKey val="0"/>
-          <c:showVal val="0"/>
-          <c:showCatName val="0"/>
-          <c:showSerName val="0"/>
-          <c:showPercent val="0"/>
-          <c:showBubbleSize val="0"/>
-        </c:dLbls>
-        <c:gapWidth val="150"/>
-        <c:axId val="-2111926792"/>
-        <c:axId val="-2112635928"/>
-      </c:barChart>
-      <c:catAx>
-        <c:axId val="-2111926792"/>
-        <c:scaling>
-          <c:orientation val="minMax"/>
-        </c:scaling>
-        <c:delete val="0"/>
-        <c:axPos val="b"/>
-        <c:majorTickMark val="none"/>
-        <c:minorTickMark val="none"/>
-        <c:tickLblPos val="none"/>
-        <c:spPr>
-          <a:ln w="12700">
-            <a:solidFill>
-              <a:schemeClr val="tx1"/>
-            </a:solidFill>
-          </a:ln>
-        </c:spPr>
-        <c:txPr>
-          <a:bodyPr/>
-          <a:lstStyle/>
-          <a:p>
-            <a:pPr>
-              <a:defRPr sz="1200"/>
-            </a:pPr>
-            <a:endParaRPr lang="de-DE"/>
-          </a:p>
-        </c:txPr>
-        <c:crossAx val="-2112635928"/>
-        <c:crosses val="autoZero"/>
-        <c:auto val="1"/>
-        <c:lblAlgn val="ctr"/>
-        <c:lblOffset val="100"/>
-        <c:noMultiLvlLbl val="0"/>
-      </c:catAx>
-      <c:valAx>
-        <c:axId val="-2112635928"/>
-        <c:scaling>
-          <c:orientation val="minMax"/>
-        </c:scaling>
-        <c:delete val="0"/>
-        <c:axPos val="l"/>
-        <c:majorGridlines>
-          <c:spPr>
-            <a:ln>
-              <a:solidFill>
-                <a:schemeClr val="bg1">
-                  <a:lumMod val="75000"/>
-                </a:schemeClr>
-              </a:solidFill>
-            </a:ln>
-          </c:spPr>
-        </c:majorGridlines>
-        <c:numFmt formatCode="General" sourceLinked="1"/>
-        <c:majorTickMark val="none"/>
-        <c:minorTickMark val="none"/>
-        <c:tickLblPos val="nextTo"/>
-        <c:spPr>
-          <a:ln>
-            <a:noFill/>
-          </a:ln>
-        </c:spPr>
-        <c:txPr>
-          <a:bodyPr/>
-          <a:lstStyle/>
-          <a:p>
-            <a:pPr>
-              <a:defRPr sz="1200">
-                <a:solidFill>
-                  <a:schemeClr val="bg1">
-                    <a:lumMod val="75000"/>
-                  </a:schemeClr>
-                </a:solidFill>
-              </a:defRPr>
-            </a:pPr>
-            <a:endParaRPr lang="de-DE"/>
-          </a:p>
-        </c:txPr>
-        <c:crossAx val="-2111926792"/>
-        <c:crosses val="autoZero"/>
-        <c:crossBetween val="between"/>
-      </c:valAx>
-    </c:plotArea>
-    <c:legend>
-      <c:legendPos val="b"/>
-      <c:layout/>
-      <c:overlay val="0"/>
-      <c:txPr>
-        <a:bodyPr/>
-        <a:lstStyle/>
-        <a:p>
-          <a:pPr>
-            <a:defRPr sz="1200"/>
-          </a:pPr>
-          <a:endParaRPr lang="de-DE"/>
-        </a:p>
-      </c:txPr>
-    </c:legend>
-    <c:plotVisOnly val="1"/>
-    <c:dispBlanksAs val="gap"/>
-    <c:showDLblsOverMax val="0"/>
-  </c:chart>
-  <c:txPr>
-    <a:bodyPr/>
-    <a:lstStyle/>
-    <a:p>
-      <a:pPr>
-        <a:defRPr sz="1800"/>
-      </a:pPr>
-      <a:endParaRPr lang="de-DE"/>
-    </a:p>
-  </c:txPr>
-  <c:externalData r:id="rId1">
-    <c:autoUpdate val="0"/>
-  </c:externalData>
-</c:chartSpace>
-</file>
-
-<file path=ppt/charts/chart4.xml><?xml version="1.0" encoding="utf-8"?>
-<c:chartSpace xmlns:c="http://schemas.openxmlformats.org/drawingml/2006/chart" xmlns:a="http://schemas.openxmlformats.org/drawingml/2006/main" xmlns:r="http://schemas.openxmlformats.org/officeDocument/2006/relationships">
-  <c:date1904 val="0"/>
-  <c:lang val="de-DE"/>
-  <c:roundedCorners val="0"/>
-  <mc:AlternateContent xmlns:mc="http://schemas.openxmlformats.org/markup-compatibility/2006">
-    <mc:Choice xmlns:c14="http://schemas.microsoft.com/office/drawing/2007/8/2/chart" Requires="c14">
-      <c14:style val="102"/>
-    </mc:Choice>
-    <mc:Fallback>
-      <c:style val="2"/>
-    </mc:Fallback>
-  </mc:AlternateContent>
-  <c:clrMapOvr bg1="lt1" tx1="dk1" bg2="lt2" tx2="dk2" accent1="accent1" accent2="accent2" accent3="accent3" accent4="accent4" accent5="accent5" accent6="accent6" hlink="hlink" folHlink="folHlink"/>
-  <c:chart>
-    <c:autoTitleDeleted val="0"/>
-    <c:plotArea>
-      <c:layout/>
-      <c:barChart>
-        <c:barDir val="bar"/>
-        <c:grouping val="clustered"/>
-        <c:varyColors val="0"/>
-        <c:ser>
-          <c:idx val="0"/>
-          <c:order val="0"/>
-          <c:tx>
-            <c:strRef>
-              <c:f>Sheet1!$B$1</c:f>
-              <c:strCache>
-                <c:ptCount val="1"/>
-                <c:pt idx="0">
-                  <c:v>Series 1</c:v>
-                </c:pt>
-              </c:strCache>
-            </c:strRef>
-          </c:tx>
-          <c:invertIfNegative val="0"/>
-          <c:cat>
-            <c:strRef>
-              <c:f>Sheet1!$A$2:$A$5</c:f>
-              <c:strCache>
-                <c:ptCount val="4"/>
-                <c:pt idx="0">
-                  <c:v>Category 1</c:v>
-                </c:pt>
-                <c:pt idx="1">
-                  <c:v>Category 2</c:v>
-                </c:pt>
-                <c:pt idx="2">
-                  <c:v>Category 3</c:v>
-                </c:pt>
-                <c:pt idx="3">
-                  <c:v>Category 4</c:v>
-                </c:pt>
-              </c:strCache>
-            </c:strRef>
-          </c:cat>
-          <c:val>
-            <c:numRef>
-              <c:f>Sheet1!$B$2:$B$5</c:f>
-              <c:numCache>
-                <c:formatCode>General</c:formatCode>
-                <c:ptCount val="4"/>
-                <c:pt idx="0">
-                  <c:v>4.3</c:v>
-                </c:pt>
-                <c:pt idx="1">
-                  <c:v>2.5</c:v>
-                </c:pt>
-                <c:pt idx="2">
-                  <c:v>3.5</c:v>
-                </c:pt>
-                <c:pt idx="3">
-                  <c:v>4.5</c:v>
-                </c:pt>
-              </c:numCache>
-            </c:numRef>
-          </c:val>
-        </c:ser>
-        <c:ser>
-          <c:idx val="1"/>
-          <c:order val="1"/>
-          <c:tx>
-            <c:strRef>
-              <c:f>Sheet1!$C$1</c:f>
-              <c:strCache>
-                <c:ptCount val="1"/>
-                <c:pt idx="0">
-                  <c:v>Series 2</c:v>
-                </c:pt>
-              </c:strCache>
-            </c:strRef>
-          </c:tx>
-          <c:invertIfNegative val="0"/>
-          <c:cat>
-            <c:strRef>
-              <c:f>Sheet1!$A$2:$A$5</c:f>
-              <c:strCache>
-                <c:ptCount val="4"/>
-                <c:pt idx="0">
-                  <c:v>Category 1</c:v>
-                </c:pt>
-                <c:pt idx="1">
-                  <c:v>Category 2</c:v>
-                </c:pt>
-                <c:pt idx="2">
-                  <c:v>Category 3</c:v>
-                </c:pt>
-                <c:pt idx="3">
-                  <c:v>Category 4</c:v>
-                </c:pt>
-              </c:strCache>
-            </c:strRef>
-          </c:cat>
-          <c:val>
-            <c:numRef>
-              <c:f>Sheet1!$C$2:$C$5</c:f>
-              <c:numCache>
-                <c:formatCode>General</c:formatCode>
-                <c:ptCount val="4"/>
-                <c:pt idx="0">
-                  <c:v>2.4</c:v>
-                </c:pt>
-                <c:pt idx="1">
-                  <c:v>4.4</c:v>
-                </c:pt>
-                <c:pt idx="2">
-                  <c:v>1.8</c:v>
-                </c:pt>
-                <c:pt idx="3">
-                  <c:v>2.8</c:v>
-                </c:pt>
-              </c:numCache>
-            </c:numRef>
-          </c:val>
-        </c:ser>
-        <c:ser>
-          <c:idx val="2"/>
-          <c:order val="2"/>
-          <c:tx>
-            <c:strRef>
-              <c:f>Sheet1!$D$1</c:f>
-              <c:strCache>
-                <c:ptCount val="1"/>
-                <c:pt idx="0">
-                  <c:v>Series 3</c:v>
-                </c:pt>
-              </c:strCache>
-            </c:strRef>
-          </c:tx>
-          <c:invertIfNegative val="0"/>
-          <c:cat>
-            <c:strRef>
-              <c:f>Sheet1!$A$2:$A$5</c:f>
-              <c:strCache>
-                <c:ptCount val="4"/>
-                <c:pt idx="0">
-                  <c:v>Category 1</c:v>
-                </c:pt>
-                <c:pt idx="1">
-                  <c:v>Category 2</c:v>
-                </c:pt>
-                <c:pt idx="2">
-                  <c:v>Category 3</c:v>
-                </c:pt>
-                <c:pt idx="3">
-                  <c:v>Category 4</c:v>
-                </c:pt>
-              </c:strCache>
-            </c:strRef>
-          </c:cat>
-          <c:val>
-            <c:numRef>
-              <c:f>Sheet1!$D$2:$D$5</c:f>
-              <c:numCache>
-                <c:formatCode>General</c:formatCode>
-                <c:ptCount val="4"/>
-                <c:pt idx="0">
-                  <c:v>2.0</c:v>
-                </c:pt>
-                <c:pt idx="1">
-                  <c:v>2.0</c:v>
-                </c:pt>
-                <c:pt idx="2">
-                  <c:v>3.0</c:v>
-                </c:pt>
-                <c:pt idx="3">
-                  <c:v>5.0</c:v>
-                </c:pt>
-              </c:numCache>
-            </c:numRef>
-          </c:val>
-        </c:ser>
-        <c:dLbls>
-          <c:showLegendKey val="0"/>
-          <c:showVal val="0"/>
-          <c:showCatName val="0"/>
-          <c:showSerName val="0"/>
-          <c:showPercent val="0"/>
-          <c:showBubbleSize val="0"/>
-        </c:dLbls>
-        <c:gapWidth val="150"/>
-        <c:axId val="-2080167240"/>
-        <c:axId val="2133867768"/>
-      </c:barChart>
-      <c:catAx>
-        <c:axId val="-2080167240"/>
-        <c:scaling>
-          <c:orientation val="minMax"/>
-        </c:scaling>
-        <c:delete val="0"/>
-        <c:axPos val="l"/>
-        <c:majorTickMark val="none"/>
-        <c:minorTickMark val="none"/>
-        <c:tickLblPos val="none"/>
-        <c:spPr>
-          <a:ln w="12700">
-            <a:solidFill>
-              <a:schemeClr val="tx1"/>
-            </a:solidFill>
-          </a:ln>
-        </c:spPr>
-        <c:txPr>
-          <a:bodyPr/>
-          <a:lstStyle/>
-          <a:p>
-            <a:pPr>
-              <a:defRPr sz="1200"/>
-            </a:pPr>
-            <a:endParaRPr lang="de-DE"/>
-          </a:p>
-        </c:txPr>
-        <c:crossAx val="2133867768"/>
-        <c:crosses val="autoZero"/>
-        <c:auto val="1"/>
-        <c:lblAlgn val="ctr"/>
-        <c:lblOffset val="100"/>
-        <c:noMultiLvlLbl val="0"/>
-      </c:catAx>
-      <c:valAx>
-        <c:axId val="2133867768"/>
-        <c:scaling>
-          <c:orientation val="minMax"/>
-        </c:scaling>
-        <c:delete val="0"/>
-        <c:axPos val="b"/>
-        <c:majorGridlines>
-          <c:spPr>
-            <a:ln>
-              <a:solidFill>
-                <a:schemeClr val="bg1">
-                  <a:lumMod val="75000"/>
-                </a:schemeClr>
-              </a:solidFill>
-            </a:ln>
-          </c:spPr>
-        </c:majorGridlines>
-        <c:numFmt formatCode="General" sourceLinked="1"/>
-        <c:majorTickMark val="none"/>
-        <c:minorTickMark val="none"/>
-        <c:tickLblPos val="nextTo"/>
-        <c:spPr>
-          <a:ln>
-            <a:noFill/>
-          </a:ln>
-        </c:spPr>
-        <c:txPr>
-          <a:bodyPr/>
-          <a:lstStyle/>
-          <a:p>
-            <a:pPr>
-              <a:defRPr sz="1200">
-                <a:solidFill>
-                  <a:schemeClr val="bg1">
-                    <a:lumMod val="75000"/>
-                  </a:schemeClr>
-                </a:solidFill>
-              </a:defRPr>
-            </a:pPr>
-            <a:endParaRPr lang="de-DE"/>
-          </a:p>
-        </c:txPr>
-        <c:crossAx val="-2080167240"/>
-        <c:crosses val="autoZero"/>
-        <c:crossBetween val="between"/>
-      </c:valAx>
-    </c:plotArea>
-    <c:legend>
-      <c:legendPos val="b"/>
-      <c:layout/>
-      <c:overlay val="0"/>
-      <c:txPr>
-        <a:bodyPr/>
-        <a:lstStyle/>
-        <a:p>
-          <a:pPr>
-            <a:defRPr sz="1200"/>
-          </a:pPr>
-          <a:endParaRPr lang="de-DE"/>
-        </a:p>
-      </c:txPr>
-    </c:legend>
-    <c:plotVisOnly val="1"/>
-    <c:dispBlanksAs val="gap"/>
-    <c:showDLblsOverMax val="0"/>
-  </c:chart>
-  <c:txPr>
-    <a:bodyPr/>
-    <a:lstStyle/>
-    <a:p>
-      <a:pPr>
-        <a:defRPr sz="1800"/>
-      </a:pPr>
-      <a:endParaRPr lang="de-DE"/>
-    </a:p>
-  </c:txPr>
-  <c:externalData r:id="rId2">
-    <c:autoUpdate val="0"/>
-  </c:externalData>
-</c:chartSpace>
-</file>
-
-<file path=ppt/charts/chart5.xml><?xml version="1.0" encoding="utf-8"?>
-<c:chartSpace xmlns:c="http://schemas.openxmlformats.org/drawingml/2006/chart" xmlns:a="http://schemas.openxmlformats.org/drawingml/2006/main" xmlns:r="http://schemas.openxmlformats.org/officeDocument/2006/relationships">
-  <c:date1904 val="0"/>
-  <c:lang val="de-DE"/>
-  <c:roundedCorners val="0"/>
-  <mc:AlternateContent xmlns:mc="http://schemas.openxmlformats.org/markup-compatibility/2006">
-    <mc:Choice xmlns:c14="http://schemas.microsoft.com/office/drawing/2007/8/2/chart" Requires="c14">
-      <c14:style val="118"/>
-    </mc:Choice>
-    <mc:Fallback>
-      <c:style val="18"/>
-    </mc:Fallback>
-  </mc:AlternateContent>
-  <c:chart>
-    <c:autoTitleDeleted val="0"/>
-    <c:plotArea>
-      <c:layout/>
-      <c:lineChart>
-        <c:grouping val="standard"/>
-        <c:varyColors val="0"/>
-        <c:ser>
-          <c:idx val="0"/>
-          <c:order val="0"/>
-          <c:tx>
-            <c:strRef>
-              <c:f>Sheet1!$B$1</c:f>
-              <c:strCache>
-                <c:ptCount val="1"/>
-                <c:pt idx="0">
-                  <c:v>Series 1</c:v>
-                </c:pt>
-              </c:strCache>
-            </c:strRef>
-          </c:tx>
-          <c:marker>
-            <c:symbol val="none"/>
-          </c:marker>
-          <c:cat>
-            <c:strRef>
-              <c:f>Sheet1!$A$2:$A$5</c:f>
-              <c:strCache>
-                <c:ptCount val="4"/>
-                <c:pt idx="0">
-                  <c:v>Category 1</c:v>
-                </c:pt>
-                <c:pt idx="1">
-                  <c:v>Category 2</c:v>
-                </c:pt>
-                <c:pt idx="2">
-                  <c:v>Category 3</c:v>
-                </c:pt>
-                <c:pt idx="3">
-                  <c:v>Category 4</c:v>
-                </c:pt>
-              </c:strCache>
-            </c:strRef>
-          </c:cat>
-          <c:val>
-            <c:numRef>
-              <c:f>Sheet1!$B$2:$B$5</c:f>
-              <c:numCache>
-                <c:formatCode>General</c:formatCode>
-                <c:ptCount val="4"/>
-                <c:pt idx="0">
-                  <c:v>4.3</c:v>
-                </c:pt>
-                <c:pt idx="1">
-                  <c:v>2.5</c:v>
-                </c:pt>
-                <c:pt idx="2">
-                  <c:v>3.5</c:v>
-                </c:pt>
-                <c:pt idx="3">
-                  <c:v>4.5</c:v>
-                </c:pt>
-              </c:numCache>
-            </c:numRef>
-          </c:val>
-          <c:smooth val="0"/>
-        </c:ser>
-        <c:ser>
-          <c:idx val="1"/>
-          <c:order val="1"/>
-          <c:tx>
-            <c:strRef>
-              <c:f>Sheet1!$C$1</c:f>
-              <c:strCache>
-                <c:ptCount val="1"/>
-                <c:pt idx="0">
-                  <c:v>Series 2</c:v>
-                </c:pt>
-              </c:strCache>
-            </c:strRef>
-          </c:tx>
-          <c:marker>
-            <c:symbol val="none"/>
-          </c:marker>
-          <c:cat>
-            <c:strRef>
-              <c:f>Sheet1!$A$2:$A$5</c:f>
-              <c:strCache>
-                <c:ptCount val="4"/>
-                <c:pt idx="0">
-                  <c:v>Category 1</c:v>
-                </c:pt>
-                <c:pt idx="1">
-                  <c:v>Category 2</c:v>
-                </c:pt>
-                <c:pt idx="2">
-                  <c:v>Category 3</c:v>
-                </c:pt>
-                <c:pt idx="3">
-                  <c:v>Category 4</c:v>
-                </c:pt>
-              </c:strCache>
-            </c:strRef>
-          </c:cat>
-          <c:val>
-            <c:numRef>
-              <c:f>Sheet1!$C$2:$C$5</c:f>
-              <c:numCache>
-                <c:formatCode>General</c:formatCode>
-                <c:ptCount val="4"/>
-                <c:pt idx="0">
-                  <c:v>2.4</c:v>
-                </c:pt>
-                <c:pt idx="1">
-                  <c:v>4.4</c:v>
-                </c:pt>
-                <c:pt idx="2">
-                  <c:v>1.8</c:v>
-                </c:pt>
-                <c:pt idx="3">
-                  <c:v>2.8</c:v>
-                </c:pt>
-              </c:numCache>
-            </c:numRef>
-          </c:val>
-          <c:smooth val="0"/>
-        </c:ser>
-        <c:ser>
-          <c:idx val="2"/>
-          <c:order val="2"/>
-          <c:tx>
-            <c:strRef>
-              <c:f>Sheet1!$D$1</c:f>
-              <c:strCache>
-                <c:ptCount val="1"/>
-                <c:pt idx="0">
-                  <c:v>Series 3</c:v>
-                </c:pt>
-              </c:strCache>
-            </c:strRef>
-          </c:tx>
-          <c:marker>
-            <c:symbol val="none"/>
-          </c:marker>
-          <c:cat>
-            <c:strRef>
-              <c:f>Sheet1!$A$2:$A$5</c:f>
-              <c:strCache>
-                <c:ptCount val="4"/>
-                <c:pt idx="0">
-                  <c:v>Category 1</c:v>
-                </c:pt>
-                <c:pt idx="1">
-                  <c:v>Category 2</c:v>
-                </c:pt>
-                <c:pt idx="2">
-                  <c:v>Category 3</c:v>
-                </c:pt>
-                <c:pt idx="3">
-                  <c:v>Category 4</c:v>
-                </c:pt>
-              </c:strCache>
-            </c:strRef>
-          </c:cat>
-          <c:val>
-            <c:numRef>
-              <c:f>Sheet1!$D$2:$D$5</c:f>
-              <c:numCache>
-                <c:formatCode>General</c:formatCode>
-                <c:ptCount val="4"/>
-                <c:pt idx="0">
-                  <c:v>2.0</c:v>
-                </c:pt>
-                <c:pt idx="1">
-                  <c:v>2.0</c:v>
-                </c:pt>
-                <c:pt idx="2">
-                  <c:v>3.0</c:v>
-                </c:pt>
-                <c:pt idx="3">
-                  <c:v>5.0</c:v>
-                </c:pt>
-              </c:numCache>
-            </c:numRef>
-          </c:val>
-          <c:smooth val="0"/>
-        </c:ser>
-        <c:dLbls>
-          <c:showLegendKey val="0"/>
-          <c:showVal val="0"/>
-          <c:showCatName val="0"/>
-          <c:showSerName val="0"/>
-          <c:showPercent val="0"/>
-          <c:showBubbleSize val="0"/>
-        </c:dLbls>
-        <c:marker val="1"/>
-        <c:smooth val="0"/>
-        <c:axId val="-2080226648"/>
-        <c:axId val="-2080223432"/>
-      </c:lineChart>
-      <c:catAx>
-        <c:axId val="-2080226648"/>
-        <c:scaling>
-          <c:orientation val="minMax"/>
-        </c:scaling>
-        <c:delete val="0"/>
-        <c:axPos val="b"/>
-        <c:majorTickMark val="none"/>
-        <c:minorTickMark val="none"/>
-        <c:tickLblPos val="none"/>
-        <c:spPr>
-          <a:ln w="12700">
-            <a:solidFill>
-              <a:schemeClr val="tx1"/>
-            </a:solidFill>
-          </a:ln>
-        </c:spPr>
-        <c:txPr>
-          <a:bodyPr/>
-          <a:lstStyle/>
-          <a:p>
-            <a:pPr>
-              <a:defRPr sz="1200"/>
-            </a:pPr>
-            <a:endParaRPr lang="de-DE"/>
-          </a:p>
-        </c:txPr>
-        <c:crossAx val="-2080223432"/>
-        <c:crosses val="autoZero"/>
-        <c:auto val="1"/>
-        <c:lblAlgn val="ctr"/>
-        <c:lblOffset val="100"/>
-        <c:noMultiLvlLbl val="0"/>
-      </c:catAx>
-      <c:valAx>
-        <c:axId val="-2080223432"/>
-        <c:scaling>
-          <c:orientation val="minMax"/>
-        </c:scaling>
-        <c:delete val="0"/>
-        <c:axPos val="l"/>
-        <c:majorGridlines>
-          <c:spPr>
-            <a:ln>
-              <a:solidFill>
-                <a:schemeClr val="bg1">
-                  <a:lumMod val="75000"/>
-                </a:schemeClr>
-              </a:solidFill>
-            </a:ln>
-          </c:spPr>
-        </c:majorGridlines>
-        <c:numFmt formatCode="General" sourceLinked="1"/>
-        <c:majorTickMark val="none"/>
-        <c:minorTickMark val="none"/>
-        <c:tickLblPos val="nextTo"/>
-        <c:spPr>
-          <a:ln>
-            <a:noFill/>
-          </a:ln>
-        </c:spPr>
-        <c:txPr>
-          <a:bodyPr/>
-          <a:lstStyle/>
-          <a:p>
-            <a:pPr>
-              <a:defRPr sz="1200">
-                <a:solidFill>
-                  <a:srgbClr val="BFBFBF"/>
-                </a:solidFill>
-              </a:defRPr>
-            </a:pPr>
-            <a:endParaRPr lang="de-DE"/>
-          </a:p>
-        </c:txPr>
-        <c:crossAx val="-2080226648"/>
-        <c:crosses val="autoZero"/>
-        <c:crossBetween val="between"/>
-      </c:valAx>
-    </c:plotArea>
-    <c:legend>
-      <c:legendPos val="b"/>
-      <c:layout/>
-      <c:overlay val="0"/>
-      <c:txPr>
-        <a:bodyPr/>
-        <a:lstStyle/>
-        <a:p>
-          <a:pPr>
-            <a:defRPr sz="1200"/>
-          </a:pPr>
-          <a:endParaRPr lang="de-DE"/>
-        </a:p>
-      </c:txPr>
-    </c:legend>
-    <c:plotVisOnly val="1"/>
-    <c:dispBlanksAs val="gap"/>
-    <c:showDLblsOverMax val="0"/>
-  </c:chart>
-  <c:txPr>
-    <a:bodyPr/>
-    <a:lstStyle/>
-    <a:p>
-      <a:pPr>
-        <a:defRPr sz="1800"/>
-      </a:pPr>
-      <a:endParaRPr lang="de-DE"/>
-    </a:p>
-  </c:txPr>
-  <c:externalData r:id="rId1">
-    <c:autoUpdate val="0"/>
-  </c:externalData>
-</c:chartSpace>
-</file>
-
 <file path=ppt/handoutMasters/handoutMaster1.xml><?xml version="1.0" encoding="utf-8"?>
 <p:handoutMaster xmlns:a="http://schemas.openxmlformats.org/drawingml/2006/main" xmlns:r="http://schemas.openxmlformats.org/officeDocument/2006/relationships" xmlns:p="http://schemas.openxmlformats.org/presentationml/2006/main">
   <p:cSld>
@@ -1458,7 +219,7 @@
           <a:p>
             <a:fld id="{B5389E1E-C654-E943-9883-792E99AD7287}" type="datetimeFigureOut">
               <a:rPr lang="en-US" smtClean="0"/>
-              <a:t>27/05/15</a:t>
+              <a:t>5/31/15</a:t>
             </a:fld>
             <a:endParaRPr lang="en-US"/>
           </a:p>
@@ -1524,7 +285,7 @@
           <a:p>
             <a:fld id="{0550E822-5F4D-874B-B26E-81691243670C}" type="slidenum">
               <a:rPr lang="en-US" smtClean="0"/>
-              <a:t>‹Nr.›</a:t>
+              <a:t>‹#›</a:t>
             </a:fld>
             <a:endParaRPr lang="en-US"/>
           </a:p>
@@ -1624,7 +385,7 @@
           <a:p>
             <a:fld id="{9920D99B-2862-464A-984E-65BFC5FC0BBC}" type="datetimeFigureOut">
               <a:rPr lang="en-US" smtClean="0"/>
-              <a:t>27/05/15</a:t>
+              <a:t>5/31/15</a:t>
             </a:fld>
             <a:endParaRPr lang="en-US"/>
           </a:p>
@@ -1783,7 +544,7 @@
           <a:p>
             <a:fld id="{F39351FC-18D6-4741-8EEB-9FDB1F020AAC}" type="slidenum">
               <a:rPr lang="en-US" smtClean="0"/>
-              <a:t>‹Nr.›</a:t>
+              <a:t>‹#›</a:t>
             </a:fld>
             <a:endParaRPr lang="en-US"/>
           </a:p>
@@ -3053,7 +1814,7 @@
           <a:blip r:embed="rId2">
             <a:extLst>
               <a:ext uri="{28A0092B-C50C-407E-A947-70E740481C1C}">
-                <a14:useLocalDpi xmlns:a14="http://schemas.microsoft.com/office/drawing/2010/main" val="0"/>
+                <a14:useLocalDpi xmlns:a14="http://schemas.microsoft.com/office/drawing/2010/main"/>
               </a:ext>
             </a:extLst>
           </a:blip>
@@ -3169,10 +1930,10 @@
           <p:nvPr userDrawn="1"/>
         </p:nvPicPr>
         <p:blipFill>
-          <a:blip r:embed="rId2">
+          <a:blip r:embed="rId2" cstate="print">
             <a:extLst>
               <a:ext uri="{28A0092B-C50C-407E-A947-70E740481C1C}">
-                <a14:useLocalDpi xmlns:a14="http://schemas.microsoft.com/office/drawing/2010/main" val="0"/>
+                <a14:useLocalDpi xmlns:a14="http://schemas.microsoft.com/office/drawing/2010/main"/>
               </a:ext>
             </a:extLst>
           </a:blip>
@@ -3540,7 +2301,7 @@
           <a:p>
             <a:fld id="{C25E7766-B4D4-B545-BC12-CA0EFEB1F16F}" type="slidenum">
               <a:rPr lang="en-US" smtClean="0"/>
-              <a:t>‹Nr.›</a:t>
+              <a:t>‹#›</a:t>
             </a:fld>
             <a:endParaRPr lang="en-US" dirty="0"/>
           </a:p>
@@ -3644,10 +2405,10 @@
           <p:nvPr userDrawn="1"/>
         </p:nvPicPr>
         <p:blipFill>
-          <a:blip r:embed="rId2">
+          <a:blip r:embed="rId2" cstate="print">
             <a:extLst>
               <a:ext uri="{28A0092B-C50C-407E-A947-70E740481C1C}">
-                <a14:useLocalDpi xmlns:a14="http://schemas.microsoft.com/office/drawing/2010/main" val="0"/>
+                <a14:useLocalDpi xmlns:a14="http://schemas.microsoft.com/office/drawing/2010/main"/>
               </a:ext>
             </a:extLst>
           </a:blip>
@@ -4023,7 +2784,7 @@
           <a:p>
             <a:fld id="{C25E7766-B4D4-B545-BC12-CA0EFEB1F16F}" type="slidenum">
               <a:rPr lang="en-US" smtClean="0"/>
-              <a:t>‹Nr.›</a:t>
+              <a:t>‹#›</a:t>
             </a:fld>
             <a:endParaRPr lang="en-US" dirty="0"/>
           </a:p>
@@ -4127,10 +2888,10 @@
           <p:nvPr userDrawn="1"/>
         </p:nvPicPr>
         <p:blipFill>
-          <a:blip r:embed="rId2">
+          <a:blip r:embed="rId2" cstate="print">
             <a:extLst>
               <a:ext uri="{28A0092B-C50C-407E-A947-70E740481C1C}">
-                <a14:useLocalDpi xmlns:a14="http://schemas.microsoft.com/office/drawing/2010/main" val="0"/>
+                <a14:useLocalDpi xmlns:a14="http://schemas.microsoft.com/office/drawing/2010/main"/>
               </a:ext>
             </a:extLst>
           </a:blip>
@@ -4379,7 +3140,7 @@
           <a:p>
             <a:fld id="{C25E7766-B4D4-B545-BC12-CA0EFEB1F16F}" type="slidenum">
               <a:rPr lang="en-US" smtClean="0"/>
-              <a:t>‹Nr.›</a:t>
+              <a:t>‹#›</a:t>
             </a:fld>
             <a:endParaRPr lang="en-US" dirty="0"/>
           </a:p>
@@ -4599,10 +3360,10 @@
           <p:nvPr userDrawn="1"/>
         </p:nvPicPr>
         <p:blipFill>
-          <a:blip r:embed="rId2">
+          <a:blip r:embed="rId2" cstate="print">
             <a:extLst>
               <a:ext uri="{28A0092B-C50C-407E-A947-70E740481C1C}">
-                <a14:useLocalDpi xmlns:a14="http://schemas.microsoft.com/office/drawing/2010/main" val="0"/>
+                <a14:useLocalDpi xmlns:a14="http://schemas.microsoft.com/office/drawing/2010/main"/>
               </a:ext>
             </a:extLst>
           </a:blip>
@@ -4835,10 +3596,10 @@
           <p:nvPr userDrawn="1"/>
         </p:nvPicPr>
         <p:blipFill>
-          <a:blip r:embed="rId2">
+          <a:blip r:embed="rId2" cstate="print">
             <a:extLst>
               <a:ext uri="{28A0092B-C50C-407E-A947-70E740481C1C}">
-                <a14:useLocalDpi xmlns:a14="http://schemas.microsoft.com/office/drawing/2010/main" val="0"/>
+                <a14:useLocalDpi xmlns:a14="http://schemas.microsoft.com/office/drawing/2010/main"/>
               </a:ext>
             </a:extLst>
           </a:blip>
@@ -5076,7 +3837,7 @@
           <a:p>
             <a:fld id="{C25E7766-B4D4-B545-BC12-CA0EFEB1F16F}" type="slidenum">
               <a:rPr lang="en-US" smtClean="0"/>
-              <a:t>‹Nr.›</a:t>
+              <a:t>‹#›</a:t>
             </a:fld>
             <a:endParaRPr lang="en-US" dirty="0"/>
           </a:p>
@@ -5288,7 +4049,7 @@
             <a:fld id="{E728A94C-44F1-DF43-8BD8-694E750DEF33}" type="slidenum">
               <a:rPr lang="en-US" smtClean="0"/>
               <a:pPr/>
-              <a:t>‹Nr.›</a:t>
+              <a:t>‹#›</a:t>
             </a:fld>
             <a:endParaRPr lang="en-US"/>
           </a:p>
@@ -9012,11 +7773,11 @@
           <a:blip r:embed="rId3" cstate="print">
             <a:extLst>
               <a:ext uri="{28A0092B-C50C-407E-A947-70E740481C1C}">
-                <a14:useLocalDpi xmlns:a14="http://schemas.microsoft.com/office/drawing/2010/main" val="0"/>
+                <a14:useLocalDpi xmlns:a14="http://schemas.microsoft.com/office/drawing/2010/main"/>
               </a:ext>
             </a:extLst>
           </a:blip>
-          <a:srcRect l="2344" t="28528" r="74524" b="54262"/>
+          <a:srcRect/>
           <a:stretch>
             <a:fillRect/>
           </a:stretch>
@@ -14582,12 +13343,12 @@
               <a:t>Views </a:t>
             </a:r>
             <a:r>
-              <a:rPr lang="en-US" dirty="0" err="1" smtClean="0"/>
-              <a:t>vs</a:t>
-            </a:r>
-            <a:r>
               <a:rPr lang="en-US" dirty="0" smtClean="0"/>
-              <a:t> new Indexes</a:t>
+              <a:t> &amp; New </a:t>
+            </a:r>
+            <a:r>
+              <a:rPr lang="en-US" dirty="0" smtClean="0"/>
+              <a:t>Indexes</a:t>
             </a:r>
             <a:endParaRPr lang="en-US" dirty="0"/>
           </a:p>
@@ -15393,533 +14154,6 @@
 </p:sld>
 </file>
 
-<file path=ppt/slides/slide26.xml><?xml version="1.0" encoding="utf-8"?>
-<p:sld xmlns:a="http://schemas.openxmlformats.org/drawingml/2006/main" xmlns:r="http://schemas.openxmlformats.org/officeDocument/2006/relationships" xmlns:p="http://schemas.openxmlformats.org/presentationml/2006/main" show="0">
-  <p:cSld>
-    <p:spTree>
-      <p:nvGrpSpPr>
-        <p:cNvPr id="1" name=""/>
-        <p:cNvGrpSpPr/>
-        <p:nvPr/>
-      </p:nvGrpSpPr>
-      <p:grpSpPr>
-        <a:xfrm>
-          <a:off x="0" y="0"/>
-          <a:ext cx="0" cy="0"/>
-          <a:chOff x="0" y="0"/>
-          <a:chExt cx="0" cy="0"/>
-        </a:xfrm>
-      </p:grpSpPr>
-      <p:sp>
-        <p:nvSpPr>
-          <p:cNvPr id="2" name="Title 1"/>
-          <p:cNvSpPr>
-            <a:spLocks noGrp="1"/>
-          </p:cNvSpPr>
-          <p:nvPr>
-            <p:ph type="title"/>
-          </p:nvPr>
-        </p:nvSpPr>
-        <p:spPr/>
-        <p:txBody>
-          <a:bodyPr/>
-          <a:lstStyle/>
-          <a:p>
-            <a:r>
-              <a:rPr lang="en-US" dirty="0" smtClean="0"/>
-              <a:t>Title and Bullets</a:t>
-            </a:r>
-            <a:endParaRPr lang="en-US" dirty="0"/>
-          </a:p>
-        </p:txBody>
-      </p:sp>
-      <p:sp>
-        <p:nvSpPr>
-          <p:cNvPr id="3" name="Content Placeholder 2"/>
-          <p:cNvSpPr>
-            <a:spLocks noGrp="1"/>
-          </p:cNvSpPr>
-          <p:nvPr>
-            <p:ph idx="1"/>
-          </p:nvPr>
-        </p:nvSpPr>
-        <p:spPr/>
-        <p:txBody>
-          <a:bodyPr/>
-          <a:lstStyle/>
-          <a:p>
-            <a:r>
-              <a:rPr lang="en-US" dirty="0" smtClean="0"/>
-              <a:t>First Level Bullet</a:t>
-            </a:r>
-          </a:p>
-          <a:p>
-            <a:pPr lvl="1"/>
-            <a:r>
-              <a:rPr lang="en-US" dirty="0" smtClean="0"/>
-              <a:t>Second Level Bullet</a:t>
-            </a:r>
-          </a:p>
-          <a:p>
-            <a:pPr lvl="2"/>
-            <a:r>
-              <a:rPr lang="en-US" dirty="0" smtClean="0"/>
-              <a:t>Third Level Bullet</a:t>
-            </a:r>
-          </a:p>
-          <a:p>
-            <a:pPr lvl="3"/>
-            <a:r>
-              <a:rPr lang="en-US" dirty="0" smtClean="0"/>
-              <a:t>Fourth Level Bullet</a:t>
-            </a:r>
-          </a:p>
-          <a:p>
-            <a:pPr lvl="4"/>
-            <a:r>
-              <a:rPr lang="en-US" dirty="0" smtClean="0"/>
-              <a:t>Fifth Level Bullet</a:t>
-            </a:r>
-            <a:endParaRPr lang="en-US" dirty="0"/>
-          </a:p>
-        </p:txBody>
-      </p:sp>
-    </p:spTree>
-    <p:extLst>
-      <p:ext uri="{BB962C8B-B14F-4D97-AF65-F5344CB8AC3E}">
-        <p14:creationId xmlns:p14="http://schemas.microsoft.com/office/powerpoint/2010/main" val="1910273132"/>
-      </p:ext>
-    </p:extLst>
-  </p:cSld>
-  <p:clrMapOvr>
-    <a:masterClrMapping/>
-  </p:clrMapOvr>
-  <mc:AlternateContent xmlns:mc="http://schemas.openxmlformats.org/markup-compatibility/2006">
-    <mc:Choice xmlns:p14="http://schemas.microsoft.com/office/powerpoint/2010/main" Requires="p14">
-      <p:transition spd="slow" p14:dur="2000"/>
-    </mc:Choice>
-    <mc:Fallback>
-      <p:transition xmlns:p14="http://schemas.microsoft.com/office/powerpoint/2010/main" spd="slow"/>
-    </mc:Fallback>
-  </mc:AlternateContent>
-  <p:timing>
-    <p:tnLst>
-      <p:par>
-        <p:cTn xmlns:p14="http://schemas.microsoft.com/office/powerpoint/2010/main" id="1" dur="indefinite" restart="never" nodeType="tmRoot"/>
-      </p:par>
-    </p:tnLst>
-  </p:timing>
-</p:sld>
-</file>
-
-<file path=ppt/slides/slide27.xml><?xml version="1.0" encoding="utf-8"?>
-<p:sld xmlns:a="http://schemas.openxmlformats.org/drawingml/2006/main" xmlns:r="http://schemas.openxmlformats.org/officeDocument/2006/relationships" xmlns:p="http://schemas.openxmlformats.org/presentationml/2006/main" show="0">
-  <p:cSld>
-    <p:spTree>
-      <p:nvGrpSpPr>
-        <p:cNvPr id="1" name=""/>
-        <p:cNvGrpSpPr/>
-        <p:nvPr/>
-      </p:nvGrpSpPr>
-      <p:grpSpPr>
-        <a:xfrm>
-          <a:off x="0" y="0"/>
-          <a:ext cx="0" cy="0"/>
-          <a:chOff x="0" y="0"/>
-          <a:chExt cx="0" cy="0"/>
-        </a:xfrm>
-      </p:grpSpPr>
-      <p:sp>
-        <p:nvSpPr>
-          <p:cNvPr id="2" name="Title 1"/>
-          <p:cNvSpPr>
-            <a:spLocks noGrp="1"/>
-          </p:cNvSpPr>
-          <p:nvPr>
-            <p:ph type="title"/>
-          </p:nvPr>
-        </p:nvSpPr>
-        <p:spPr/>
-        <p:txBody>
-          <a:bodyPr/>
-          <a:lstStyle/>
-          <a:p>
-            <a:r>
-              <a:rPr lang="en-US" dirty="0" smtClean="0"/>
-              <a:t>Title and Text</a:t>
-            </a:r>
-            <a:endParaRPr lang="en-US" dirty="0"/>
-          </a:p>
-        </p:txBody>
-      </p:sp>
-      <p:sp>
-        <p:nvSpPr>
-          <p:cNvPr id="3" name="Content Placeholder 2"/>
-          <p:cNvSpPr>
-            <a:spLocks noGrp="1"/>
-          </p:cNvSpPr>
-          <p:nvPr>
-            <p:ph idx="1"/>
-          </p:nvPr>
-        </p:nvSpPr>
-        <p:spPr/>
-        <p:txBody>
-          <a:bodyPr/>
-          <a:lstStyle/>
-          <a:p>
-            <a:r>
-              <a:rPr lang="en-US" dirty="0" err="1"/>
-              <a:t>Lorem</a:t>
-            </a:r>
-            <a:r>
-              <a:rPr lang="en-US" dirty="0"/>
-              <a:t> </a:t>
-            </a:r>
-            <a:r>
-              <a:rPr lang="en-US" dirty="0" err="1"/>
-              <a:t>ipsum</a:t>
-            </a:r>
-            <a:r>
-              <a:rPr lang="en-US" dirty="0"/>
-              <a:t> dolor sit </a:t>
-            </a:r>
-            <a:r>
-              <a:rPr lang="en-US" dirty="0" err="1"/>
-              <a:t>amet</a:t>
-            </a:r>
-            <a:r>
-              <a:rPr lang="en-US" dirty="0"/>
-              <a:t>, </a:t>
-            </a:r>
-            <a:r>
-              <a:rPr lang="en-US" dirty="0" err="1"/>
-              <a:t>consectetur</a:t>
-            </a:r>
-            <a:r>
-              <a:rPr lang="en-US" dirty="0"/>
-              <a:t> </a:t>
-            </a:r>
-            <a:r>
-              <a:rPr lang="en-US" dirty="0" err="1"/>
-              <a:t>adipiscing</a:t>
-            </a:r>
-            <a:r>
-              <a:rPr lang="en-US" dirty="0"/>
-              <a:t> </a:t>
-            </a:r>
-            <a:r>
-              <a:rPr lang="en-US" dirty="0" err="1"/>
-              <a:t>elit</a:t>
-            </a:r>
-            <a:r>
-              <a:rPr lang="en-US" dirty="0"/>
-              <a:t>. </a:t>
-            </a:r>
-            <a:r>
-              <a:rPr lang="en-US" dirty="0" err="1"/>
-              <a:t>Donec</a:t>
-            </a:r>
-            <a:r>
-              <a:rPr lang="en-US" dirty="0"/>
-              <a:t> </a:t>
-            </a:r>
-            <a:r>
-              <a:rPr lang="en-US" dirty="0" err="1"/>
-              <a:t>risus</a:t>
-            </a:r>
-            <a:r>
-              <a:rPr lang="en-US" dirty="0"/>
-              <a:t> </a:t>
-            </a:r>
-            <a:r>
-              <a:rPr lang="en-US" dirty="0" err="1"/>
-              <a:t>purus</a:t>
-            </a:r>
-            <a:r>
-              <a:rPr lang="en-US" dirty="0"/>
-              <a:t>, tempus in </a:t>
-            </a:r>
-            <a:r>
-              <a:rPr lang="en-US" dirty="0" err="1"/>
-              <a:t>quis</a:t>
-            </a:r>
-            <a:r>
-              <a:rPr lang="en-US" dirty="0"/>
-              <a:t>, </a:t>
-            </a:r>
-            <a:r>
-              <a:rPr lang="en-US" dirty="0" err="1"/>
-              <a:t>ultricies</a:t>
-            </a:r>
-            <a:r>
-              <a:rPr lang="en-US" dirty="0"/>
-              <a:t> </a:t>
-            </a:r>
-            <a:r>
-              <a:rPr lang="en-US" dirty="0" err="1"/>
-              <a:t>eu</a:t>
-            </a:r>
-            <a:r>
-              <a:rPr lang="en-US" dirty="0"/>
-              <a:t> diam. </a:t>
-            </a:r>
-            <a:r>
-              <a:rPr lang="en-US" dirty="0" err="1"/>
-              <a:t>Donec</a:t>
-            </a:r>
-            <a:r>
-              <a:rPr lang="en-US" dirty="0"/>
-              <a:t> </a:t>
-            </a:r>
-            <a:r>
-              <a:rPr lang="en-US" dirty="0" err="1"/>
-              <a:t>convallis</a:t>
-            </a:r>
-            <a:r>
-              <a:rPr lang="en-US" dirty="0"/>
-              <a:t> </a:t>
-            </a:r>
-            <a:r>
-              <a:rPr lang="en-US" dirty="0" err="1"/>
-              <a:t>enim</a:t>
-            </a:r>
-            <a:r>
-              <a:rPr lang="en-US" dirty="0"/>
-              <a:t> in mi </a:t>
-            </a:r>
-            <a:r>
-              <a:rPr lang="en-US" dirty="0" err="1"/>
-              <a:t>lacinia</a:t>
-            </a:r>
-            <a:r>
-              <a:rPr lang="en-US" dirty="0"/>
-              <a:t>, id </a:t>
-            </a:r>
-            <a:r>
-              <a:rPr lang="en-US" dirty="0" err="1"/>
-              <a:t>viverra</a:t>
-            </a:r>
-            <a:r>
-              <a:rPr lang="en-US" dirty="0"/>
-              <a:t> </a:t>
-            </a:r>
-            <a:r>
-              <a:rPr lang="en-US" dirty="0" err="1"/>
-              <a:t>neque</a:t>
-            </a:r>
-            <a:r>
-              <a:rPr lang="en-US" dirty="0"/>
-              <a:t> </a:t>
-            </a:r>
-            <a:r>
-              <a:rPr lang="en-US" dirty="0" err="1"/>
-              <a:t>pretium</a:t>
-            </a:r>
-            <a:r>
-              <a:rPr lang="en-US" dirty="0"/>
-              <a:t>. </a:t>
-            </a:r>
-            <a:r>
-              <a:rPr lang="en-US" dirty="0" err="1"/>
-              <a:t>Phasellus</a:t>
-            </a:r>
-            <a:r>
-              <a:rPr lang="en-US" dirty="0"/>
-              <a:t> et.</a:t>
-            </a:r>
-          </a:p>
-          <a:p>
-            <a:endParaRPr lang="en-US" dirty="0"/>
-          </a:p>
-        </p:txBody>
-      </p:sp>
-    </p:spTree>
-    <p:extLst>
-      <p:ext uri="{BB962C8B-B14F-4D97-AF65-F5344CB8AC3E}">
-        <p14:creationId xmlns:p14="http://schemas.microsoft.com/office/powerpoint/2010/main" val="2354427935"/>
-      </p:ext>
-    </p:extLst>
-  </p:cSld>
-  <p:clrMapOvr>
-    <a:masterClrMapping/>
-  </p:clrMapOvr>
-  <mc:AlternateContent xmlns:mc="http://schemas.openxmlformats.org/markup-compatibility/2006">
-    <mc:Choice xmlns:p14="http://schemas.microsoft.com/office/powerpoint/2010/main" Requires="p14">
-      <p:transition spd="slow" p14:dur="2000"/>
-    </mc:Choice>
-    <mc:Fallback>
-      <p:transition xmlns:p14="http://schemas.microsoft.com/office/powerpoint/2010/main" spd="slow"/>
-    </mc:Fallback>
-  </mc:AlternateContent>
-  <p:timing>
-    <p:tnLst>
-      <p:par>
-        <p:cTn xmlns:p14="http://schemas.microsoft.com/office/powerpoint/2010/main" id="1" dur="indefinite" restart="never" nodeType="tmRoot"/>
-      </p:par>
-    </p:tnLst>
-  </p:timing>
-</p:sld>
-</file>
-
-<file path=ppt/slides/slide28.xml><?xml version="1.0" encoding="utf-8"?>
-<p:sld xmlns:a="http://schemas.openxmlformats.org/drawingml/2006/main" xmlns:r="http://schemas.openxmlformats.org/officeDocument/2006/relationships" xmlns:p="http://schemas.openxmlformats.org/presentationml/2006/main" show="0">
-  <p:cSld>
-    <p:spTree>
-      <p:nvGrpSpPr>
-        <p:cNvPr id="1" name=""/>
-        <p:cNvGrpSpPr/>
-        <p:nvPr/>
-      </p:nvGrpSpPr>
-      <p:grpSpPr>
-        <a:xfrm>
-          <a:off x="0" y="0"/>
-          <a:ext cx="0" cy="0"/>
-          <a:chOff x="0" y="0"/>
-          <a:chExt cx="0" cy="0"/>
-        </a:xfrm>
-      </p:grpSpPr>
-      <p:sp>
-        <p:nvSpPr>
-          <p:cNvPr id="5" name="Title 4"/>
-          <p:cNvSpPr>
-            <a:spLocks noGrp="1"/>
-          </p:cNvSpPr>
-          <p:nvPr>
-            <p:ph type="title"/>
-          </p:nvPr>
-        </p:nvSpPr>
-        <p:spPr/>
-        <p:txBody>
-          <a:bodyPr/>
-          <a:lstStyle/>
-          <a:p>
-            <a:r>
-              <a:rPr lang="en-US" dirty="0" smtClean="0"/>
-              <a:t>Title Only</a:t>
-            </a:r>
-            <a:endParaRPr lang="en-US" dirty="0"/>
-          </a:p>
-        </p:txBody>
-      </p:sp>
-    </p:spTree>
-    <p:extLst>
-      <p:ext uri="{BB962C8B-B14F-4D97-AF65-F5344CB8AC3E}">
-        <p14:creationId xmlns:p14="http://schemas.microsoft.com/office/powerpoint/2010/main" val="1439852271"/>
-      </p:ext>
-    </p:extLst>
-  </p:cSld>
-  <p:clrMapOvr>
-    <a:masterClrMapping/>
-  </p:clrMapOvr>
-  <mc:AlternateContent xmlns:mc="http://schemas.openxmlformats.org/markup-compatibility/2006">
-    <mc:Choice xmlns:p14="http://schemas.microsoft.com/office/powerpoint/2010/main" Requires="p14">
-      <p:transition spd="slow" p14:dur="2000"/>
-    </mc:Choice>
-    <mc:Fallback>
-      <p:transition xmlns:p14="http://schemas.microsoft.com/office/powerpoint/2010/main" spd="slow"/>
-    </mc:Fallback>
-  </mc:AlternateContent>
-  <p:timing>
-    <p:tnLst>
-      <p:par>
-        <p:cTn xmlns:p14="http://schemas.microsoft.com/office/powerpoint/2010/main" id="1" dur="indefinite" restart="never" nodeType="tmRoot"/>
-      </p:par>
-    </p:tnLst>
-  </p:timing>
-</p:sld>
-</file>
-
-<file path=ppt/slides/slide29.xml><?xml version="1.0" encoding="utf-8"?>
-<p:sld xmlns:a="http://schemas.openxmlformats.org/drawingml/2006/main" xmlns:r="http://schemas.openxmlformats.org/officeDocument/2006/relationships" xmlns:p="http://schemas.openxmlformats.org/presentationml/2006/main" show="0">
-  <p:cSld>
-    <p:spTree>
-      <p:nvGrpSpPr>
-        <p:cNvPr id="1" name=""/>
-        <p:cNvGrpSpPr/>
-        <p:nvPr/>
-      </p:nvGrpSpPr>
-      <p:grpSpPr>
-        <a:xfrm>
-          <a:off x="0" y="0"/>
-          <a:ext cx="0" cy="0"/>
-          <a:chOff x="0" y="0"/>
-          <a:chExt cx="0" cy="0"/>
-        </a:xfrm>
-      </p:grpSpPr>
-      <p:sp>
-        <p:nvSpPr>
-          <p:cNvPr id="2" name="Title 1"/>
-          <p:cNvSpPr>
-            <a:spLocks noGrp="1"/>
-          </p:cNvSpPr>
-          <p:nvPr>
-            <p:ph type="ctrTitle"/>
-          </p:nvPr>
-        </p:nvSpPr>
-        <p:spPr/>
-        <p:txBody>
-          <a:bodyPr/>
-          <a:lstStyle/>
-          <a:p>
-            <a:r>
-              <a:rPr lang="en-US" dirty="0" smtClean="0"/>
-              <a:t>Section Break (Blue)</a:t>
-            </a:r>
-            <a:endParaRPr lang="en-US" dirty="0"/>
-          </a:p>
-        </p:txBody>
-      </p:sp>
-      <p:sp>
-        <p:nvSpPr>
-          <p:cNvPr id="3" name="Subtitle 2"/>
-          <p:cNvSpPr>
-            <a:spLocks noGrp="1"/>
-          </p:cNvSpPr>
-          <p:nvPr>
-            <p:ph type="subTitle" idx="1"/>
-          </p:nvPr>
-        </p:nvSpPr>
-        <p:spPr/>
-        <p:txBody>
-          <a:bodyPr/>
-          <a:lstStyle/>
-          <a:p>
-            <a:r>
-              <a:rPr lang="en-US" dirty="0" smtClean="0"/>
-              <a:t>Subtitle</a:t>
-            </a:r>
-            <a:endParaRPr lang="en-US" dirty="0"/>
-          </a:p>
-        </p:txBody>
-      </p:sp>
-    </p:spTree>
-    <p:extLst>
-      <p:ext uri="{BB962C8B-B14F-4D97-AF65-F5344CB8AC3E}">
-        <p14:creationId xmlns:p14="http://schemas.microsoft.com/office/powerpoint/2010/main" val="2898151996"/>
-      </p:ext>
-    </p:extLst>
-  </p:cSld>
-  <p:clrMapOvr>
-    <a:masterClrMapping/>
-  </p:clrMapOvr>
-  <mc:AlternateContent xmlns:mc="http://schemas.openxmlformats.org/markup-compatibility/2006">
-    <mc:Choice xmlns:p14="http://schemas.microsoft.com/office/powerpoint/2010/main" Requires="p14">
-      <p:transition spd="slow" p14:dur="2000"/>
-    </mc:Choice>
-    <mc:Fallback>
-      <p:transition xmlns:p14="http://schemas.microsoft.com/office/powerpoint/2010/main" spd="slow"/>
-    </mc:Fallback>
-  </mc:AlternateContent>
-  <p:timing>
-    <p:tnLst>
-      <p:par>
-        <p:cTn xmlns:p14="http://schemas.microsoft.com/office/powerpoint/2010/main" id="1" dur="indefinite" restart="never" nodeType="tmRoot"/>
-      </p:par>
-    </p:tnLst>
-  </p:timing>
-</p:sld>
-</file>
-
 <file path=ppt/slides/slide3.xml><?xml version="1.0" encoding="utf-8"?>
 <p:sld xmlns:a="http://schemas.openxmlformats.org/drawingml/2006/main" xmlns:r="http://schemas.openxmlformats.org/officeDocument/2006/relationships" xmlns:p="http://schemas.openxmlformats.org/presentationml/2006/main">
   <p:cSld>
@@ -16046,4437 +14280,6 @@
   <p:clrMapOvr>
     <a:masterClrMapping/>
   </p:clrMapOvr>
-  <p:timing>
-    <p:tnLst>
-      <p:par>
-        <p:cTn xmlns:p14="http://schemas.microsoft.com/office/powerpoint/2010/main" id="1" dur="indefinite" restart="never" nodeType="tmRoot"/>
-      </p:par>
-    </p:tnLst>
-  </p:timing>
-</p:sld>
-</file>
-
-<file path=ppt/slides/slide30.xml><?xml version="1.0" encoding="utf-8"?>
-<p:sld xmlns:a="http://schemas.openxmlformats.org/drawingml/2006/main" xmlns:r="http://schemas.openxmlformats.org/officeDocument/2006/relationships" xmlns:p="http://schemas.openxmlformats.org/presentationml/2006/main" show="0">
-  <p:cSld>
-    <p:spTree>
-      <p:nvGrpSpPr>
-        <p:cNvPr id="1" name=""/>
-        <p:cNvGrpSpPr/>
-        <p:nvPr/>
-      </p:nvGrpSpPr>
-      <p:grpSpPr>
-        <a:xfrm>
-          <a:off x="0" y="0"/>
-          <a:ext cx="0" cy="0"/>
-          <a:chOff x="0" y="0"/>
-          <a:chExt cx="0" cy="0"/>
-        </a:xfrm>
-      </p:grpSpPr>
-      <p:sp>
-        <p:nvSpPr>
-          <p:cNvPr id="2" name="Title 1"/>
-          <p:cNvSpPr>
-            <a:spLocks noGrp="1"/>
-          </p:cNvSpPr>
-          <p:nvPr>
-            <p:ph type="title"/>
-          </p:nvPr>
-        </p:nvSpPr>
-        <p:spPr/>
-        <p:txBody>
-          <a:bodyPr/>
-          <a:lstStyle/>
-          <a:p>
-            <a:r>
-              <a:rPr lang="en-US" dirty="0" smtClean="0"/>
-              <a:t>Tables</a:t>
-            </a:r>
-            <a:endParaRPr lang="en-US" dirty="0"/>
-          </a:p>
-        </p:txBody>
-      </p:sp>
-      <p:graphicFrame>
-        <p:nvGraphicFramePr>
-          <p:cNvPr id="5" name="Table 4"/>
-          <p:cNvGraphicFramePr>
-            <a:graphicFrameLocks noGrp="1"/>
-          </p:cNvGraphicFramePr>
-          <p:nvPr>
-            <p:extLst>
-              <p:ext uri="{D42A27DB-BD31-4B8C-83A1-F6EECF244321}">
-                <p14:modId xmlns:p14="http://schemas.microsoft.com/office/powerpoint/2010/main" val="3136414790"/>
-              </p:ext>
-            </p:extLst>
-          </p:nvPr>
-        </p:nvGraphicFramePr>
-        <p:xfrm>
-          <a:off x="1666814" y="1805102"/>
-          <a:ext cx="5810372" cy="2225040"/>
-        </p:xfrm>
-        <a:graphic>
-          <a:graphicData uri="http://schemas.openxmlformats.org/drawingml/2006/table">
-            <a:tbl>
-              <a:tblPr>
-                <a:tableStyleId>{5C22544A-7EE6-4342-B048-85BDC9FD1C3A}</a:tableStyleId>
-              </a:tblPr>
-              <a:tblGrid>
-                <a:gridCol w="1452593"/>
-                <a:gridCol w="1452593"/>
-                <a:gridCol w="1452593"/>
-                <a:gridCol w="1452593"/>
-              </a:tblGrid>
-              <a:tr h="370840">
-                <a:tc>
-                  <a:txBody>
-                    <a:bodyPr/>
-                    <a:lstStyle/>
-                    <a:p>
-                      <a:pPr algn="ctr"/>
-                      <a:r>
-                        <a:rPr lang="en-US" sz="1400" b="1" dirty="0" smtClean="0">
-                          <a:solidFill>
-                            <a:schemeClr val="bg1"/>
-                          </a:solidFill>
-                        </a:rPr>
-                        <a:t>HEADING 1</a:t>
-                      </a:r>
-                      <a:endParaRPr lang="en-US" sz="1400" b="1" dirty="0">
-                        <a:solidFill>
-                          <a:schemeClr val="bg1"/>
-                        </a:solidFill>
-                      </a:endParaRPr>
-                    </a:p>
-                  </a:txBody>
-                  <a:tcPr anchor="ctr">
-                    <a:lnL w="9525" cap="flat" cmpd="sng" algn="ctr">
-                      <a:solidFill>
-                        <a:srgbClr val="E40121"/>
-                      </a:solidFill>
-                      <a:prstDash val="solid"/>
-                      <a:round/>
-                      <a:headEnd type="none" w="med" len="med"/>
-                      <a:tailEnd type="none" w="med" len="med"/>
-                    </a:lnL>
-                    <a:lnR w="12700" cmpd="sng">
-                      <a:noFill/>
-                    </a:lnR>
-                    <a:lnT w="9525" cap="flat" cmpd="sng" algn="ctr">
-                      <a:solidFill>
-                        <a:srgbClr val="E40121"/>
-                      </a:solidFill>
-                      <a:prstDash val="solid"/>
-                      <a:round/>
-                      <a:headEnd type="none" w="med" len="med"/>
-                      <a:tailEnd type="none" w="med" len="med"/>
-                    </a:lnT>
-                    <a:lnB w="9525" cap="flat" cmpd="sng" algn="ctr">
-                      <a:solidFill>
-                        <a:srgbClr val="E40121"/>
-                      </a:solidFill>
-                      <a:prstDash val="solid"/>
-                      <a:round/>
-                      <a:headEnd type="none" w="med" len="med"/>
-                      <a:tailEnd type="none" w="med" len="med"/>
-                    </a:lnB>
-                    <a:solidFill>
-                      <a:srgbClr val="E40121"/>
-                    </a:solidFill>
-                  </a:tcPr>
-                </a:tc>
-                <a:tc>
-                  <a:txBody>
-                    <a:bodyPr/>
-                    <a:lstStyle/>
-                    <a:p>
-                      <a:pPr algn="ctr"/>
-                      <a:r>
-                        <a:rPr lang="en-US" sz="1400" b="1" dirty="0" smtClean="0">
-                          <a:solidFill>
-                            <a:schemeClr val="bg1"/>
-                          </a:solidFill>
-                        </a:rPr>
-                        <a:t>HEADING</a:t>
-                      </a:r>
-                      <a:r>
-                        <a:rPr lang="en-US" sz="1400" b="1" baseline="0" dirty="0" smtClean="0">
-                          <a:solidFill>
-                            <a:schemeClr val="bg1"/>
-                          </a:solidFill>
-                        </a:rPr>
-                        <a:t> 2</a:t>
-                      </a:r>
-                      <a:endParaRPr lang="en-US" sz="1400" b="1" dirty="0">
-                        <a:solidFill>
-                          <a:schemeClr val="bg1"/>
-                        </a:solidFill>
-                      </a:endParaRPr>
-                    </a:p>
-                  </a:txBody>
-                  <a:tcPr anchor="ctr">
-                    <a:lnL w="12700" cmpd="sng">
-                      <a:noFill/>
-                    </a:lnL>
-                    <a:lnR w="12700" cmpd="sng">
-                      <a:noFill/>
-                    </a:lnR>
-                    <a:lnT w="9525" cap="flat" cmpd="sng" algn="ctr">
-                      <a:solidFill>
-                        <a:srgbClr val="E40121"/>
-                      </a:solidFill>
-                      <a:prstDash val="solid"/>
-                      <a:round/>
-                      <a:headEnd type="none" w="med" len="med"/>
-                      <a:tailEnd type="none" w="med" len="med"/>
-                    </a:lnT>
-                    <a:lnB w="9525" cap="flat" cmpd="sng" algn="ctr">
-                      <a:solidFill>
-                        <a:srgbClr val="E40121"/>
-                      </a:solidFill>
-                      <a:prstDash val="solid"/>
-                      <a:round/>
-                      <a:headEnd type="none" w="med" len="med"/>
-                      <a:tailEnd type="none" w="med" len="med"/>
-                    </a:lnB>
-                    <a:solidFill>
-                      <a:srgbClr val="E40121"/>
-                    </a:solidFill>
-                  </a:tcPr>
-                </a:tc>
-                <a:tc>
-                  <a:txBody>
-                    <a:bodyPr/>
-                    <a:lstStyle/>
-                    <a:p>
-                      <a:pPr algn="ctr"/>
-                      <a:r>
-                        <a:rPr lang="en-US" sz="1400" b="1" dirty="0" smtClean="0">
-                          <a:solidFill>
-                            <a:schemeClr val="bg1"/>
-                          </a:solidFill>
-                        </a:rPr>
-                        <a:t>HEADING 3</a:t>
-                      </a:r>
-                      <a:endParaRPr lang="en-US" sz="1400" b="1" dirty="0">
-                        <a:solidFill>
-                          <a:schemeClr val="bg1"/>
-                        </a:solidFill>
-                      </a:endParaRPr>
-                    </a:p>
-                  </a:txBody>
-                  <a:tcPr anchor="ctr">
-                    <a:lnL w="12700" cmpd="sng">
-                      <a:noFill/>
-                    </a:lnL>
-                    <a:lnR w="12700" cmpd="sng">
-                      <a:noFill/>
-                    </a:lnR>
-                    <a:lnT w="9525" cap="flat" cmpd="sng" algn="ctr">
-                      <a:solidFill>
-                        <a:srgbClr val="E40121"/>
-                      </a:solidFill>
-                      <a:prstDash val="solid"/>
-                      <a:round/>
-                      <a:headEnd type="none" w="med" len="med"/>
-                      <a:tailEnd type="none" w="med" len="med"/>
-                    </a:lnT>
-                    <a:lnB w="9525" cap="flat" cmpd="sng" algn="ctr">
-                      <a:solidFill>
-                        <a:srgbClr val="E40121"/>
-                      </a:solidFill>
-                      <a:prstDash val="solid"/>
-                      <a:round/>
-                      <a:headEnd type="none" w="med" len="med"/>
-                      <a:tailEnd type="none" w="med" len="med"/>
-                    </a:lnB>
-                    <a:solidFill>
-                      <a:srgbClr val="E40121"/>
-                    </a:solidFill>
-                  </a:tcPr>
-                </a:tc>
-                <a:tc>
-                  <a:txBody>
-                    <a:bodyPr/>
-                    <a:lstStyle/>
-                    <a:p>
-                      <a:pPr algn="ctr"/>
-                      <a:r>
-                        <a:rPr lang="en-US" sz="1400" b="1" dirty="0" smtClean="0">
-                          <a:solidFill>
-                            <a:schemeClr val="bg1"/>
-                          </a:solidFill>
-                        </a:rPr>
-                        <a:t>HEADING</a:t>
-                      </a:r>
-                      <a:r>
-                        <a:rPr lang="en-US" sz="1400" b="1" baseline="0" dirty="0" smtClean="0">
-                          <a:solidFill>
-                            <a:schemeClr val="bg1"/>
-                          </a:solidFill>
-                        </a:rPr>
-                        <a:t> 4</a:t>
-                      </a:r>
-                      <a:endParaRPr lang="en-US" sz="1400" b="1" dirty="0">
-                        <a:solidFill>
-                          <a:schemeClr val="bg1"/>
-                        </a:solidFill>
-                      </a:endParaRPr>
-                    </a:p>
-                  </a:txBody>
-                  <a:tcPr anchor="ctr">
-                    <a:lnL w="12700" cmpd="sng">
-                      <a:noFill/>
-                    </a:lnL>
-                    <a:lnR w="9525" cap="flat" cmpd="sng" algn="ctr">
-                      <a:solidFill>
-                        <a:srgbClr val="E40121"/>
-                      </a:solidFill>
-                      <a:prstDash val="solid"/>
-                      <a:round/>
-                      <a:headEnd type="none" w="med" len="med"/>
-                      <a:tailEnd type="none" w="med" len="med"/>
-                    </a:lnR>
-                    <a:lnT w="9525" cap="flat" cmpd="sng" algn="ctr">
-                      <a:solidFill>
-                        <a:srgbClr val="E40121"/>
-                      </a:solidFill>
-                      <a:prstDash val="solid"/>
-                      <a:round/>
-                      <a:headEnd type="none" w="med" len="med"/>
-                      <a:tailEnd type="none" w="med" len="med"/>
-                    </a:lnT>
-                    <a:lnB w="9525" cap="flat" cmpd="sng" algn="ctr">
-                      <a:solidFill>
-                        <a:srgbClr val="E40121"/>
-                      </a:solidFill>
-                      <a:prstDash val="solid"/>
-                      <a:round/>
-                      <a:headEnd type="none" w="med" len="med"/>
-                      <a:tailEnd type="none" w="med" len="med"/>
-                    </a:lnB>
-                    <a:solidFill>
-                      <a:srgbClr val="E40121"/>
-                    </a:solidFill>
-                  </a:tcPr>
-                </a:tc>
-              </a:tr>
-              <a:tr h="370840">
-                <a:tc>
-                  <a:txBody>
-                    <a:bodyPr/>
-                    <a:lstStyle/>
-                    <a:p>
-                      <a:r>
-                        <a:rPr lang="en-US" sz="1400" dirty="0" smtClean="0">
-                          <a:solidFill>
-                            <a:schemeClr val="tx1"/>
-                          </a:solidFill>
-                        </a:rPr>
-                        <a:t>Data</a:t>
-                      </a:r>
-                      <a:endParaRPr lang="en-US" sz="1400" dirty="0">
-                        <a:solidFill>
-                          <a:schemeClr val="tx1"/>
-                        </a:solidFill>
-                      </a:endParaRPr>
-                    </a:p>
-                  </a:txBody>
-                  <a:tcPr anchor="ctr">
-                    <a:lnL w="9525" cap="flat" cmpd="sng" algn="ctr">
-                      <a:solidFill>
-                        <a:srgbClr val="E40121"/>
-                      </a:solidFill>
-                      <a:prstDash val="solid"/>
-                      <a:round/>
-                      <a:headEnd type="none" w="med" len="med"/>
-                      <a:tailEnd type="none" w="med" len="med"/>
-                    </a:lnL>
-                    <a:lnR w="9525" cap="flat" cmpd="sng" algn="ctr">
-                      <a:solidFill>
-                        <a:srgbClr val="E40121"/>
-                      </a:solidFill>
-                      <a:prstDash val="solid"/>
-                      <a:round/>
-                      <a:headEnd type="none" w="med" len="med"/>
-                      <a:tailEnd type="none" w="med" len="med"/>
-                    </a:lnR>
-                    <a:lnT w="9525" cap="flat" cmpd="sng" algn="ctr">
-                      <a:solidFill>
-                        <a:srgbClr val="E40121"/>
-                      </a:solidFill>
-                      <a:prstDash val="solid"/>
-                      <a:round/>
-                      <a:headEnd type="none" w="med" len="med"/>
-                      <a:tailEnd type="none" w="med" len="med"/>
-                    </a:lnT>
-                    <a:lnB w="9525" cap="flat" cmpd="sng" algn="ctr">
-                      <a:solidFill>
-                        <a:srgbClr val="E40121"/>
-                      </a:solidFill>
-                      <a:prstDash val="solid"/>
-                      <a:round/>
-                      <a:headEnd type="none" w="med" len="med"/>
-                      <a:tailEnd type="none" w="med" len="med"/>
-                    </a:lnB>
-                    <a:noFill/>
-                  </a:tcPr>
-                </a:tc>
-                <a:tc>
-                  <a:txBody>
-                    <a:bodyPr/>
-                    <a:lstStyle/>
-                    <a:p>
-                      <a:r>
-                        <a:rPr lang="en-US" sz="1400" smtClean="0">
-                          <a:solidFill>
-                            <a:schemeClr val="tx1"/>
-                          </a:solidFill>
-                        </a:rPr>
-                        <a:t>Data</a:t>
-                      </a:r>
-                      <a:endParaRPr lang="en-US" sz="1400" dirty="0">
-                        <a:solidFill>
-                          <a:schemeClr val="tx1"/>
-                        </a:solidFill>
-                      </a:endParaRPr>
-                    </a:p>
-                  </a:txBody>
-                  <a:tcPr>
-                    <a:lnL w="9525" cap="flat" cmpd="sng" algn="ctr">
-                      <a:solidFill>
-                        <a:srgbClr val="E40121"/>
-                      </a:solidFill>
-                      <a:prstDash val="solid"/>
-                      <a:round/>
-                      <a:headEnd type="none" w="med" len="med"/>
-                      <a:tailEnd type="none" w="med" len="med"/>
-                    </a:lnL>
-                    <a:lnR w="9525" cap="flat" cmpd="sng" algn="ctr">
-                      <a:solidFill>
-                        <a:srgbClr val="E40121"/>
-                      </a:solidFill>
-                      <a:prstDash val="solid"/>
-                      <a:round/>
-                      <a:headEnd type="none" w="med" len="med"/>
-                      <a:tailEnd type="none" w="med" len="med"/>
-                    </a:lnR>
-                    <a:lnT w="9525" cap="flat" cmpd="sng" algn="ctr">
-                      <a:solidFill>
-                        <a:srgbClr val="E40121"/>
-                      </a:solidFill>
-                      <a:prstDash val="solid"/>
-                      <a:round/>
-                      <a:headEnd type="none" w="med" len="med"/>
-                      <a:tailEnd type="none" w="med" len="med"/>
-                    </a:lnT>
-                    <a:lnB w="9525" cap="flat" cmpd="sng" algn="ctr">
-                      <a:solidFill>
-                        <a:srgbClr val="E40121"/>
-                      </a:solidFill>
-                      <a:prstDash val="solid"/>
-                      <a:round/>
-                      <a:headEnd type="none" w="med" len="med"/>
-                      <a:tailEnd type="none" w="med" len="med"/>
-                    </a:lnB>
-                    <a:noFill/>
-                  </a:tcPr>
-                </a:tc>
-                <a:tc>
-                  <a:txBody>
-                    <a:bodyPr/>
-                    <a:lstStyle/>
-                    <a:p>
-                      <a:r>
-                        <a:rPr lang="en-US" sz="1400" smtClean="0">
-                          <a:solidFill>
-                            <a:schemeClr val="tx1"/>
-                          </a:solidFill>
-                        </a:rPr>
-                        <a:t>Data</a:t>
-                      </a:r>
-                      <a:endParaRPr lang="en-US" sz="1400" dirty="0">
-                        <a:solidFill>
-                          <a:schemeClr val="tx1"/>
-                        </a:solidFill>
-                      </a:endParaRPr>
-                    </a:p>
-                  </a:txBody>
-                  <a:tcPr>
-                    <a:lnL w="9525" cap="flat" cmpd="sng" algn="ctr">
-                      <a:solidFill>
-                        <a:srgbClr val="E40121"/>
-                      </a:solidFill>
-                      <a:prstDash val="solid"/>
-                      <a:round/>
-                      <a:headEnd type="none" w="med" len="med"/>
-                      <a:tailEnd type="none" w="med" len="med"/>
-                    </a:lnL>
-                    <a:lnR w="9525" cap="flat" cmpd="sng" algn="ctr">
-                      <a:solidFill>
-                        <a:srgbClr val="E40121"/>
-                      </a:solidFill>
-                      <a:prstDash val="solid"/>
-                      <a:round/>
-                      <a:headEnd type="none" w="med" len="med"/>
-                      <a:tailEnd type="none" w="med" len="med"/>
-                    </a:lnR>
-                    <a:lnT w="9525" cap="flat" cmpd="sng" algn="ctr">
-                      <a:solidFill>
-                        <a:srgbClr val="E40121"/>
-                      </a:solidFill>
-                      <a:prstDash val="solid"/>
-                      <a:round/>
-                      <a:headEnd type="none" w="med" len="med"/>
-                      <a:tailEnd type="none" w="med" len="med"/>
-                    </a:lnT>
-                    <a:lnB w="9525" cap="flat" cmpd="sng" algn="ctr">
-                      <a:solidFill>
-                        <a:srgbClr val="E40121"/>
-                      </a:solidFill>
-                      <a:prstDash val="solid"/>
-                      <a:round/>
-                      <a:headEnd type="none" w="med" len="med"/>
-                      <a:tailEnd type="none" w="med" len="med"/>
-                    </a:lnB>
-                    <a:noFill/>
-                  </a:tcPr>
-                </a:tc>
-                <a:tc>
-                  <a:txBody>
-                    <a:bodyPr/>
-                    <a:lstStyle/>
-                    <a:p>
-                      <a:r>
-                        <a:rPr lang="en-US" sz="1400" dirty="0" smtClean="0">
-                          <a:solidFill>
-                            <a:schemeClr val="tx1"/>
-                          </a:solidFill>
-                        </a:rPr>
-                        <a:t>Data</a:t>
-                      </a:r>
-                      <a:endParaRPr lang="en-US" sz="1400" dirty="0">
-                        <a:solidFill>
-                          <a:schemeClr val="tx1"/>
-                        </a:solidFill>
-                      </a:endParaRPr>
-                    </a:p>
-                  </a:txBody>
-                  <a:tcPr>
-                    <a:lnL w="9525" cap="flat" cmpd="sng" algn="ctr">
-                      <a:solidFill>
-                        <a:srgbClr val="E40121"/>
-                      </a:solidFill>
-                      <a:prstDash val="solid"/>
-                      <a:round/>
-                      <a:headEnd type="none" w="med" len="med"/>
-                      <a:tailEnd type="none" w="med" len="med"/>
-                    </a:lnL>
-                    <a:lnR w="9525" cap="flat" cmpd="sng" algn="ctr">
-                      <a:solidFill>
-                        <a:srgbClr val="E40121"/>
-                      </a:solidFill>
-                      <a:prstDash val="solid"/>
-                      <a:round/>
-                      <a:headEnd type="none" w="med" len="med"/>
-                      <a:tailEnd type="none" w="med" len="med"/>
-                    </a:lnR>
-                    <a:lnT w="9525" cap="flat" cmpd="sng" algn="ctr">
-                      <a:solidFill>
-                        <a:srgbClr val="E40121"/>
-                      </a:solidFill>
-                      <a:prstDash val="solid"/>
-                      <a:round/>
-                      <a:headEnd type="none" w="med" len="med"/>
-                      <a:tailEnd type="none" w="med" len="med"/>
-                    </a:lnT>
-                    <a:lnB w="9525" cap="flat" cmpd="sng" algn="ctr">
-                      <a:solidFill>
-                        <a:srgbClr val="E40121"/>
-                      </a:solidFill>
-                      <a:prstDash val="solid"/>
-                      <a:round/>
-                      <a:headEnd type="none" w="med" len="med"/>
-                      <a:tailEnd type="none" w="med" len="med"/>
-                    </a:lnB>
-                    <a:noFill/>
-                  </a:tcPr>
-                </a:tc>
-              </a:tr>
-              <a:tr h="370840">
-                <a:tc>
-                  <a:txBody>
-                    <a:bodyPr/>
-                    <a:lstStyle/>
-                    <a:p>
-                      <a:r>
-                        <a:rPr lang="en-US" sz="1400" dirty="0" smtClean="0">
-                          <a:solidFill>
-                            <a:schemeClr val="tx1"/>
-                          </a:solidFill>
-                        </a:rPr>
-                        <a:t>Data</a:t>
-                      </a:r>
-                      <a:endParaRPr lang="en-US" sz="1400" dirty="0">
-                        <a:solidFill>
-                          <a:schemeClr val="tx1"/>
-                        </a:solidFill>
-                      </a:endParaRPr>
-                    </a:p>
-                  </a:txBody>
-                  <a:tcPr>
-                    <a:lnL w="9525" cap="flat" cmpd="sng" algn="ctr">
-                      <a:solidFill>
-                        <a:srgbClr val="E40121"/>
-                      </a:solidFill>
-                      <a:prstDash val="solid"/>
-                      <a:round/>
-                      <a:headEnd type="none" w="med" len="med"/>
-                      <a:tailEnd type="none" w="med" len="med"/>
-                    </a:lnL>
-                    <a:lnR w="9525" cap="flat" cmpd="sng" algn="ctr">
-                      <a:solidFill>
-                        <a:srgbClr val="E40121"/>
-                      </a:solidFill>
-                      <a:prstDash val="solid"/>
-                      <a:round/>
-                      <a:headEnd type="none" w="med" len="med"/>
-                      <a:tailEnd type="none" w="med" len="med"/>
-                    </a:lnR>
-                    <a:lnT w="9525" cap="flat" cmpd="sng" algn="ctr">
-                      <a:solidFill>
-                        <a:srgbClr val="E40121"/>
-                      </a:solidFill>
-                      <a:prstDash val="solid"/>
-                      <a:round/>
-                      <a:headEnd type="none" w="med" len="med"/>
-                      <a:tailEnd type="none" w="med" len="med"/>
-                    </a:lnT>
-                    <a:lnB w="9525" cap="flat" cmpd="sng" algn="ctr">
-                      <a:solidFill>
-                        <a:srgbClr val="E40121"/>
-                      </a:solidFill>
-                      <a:prstDash val="solid"/>
-                      <a:round/>
-                      <a:headEnd type="none" w="med" len="med"/>
-                      <a:tailEnd type="none" w="med" len="med"/>
-                    </a:lnB>
-                    <a:noFill/>
-                  </a:tcPr>
-                </a:tc>
-                <a:tc>
-                  <a:txBody>
-                    <a:bodyPr/>
-                    <a:lstStyle/>
-                    <a:p>
-                      <a:r>
-                        <a:rPr lang="en-US" sz="1400" dirty="0" smtClean="0">
-                          <a:solidFill>
-                            <a:schemeClr val="tx1"/>
-                          </a:solidFill>
-                        </a:rPr>
-                        <a:t>Data</a:t>
-                      </a:r>
-                      <a:endParaRPr lang="en-US" sz="1400" dirty="0">
-                        <a:solidFill>
-                          <a:schemeClr val="tx1"/>
-                        </a:solidFill>
-                      </a:endParaRPr>
-                    </a:p>
-                  </a:txBody>
-                  <a:tcPr>
-                    <a:lnL w="9525" cap="flat" cmpd="sng" algn="ctr">
-                      <a:solidFill>
-                        <a:srgbClr val="E40121"/>
-                      </a:solidFill>
-                      <a:prstDash val="solid"/>
-                      <a:round/>
-                      <a:headEnd type="none" w="med" len="med"/>
-                      <a:tailEnd type="none" w="med" len="med"/>
-                    </a:lnL>
-                    <a:lnR w="9525" cap="flat" cmpd="sng" algn="ctr">
-                      <a:solidFill>
-                        <a:srgbClr val="E40121"/>
-                      </a:solidFill>
-                      <a:prstDash val="solid"/>
-                      <a:round/>
-                      <a:headEnd type="none" w="med" len="med"/>
-                      <a:tailEnd type="none" w="med" len="med"/>
-                    </a:lnR>
-                    <a:lnT w="9525" cap="flat" cmpd="sng" algn="ctr">
-                      <a:solidFill>
-                        <a:srgbClr val="E40121"/>
-                      </a:solidFill>
-                      <a:prstDash val="solid"/>
-                      <a:round/>
-                      <a:headEnd type="none" w="med" len="med"/>
-                      <a:tailEnd type="none" w="med" len="med"/>
-                    </a:lnT>
-                    <a:lnB w="9525" cap="flat" cmpd="sng" algn="ctr">
-                      <a:solidFill>
-                        <a:srgbClr val="E40121"/>
-                      </a:solidFill>
-                      <a:prstDash val="solid"/>
-                      <a:round/>
-                      <a:headEnd type="none" w="med" len="med"/>
-                      <a:tailEnd type="none" w="med" len="med"/>
-                    </a:lnB>
-                    <a:noFill/>
-                  </a:tcPr>
-                </a:tc>
-                <a:tc>
-                  <a:txBody>
-                    <a:bodyPr/>
-                    <a:lstStyle/>
-                    <a:p>
-                      <a:r>
-                        <a:rPr lang="en-US" sz="1400" smtClean="0">
-                          <a:solidFill>
-                            <a:schemeClr val="tx1"/>
-                          </a:solidFill>
-                        </a:rPr>
-                        <a:t>Data</a:t>
-                      </a:r>
-                      <a:endParaRPr lang="en-US" sz="1400" dirty="0">
-                        <a:solidFill>
-                          <a:schemeClr val="tx1"/>
-                        </a:solidFill>
-                      </a:endParaRPr>
-                    </a:p>
-                  </a:txBody>
-                  <a:tcPr>
-                    <a:lnL w="9525" cap="flat" cmpd="sng" algn="ctr">
-                      <a:solidFill>
-                        <a:srgbClr val="E40121"/>
-                      </a:solidFill>
-                      <a:prstDash val="solid"/>
-                      <a:round/>
-                      <a:headEnd type="none" w="med" len="med"/>
-                      <a:tailEnd type="none" w="med" len="med"/>
-                    </a:lnL>
-                    <a:lnR w="9525" cap="flat" cmpd="sng" algn="ctr">
-                      <a:solidFill>
-                        <a:srgbClr val="E40121"/>
-                      </a:solidFill>
-                      <a:prstDash val="solid"/>
-                      <a:round/>
-                      <a:headEnd type="none" w="med" len="med"/>
-                      <a:tailEnd type="none" w="med" len="med"/>
-                    </a:lnR>
-                    <a:lnT w="9525" cap="flat" cmpd="sng" algn="ctr">
-                      <a:solidFill>
-                        <a:srgbClr val="E40121"/>
-                      </a:solidFill>
-                      <a:prstDash val="solid"/>
-                      <a:round/>
-                      <a:headEnd type="none" w="med" len="med"/>
-                      <a:tailEnd type="none" w="med" len="med"/>
-                    </a:lnT>
-                    <a:lnB w="9525" cap="flat" cmpd="sng" algn="ctr">
-                      <a:solidFill>
-                        <a:srgbClr val="E40121"/>
-                      </a:solidFill>
-                      <a:prstDash val="solid"/>
-                      <a:round/>
-                      <a:headEnd type="none" w="med" len="med"/>
-                      <a:tailEnd type="none" w="med" len="med"/>
-                    </a:lnB>
-                    <a:noFill/>
-                  </a:tcPr>
-                </a:tc>
-                <a:tc>
-                  <a:txBody>
-                    <a:bodyPr/>
-                    <a:lstStyle/>
-                    <a:p>
-                      <a:r>
-                        <a:rPr lang="en-US" sz="1400" smtClean="0">
-                          <a:solidFill>
-                            <a:schemeClr val="tx1"/>
-                          </a:solidFill>
-                        </a:rPr>
-                        <a:t>Data</a:t>
-                      </a:r>
-                      <a:endParaRPr lang="en-US" sz="1400" dirty="0">
-                        <a:solidFill>
-                          <a:schemeClr val="tx1"/>
-                        </a:solidFill>
-                      </a:endParaRPr>
-                    </a:p>
-                  </a:txBody>
-                  <a:tcPr>
-                    <a:lnL w="9525" cap="flat" cmpd="sng" algn="ctr">
-                      <a:solidFill>
-                        <a:srgbClr val="E40121"/>
-                      </a:solidFill>
-                      <a:prstDash val="solid"/>
-                      <a:round/>
-                      <a:headEnd type="none" w="med" len="med"/>
-                      <a:tailEnd type="none" w="med" len="med"/>
-                    </a:lnL>
-                    <a:lnR w="9525" cap="flat" cmpd="sng" algn="ctr">
-                      <a:solidFill>
-                        <a:srgbClr val="E40121"/>
-                      </a:solidFill>
-                      <a:prstDash val="solid"/>
-                      <a:round/>
-                      <a:headEnd type="none" w="med" len="med"/>
-                      <a:tailEnd type="none" w="med" len="med"/>
-                    </a:lnR>
-                    <a:lnT w="9525" cap="flat" cmpd="sng" algn="ctr">
-                      <a:solidFill>
-                        <a:srgbClr val="E40121"/>
-                      </a:solidFill>
-                      <a:prstDash val="solid"/>
-                      <a:round/>
-                      <a:headEnd type="none" w="med" len="med"/>
-                      <a:tailEnd type="none" w="med" len="med"/>
-                    </a:lnT>
-                    <a:lnB w="9525" cap="flat" cmpd="sng" algn="ctr">
-                      <a:solidFill>
-                        <a:srgbClr val="E40121"/>
-                      </a:solidFill>
-                      <a:prstDash val="solid"/>
-                      <a:round/>
-                      <a:headEnd type="none" w="med" len="med"/>
-                      <a:tailEnd type="none" w="med" len="med"/>
-                    </a:lnB>
-                    <a:noFill/>
-                  </a:tcPr>
-                </a:tc>
-              </a:tr>
-              <a:tr h="370840">
-                <a:tc>
-                  <a:txBody>
-                    <a:bodyPr/>
-                    <a:lstStyle/>
-                    <a:p>
-                      <a:r>
-                        <a:rPr lang="en-US" sz="1400" smtClean="0">
-                          <a:solidFill>
-                            <a:schemeClr val="tx1"/>
-                          </a:solidFill>
-                        </a:rPr>
-                        <a:t>Data</a:t>
-                      </a:r>
-                      <a:endParaRPr lang="en-US" sz="1400" dirty="0">
-                        <a:solidFill>
-                          <a:schemeClr val="tx1"/>
-                        </a:solidFill>
-                      </a:endParaRPr>
-                    </a:p>
-                  </a:txBody>
-                  <a:tcPr>
-                    <a:lnL w="9525" cap="flat" cmpd="sng" algn="ctr">
-                      <a:solidFill>
-                        <a:srgbClr val="E40121"/>
-                      </a:solidFill>
-                      <a:prstDash val="solid"/>
-                      <a:round/>
-                      <a:headEnd type="none" w="med" len="med"/>
-                      <a:tailEnd type="none" w="med" len="med"/>
-                    </a:lnL>
-                    <a:lnR w="9525" cap="flat" cmpd="sng" algn="ctr">
-                      <a:solidFill>
-                        <a:srgbClr val="E40121"/>
-                      </a:solidFill>
-                      <a:prstDash val="solid"/>
-                      <a:round/>
-                      <a:headEnd type="none" w="med" len="med"/>
-                      <a:tailEnd type="none" w="med" len="med"/>
-                    </a:lnR>
-                    <a:lnT w="9525" cap="flat" cmpd="sng" algn="ctr">
-                      <a:solidFill>
-                        <a:srgbClr val="E40121"/>
-                      </a:solidFill>
-                      <a:prstDash val="solid"/>
-                      <a:round/>
-                      <a:headEnd type="none" w="med" len="med"/>
-                      <a:tailEnd type="none" w="med" len="med"/>
-                    </a:lnT>
-                    <a:lnB w="9525" cap="flat" cmpd="sng" algn="ctr">
-                      <a:solidFill>
-                        <a:srgbClr val="E40121"/>
-                      </a:solidFill>
-                      <a:prstDash val="solid"/>
-                      <a:round/>
-                      <a:headEnd type="none" w="med" len="med"/>
-                      <a:tailEnd type="none" w="med" len="med"/>
-                    </a:lnB>
-                    <a:noFill/>
-                  </a:tcPr>
-                </a:tc>
-                <a:tc>
-                  <a:txBody>
-                    <a:bodyPr/>
-                    <a:lstStyle/>
-                    <a:p>
-                      <a:r>
-                        <a:rPr lang="en-US" sz="1400" dirty="0" smtClean="0">
-                          <a:solidFill>
-                            <a:schemeClr val="tx1"/>
-                          </a:solidFill>
-                        </a:rPr>
-                        <a:t>Data</a:t>
-                      </a:r>
-                      <a:endParaRPr lang="en-US" sz="1400" dirty="0">
-                        <a:solidFill>
-                          <a:schemeClr val="tx1"/>
-                        </a:solidFill>
-                      </a:endParaRPr>
-                    </a:p>
-                  </a:txBody>
-                  <a:tcPr>
-                    <a:lnL w="9525" cap="flat" cmpd="sng" algn="ctr">
-                      <a:solidFill>
-                        <a:srgbClr val="E40121"/>
-                      </a:solidFill>
-                      <a:prstDash val="solid"/>
-                      <a:round/>
-                      <a:headEnd type="none" w="med" len="med"/>
-                      <a:tailEnd type="none" w="med" len="med"/>
-                    </a:lnL>
-                    <a:lnR w="9525" cap="flat" cmpd="sng" algn="ctr">
-                      <a:solidFill>
-                        <a:srgbClr val="E40121"/>
-                      </a:solidFill>
-                      <a:prstDash val="solid"/>
-                      <a:round/>
-                      <a:headEnd type="none" w="med" len="med"/>
-                      <a:tailEnd type="none" w="med" len="med"/>
-                    </a:lnR>
-                    <a:lnT w="9525" cap="flat" cmpd="sng" algn="ctr">
-                      <a:solidFill>
-                        <a:srgbClr val="E40121"/>
-                      </a:solidFill>
-                      <a:prstDash val="solid"/>
-                      <a:round/>
-                      <a:headEnd type="none" w="med" len="med"/>
-                      <a:tailEnd type="none" w="med" len="med"/>
-                    </a:lnT>
-                    <a:lnB w="9525" cap="flat" cmpd="sng" algn="ctr">
-                      <a:solidFill>
-                        <a:srgbClr val="E40121"/>
-                      </a:solidFill>
-                      <a:prstDash val="solid"/>
-                      <a:round/>
-                      <a:headEnd type="none" w="med" len="med"/>
-                      <a:tailEnd type="none" w="med" len="med"/>
-                    </a:lnB>
-                    <a:noFill/>
-                  </a:tcPr>
-                </a:tc>
-                <a:tc>
-                  <a:txBody>
-                    <a:bodyPr/>
-                    <a:lstStyle/>
-                    <a:p>
-                      <a:r>
-                        <a:rPr lang="en-US" sz="1400" smtClean="0">
-                          <a:solidFill>
-                            <a:schemeClr val="tx1"/>
-                          </a:solidFill>
-                        </a:rPr>
-                        <a:t>Data</a:t>
-                      </a:r>
-                      <a:endParaRPr lang="en-US" sz="1400" dirty="0">
-                        <a:solidFill>
-                          <a:schemeClr val="tx1"/>
-                        </a:solidFill>
-                      </a:endParaRPr>
-                    </a:p>
-                  </a:txBody>
-                  <a:tcPr>
-                    <a:lnL w="9525" cap="flat" cmpd="sng" algn="ctr">
-                      <a:solidFill>
-                        <a:srgbClr val="E40121"/>
-                      </a:solidFill>
-                      <a:prstDash val="solid"/>
-                      <a:round/>
-                      <a:headEnd type="none" w="med" len="med"/>
-                      <a:tailEnd type="none" w="med" len="med"/>
-                    </a:lnL>
-                    <a:lnR w="9525" cap="flat" cmpd="sng" algn="ctr">
-                      <a:solidFill>
-                        <a:srgbClr val="E40121"/>
-                      </a:solidFill>
-                      <a:prstDash val="solid"/>
-                      <a:round/>
-                      <a:headEnd type="none" w="med" len="med"/>
-                      <a:tailEnd type="none" w="med" len="med"/>
-                    </a:lnR>
-                    <a:lnT w="9525" cap="flat" cmpd="sng" algn="ctr">
-                      <a:solidFill>
-                        <a:srgbClr val="E40121"/>
-                      </a:solidFill>
-                      <a:prstDash val="solid"/>
-                      <a:round/>
-                      <a:headEnd type="none" w="med" len="med"/>
-                      <a:tailEnd type="none" w="med" len="med"/>
-                    </a:lnT>
-                    <a:lnB w="9525" cap="flat" cmpd="sng" algn="ctr">
-                      <a:solidFill>
-                        <a:srgbClr val="E40121"/>
-                      </a:solidFill>
-                      <a:prstDash val="solid"/>
-                      <a:round/>
-                      <a:headEnd type="none" w="med" len="med"/>
-                      <a:tailEnd type="none" w="med" len="med"/>
-                    </a:lnB>
-                    <a:noFill/>
-                  </a:tcPr>
-                </a:tc>
-                <a:tc>
-                  <a:txBody>
-                    <a:bodyPr/>
-                    <a:lstStyle/>
-                    <a:p>
-                      <a:r>
-                        <a:rPr lang="en-US" sz="1400" smtClean="0">
-                          <a:solidFill>
-                            <a:schemeClr val="tx1"/>
-                          </a:solidFill>
-                        </a:rPr>
-                        <a:t>Data</a:t>
-                      </a:r>
-                      <a:endParaRPr lang="en-US" sz="1400" dirty="0">
-                        <a:solidFill>
-                          <a:schemeClr val="tx1"/>
-                        </a:solidFill>
-                      </a:endParaRPr>
-                    </a:p>
-                  </a:txBody>
-                  <a:tcPr>
-                    <a:lnL w="9525" cap="flat" cmpd="sng" algn="ctr">
-                      <a:solidFill>
-                        <a:srgbClr val="E40121"/>
-                      </a:solidFill>
-                      <a:prstDash val="solid"/>
-                      <a:round/>
-                      <a:headEnd type="none" w="med" len="med"/>
-                      <a:tailEnd type="none" w="med" len="med"/>
-                    </a:lnL>
-                    <a:lnR w="9525" cap="flat" cmpd="sng" algn="ctr">
-                      <a:solidFill>
-                        <a:srgbClr val="E40121"/>
-                      </a:solidFill>
-                      <a:prstDash val="solid"/>
-                      <a:round/>
-                      <a:headEnd type="none" w="med" len="med"/>
-                      <a:tailEnd type="none" w="med" len="med"/>
-                    </a:lnR>
-                    <a:lnT w="9525" cap="flat" cmpd="sng" algn="ctr">
-                      <a:solidFill>
-                        <a:srgbClr val="E40121"/>
-                      </a:solidFill>
-                      <a:prstDash val="solid"/>
-                      <a:round/>
-                      <a:headEnd type="none" w="med" len="med"/>
-                      <a:tailEnd type="none" w="med" len="med"/>
-                    </a:lnT>
-                    <a:lnB w="9525" cap="flat" cmpd="sng" algn="ctr">
-                      <a:solidFill>
-                        <a:srgbClr val="E40121"/>
-                      </a:solidFill>
-                      <a:prstDash val="solid"/>
-                      <a:round/>
-                      <a:headEnd type="none" w="med" len="med"/>
-                      <a:tailEnd type="none" w="med" len="med"/>
-                    </a:lnB>
-                    <a:noFill/>
-                  </a:tcPr>
-                </a:tc>
-              </a:tr>
-              <a:tr h="370840">
-                <a:tc>
-                  <a:txBody>
-                    <a:bodyPr/>
-                    <a:lstStyle/>
-                    <a:p>
-                      <a:r>
-                        <a:rPr lang="en-US" sz="1400" smtClean="0">
-                          <a:solidFill>
-                            <a:schemeClr val="tx1"/>
-                          </a:solidFill>
-                        </a:rPr>
-                        <a:t>Data</a:t>
-                      </a:r>
-                      <a:endParaRPr lang="en-US" sz="1400" dirty="0">
-                        <a:solidFill>
-                          <a:schemeClr val="tx1"/>
-                        </a:solidFill>
-                      </a:endParaRPr>
-                    </a:p>
-                  </a:txBody>
-                  <a:tcPr>
-                    <a:lnL w="9525" cap="flat" cmpd="sng" algn="ctr">
-                      <a:solidFill>
-                        <a:srgbClr val="E40121"/>
-                      </a:solidFill>
-                      <a:prstDash val="solid"/>
-                      <a:round/>
-                      <a:headEnd type="none" w="med" len="med"/>
-                      <a:tailEnd type="none" w="med" len="med"/>
-                    </a:lnL>
-                    <a:lnR w="9525" cap="flat" cmpd="sng" algn="ctr">
-                      <a:solidFill>
-                        <a:srgbClr val="E40121"/>
-                      </a:solidFill>
-                      <a:prstDash val="solid"/>
-                      <a:round/>
-                      <a:headEnd type="none" w="med" len="med"/>
-                      <a:tailEnd type="none" w="med" len="med"/>
-                    </a:lnR>
-                    <a:lnT w="9525" cap="flat" cmpd="sng" algn="ctr">
-                      <a:solidFill>
-                        <a:srgbClr val="E40121"/>
-                      </a:solidFill>
-                      <a:prstDash val="solid"/>
-                      <a:round/>
-                      <a:headEnd type="none" w="med" len="med"/>
-                      <a:tailEnd type="none" w="med" len="med"/>
-                    </a:lnT>
-                    <a:lnB w="9525" cap="flat" cmpd="sng" algn="ctr">
-                      <a:solidFill>
-                        <a:srgbClr val="E40121"/>
-                      </a:solidFill>
-                      <a:prstDash val="solid"/>
-                      <a:round/>
-                      <a:headEnd type="none" w="med" len="med"/>
-                      <a:tailEnd type="none" w="med" len="med"/>
-                    </a:lnB>
-                    <a:noFill/>
-                  </a:tcPr>
-                </a:tc>
-                <a:tc>
-                  <a:txBody>
-                    <a:bodyPr/>
-                    <a:lstStyle/>
-                    <a:p>
-                      <a:r>
-                        <a:rPr lang="en-US" sz="1400" dirty="0" smtClean="0">
-                          <a:solidFill>
-                            <a:schemeClr val="tx1"/>
-                          </a:solidFill>
-                        </a:rPr>
-                        <a:t>Data</a:t>
-                      </a:r>
-                      <a:endParaRPr lang="en-US" sz="1400" dirty="0">
-                        <a:solidFill>
-                          <a:schemeClr val="tx1"/>
-                        </a:solidFill>
-                      </a:endParaRPr>
-                    </a:p>
-                  </a:txBody>
-                  <a:tcPr>
-                    <a:lnL w="9525" cap="flat" cmpd="sng" algn="ctr">
-                      <a:solidFill>
-                        <a:srgbClr val="E40121"/>
-                      </a:solidFill>
-                      <a:prstDash val="solid"/>
-                      <a:round/>
-                      <a:headEnd type="none" w="med" len="med"/>
-                      <a:tailEnd type="none" w="med" len="med"/>
-                    </a:lnL>
-                    <a:lnR w="9525" cap="flat" cmpd="sng" algn="ctr">
-                      <a:solidFill>
-                        <a:srgbClr val="E40121"/>
-                      </a:solidFill>
-                      <a:prstDash val="solid"/>
-                      <a:round/>
-                      <a:headEnd type="none" w="med" len="med"/>
-                      <a:tailEnd type="none" w="med" len="med"/>
-                    </a:lnR>
-                    <a:lnT w="9525" cap="flat" cmpd="sng" algn="ctr">
-                      <a:solidFill>
-                        <a:srgbClr val="E40121"/>
-                      </a:solidFill>
-                      <a:prstDash val="solid"/>
-                      <a:round/>
-                      <a:headEnd type="none" w="med" len="med"/>
-                      <a:tailEnd type="none" w="med" len="med"/>
-                    </a:lnT>
-                    <a:lnB w="9525" cap="flat" cmpd="sng" algn="ctr">
-                      <a:solidFill>
-                        <a:srgbClr val="E40121"/>
-                      </a:solidFill>
-                      <a:prstDash val="solid"/>
-                      <a:round/>
-                      <a:headEnd type="none" w="med" len="med"/>
-                      <a:tailEnd type="none" w="med" len="med"/>
-                    </a:lnB>
-                    <a:noFill/>
-                  </a:tcPr>
-                </a:tc>
-                <a:tc>
-                  <a:txBody>
-                    <a:bodyPr/>
-                    <a:lstStyle/>
-                    <a:p>
-                      <a:r>
-                        <a:rPr lang="en-US" sz="1400" dirty="0" smtClean="0">
-                          <a:solidFill>
-                            <a:schemeClr val="tx1"/>
-                          </a:solidFill>
-                        </a:rPr>
-                        <a:t>Data</a:t>
-                      </a:r>
-                      <a:endParaRPr lang="en-US" sz="1400" dirty="0">
-                        <a:solidFill>
-                          <a:schemeClr val="tx1"/>
-                        </a:solidFill>
-                      </a:endParaRPr>
-                    </a:p>
-                  </a:txBody>
-                  <a:tcPr>
-                    <a:lnL w="9525" cap="flat" cmpd="sng" algn="ctr">
-                      <a:solidFill>
-                        <a:srgbClr val="E40121"/>
-                      </a:solidFill>
-                      <a:prstDash val="solid"/>
-                      <a:round/>
-                      <a:headEnd type="none" w="med" len="med"/>
-                      <a:tailEnd type="none" w="med" len="med"/>
-                    </a:lnL>
-                    <a:lnR w="9525" cap="flat" cmpd="sng" algn="ctr">
-                      <a:solidFill>
-                        <a:srgbClr val="E40121"/>
-                      </a:solidFill>
-                      <a:prstDash val="solid"/>
-                      <a:round/>
-                      <a:headEnd type="none" w="med" len="med"/>
-                      <a:tailEnd type="none" w="med" len="med"/>
-                    </a:lnR>
-                    <a:lnT w="9525" cap="flat" cmpd="sng" algn="ctr">
-                      <a:solidFill>
-                        <a:srgbClr val="E40121"/>
-                      </a:solidFill>
-                      <a:prstDash val="solid"/>
-                      <a:round/>
-                      <a:headEnd type="none" w="med" len="med"/>
-                      <a:tailEnd type="none" w="med" len="med"/>
-                    </a:lnT>
-                    <a:lnB w="9525" cap="flat" cmpd="sng" algn="ctr">
-                      <a:solidFill>
-                        <a:srgbClr val="E40121"/>
-                      </a:solidFill>
-                      <a:prstDash val="solid"/>
-                      <a:round/>
-                      <a:headEnd type="none" w="med" len="med"/>
-                      <a:tailEnd type="none" w="med" len="med"/>
-                    </a:lnB>
-                    <a:noFill/>
-                  </a:tcPr>
-                </a:tc>
-                <a:tc>
-                  <a:txBody>
-                    <a:bodyPr/>
-                    <a:lstStyle/>
-                    <a:p>
-                      <a:r>
-                        <a:rPr lang="en-US" sz="1400" smtClean="0">
-                          <a:solidFill>
-                            <a:schemeClr val="tx1"/>
-                          </a:solidFill>
-                        </a:rPr>
-                        <a:t>Data</a:t>
-                      </a:r>
-                      <a:endParaRPr lang="en-US" sz="1400" dirty="0">
-                        <a:solidFill>
-                          <a:schemeClr val="tx1"/>
-                        </a:solidFill>
-                      </a:endParaRPr>
-                    </a:p>
-                  </a:txBody>
-                  <a:tcPr>
-                    <a:lnL w="9525" cap="flat" cmpd="sng" algn="ctr">
-                      <a:solidFill>
-                        <a:srgbClr val="E40121"/>
-                      </a:solidFill>
-                      <a:prstDash val="solid"/>
-                      <a:round/>
-                      <a:headEnd type="none" w="med" len="med"/>
-                      <a:tailEnd type="none" w="med" len="med"/>
-                    </a:lnL>
-                    <a:lnR w="9525" cap="flat" cmpd="sng" algn="ctr">
-                      <a:solidFill>
-                        <a:srgbClr val="E40121"/>
-                      </a:solidFill>
-                      <a:prstDash val="solid"/>
-                      <a:round/>
-                      <a:headEnd type="none" w="med" len="med"/>
-                      <a:tailEnd type="none" w="med" len="med"/>
-                    </a:lnR>
-                    <a:lnT w="9525" cap="flat" cmpd="sng" algn="ctr">
-                      <a:solidFill>
-                        <a:srgbClr val="E40121"/>
-                      </a:solidFill>
-                      <a:prstDash val="solid"/>
-                      <a:round/>
-                      <a:headEnd type="none" w="med" len="med"/>
-                      <a:tailEnd type="none" w="med" len="med"/>
-                    </a:lnT>
-                    <a:lnB w="9525" cap="flat" cmpd="sng" algn="ctr">
-                      <a:solidFill>
-                        <a:srgbClr val="E40121"/>
-                      </a:solidFill>
-                      <a:prstDash val="solid"/>
-                      <a:round/>
-                      <a:headEnd type="none" w="med" len="med"/>
-                      <a:tailEnd type="none" w="med" len="med"/>
-                    </a:lnB>
-                    <a:noFill/>
-                  </a:tcPr>
-                </a:tc>
-              </a:tr>
-              <a:tr h="370840">
-                <a:tc>
-                  <a:txBody>
-                    <a:bodyPr/>
-                    <a:lstStyle/>
-                    <a:p>
-                      <a:r>
-                        <a:rPr lang="en-US" sz="1400" smtClean="0">
-                          <a:solidFill>
-                            <a:schemeClr val="tx1"/>
-                          </a:solidFill>
-                        </a:rPr>
-                        <a:t>Data</a:t>
-                      </a:r>
-                      <a:endParaRPr lang="en-US" sz="1400" dirty="0">
-                        <a:solidFill>
-                          <a:schemeClr val="tx1"/>
-                        </a:solidFill>
-                      </a:endParaRPr>
-                    </a:p>
-                  </a:txBody>
-                  <a:tcPr>
-                    <a:lnL w="9525" cap="flat" cmpd="sng" algn="ctr">
-                      <a:solidFill>
-                        <a:srgbClr val="E40121"/>
-                      </a:solidFill>
-                      <a:prstDash val="solid"/>
-                      <a:round/>
-                      <a:headEnd type="none" w="med" len="med"/>
-                      <a:tailEnd type="none" w="med" len="med"/>
-                    </a:lnL>
-                    <a:lnR w="9525" cap="flat" cmpd="sng" algn="ctr">
-                      <a:solidFill>
-                        <a:srgbClr val="E40121"/>
-                      </a:solidFill>
-                      <a:prstDash val="solid"/>
-                      <a:round/>
-                      <a:headEnd type="none" w="med" len="med"/>
-                      <a:tailEnd type="none" w="med" len="med"/>
-                    </a:lnR>
-                    <a:lnT w="9525" cap="flat" cmpd="sng" algn="ctr">
-                      <a:solidFill>
-                        <a:srgbClr val="E40121"/>
-                      </a:solidFill>
-                      <a:prstDash val="solid"/>
-                      <a:round/>
-                      <a:headEnd type="none" w="med" len="med"/>
-                      <a:tailEnd type="none" w="med" len="med"/>
-                    </a:lnT>
-                    <a:lnB w="9525" cap="flat" cmpd="sng" algn="ctr">
-                      <a:solidFill>
-                        <a:srgbClr val="E40121"/>
-                      </a:solidFill>
-                      <a:prstDash val="solid"/>
-                      <a:round/>
-                      <a:headEnd type="none" w="med" len="med"/>
-                      <a:tailEnd type="none" w="med" len="med"/>
-                    </a:lnB>
-                    <a:noFill/>
-                  </a:tcPr>
-                </a:tc>
-                <a:tc>
-                  <a:txBody>
-                    <a:bodyPr/>
-                    <a:lstStyle/>
-                    <a:p>
-                      <a:r>
-                        <a:rPr lang="en-US" sz="1400" smtClean="0">
-                          <a:solidFill>
-                            <a:schemeClr val="tx1"/>
-                          </a:solidFill>
-                        </a:rPr>
-                        <a:t>Data</a:t>
-                      </a:r>
-                      <a:endParaRPr lang="en-US" sz="1400" dirty="0">
-                        <a:solidFill>
-                          <a:schemeClr val="tx1"/>
-                        </a:solidFill>
-                      </a:endParaRPr>
-                    </a:p>
-                  </a:txBody>
-                  <a:tcPr>
-                    <a:lnL w="9525" cap="flat" cmpd="sng" algn="ctr">
-                      <a:solidFill>
-                        <a:srgbClr val="E40121"/>
-                      </a:solidFill>
-                      <a:prstDash val="solid"/>
-                      <a:round/>
-                      <a:headEnd type="none" w="med" len="med"/>
-                      <a:tailEnd type="none" w="med" len="med"/>
-                    </a:lnL>
-                    <a:lnR w="9525" cap="flat" cmpd="sng" algn="ctr">
-                      <a:solidFill>
-                        <a:srgbClr val="E40121"/>
-                      </a:solidFill>
-                      <a:prstDash val="solid"/>
-                      <a:round/>
-                      <a:headEnd type="none" w="med" len="med"/>
-                      <a:tailEnd type="none" w="med" len="med"/>
-                    </a:lnR>
-                    <a:lnT w="9525" cap="flat" cmpd="sng" algn="ctr">
-                      <a:solidFill>
-                        <a:srgbClr val="E40121"/>
-                      </a:solidFill>
-                      <a:prstDash val="solid"/>
-                      <a:round/>
-                      <a:headEnd type="none" w="med" len="med"/>
-                      <a:tailEnd type="none" w="med" len="med"/>
-                    </a:lnT>
-                    <a:lnB w="9525" cap="flat" cmpd="sng" algn="ctr">
-                      <a:solidFill>
-                        <a:srgbClr val="E40121"/>
-                      </a:solidFill>
-                      <a:prstDash val="solid"/>
-                      <a:round/>
-                      <a:headEnd type="none" w="med" len="med"/>
-                      <a:tailEnd type="none" w="med" len="med"/>
-                    </a:lnB>
-                    <a:noFill/>
-                  </a:tcPr>
-                </a:tc>
-                <a:tc>
-                  <a:txBody>
-                    <a:bodyPr/>
-                    <a:lstStyle/>
-                    <a:p>
-                      <a:r>
-                        <a:rPr lang="en-US" sz="1400" dirty="0" smtClean="0">
-                          <a:solidFill>
-                            <a:schemeClr val="tx1"/>
-                          </a:solidFill>
-                        </a:rPr>
-                        <a:t>Data</a:t>
-                      </a:r>
-                      <a:endParaRPr lang="en-US" sz="1400" dirty="0">
-                        <a:solidFill>
-                          <a:schemeClr val="tx1"/>
-                        </a:solidFill>
-                      </a:endParaRPr>
-                    </a:p>
-                  </a:txBody>
-                  <a:tcPr>
-                    <a:lnL w="9525" cap="flat" cmpd="sng" algn="ctr">
-                      <a:solidFill>
-                        <a:srgbClr val="E40121"/>
-                      </a:solidFill>
-                      <a:prstDash val="solid"/>
-                      <a:round/>
-                      <a:headEnd type="none" w="med" len="med"/>
-                      <a:tailEnd type="none" w="med" len="med"/>
-                    </a:lnL>
-                    <a:lnR w="9525" cap="flat" cmpd="sng" algn="ctr">
-                      <a:solidFill>
-                        <a:srgbClr val="E40121"/>
-                      </a:solidFill>
-                      <a:prstDash val="solid"/>
-                      <a:round/>
-                      <a:headEnd type="none" w="med" len="med"/>
-                      <a:tailEnd type="none" w="med" len="med"/>
-                    </a:lnR>
-                    <a:lnT w="9525" cap="flat" cmpd="sng" algn="ctr">
-                      <a:solidFill>
-                        <a:srgbClr val="E40121"/>
-                      </a:solidFill>
-                      <a:prstDash val="solid"/>
-                      <a:round/>
-                      <a:headEnd type="none" w="med" len="med"/>
-                      <a:tailEnd type="none" w="med" len="med"/>
-                    </a:lnT>
-                    <a:lnB w="9525" cap="flat" cmpd="sng" algn="ctr">
-                      <a:solidFill>
-                        <a:srgbClr val="E40121"/>
-                      </a:solidFill>
-                      <a:prstDash val="solid"/>
-                      <a:round/>
-                      <a:headEnd type="none" w="med" len="med"/>
-                      <a:tailEnd type="none" w="med" len="med"/>
-                    </a:lnB>
-                    <a:noFill/>
-                  </a:tcPr>
-                </a:tc>
-                <a:tc>
-                  <a:txBody>
-                    <a:bodyPr/>
-                    <a:lstStyle/>
-                    <a:p>
-                      <a:r>
-                        <a:rPr lang="en-US" sz="1400" dirty="0" smtClean="0">
-                          <a:solidFill>
-                            <a:schemeClr val="tx1"/>
-                          </a:solidFill>
-                        </a:rPr>
-                        <a:t>Data</a:t>
-                      </a:r>
-                      <a:endParaRPr lang="en-US" sz="1400" dirty="0">
-                        <a:solidFill>
-                          <a:schemeClr val="tx1"/>
-                        </a:solidFill>
-                      </a:endParaRPr>
-                    </a:p>
-                  </a:txBody>
-                  <a:tcPr>
-                    <a:lnL w="9525" cap="flat" cmpd="sng" algn="ctr">
-                      <a:solidFill>
-                        <a:srgbClr val="E40121"/>
-                      </a:solidFill>
-                      <a:prstDash val="solid"/>
-                      <a:round/>
-                      <a:headEnd type="none" w="med" len="med"/>
-                      <a:tailEnd type="none" w="med" len="med"/>
-                    </a:lnL>
-                    <a:lnR w="9525" cap="flat" cmpd="sng" algn="ctr">
-                      <a:solidFill>
-                        <a:srgbClr val="E40121"/>
-                      </a:solidFill>
-                      <a:prstDash val="solid"/>
-                      <a:round/>
-                      <a:headEnd type="none" w="med" len="med"/>
-                      <a:tailEnd type="none" w="med" len="med"/>
-                    </a:lnR>
-                    <a:lnT w="9525" cap="flat" cmpd="sng" algn="ctr">
-                      <a:solidFill>
-                        <a:srgbClr val="E40121"/>
-                      </a:solidFill>
-                      <a:prstDash val="solid"/>
-                      <a:round/>
-                      <a:headEnd type="none" w="med" len="med"/>
-                      <a:tailEnd type="none" w="med" len="med"/>
-                    </a:lnT>
-                    <a:lnB w="9525" cap="flat" cmpd="sng" algn="ctr">
-                      <a:solidFill>
-                        <a:srgbClr val="E40121"/>
-                      </a:solidFill>
-                      <a:prstDash val="solid"/>
-                      <a:round/>
-                      <a:headEnd type="none" w="med" len="med"/>
-                      <a:tailEnd type="none" w="med" len="med"/>
-                    </a:lnB>
-                    <a:noFill/>
-                  </a:tcPr>
-                </a:tc>
-              </a:tr>
-            </a:tbl>
-          </a:graphicData>
-        </a:graphic>
-      </p:graphicFrame>
-      <p:sp>
-        <p:nvSpPr>
-          <p:cNvPr id="6" name="Rectangle 5"/>
-          <p:cNvSpPr/>
-          <p:nvPr/>
-        </p:nvSpPr>
-        <p:spPr>
-          <a:xfrm>
-            <a:off x="9708121" y="1805102"/>
-            <a:ext cx="2886198" cy="1511188"/>
-          </a:xfrm>
-          <a:prstGeom prst="rect">
-            <a:avLst/>
-          </a:prstGeom>
-          <a:solidFill>
-            <a:schemeClr val="bg1"/>
-          </a:solidFill>
-          <a:ln>
-            <a:noFill/>
-          </a:ln>
-          <a:effectLst/>
-        </p:spPr>
-        <p:style>
-          <a:lnRef idx="1">
-            <a:schemeClr val="accent1"/>
-          </a:lnRef>
-          <a:fillRef idx="3">
-            <a:schemeClr val="accent1"/>
-          </a:fillRef>
-          <a:effectRef idx="2">
-            <a:schemeClr val="accent1"/>
-          </a:effectRef>
-          <a:fontRef idx="minor">
-            <a:schemeClr val="lt1"/>
-          </a:fontRef>
-        </p:style>
-        <p:txBody>
-          <a:bodyPr rot="0" spcFirstLastPara="0" vertOverflow="overflow" horzOverflow="overflow" vert="horz" wrap="square" lIns="91440" tIns="45720" rIns="91440" bIns="45720" numCol="1" spcCol="0" rtlCol="0" fromWordArt="0" anchor="t" anchorCtr="0" forceAA="0" compatLnSpc="1">
-            <a:prstTxWarp prst="textNoShape">
-              <a:avLst/>
-            </a:prstTxWarp>
-            <a:noAutofit/>
-          </a:bodyPr>
-          <a:lstStyle/>
-          <a:p>
-            <a:r>
-              <a:rPr lang="en-US" b="1" dirty="0" smtClean="0">
-                <a:solidFill>
-                  <a:schemeClr val="accent2"/>
-                </a:solidFill>
-              </a:rPr>
-              <a:t>Instructions</a:t>
-            </a:r>
-          </a:p>
-          <a:p>
-            <a:pPr>
-              <a:spcBef>
-                <a:spcPts val="600"/>
-              </a:spcBef>
-            </a:pPr>
-            <a:r>
-              <a:rPr lang="en-US" dirty="0" smtClean="0">
-                <a:solidFill>
-                  <a:srgbClr val="1E1C1C"/>
-                </a:solidFill>
-              </a:rPr>
-              <a:t>When building tables, copy and paste this table and adjust it to fit your content.</a:t>
-            </a:r>
-            <a:endParaRPr lang="en-US" dirty="0">
-              <a:solidFill>
-                <a:srgbClr val="1E1C1C"/>
-              </a:solidFill>
-            </a:endParaRPr>
-          </a:p>
-        </p:txBody>
-      </p:sp>
-    </p:spTree>
-    <p:extLst>
-      <p:ext uri="{BB962C8B-B14F-4D97-AF65-F5344CB8AC3E}">
-        <p14:creationId xmlns:p14="http://schemas.microsoft.com/office/powerpoint/2010/main" val="3887295841"/>
-      </p:ext>
-    </p:extLst>
-  </p:cSld>
-  <p:clrMapOvr>
-    <a:masterClrMapping/>
-  </p:clrMapOvr>
-  <mc:AlternateContent xmlns:mc="http://schemas.openxmlformats.org/markup-compatibility/2006">
-    <mc:Choice xmlns:p14="http://schemas.microsoft.com/office/powerpoint/2010/main" Requires="p14">
-      <p:transition spd="slow" p14:dur="2000"/>
-    </mc:Choice>
-    <mc:Fallback>
-      <p:transition xmlns:p14="http://schemas.microsoft.com/office/powerpoint/2010/main" spd="slow"/>
-    </mc:Fallback>
-  </mc:AlternateContent>
-  <p:timing>
-    <p:tnLst>
-      <p:par>
-        <p:cTn xmlns:p14="http://schemas.microsoft.com/office/powerpoint/2010/main" id="1" dur="indefinite" restart="never" nodeType="tmRoot"/>
-      </p:par>
-    </p:tnLst>
-  </p:timing>
-</p:sld>
-</file>
-
-<file path=ppt/slides/slide31.xml><?xml version="1.0" encoding="utf-8"?>
-<p:sld xmlns:a="http://schemas.openxmlformats.org/drawingml/2006/main" xmlns:r="http://schemas.openxmlformats.org/officeDocument/2006/relationships" xmlns:p="http://schemas.openxmlformats.org/presentationml/2006/main" show="0">
-  <p:cSld>
-    <p:spTree>
-      <p:nvGrpSpPr>
-        <p:cNvPr id="1" name=""/>
-        <p:cNvGrpSpPr/>
-        <p:nvPr/>
-      </p:nvGrpSpPr>
-      <p:grpSpPr>
-        <a:xfrm>
-          <a:off x="0" y="0"/>
-          <a:ext cx="0" cy="0"/>
-          <a:chOff x="0" y="0"/>
-          <a:chExt cx="0" cy="0"/>
-        </a:xfrm>
-      </p:grpSpPr>
-      <p:sp>
-        <p:nvSpPr>
-          <p:cNvPr id="2" name="Title 1"/>
-          <p:cNvSpPr>
-            <a:spLocks noGrp="1"/>
-          </p:cNvSpPr>
-          <p:nvPr>
-            <p:ph type="title"/>
-          </p:nvPr>
-        </p:nvSpPr>
-        <p:spPr/>
-        <p:txBody>
-          <a:bodyPr/>
-          <a:lstStyle/>
-          <a:p>
-            <a:r>
-              <a:rPr lang="en-US" dirty="0" smtClean="0"/>
-              <a:t>Pie Charts</a:t>
-            </a:r>
-            <a:endParaRPr lang="en-US" dirty="0"/>
-          </a:p>
-        </p:txBody>
-      </p:sp>
-      <p:graphicFrame>
-        <p:nvGraphicFramePr>
-          <p:cNvPr id="4" name="Chart 3"/>
-          <p:cNvGraphicFramePr/>
-          <p:nvPr>
-            <p:extLst>
-              <p:ext uri="{D42A27DB-BD31-4B8C-83A1-F6EECF244321}">
-                <p14:modId xmlns:p14="http://schemas.microsoft.com/office/powerpoint/2010/main" val="3609615416"/>
-              </p:ext>
-            </p:extLst>
-          </p:nvPr>
-        </p:nvGraphicFramePr>
-        <p:xfrm>
-          <a:off x="2004738" y="1448285"/>
-          <a:ext cx="3526982" cy="3236359"/>
-        </p:xfrm>
-        <a:graphic>
-          <a:graphicData uri="http://schemas.openxmlformats.org/drawingml/2006/chart">
-            <c:chart xmlns:c="http://schemas.openxmlformats.org/drawingml/2006/chart" xmlns:r="http://schemas.openxmlformats.org/officeDocument/2006/relationships" r:id="rId2"/>
-          </a:graphicData>
-        </a:graphic>
-      </p:graphicFrame>
-      <p:grpSp>
-        <p:nvGrpSpPr>
-          <p:cNvPr id="23" name="Group 22"/>
-          <p:cNvGrpSpPr/>
-          <p:nvPr/>
-        </p:nvGrpSpPr>
-        <p:grpSpPr>
-          <a:xfrm>
-            <a:off x="5877959" y="2060272"/>
-            <a:ext cx="1605242" cy="318916"/>
-            <a:chOff x="5504142" y="1896696"/>
-            <a:chExt cx="1934604" cy="384351"/>
-          </a:xfrm>
-        </p:grpSpPr>
-        <p:sp>
-          <p:nvSpPr>
-            <p:cNvPr id="5" name="TextBox 4"/>
-            <p:cNvSpPr txBox="1"/>
-            <p:nvPr/>
-          </p:nvSpPr>
-          <p:spPr>
-            <a:xfrm>
-              <a:off x="6512328" y="1969110"/>
-              <a:ext cx="926418" cy="289657"/>
-            </a:xfrm>
-            <a:prstGeom prst="rect">
-              <a:avLst/>
-            </a:prstGeom>
-            <a:noFill/>
-          </p:spPr>
-          <p:txBody>
-            <a:bodyPr wrap="none" lIns="0" tIns="0" rIns="0" bIns="0" rtlCol="0" anchor="ctr">
-              <a:noAutofit/>
-            </a:bodyPr>
-            <a:lstStyle/>
-            <a:p>
-              <a:pPr>
-                <a:lnSpc>
-                  <a:spcPct val="60000"/>
-                </a:lnSpc>
-              </a:pPr>
-              <a:r>
-                <a:rPr lang="en-US" sz="1600" dirty="0" smtClean="0"/>
-                <a:t>January</a:t>
-              </a:r>
-              <a:endParaRPr lang="en-US" sz="1600" dirty="0"/>
-            </a:p>
-          </p:txBody>
-        </p:sp>
-        <p:sp>
-          <p:nvSpPr>
-            <p:cNvPr id="11" name="TextBox 10"/>
-            <p:cNvSpPr txBox="1"/>
-            <p:nvPr/>
-          </p:nvSpPr>
-          <p:spPr>
-            <a:xfrm>
-              <a:off x="5504142" y="1896696"/>
-              <a:ext cx="926418" cy="384351"/>
-            </a:xfrm>
-            <a:prstGeom prst="rect">
-              <a:avLst/>
-            </a:prstGeom>
-            <a:solidFill>
-              <a:schemeClr val="accent1"/>
-            </a:solidFill>
-          </p:spPr>
-          <p:txBody>
-            <a:bodyPr wrap="none" lIns="0" tIns="0" rIns="91440" bIns="0" rtlCol="0" anchor="ctr">
-              <a:noAutofit/>
-            </a:bodyPr>
-            <a:lstStyle/>
-            <a:p>
-              <a:pPr algn="r">
-                <a:lnSpc>
-                  <a:spcPct val="60000"/>
-                </a:lnSpc>
-              </a:pPr>
-              <a:r>
-                <a:rPr lang="en-US" sz="1600" b="1" dirty="0" smtClean="0">
-                  <a:solidFill>
-                    <a:schemeClr val="bg2"/>
-                  </a:solidFill>
-                </a:rPr>
-                <a:t>35%</a:t>
-              </a:r>
-              <a:endParaRPr lang="en-US" sz="1600" b="1" dirty="0">
-                <a:solidFill>
-                  <a:schemeClr val="bg2"/>
-                </a:solidFill>
-              </a:endParaRPr>
-            </a:p>
-          </p:txBody>
-        </p:sp>
-      </p:grpSp>
-      <p:grpSp>
-        <p:nvGrpSpPr>
-          <p:cNvPr id="24" name="Group 23"/>
-          <p:cNvGrpSpPr/>
-          <p:nvPr/>
-        </p:nvGrpSpPr>
-        <p:grpSpPr>
-          <a:xfrm>
-            <a:off x="5877959" y="2425253"/>
-            <a:ext cx="1605242" cy="318916"/>
-            <a:chOff x="5504142" y="2331181"/>
-            <a:chExt cx="1934604" cy="384351"/>
-          </a:xfrm>
-        </p:grpSpPr>
-        <p:sp>
-          <p:nvSpPr>
-            <p:cNvPr id="13" name="TextBox 12"/>
-            <p:cNvSpPr txBox="1"/>
-            <p:nvPr/>
-          </p:nvSpPr>
-          <p:spPr>
-            <a:xfrm>
-              <a:off x="6512328" y="2403595"/>
-              <a:ext cx="926418" cy="289657"/>
-            </a:xfrm>
-            <a:prstGeom prst="rect">
-              <a:avLst/>
-            </a:prstGeom>
-            <a:noFill/>
-          </p:spPr>
-          <p:txBody>
-            <a:bodyPr wrap="none" lIns="0" tIns="0" rIns="0" bIns="0" rtlCol="0" anchor="ctr">
-              <a:noAutofit/>
-            </a:bodyPr>
-            <a:lstStyle/>
-            <a:p>
-              <a:pPr>
-                <a:lnSpc>
-                  <a:spcPct val="60000"/>
-                </a:lnSpc>
-              </a:pPr>
-              <a:r>
-                <a:rPr lang="en-US" sz="1600" dirty="0" smtClean="0"/>
-                <a:t>February</a:t>
-              </a:r>
-              <a:endParaRPr lang="en-US" sz="1600" dirty="0"/>
-            </a:p>
-          </p:txBody>
-        </p:sp>
-        <p:sp>
-          <p:nvSpPr>
-            <p:cNvPr id="14" name="TextBox 13"/>
-            <p:cNvSpPr txBox="1"/>
-            <p:nvPr/>
-          </p:nvSpPr>
-          <p:spPr>
-            <a:xfrm>
-              <a:off x="5504142" y="2331181"/>
-              <a:ext cx="926418" cy="384351"/>
-            </a:xfrm>
-            <a:prstGeom prst="rect">
-              <a:avLst/>
-            </a:prstGeom>
-            <a:solidFill>
-              <a:schemeClr val="accent2"/>
-            </a:solidFill>
-          </p:spPr>
-          <p:txBody>
-            <a:bodyPr wrap="none" lIns="0" tIns="0" rIns="91440" bIns="0" rtlCol="0" anchor="ctr">
-              <a:noAutofit/>
-            </a:bodyPr>
-            <a:lstStyle/>
-            <a:p>
-              <a:pPr algn="r">
-                <a:lnSpc>
-                  <a:spcPct val="60000"/>
-                </a:lnSpc>
-              </a:pPr>
-              <a:r>
-                <a:rPr lang="en-US" sz="1600" b="1" dirty="0" smtClean="0">
-                  <a:solidFill>
-                    <a:schemeClr val="bg2"/>
-                  </a:solidFill>
-                </a:rPr>
-                <a:t>14%</a:t>
-              </a:r>
-              <a:endParaRPr lang="en-US" sz="1600" b="1" dirty="0">
-                <a:solidFill>
-                  <a:schemeClr val="bg2"/>
-                </a:solidFill>
-              </a:endParaRPr>
-            </a:p>
-          </p:txBody>
-        </p:sp>
-      </p:grpSp>
-      <p:grpSp>
-        <p:nvGrpSpPr>
-          <p:cNvPr id="25" name="Group 24"/>
-          <p:cNvGrpSpPr/>
-          <p:nvPr/>
-        </p:nvGrpSpPr>
-        <p:grpSpPr>
-          <a:xfrm>
-            <a:off x="5877959" y="2790235"/>
-            <a:ext cx="1605242" cy="318916"/>
-            <a:chOff x="5504142" y="2765667"/>
-            <a:chExt cx="1934604" cy="384351"/>
-          </a:xfrm>
-        </p:grpSpPr>
-        <p:sp>
-          <p:nvSpPr>
-            <p:cNvPr id="15" name="TextBox 14"/>
-            <p:cNvSpPr txBox="1"/>
-            <p:nvPr/>
-          </p:nvSpPr>
-          <p:spPr>
-            <a:xfrm>
-              <a:off x="6512328" y="2838081"/>
-              <a:ext cx="926418" cy="289657"/>
-            </a:xfrm>
-            <a:prstGeom prst="rect">
-              <a:avLst/>
-            </a:prstGeom>
-            <a:noFill/>
-          </p:spPr>
-          <p:txBody>
-            <a:bodyPr wrap="none" lIns="0" tIns="0" rIns="0" bIns="0" rtlCol="0" anchor="ctr">
-              <a:noAutofit/>
-            </a:bodyPr>
-            <a:lstStyle/>
-            <a:p>
-              <a:pPr>
-                <a:lnSpc>
-                  <a:spcPct val="60000"/>
-                </a:lnSpc>
-              </a:pPr>
-              <a:r>
-                <a:rPr lang="en-US" sz="1600" dirty="0" smtClean="0"/>
-                <a:t>March</a:t>
-              </a:r>
-              <a:endParaRPr lang="en-US" sz="1600" dirty="0"/>
-            </a:p>
-          </p:txBody>
-        </p:sp>
-        <p:sp>
-          <p:nvSpPr>
-            <p:cNvPr id="16" name="TextBox 15"/>
-            <p:cNvSpPr txBox="1"/>
-            <p:nvPr/>
-          </p:nvSpPr>
-          <p:spPr>
-            <a:xfrm>
-              <a:off x="5504142" y="2765667"/>
-              <a:ext cx="926418" cy="384351"/>
-            </a:xfrm>
-            <a:prstGeom prst="rect">
-              <a:avLst/>
-            </a:prstGeom>
-            <a:solidFill>
-              <a:srgbClr val="FD7505"/>
-            </a:solidFill>
-          </p:spPr>
-          <p:txBody>
-            <a:bodyPr wrap="none" lIns="0" tIns="0" rIns="91440" bIns="0" rtlCol="0" anchor="ctr">
-              <a:noAutofit/>
-            </a:bodyPr>
-            <a:lstStyle/>
-            <a:p>
-              <a:pPr algn="r">
-                <a:lnSpc>
-                  <a:spcPct val="60000"/>
-                </a:lnSpc>
-              </a:pPr>
-              <a:r>
-                <a:rPr lang="en-US" sz="1600" b="1" dirty="0" smtClean="0">
-                  <a:solidFill>
-                    <a:schemeClr val="bg2"/>
-                  </a:solidFill>
-                </a:rPr>
-                <a:t>6%</a:t>
-              </a:r>
-              <a:endParaRPr lang="en-US" sz="1600" b="1" dirty="0">
-                <a:solidFill>
-                  <a:schemeClr val="bg2"/>
-                </a:solidFill>
-              </a:endParaRPr>
-            </a:p>
-          </p:txBody>
-        </p:sp>
-      </p:grpSp>
-      <p:grpSp>
-        <p:nvGrpSpPr>
-          <p:cNvPr id="26" name="Group 25"/>
-          <p:cNvGrpSpPr/>
-          <p:nvPr/>
-        </p:nvGrpSpPr>
-        <p:grpSpPr>
-          <a:xfrm>
-            <a:off x="5877959" y="3155216"/>
-            <a:ext cx="1605242" cy="318916"/>
-            <a:chOff x="5504142" y="3200152"/>
-            <a:chExt cx="1934604" cy="384351"/>
-          </a:xfrm>
-        </p:grpSpPr>
-        <p:sp>
-          <p:nvSpPr>
-            <p:cNvPr id="17" name="TextBox 16"/>
-            <p:cNvSpPr txBox="1"/>
-            <p:nvPr/>
-          </p:nvSpPr>
-          <p:spPr>
-            <a:xfrm>
-              <a:off x="6512328" y="3272566"/>
-              <a:ext cx="926418" cy="289657"/>
-            </a:xfrm>
-            <a:prstGeom prst="rect">
-              <a:avLst/>
-            </a:prstGeom>
-            <a:noFill/>
-          </p:spPr>
-          <p:txBody>
-            <a:bodyPr wrap="none" lIns="0" tIns="0" rIns="0" bIns="0" rtlCol="0" anchor="ctr">
-              <a:noAutofit/>
-            </a:bodyPr>
-            <a:lstStyle/>
-            <a:p>
-              <a:pPr>
-                <a:lnSpc>
-                  <a:spcPct val="60000"/>
-                </a:lnSpc>
-              </a:pPr>
-              <a:r>
-                <a:rPr lang="en-US" sz="1600" dirty="0" smtClean="0"/>
-                <a:t>April</a:t>
-              </a:r>
-              <a:endParaRPr lang="en-US" sz="1600" dirty="0"/>
-            </a:p>
-          </p:txBody>
-        </p:sp>
-        <p:sp>
-          <p:nvSpPr>
-            <p:cNvPr id="18" name="TextBox 17"/>
-            <p:cNvSpPr txBox="1"/>
-            <p:nvPr/>
-          </p:nvSpPr>
-          <p:spPr>
-            <a:xfrm>
-              <a:off x="5504142" y="3200152"/>
-              <a:ext cx="926418" cy="384351"/>
-            </a:xfrm>
-            <a:prstGeom prst="rect">
-              <a:avLst/>
-            </a:prstGeom>
-            <a:solidFill>
-              <a:srgbClr val="FEB91D"/>
-            </a:solidFill>
-          </p:spPr>
-          <p:txBody>
-            <a:bodyPr wrap="none" lIns="0" tIns="0" rIns="91440" bIns="0" rtlCol="0" anchor="ctr">
-              <a:noAutofit/>
-            </a:bodyPr>
-            <a:lstStyle/>
-            <a:p>
-              <a:pPr algn="r">
-                <a:lnSpc>
-                  <a:spcPct val="60000"/>
-                </a:lnSpc>
-              </a:pPr>
-              <a:r>
-                <a:rPr lang="en-US" sz="1600" b="1" dirty="0" smtClean="0">
-                  <a:solidFill>
-                    <a:schemeClr val="bg2"/>
-                  </a:solidFill>
-                </a:rPr>
-                <a:t>5%</a:t>
-              </a:r>
-              <a:endParaRPr lang="en-US" sz="1600" b="1" dirty="0">
-                <a:solidFill>
-                  <a:schemeClr val="bg2"/>
-                </a:solidFill>
-              </a:endParaRPr>
-            </a:p>
-          </p:txBody>
-        </p:sp>
-      </p:grpSp>
-      <p:grpSp>
-        <p:nvGrpSpPr>
-          <p:cNvPr id="27" name="Group 26"/>
-          <p:cNvGrpSpPr/>
-          <p:nvPr/>
-        </p:nvGrpSpPr>
-        <p:grpSpPr>
-          <a:xfrm>
-            <a:off x="5877959" y="3520197"/>
-            <a:ext cx="1605242" cy="318916"/>
-            <a:chOff x="5504142" y="3661550"/>
-            <a:chExt cx="1934604" cy="384351"/>
-          </a:xfrm>
-        </p:grpSpPr>
-        <p:sp>
-          <p:nvSpPr>
-            <p:cNvPr id="19" name="TextBox 18"/>
-            <p:cNvSpPr txBox="1"/>
-            <p:nvPr/>
-          </p:nvSpPr>
-          <p:spPr>
-            <a:xfrm>
-              <a:off x="6512328" y="3733964"/>
-              <a:ext cx="926418" cy="289657"/>
-            </a:xfrm>
-            <a:prstGeom prst="rect">
-              <a:avLst/>
-            </a:prstGeom>
-            <a:noFill/>
-          </p:spPr>
-          <p:txBody>
-            <a:bodyPr wrap="none" lIns="0" tIns="0" rIns="0" bIns="0" rtlCol="0" anchor="ctr">
-              <a:noAutofit/>
-            </a:bodyPr>
-            <a:lstStyle/>
-            <a:p>
-              <a:pPr>
-                <a:lnSpc>
-                  <a:spcPct val="60000"/>
-                </a:lnSpc>
-              </a:pPr>
-              <a:r>
-                <a:rPr lang="en-US" sz="1600" dirty="0" smtClean="0"/>
-                <a:t>May</a:t>
-              </a:r>
-              <a:endParaRPr lang="en-US" sz="1600" dirty="0"/>
-            </a:p>
-          </p:txBody>
-        </p:sp>
-        <p:sp>
-          <p:nvSpPr>
-            <p:cNvPr id="20" name="TextBox 19"/>
-            <p:cNvSpPr txBox="1"/>
-            <p:nvPr/>
-          </p:nvSpPr>
-          <p:spPr>
-            <a:xfrm>
-              <a:off x="5504142" y="3661550"/>
-              <a:ext cx="926418" cy="384351"/>
-            </a:xfrm>
-            <a:prstGeom prst="rect">
-              <a:avLst/>
-            </a:prstGeom>
-            <a:solidFill>
-              <a:schemeClr val="accent5"/>
-            </a:solidFill>
-          </p:spPr>
-          <p:txBody>
-            <a:bodyPr wrap="none" lIns="0" tIns="0" rIns="91440" bIns="0" rtlCol="0" anchor="ctr">
-              <a:noAutofit/>
-            </a:bodyPr>
-            <a:lstStyle/>
-            <a:p>
-              <a:pPr algn="r">
-                <a:lnSpc>
-                  <a:spcPct val="60000"/>
-                </a:lnSpc>
-              </a:pPr>
-              <a:r>
-                <a:rPr lang="en-US" sz="1600" b="1" dirty="0" smtClean="0">
-                  <a:solidFill>
-                    <a:schemeClr val="bg2"/>
-                  </a:solidFill>
-                </a:rPr>
-                <a:t>23%</a:t>
-              </a:r>
-              <a:endParaRPr lang="en-US" sz="1600" b="1" dirty="0">
-                <a:solidFill>
-                  <a:schemeClr val="bg2"/>
-                </a:solidFill>
-              </a:endParaRPr>
-            </a:p>
-          </p:txBody>
-        </p:sp>
-      </p:grpSp>
-      <p:grpSp>
-        <p:nvGrpSpPr>
-          <p:cNvPr id="28" name="Group 27"/>
-          <p:cNvGrpSpPr/>
-          <p:nvPr/>
-        </p:nvGrpSpPr>
-        <p:grpSpPr>
-          <a:xfrm>
-            <a:off x="5877959" y="3885178"/>
-            <a:ext cx="1605242" cy="318916"/>
-            <a:chOff x="5504142" y="4096035"/>
-            <a:chExt cx="1934604" cy="384351"/>
-          </a:xfrm>
-        </p:grpSpPr>
-        <p:sp>
-          <p:nvSpPr>
-            <p:cNvPr id="21" name="TextBox 20"/>
-            <p:cNvSpPr txBox="1"/>
-            <p:nvPr/>
-          </p:nvSpPr>
-          <p:spPr>
-            <a:xfrm>
-              <a:off x="6512328" y="4168449"/>
-              <a:ext cx="926418" cy="289657"/>
-            </a:xfrm>
-            <a:prstGeom prst="rect">
-              <a:avLst/>
-            </a:prstGeom>
-            <a:noFill/>
-          </p:spPr>
-          <p:txBody>
-            <a:bodyPr wrap="none" lIns="0" tIns="0" rIns="0" bIns="0" rtlCol="0" anchor="ctr">
-              <a:noAutofit/>
-            </a:bodyPr>
-            <a:lstStyle/>
-            <a:p>
-              <a:pPr>
-                <a:lnSpc>
-                  <a:spcPct val="60000"/>
-                </a:lnSpc>
-              </a:pPr>
-              <a:r>
-                <a:rPr lang="en-US" sz="1600" dirty="0" smtClean="0"/>
-                <a:t>June</a:t>
-              </a:r>
-              <a:endParaRPr lang="en-US" sz="1600" dirty="0"/>
-            </a:p>
-          </p:txBody>
-        </p:sp>
-        <p:sp>
-          <p:nvSpPr>
-            <p:cNvPr id="22" name="TextBox 21"/>
-            <p:cNvSpPr txBox="1"/>
-            <p:nvPr/>
-          </p:nvSpPr>
-          <p:spPr>
-            <a:xfrm>
-              <a:off x="5504142" y="4096035"/>
-              <a:ext cx="926418" cy="384351"/>
-            </a:xfrm>
-            <a:prstGeom prst="rect">
-              <a:avLst/>
-            </a:prstGeom>
-            <a:solidFill>
-              <a:schemeClr val="accent6"/>
-            </a:solidFill>
-          </p:spPr>
-          <p:txBody>
-            <a:bodyPr wrap="none" lIns="0" tIns="0" rIns="91440" bIns="0" rtlCol="0" anchor="ctr">
-              <a:noAutofit/>
-            </a:bodyPr>
-            <a:lstStyle/>
-            <a:p>
-              <a:pPr algn="r">
-                <a:lnSpc>
-                  <a:spcPct val="60000"/>
-                </a:lnSpc>
-              </a:pPr>
-              <a:r>
-                <a:rPr lang="en-US" sz="1600" b="1" dirty="0" smtClean="0">
-                  <a:solidFill>
-                    <a:schemeClr val="bg2"/>
-                  </a:solidFill>
-                </a:rPr>
-                <a:t>18%</a:t>
-              </a:r>
-              <a:endParaRPr lang="en-US" sz="1600" b="1" dirty="0">
-                <a:solidFill>
-                  <a:schemeClr val="bg2"/>
-                </a:solidFill>
-              </a:endParaRPr>
-            </a:p>
-          </p:txBody>
-        </p:sp>
-      </p:grpSp>
-      <p:sp>
-        <p:nvSpPr>
-          <p:cNvPr id="29" name="Rectangle 28"/>
-          <p:cNvSpPr/>
-          <p:nvPr/>
-        </p:nvSpPr>
-        <p:spPr>
-          <a:xfrm>
-            <a:off x="9708121" y="1805102"/>
-            <a:ext cx="2886198" cy="2879542"/>
-          </a:xfrm>
-          <a:prstGeom prst="rect">
-            <a:avLst/>
-          </a:prstGeom>
-          <a:solidFill>
-            <a:schemeClr val="bg1"/>
-          </a:solidFill>
-          <a:ln>
-            <a:noFill/>
-          </a:ln>
-          <a:effectLst/>
-        </p:spPr>
-        <p:style>
-          <a:lnRef idx="1">
-            <a:schemeClr val="accent1"/>
-          </a:lnRef>
-          <a:fillRef idx="3">
-            <a:schemeClr val="accent1"/>
-          </a:fillRef>
-          <a:effectRef idx="2">
-            <a:schemeClr val="accent1"/>
-          </a:effectRef>
-          <a:fontRef idx="minor">
-            <a:schemeClr val="lt1"/>
-          </a:fontRef>
-        </p:style>
-        <p:txBody>
-          <a:bodyPr rot="0" spcFirstLastPara="0" vertOverflow="overflow" horzOverflow="overflow" vert="horz" wrap="square" lIns="91440" tIns="45720" rIns="91440" bIns="45720" numCol="1" spcCol="0" rtlCol="0" fromWordArt="0" anchor="t" anchorCtr="0" forceAA="0" compatLnSpc="1">
-            <a:prstTxWarp prst="textNoShape">
-              <a:avLst/>
-            </a:prstTxWarp>
-            <a:noAutofit/>
-          </a:bodyPr>
-          <a:lstStyle/>
-          <a:p>
-            <a:r>
-              <a:rPr lang="en-US" b="1" dirty="0" smtClean="0">
-                <a:solidFill>
-                  <a:schemeClr val="accent2"/>
-                </a:solidFill>
-              </a:rPr>
-              <a:t>Instructions</a:t>
-            </a:r>
-          </a:p>
-          <a:p>
-            <a:pPr>
-              <a:spcBef>
-                <a:spcPts val="600"/>
-              </a:spcBef>
-            </a:pPr>
-            <a:r>
-              <a:rPr lang="en-US" dirty="0" smtClean="0">
-                <a:solidFill>
-                  <a:srgbClr val="1E1C1C"/>
-                </a:solidFill>
-              </a:rPr>
-              <a:t>When building a pie chart, copy and paste this chart and the </a:t>
-            </a:r>
-            <a:r>
-              <a:rPr lang="en-US" i="1" dirty="0" smtClean="0">
-                <a:solidFill>
-                  <a:srgbClr val="1E1C1C"/>
-                </a:solidFill>
-              </a:rPr>
-              <a:t>separate legend</a:t>
-            </a:r>
-            <a:r>
-              <a:rPr lang="en-US" dirty="0" smtClean="0">
-                <a:solidFill>
-                  <a:srgbClr val="1E1C1C"/>
-                </a:solidFill>
-              </a:rPr>
-              <a:t> and adjust the chart data to suit your needs. Remember to manually adjust the legend as it is not directly tied to the chart or its data.</a:t>
-            </a:r>
-            <a:endParaRPr lang="en-US" dirty="0">
-              <a:solidFill>
-                <a:srgbClr val="1E1C1C"/>
-              </a:solidFill>
-            </a:endParaRPr>
-          </a:p>
-        </p:txBody>
-      </p:sp>
-    </p:spTree>
-    <p:extLst>
-      <p:ext uri="{BB962C8B-B14F-4D97-AF65-F5344CB8AC3E}">
-        <p14:creationId xmlns:p14="http://schemas.microsoft.com/office/powerpoint/2010/main" val="1202082860"/>
-      </p:ext>
-    </p:extLst>
-  </p:cSld>
-  <p:clrMapOvr>
-    <a:masterClrMapping/>
-  </p:clrMapOvr>
-  <mc:AlternateContent xmlns:mc="http://schemas.openxmlformats.org/markup-compatibility/2006">
-    <mc:Choice xmlns:p14="http://schemas.microsoft.com/office/powerpoint/2010/main" Requires="p14">
-      <p:transition spd="slow" p14:dur="2000"/>
-    </mc:Choice>
-    <mc:Fallback>
-      <p:transition xmlns:p14="http://schemas.microsoft.com/office/powerpoint/2010/main" spd="slow"/>
-    </mc:Fallback>
-  </mc:AlternateContent>
-  <p:timing>
-    <p:tnLst>
-      <p:par>
-        <p:cTn xmlns:p14="http://schemas.microsoft.com/office/powerpoint/2010/main" id="1" dur="indefinite" restart="never" nodeType="tmRoot"/>
-      </p:par>
-    </p:tnLst>
-  </p:timing>
-</p:sld>
-</file>
-
-<file path=ppt/slides/slide32.xml><?xml version="1.0" encoding="utf-8"?>
-<p:sld xmlns:a="http://schemas.openxmlformats.org/drawingml/2006/main" xmlns:r="http://schemas.openxmlformats.org/officeDocument/2006/relationships" xmlns:p="http://schemas.openxmlformats.org/presentationml/2006/main" show="0">
-  <p:cSld>
-    <p:spTree>
-      <p:nvGrpSpPr>
-        <p:cNvPr id="1" name=""/>
-        <p:cNvGrpSpPr/>
-        <p:nvPr/>
-      </p:nvGrpSpPr>
-      <p:grpSpPr>
-        <a:xfrm>
-          <a:off x="0" y="0"/>
-          <a:ext cx="0" cy="0"/>
-          <a:chOff x="0" y="0"/>
-          <a:chExt cx="0" cy="0"/>
-        </a:xfrm>
-      </p:grpSpPr>
-      <p:sp>
-        <p:nvSpPr>
-          <p:cNvPr id="2" name="Title 1"/>
-          <p:cNvSpPr>
-            <a:spLocks noGrp="1"/>
-          </p:cNvSpPr>
-          <p:nvPr>
-            <p:ph type="title"/>
-          </p:nvPr>
-        </p:nvSpPr>
-        <p:spPr/>
-        <p:txBody>
-          <a:bodyPr/>
-          <a:lstStyle/>
-          <a:p>
-            <a:r>
-              <a:rPr lang="en-US" dirty="0" smtClean="0"/>
-              <a:t>Doughnut Charts</a:t>
-            </a:r>
-            <a:endParaRPr lang="en-US" dirty="0"/>
-          </a:p>
-        </p:txBody>
-      </p:sp>
-      <p:graphicFrame>
-        <p:nvGraphicFramePr>
-          <p:cNvPr id="4" name="Chart 3"/>
-          <p:cNvGraphicFramePr/>
-          <p:nvPr>
-            <p:extLst>
-              <p:ext uri="{D42A27DB-BD31-4B8C-83A1-F6EECF244321}">
-                <p14:modId xmlns:p14="http://schemas.microsoft.com/office/powerpoint/2010/main" val="4045973701"/>
-              </p:ext>
-            </p:extLst>
-          </p:nvPr>
-        </p:nvGraphicFramePr>
-        <p:xfrm>
-          <a:off x="2004738" y="1448285"/>
-          <a:ext cx="3526982" cy="3236359"/>
-        </p:xfrm>
-        <a:graphic>
-          <a:graphicData uri="http://schemas.openxmlformats.org/drawingml/2006/chart">
-            <c:chart xmlns:c="http://schemas.openxmlformats.org/drawingml/2006/chart" xmlns:r="http://schemas.openxmlformats.org/officeDocument/2006/relationships" r:id="rId2"/>
-          </a:graphicData>
-        </a:graphic>
-      </p:graphicFrame>
-      <p:grpSp>
-        <p:nvGrpSpPr>
-          <p:cNvPr id="23" name="Group 22"/>
-          <p:cNvGrpSpPr/>
-          <p:nvPr/>
-        </p:nvGrpSpPr>
-        <p:grpSpPr>
-          <a:xfrm>
-            <a:off x="5877959" y="2060272"/>
-            <a:ext cx="1605242" cy="318916"/>
-            <a:chOff x="5504142" y="1896696"/>
-            <a:chExt cx="1934604" cy="384351"/>
-          </a:xfrm>
-        </p:grpSpPr>
-        <p:sp>
-          <p:nvSpPr>
-            <p:cNvPr id="5" name="TextBox 4"/>
-            <p:cNvSpPr txBox="1"/>
-            <p:nvPr/>
-          </p:nvSpPr>
-          <p:spPr>
-            <a:xfrm>
-              <a:off x="6512328" y="1969110"/>
-              <a:ext cx="926418" cy="289657"/>
-            </a:xfrm>
-            <a:prstGeom prst="rect">
-              <a:avLst/>
-            </a:prstGeom>
-            <a:noFill/>
-          </p:spPr>
-          <p:txBody>
-            <a:bodyPr wrap="none" lIns="0" tIns="0" rIns="0" bIns="0" rtlCol="0" anchor="ctr">
-              <a:noAutofit/>
-            </a:bodyPr>
-            <a:lstStyle/>
-            <a:p>
-              <a:pPr>
-                <a:lnSpc>
-                  <a:spcPct val="60000"/>
-                </a:lnSpc>
-              </a:pPr>
-              <a:r>
-                <a:rPr lang="en-US" sz="1600" dirty="0" smtClean="0"/>
-                <a:t>January</a:t>
-              </a:r>
-              <a:endParaRPr lang="en-US" sz="1600" dirty="0"/>
-            </a:p>
-          </p:txBody>
-        </p:sp>
-        <p:sp>
-          <p:nvSpPr>
-            <p:cNvPr id="11" name="TextBox 10"/>
-            <p:cNvSpPr txBox="1"/>
-            <p:nvPr/>
-          </p:nvSpPr>
-          <p:spPr>
-            <a:xfrm>
-              <a:off x="5504142" y="1896696"/>
-              <a:ext cx="926418" cy="384351"/>
-            </a:xfrm>
-            <a:prstGeom prst="rect">
-              <a:avLst/>
-            </a:prstGeom>
-            <a:solidFill>
-              <a:schemeClr val="accent1"/>
-            </a:solidFill>
-          </p:spPr>
-          <p:txBody>
-            <a:bodyPr wrap="none" lIns="0" tIns="0" rIns="91440" bIns="0" rtlCol="0" anchor="ctr">
-              <a:noAutofit/>
-            </a:bodyPr>
-            <a:lstStyle/>
-            <a:p>
-              <a:pPr algn="r">
-                <a:lnSpc>
-                  <a:spcPct val="60000"/>
-                </a:lnSpc>
-              </a:pPr>
-              <a:r>
-                <a:rPr lang="en-US" sz="1600" b="1" dirty="0" smtClean="0">
-                  <a:solidFill>
-                    <a:schemeClr val="bg2"/>
-                  </a:solidFill>
-                </a:rPr>
-                <a:t>35%</a:t>
-              </a:r>
-              <a:endParaRPr lang="en-US" sz="1600" b="1" dirty="0">
-                <a:solidFill>
-                  <a:schemeClr val="bg2"/>
-                </a:solidFill>
-              </a:endParaRPr>
-            </a:p>
-          </p:txBody>
-        </p:sp>
-      </p:grpSp>
-      <p:grpSp>
-        <p:nvGrpSpPr>
-          <p:cNvPr id="24" name="Group 23"/>
-          <p:cNvGrpSpPr/>
-          <p:nvPr/>
-        </p:nvGrpSpPr>
-        <p:grpSpPr>
-          <a:xfrm>
-            <a:off x="5877959" y="2425253"/>
-            <a:ext cx="1605242" cy="318916"/>
-            <a:chOff x="5504142" y="2331181"/>
-            <a:chExt cx="1934604" cy="384351"/>
-          </a:xfrm>
-        </p:grpSpPr>
-        <p:sp>
-          <p:nvSpPr>
-            <p:cNvPr id="13" name="TextBox 12"/>
-            <p:cNvSpPr txBox="1"/>
-            <p:nvPr/>
-          </p:nvSpPr>
-          <p:spPr>
-            <a:xfrm>
-              <a:off x="6512328" y="2403595"/>
-              <a:ext cx="926418" cy="289657"/>
-            </a:xfrm>
-            <a:prstGeom prst="rect">
-              <a:avLst/>
-            </a:prstGeom>
-            <a:noFill/>
-          </p:spPr>
-          <p:txBody>
-            <a:bodyPr wrap="none" lIns="0" tIns="0" rIns="0" bIns="0" rtlCol="0" anchor="ctr">
-              <a:noAutofit/>
-            </a:bodyPr>
-            <a:lstStyle/>
-            <a:p>
-              <a:pPr>
-                <a:lnSpc>
-                  <a:spcPct val="60000"/>
-                </a:lnSpc>
-              </a:pPr>
-              <a:r>
-                <a:rPr lang="en-US" sz="1600" dirty="0" smtClean="0"/>
-                <a:t>February</a:t>
-              </a:r>
-              <a:endParaRPr lang="en-US" sz="1600" dirty="0"/>
-            </a:p>
-          </p:txBody>
-        </p:sp>
-        <p:sp>
-          <p:nvSpPr>
-            <p:cNvPr id="14" name="TextBox 13"/>
-            <p:cNvSpPr txBox="1"/>
-            <p:nvPr/>
-          </p:nvSpPr>
-          <p:spPr>
-            <a:xfrm>
-              <a:off x="5504142" y="2331181"/>
-              <a:ext cx="926418" cy="384351"/>
-            </a:xfrm>
-            <a:prstGeom prst="rect">
-              <a:avLst/>
-            </a:prstGeom>
-            <a:solidFill>
-              <a:schemeClr val="accent2"/>
-            </a:solidFill>
-          </p:spPr>
-          <p:txBody>
-            <a:bodyPr wrap="none" lIns="0" tIns="0" rIns="91440" bIns="0" rtlCol="0" anchor="ctr">
-              <a:noAutofit/>
-            </a:bodyPr>
-            <a:lstStyle/>
-            <a:p>
-              <a:pPr algn="r">
-                <a:lnSpc>
-                  <a:spcPct val="60000"/>
-                </a:lnSpc>
-              </a:pPr>
-              <a:r>
-                <a:rPr lang="en-US" sz="1600" b="1" dirty="0" smtClean="0">
-                  <a:solidFill>
-                    <a:schemeClr val="bg2"/>
-                  </a:solidFill>
-                </a:rPr>
-                <a:t>14%</a:t>
-              </a:r>
-              <a:endParaRPr lang="en-US" sz="1600" b="1" dirty="0">
-                <a:solidFill>
-                  <a:schemeClr val="bg2"/>
-                </a:solidFill>
-              </a:endParaRPr>
-            </a:p>
-          </p:txBody>
-        </p:sp>
-      </p:grpSp>
-      <p:grpSp>
-        <p:nvGrpSpPr>
-          <p:cNvPr id="25" name="Group 24"/>
-          <p:cNvGrpSpPr/>
-          <p:nvPr/>
-        </p:nvGrpSpPr>
-        <p:grpSpPr>
-          <a:xfrm>
-            <a:off x="5877959" y="2790235"/>
-            <a:ext cx="1605242" cy="318916"/>
-            <a:chOff x="5504142" y="2765667"/>
-            <a:chExt cx="1934604" cy="384351"/>
-          </a:xfrm>
-        </p:grpSpPr>
-        <p:sp>
-          <p:nvSpPr>
-            <p:cNvPr id="15" name="TextBox 14"/>
-            <p:cNvSpPr txBox="1"/>
-            <p:nvPr/>
-          </p:nvSpPr>
-          <p:spPr>
-            <a:xfrm>
-              <a:off x="6512328" y="2838081"/>
-              <a:ext cx="926418" cy="289657"/>
-            </a:xfrm>
-            <a:prstGeom prst="rect">
-              <a:avLst/>
-            </a:prstGeom>
-            <a:noFill/>
-          </p:spPr>
-          <p:txBody>
-            <a:bodyPr wrap="none" lIns="0" tIns="0" rIns="0" bIns="0" rtlCol="0" anchor="ctr">
-              <a:noAutofit/>
-            </a:bodyPr>
-            <a:lstStyle/>
-            <a:p>
-              <a:pPr>
-                <a:lnSpc>
-                  <a:spcPct val="60000"/>
-                </a:lnSpc>
-              </a:pPr>
-              <a:r>
-                <a:rPr lang="en-US" sz="1600" dirty="0" smtClean="0"/>
-                <a:t>March</a:t>
-              </a:r>
-              <a:endParaRPr lang="en-US" sz="1600" dirty="0"/>
-            </a:p>
-          </p:txBody>
-        </p:sp>
-        <p:sp>
-          <p:nvSpPr>
-            <p:cNvPr id="16" name="TextBox 15"/>
-            <p:cNvSpPr txBox="1"/>
-            <p:nvPr/>
-          </p:nvSpPr>
-          <p:spPr>
-            <a:xfrm>
-              <a:off x="5504142" y="2765667"/>
-              <a:ext cx="926418" cy="384351"/>
-            </a:xfrm>
-            <a:prstGeom prst="rect">
-              <a:avLst/>
-            </a:prstGeom>
-            <a:solidFill>
-              <a:srgbClr val="FD7505"/>
-            </a:solidFill>
-          </p:spPr>
-          <p:txBody>
-            <a:bodyPr wrap="none" lIns="0" tIns="0" rIns="91440" bIns="0" rtlCol="0" anchor="ctr">
-              <a:noAutofit/>
-            </a:bodyPr>
-            <a:lstStyle/>
-            <a:p>
-              <a:pPr algn="r">
-                <a:lnSpc>
-                  <a:spcPct val="60000"/>
-                </a:lnSpc>
-              </a:pPr>
-              <a:r>
-                <a:rPr lang="en-US" sz="1600" b="1" dirty="0" smtClean="0">
-                  <a:solidFill>
-                    <a:schemeClr val="bg2"/>
-                  </a:solidFill>
-                </a:rPr>
-                <a:t>6%</a:t>
-              </a:r>
-              <a:endParaRPr lang="en-US" sz="1600" b="1" dirty="0">
-                <a:solidFill>
-                  <a:schemeClr val="bg2"/>
-                </a:solidFill>
-              </a:endParaRPr>
-            </a:p>
-          </p:txBody>
-        </p:sp>
-      </p:grpSp>
-      <p:grpSp>
-        <p:nvGrpSpPr>
-          <p:cNvPr id="26" name="Group 25"/>
-          <p:cNvGrpSpPr/>
-          <p:nvPr/>
-        </p:nvGrpSpPr>
-        <p:grpSpPr>
-          <a:xfrm>
-            <a:off x="5877959" y="3155216"/>
-            <a:ext cx="1605242" cy="318916"/>
-            <a:chOff x="5504142" y="3200152"/>
-            <a:chExt cx="1934604" cy="384351"/>
-          </a:xfrm>
-        </p:grpSpPr>
-        <p:sp>
-          <p:nvSpPr>
-            <p:cNvPr id="17" name="TextBox 16"/>
-            <p:cNvSpPr txBox="1"/>
-            <p:nvPr/>
-          </p:nvSpPr>
-          <p:spPr>
-            <a:xfrm>
-              <a:off x="6512328" y="3272566"/>
-              <a:ext cx="926418" cy="289657"/>
-            </a:xfrm>
-            <a:prstGeom prst="rect">
-              <a:avLst/>
-            </a:prstGeom>
-            <a:noFill/>
-          </p:spPr>
-          <p:txBody>
-            <a:bodyPr wrap="none" lIns="0" tIns="0" rIns="0" bIns="0" rtlCol="0" anchor="ctr">
-              <a:noAutofit/>
-            </a:bodyPr>
-            <a:lstStyle/>
-            <a:p>
-              <a:pPr>
-                <a:lnSpc>
-                  <a:spcPct val="60000"/>
-                </a:lnSpc>
-              </a:pPr>
-              <a:r>
-                <a:rPr lang="en-US" sz="1600" dirty="0" smtClean="0"/>
-                <a:t>April</a:t>
-              </a:r>
-              <a:endParaRPr lang="en-US" sz="1600" dirty="0"/>
-            </a:p>
-          </p:txBody>
-        </p:sp>
-        <p:sp>
-          <p:nvSpPr>
-            <p:cNvPr id="18" name="TextBox 17"/>
-            <p:cNvSpPr txBox="1"/>
-            <p:nvPr/>
-          </p:nvSpPr>
-          <p:spPr>
-            <a:xfrm>
-              <a:off x="5504142" y="3200152"/>
-              <a:ext cx="926418" cy="384351"/>
-            </a:xfrm>
-            <a:prstGeom prst="rect">
-              <a:avLst/>
-            </a:prstGeom>
-            <a:solidFill>
-              <a:srgbClr val="FEB91D"/>
-            </a:solidFill>
-          </p:spPr>
-          <p:txBody>
-            <a:bodyPr wrap="none" lIns="0" tIns="0" rIns="91440" bIns="0" rtlCol="0" anchor="ctr">
-              <a:noAutofit/>
-            </a:bodyPr>
-            <a:lstStyle/>
-            <a:p>
-              <a:pPr algn="r">
-                <a:lnSpc>
-                  <a:spcPct val="60000"/>
-                </a:lnSpc>
-              </a:pPr>
-              <a:r>
-                <a:rPr lang="en-US" sz="1600" b="1" dirty="0" smtClean="0">
-                  <a:solidFill>
-                    <a:schemeClr val="bg2"/>
-                  </a:solidFill>
-                </a:rPr>
-                <a:t>5%</a:t>
-              </a:r>
-              <a:endParaRPr lang="en-US" sz="1600" b="1" dirty="0">
-                <a:solidFill>
-                  <a:schemeClr val="bg2"/>
-                </a:solidFill>
-              </a:endParaRPr>
-            </a:p>
-          </p:txBody>
-        </p:sp>
-      </p:grpSp>
-      <p:grpSp>
-        <p:nvGrpSpPr>
-          <p:cNvPr id="27" name="Group 26"/>
-          <p:cNvGrpSpPr/>
-          <p:nvPr/>
-        </p:nvGrpSpPr>
-        <p:grpSpPr>
-          <a:xfrm>
-            <a:off x="5877959" y="3520197"/>
-            <a:ext cx="1605242" cy="318916"/>
-            <a:chOff x="5504142" y="3661550"/>
-            <a:chExt cx="1934604" cy="384351"/>
-          </a:xfrm>
-        </p:grpSpPr>
-        <p:sp>
-          <p:nvSpPr>
-            <p:cNvPr id="19" name="TextBox 18"/>
-            <p:cNvSpPr txBox="1"/>
-            <p:nvPr/>
-          </p:nvSpPr>
-          <p:spPr>
-            <a:xfrm>
-              <a:off x="6512328" y="3733964"/>
-              <a:ext cx="926418" cy="289657"/>
-            </a:xfrm>
-            <a:prstGeom prst="rect">
-              <a:avLst/>
-            </a:prstGeom>
-            <a:noFill/>
-          </p:spPr>
-          <p:txBody>
-            <a:bodyPr wrap="none" lIns="0" tIns="0" rIns="0" bIns="0" rtlCol="0" anchor="ctr">
-              <a:noAutofit/>
-            </a:bodyPr>
-            <a:lstStyle/>
-            <a:p>
-              <a:pPr>
-                <a:lnSpc>
-                  <a:spcPct val="60000"/>
-                </a:lnSpc>
-              </a:pPr>
-              <a:r>
-                <a:rPr lang="en-US" sz="1600" dirty="0" smtClean="0"/>
-                <a:t>May</a:t>
-              </a:r>
-              <a:endParaRPr lang="en-US" sz="1600" dirty="0"/>
-            </a:p>
-          </p:txBody>
-        </p:sp>
-        <p:sp>
-          <p:nvSpPr>
-            <p:cNvPr id="20" name="TextBox 19"/>
-            <p:cNvSpPr txBox="1"/>
-            <p:nvPr/>
-          </p:nvSpPr>
-          <p:spPr>
-            <a:xfrm>
-              <a:off x="5504142" y="3661550"/>
-              <a:ext cx="926418" cy="384351"/>
-            </a:xfrm>
-            <a:prstGeom prst="rect">
-              <a:avLst/>
-            </a:prstGeom>
-            <a:solidFill>
-              <a:schemeClr val="accent5"/>
-            </a:solidFill>
-          </p:spPr>
-          <p:txBody>
-            <a:bodyPr wrap="none" lIns="0" tIns="0" rIns="91440" bIns="0" rtlCol="0" anchor="ctr">
-              <a:noAutofit/>
-            </a:bodyPr>
-            <a:lstStyle/>
-            <a:p>
-              <a:pPr algn="r">
-                <a:lnSpc>
-                  <a:spcPct val="60000"/>
-                </a:lnSpc>
-              </a:pPr>
-              <a:r>
-                <a:rPr lang="en-US" sz="1600" b="1" dirty="0" smtClean="0">
-                  <a:solidFill>
-                    <a:schemeClr val="bg2"/>
-                  </a:solidFill>
-                </a:rPr>
-                <a:t>23%</a:t>
-              </a:r>
-              <a:endParaRPr lang="en-US" sz="1600" b="1" dirty="0">
-                <a:solidFill>
-                  <a:schemeClr val="bg2"/>
-                </a:solidFill>
-              </a:endParaRPr>
-            </a:p>
-          </p:txBody>
-        </p:sp>
-      </p:grpSp>
-      <p:grpSp>
-        <p:nvGrpSpPr>
-          <p:cNvPr id="28" name="Group 27"/>
-          <p:cNvGrpSpPr/>
-          <p:nvPr/>
-        </p:nvGrpSpPr>
-        <p:grpSpPr>
-          <a:xfrm>
-            <a:off x="5877959" y="3885178"/>
-            <a:ext cx="1605242" cy="318916"/>
-            <a:chOff x="5504142" y="4096035"/>
-            <a:chExt cx="1934604" cy="384351"/>
-          </a:xfrm>
-        </p:grpSpPr>
-        <p:sp>
-          <p:nvSpPr>
-            <p:cNvPr id="21" name="TextBox 20"/>
-            <p:cNvSpPr txBox="1"/>
-            <p:nvPr/>
-          </p:nvSpPr>
-          <p:spPr>
-            <a:xfrm>
-              <a:off x="6512328" y="4168449"/>
-              <a:ext cx="926418" cy="289657"/>
-            </a:xfrm>
-            <a:prstGeom prst="rect">
-              <a:avLst/>
-            </a:prstGeom>
-            <a:noFill/>
-          </p:spPr>
-          <p:txBody>
-            <a:bodyPr wrap="none" lIns="0" tIns="0" rIns="0" bIns="0" rtlCol="0" anchor="ctr">
-              <a:noAutofit/>
-            </a:bodyPr>
-            <a:lstStyle/>
-            <a:p>
-              <a:pPr>
-                <a:lnSpc>
-                  <a:spcPct val="60000"/>
-                </a:lnSpc>
-              </a:pPr>
-              <a:r>
-                <a:rPr lang="en-US" sz="1600" dirty="0" smtClean="0"/>
-                <a:t>June</a:t>
-              </a:r>
-              <a:endParaRPr lang="en-US" sz="1600" dirty="0"/>
-            </a:p>
-          </p:txBody>
-        </p:sp>
-        <p:sp>
-          <p:nvSpPr>
-            <p:cNvPr id="22" name="TextBox 21"/>
-            <p:cNvSpPr txBox="1"/>
-            <p:nvPr/>
-          </p:nvSpPr>
-          <p:spPr>
-            <a:xfrm>
-              <a:off x="5504142" y="4096035"/>
-              <a:ext cx="926418" cy="384351"/>
-            </a:xfrm>
-            <a:prstGeom prst="rect">
-              <a:avLst/>
-            </a:prstGeom>
-            <a:solidFill>
-              <a:schemeClr val="accent6"/>
-            </a:solidFill>
-          </p:spPr>
-          <p:txBody>
-            <a:bodyPr wrap="none" lIns="0" tIns="0" rIns="91440" bIns="0" rtlCol="0" anchor="ctr">
-              <a:noAutofit/>
-            </a:bodyPr>
-            <a:lstStyle/>
-            <a:p>
-              <a:pPr algn="r">
-                <a:lnSpc>
-                  <a:spcPct val="60000"/>
-                </a:lnSpc>
-              </a:pPr>
-              <a:r>
-                <a:rPr lang="en-US" sz="1600" b="1" dirty="0" smtClean="0">
-                  <a:solidFill>
-                    <a:schemeClr val="bg2"/>
-                  </a:solidFill>
-                </a:rPr>
-                <a:t>18%</a:t>
-              </a:r>
-              <a:endParaRPr lang="en-US" sz="1600" b="1" dirty="0">
-                <a:solidFill>
-                  <a:schemeClr val="bg2"/>
-                </a:solidFill>
-              </a:endParaRPr>
-            </a:p>
-          </p:txBody>
-        </p:sp>
-      </p:grpSp>
-      <p:sp>
-        <p:nvSpPr>
-          <p:cNvPr id="29" name="Rectangle 28"/>
-          <p:cNvSpPr/>
-          <p:nvPr/>
-        </p:nvSpPr>
-        <p:spPr>
-          <a:xfrm>
-            <a:off x="9708121" y="1805102"/>
-            <a:ext cx="2886198" cy="2879542"/>
-          </a:xfrm>
-          <a:prstGeom prst="rect">
-            <a:avLst/>
-          </a:prstGeom>
-          <a:solidFill>
-            <a:schemeClr val="bg1"/>
-          </a:solidFill>
-          <a:ln>
-            <a:noFill/>
-          </a:ln>
-          <a:effectLst/>
-        </p:spPr>
-        <p:style>
-          <a:lnRef idx="1">
-            <a:schemeClr val="accent1"/>
-          </a:lnRef>
-          <a:fillRef idx="3">
-            <a:schemeClr val="accent1"/>
-          </a:fillRef>
-          <a:effectRef idx="2">
-            <a:schemeClr val="accent1"/>
-          </a:effectRef>
-          <a:fontRef idx="minor">
-            <a:schemeClr val="lt1"/>
-          </a:fontRef>
-        </p:style>
-        <p:txBody>
-          <a:bodyPr rot="0" spcFirstLastPara="0" vertOverflow="overflow" horzOverflow="overflow" vert="horz" wrap="square" lIns="91440" tIns="45720" rIns="91440" bIns="45720" numCol="1" spcCol="0" rtlCol="0" fromWordArt="0" anchor="t" anchorCtr="0" forceAA="0" compatLnSpc="1">
-            <a:prstTxWarp prst="textNoShape">
-              <a:avLst/>
-            </a:prstTxWarp>
-            <a:noAutofit/>
-          </a:bodyPr>
-          <a:lstStyle/>
-          <a:p>
-            <a:r>
-              <a:rPr lang="en-US" b="1" dirty="0" smtClean="0">
-                <a:solidFill>
-                  <a:schemeClr val="accent2"/>
-                </a:solidFill>
-              </a:rPr>
-              <a:t>Instructions</a:t>
-            </a:r>
-          </a:p>
-          <a:p>
-            <a:pPr>
-              <a:spcBef>
-                <a:spcPts val="600"/>
-              </a:spcBef>
-            </a:pPr>
-            <a:r>
-              <a:rPr lang="en-US" dirty="0" smtClean="0">
-                <a:solidFill>
-                  <a:srgbClr val="1E1C1C"/>
-                </a:solidFill>
-              </a:rPr>
-              <a:t>When building a doughnut chart, copy and paste this chart and the </a:t>
-            </a:r>
-            <a:r>
-              <a:rPr lang="en-US" i="1" dirty="0" smtClean="0">
-                <a:solidFill>
-                  <a:srgbClr val="1E1C1C"/>
-                </a:solidFill>
-              </a:rPr>
-              <a:t>separate legend</a:t>
-            </a:r>
-            <a:r>
-              <a:rPr lang="en-US" dirty="0" smtClean="0">
-                <a:solidFill>
-                  <a:srgbClr val="1E1C1C"/>
-                </a:solidFill>
-              </a:rPr>
-              <a:t> and adjust the chart data to suit your needs. Remember to manually adjust the legend as it is not directly tied to the chart or its data.</a:t>
-            </a:r>
-            <a:endParaRPr lang="en-US" dirty="0">
-              <a:solidFill>
-                <a:srgbClr val="1E1C1C"/>
-              </a:solidFill>
-            </a:endParaRPr>
-          </a:p>
-        </p:txBody>
-      </p:sp>
-    </p:spTree>
-    <p:extLst>
-      <p:ext uri="{BB962C8B-B14F-4D97-AF65-F5344CB8AC3E}">
-        <p14:creationId xmlns:p14="http://schemas.microsoft.com/office/powerpoint/2010/main" val="794657106"/>
-      </p:ext>
-    </p:extLst>
-  </p:cSld>
-  <p:clrMapOvr>
-    <a:masterClrMapping/>
-  </p:clrMapOvr>
-  <mc:AlternateContent xmlns:mc="http://schemas.openxmlformats.org/markup-compatibility/2006">
-    <mc:Choice xmlns:p14="http://schemas.microsoft.com/office/powerpoint/2010/main" Requires="p14">
-      <p:transition spd="slow" p14:dur="2000"/>
-    </mc:Choice>
-    <mc:Fallback>
-      <p:transition xmlns:p14="http://schemas.microsoft.com/office/powerpoint/2010/main" spd="slow"/>
-    </mc:Fallback>
-  </mc:AlternateContent>
-  <p:timing>
-    <p:tnLst>
-      <p:par>
-        <p:cTn xmlns:p14="http://schemas.microsoft.com/office/powerpoint/2010/main" id="1" dur="indefinite" restart="never" nodeType="tmRoot"/>
-      </p:par>
-    </p:tnLst>
-  </p:timing>
-</p:sld>
-</file>
-
-<file path=ppt/slides/slide33.xml><?xml version="1.0" encoding="utf-8"?>
-<p:sld xmlns:a="http://schemas.openxmlformats.org/drawingml/2006/main" xmlns:r="http://schemas.openxmlformats.org/officeDocument/2006/relationships" xmlns:p="http://schemas.openxmlformats.org/presentationml/2006/main" show="0">
-  <p:cSld>
-    <p:spTree>
-      <p:nvGrpSpPr>
-        <p:cNvPr id="1" name=""/>
-        <p:cNvGrpSpPr/>
-        <p:nvPr/>
-      </p:nvGrpSpPr>
-      <p:grpSpPr>
-        <a:xfrm>
-          <a:off x="0" y="0"/>
-          <a:ext cx="0" cy="0"/>
-          <a:chOff x="0" y="0"/>
-          <a:chExt cx="0" cy="0"/>
-        </a:xfrm>
-      </p:grpSpPr>
-      <p:sp>
-        <p:nvSpPr>
-          <p:cNvPr id="2" name="Title 1"/>
-          <p:cNvSpPr>
-            <a:spLocks noGrp="1"/>
-          </p:cNvSpPr>
-          <p:nvPr>
-            <p:ph type="title"/>
-          </p:nvPr>
-        </p:nvSpPr>
-        <p:spPr/>
-        <p:txBody>
-          <a:bodyPr/>
-          <a:lstStyle/>
-          <a:p>
-            <a:r>
-              <a:rPr lang="en-US" dirty="0" smtClean="0"/>
-              <a:t>Column Charts</a:t>
-            </a:r>
-            <a:endParaRPr lang="en-US" dirty="0"/>
-          </a:p>
-        </p:txBody>
-      </p:sp>
-      <p:graphicFrame>
-        <p:nvGraphicFramePr>
-          <p:cNvPr id="4" name="Chart 3"/>
-          <p:cNvGraphicFramePr/>
-          <p:nvPr>
-            <p:extLst>
-              <p:ext uri="{D42A27DB-BD31-4B8C-83A1-F6EECF244321}">
-                <p14:modId xmlns:p14="http://schemas.microsoft.com/office/powerpoint/2010/main" val="2074742002"/>
-              </p:ext>
-            </p:extLst>
-          </p:nvPr>
-        </p:nvGraphicFramePr>
-        <p:xfrm>
-          <a:off x="1148405" y="1415916"/>
-          <a:ext cx="6847191" cy="3187834"/>
-        </p:xfrm>
-        <a:graphic>
-          <a:graphicData uri="http://schemas.openxmlformats.org/drawingml/2006/chart">
-            <c:chart xmlns:c="http://schemas.openxmlformats.org/drawingml/2006/chart" xmlns:r="http://schemas.openxmlformats.org/officeDocument/2006/relationships" r:id="rId2"/>
-          </a:graphicData>
-        </a:graphic>
-      </p:graphicFrame>
-      <p:sp>
-        <p:nvSpPr>
-          <p:cNvPr id="5" name="Rectangle 4"/>
-          <p:cNvSpPr/>
-          <p:nvPr/>
-        </p:nvSpPr>
-        <p:spPr>
-          <a:xfrm>
-            <a:off x="9708121" y="1805102"/>
-            <a:ext cx="2886198" cy="1669385"/>
-          </a:xfrm>
-          <a:prstGeom prst="rect">
-            <a:avLst/>
-          </a:prstGeom>
-          <a:solidFill>
-            <a:schemeClr val="bg1"/>
-          </a:solidFill>
-          <a:ln>
-            <a:noFill/>
-          </a:ln>
-          <a:effectLst/>
-        </p:spPr>
-        <p:style>
-          <a:lnRef idx="1">
-            <a:schemeClr val="accent1"/>
-          </a:lnRef>
-          <a:fillRef idx="3">
-            <a:schemeClr val="accent1"/>
-          </a:fillRef>
-          <a:effectRef idx="2">
-            <a:schemeClr val="accent1"/>
-          </a:effectRef>
-          <a:fontRef idx="minor">
-            <a:schemeClr val="lt1"/>
-          </a:fontRef>
-        </p:style>
-        <p:txBody>
-          <a:bodyPr rot="0" spcFirstLastPara="0" vertOverflow="overflow" horzOverflow="overflow" vert="horz" wrap="square" lIns="91440" tIns="45720" rIns="91440" bIns="45720" numCol="1" spcCol="0" rtlCol="0" fromWordArt="0" anchor="t" anchorCtr="0" forceAA="0" compatLnSpc="1">
-            <a:prstTxWarp prst="textNoShape">
-              <a:avLst/>
-            </a:prstTxWarp>
-            <a:noAutofit/>
-          </a:bodyPr>
-          <a:lstStyle/>
-          <a:p>
-            <a:r>
-              <a:rPr lang="en-US" b="1" dirty="0" smtClean="0">
-                <a:solidFill>
-                  <a:schemeClr val="accent2"/>
-                </a:solidFill>
-              </a:rPr>
-              <a:t>Instructions</a:t>
-            </a:r>
-          </a:p>
-          <a:p>
-            <a:pPr>
-              <a:spcBef>
-                <a:spcPts val="600"/>
-              </a:spcBef>
-            </a:pPr>
-            <a:r>
-              <a:rPr lang="en-US" dirty="0" smtClean="0">
-                <a:solidFill>
-                  <a:srgbClr val="1E1C1C"/>
-                </a:solidFill>
-              </a:rPr>
-              <a:t>When building a column chart, copy and paste this chart adjust the chart data to suit your needs. </a:t>
-            </a:r>
-            <a:endParaRPr lang="en-US" dirty="0">
-              <a:solidFill>
-                <a:srgbClr val="1E1C1C"/>
-              </a:solidFill>
-            </a:endParaRPr>
-          </a:p>
-        </p:txBody>
-      </p:sp>
-    </p:spTree>
-    <p:extLst>
-      <p:ext uri="{BB962C8B-B14F-4D97-AF65-F5344CB8AC3E}">
-        <p14:creationId xmlns:p14="http://schemas.microsoft.com/office/powerpoint/2010/main" val="1527259615"/>
-      </p:ext>
-    </p:extLst>
-  </p:cSld>
-  <p:clrMapOvr>
-    <a:masterClrMapping/>
-  </p:clrMapOvr>
-  <mc:AlternateContent xmlns:mc="http://schemas.openxmlformats.org/markup-compatibility/2006">
-    <mc:Choice xmlns:p14="http://schemas.microsoft.com/office/powerpoint/2010/main" Requires="p14">
-      <p:transition spd="slow" p14:dur="2000"/>
-    </mc:Choice>
-    <mc:Fallback>
-      <p:transition xmlns:p14="http://schemas.microsoft.com/office/powerpoint/2010/main" spd="slow"/>
-    </mc:Fallback>
-  </mc:AlternateContent>
-  <p:timing>
-    <p:tnLst>
-      <p:par>
-        <p:cTn xmlns:p14="http://schemas.microsoft.com/office/powerpoint/2010/main" id="1" dur="indefinite" restart="never" nodeType="tmRoot"/>
-      </p:par>
-    </p:tnLst>
-  </p:timing>
-</p:sld>
-</file>
-
-<file path=ppt/slides/slide34.xml><?xml version="1.0" encoding="utf-8"?>
-<p:sld xmlns:a="http://schemas.openxmlformats.org/drawingml/2006/main" xmlns:r="http://schemas.openxmlformats.org/officeDocument/2006/relationships" xmlns:p="http://schemas.openxmlformats.org/presentationml/2006/main" show="0">
-  <p:cSld>
-    <p:spTree>
-      <p:nvGrpSpPr>
-        <p:cNvPr id="1" name=""/>
-        <p:cNvGrpSpPr/>
-        <p:nvPr/>
-      </p:nvGrpSpPr>
-      <p:grpSpPr>
-        <a:xfrm>
-          <a:off x="0" y="0"/>
-          <a:ext cx="0" cy="0"/>
-          <a:chOff x="0" y="0"/>
-          <a:chExt cx="0" cy="0"/>
-        </a:xfrm>
-      </p:grpSpPr>
-      <p:sp>
-        <p:nvSpPr>
-          <p:cNvPr id="2" name="Title 1"/>
-          <p:cNvSpPr>
-            <a:spLocks noGrp="1"/>
-          </p:cNvSpPr>
-          <p:nvPr>
-            <p:ph type="title"/>
-          </p:nvPr>
-        </p:nvSpPr>
-        <p:spPr/>
-        <p:txBody>
-          <a:bodyPr/>
-          <a:lstStyle/>
-          <a:p>
-            <a:r>
-              <a:rPr lang="en-US" dirty="0" smtClean="0"/>
-              <a:t>Bar Charts</a:t>
-            </a:r>
-            <a:endParaRPr lang="en-US" dirty="0"/>
-          </a:p>
-        </p:txBody>
-      </p:sp>
-      <p:graphicFrame>
-        <p:nvGraphicFramePr>
-          <p:cNvPr id="4" name="Chart 3"/>
-          <p:cNvGraphicFramePr/>
-          <p:nvPr>
-            <p:extLst>
-              <p:ext uri="{D42A27DB-BD31-4B8C-83A1-F6EECF244321}">
-                <p14:modId xmlns:p14="http://schemas.microsoft.com/office/powerpoint/2010/main" val="1097364847"/>
-              </p:ext>
-            </p:extLst>
-          </p:nvPr>
-        </p:nvGraphicFramePr>
-        <p:xfrm>
-          <a:off x="1148405" y="1415916"/>
-          <a:ext cx="6847191" cy="3187834"/>
-        </p:xfrm>
-        <a:graphic>
-          <a:graphicData uri="http://schemas.openxmlformats.org/drawingml/2006/chart">
-            <c:chart xmlns:c="http://schemas.openxmlformats.org/drawingml/2006/chart" xmlns:r="http://schemas.openxmlformats.org/officeDocument/2006/relationships" r:id="rId2"/>
-          </a:graphicData>
-        </a:graphic>
-      </p:graphicFrame>
-      <p:sp>
-        <p:nvSpPr>
-          <p:cNvPr id="5" name="Rectangle 4"/>
-          <p:cNvSpPr/>
-          <p:nvPr/>
-        </p:nvSpPr>
-        <p:spPr>
-          <a:xfrm>
-            <a:off x="9708121" y="1805102"/>
-            <a:ext cx="2886198" cy="1669385"/>
-          </a:xfrm>
-          <a:prstGeom prst="rect">
-            <a:avLst/>
-          </a:prstGeom>
-          <a:solidFill>
-            <a:schemeClr val="bg1"/>
-          </a:solidFill>
-          <a:ln>
-            <a:noFill/>
-          </a:ln>
-          <a:effectLst/>
-        </p:spPr>
-        <p:style>
-          <a:lnRef idx="1">
-            <a:schemeClr val="accent1"/>
-          </a:lnRef>
-          <a:fillRef idx="3">
-            <a:schemeClr val="accent1"/>
-          </a:fillRef>
-          <a:effectRef idx="2">
-            <a:schemeClr val="accent1"/>
-          </a:effectRef>
-          <a:fontRef idx="minor">
-            <a:schemeClr val="lt1"/>
-          </a:fontRef>
-        </p:style>
-        <p:txBody>
-          <a:bodyPr rot="0" spcFirstLastPara="0" vertOverflow="overflow" horzOverflow="overflow" vert="horz" wrap="square" lIns="91440" tIns="45720" rIns="91440" bIns="45720" numCol="1" spcCol="0" rtlCol="0" fromWordArt="0" anchor="t" anchorCtr="0" forceAA="0" compatLnSpc="1">
-            <a:prstTxWarp prst="textNoShape">
-              <a:avLst/>
-            </a:prstTxWarp>
-            <a:noAutofit/>
-          </a:bodyPr>
-          <a:lstStyle/>
-          <a:p>
-            <a:r>
-              <a:rPr lang="en-US" b="1" dirty="0" smtClean="0">
-                <a:solidFill>
-                  <a:schemeClr val="accent2"/>
-                </a:solidFill>
-              </a:rPr>
-              <a:t>Instructions</a:t>
-            </a:r>
-          </a:p>
-          <a:p>
-            <a:pPr>
-              <a:spcBef>
-                <a:spcPts val="600"/>
-              </a:spcBef>
-            </a:pPr>
-            <a:r>
-              <a:rPr lang="en-US" dirty="0" smtClean="0">
-                <a:solidFill>
-                  <a:srgbClr val="1E1C1C"/>
-                </a:solidFill>
-              </a:rPr>
-              <a:t>When building a bar chart, copy and paste this chart adjust the chart data to suit your needs. </a:t>
-            </a:r>
-            <a:endParaRPr lang="en-US" dirty="0">
-              <a:solidFill>
-                <a:srgbClr val="1E1C1C"/>
-              </a:solidFill>
-            </a:endParaRPr>
-          </a:p>
-        </p:txBody>
-      </p:sp>
-    </p:spTree>
-    <p:extLst>
-      <p:ext uri="{BB962C8B-B14F-4D97-AF65-F5344CB8AC3E}">
-        <p14:creationId xmlns:p14="http://schemas.microsoft.com/office/powerpoint/2010/main" val="2359231653"/>
-      </p:ext>
-    </p:extLst>
-  </p:cSld>
-  <p:clrMapOvr>
-    <a:masterClrMapping/>
-  </p:clrMapOvr>
-  <mc:AlternateContent xmlns:mc="http://schemas.openxmlformats.org/markup-compatibility/2006">
-    <mc:Choice xmlns:p14="http://schemas.microsoft.com/office/powerpoint/2010/main" Requires="p14">
-      <p:transition spd="slow" p14:dur="2000"/>
-    </mc:Choice>
-    <mc:Fallback>
-      <p:transition xmlns:p14="http://schemas.microsoft.com/office/powerpoint/2010/main" spd="slow"/>
-    </mc:Fallback>
-  </mc:AlternateContent>
-  <p:timing>
-    <p:tnLst>
-      <p:par>
-        <p:cTn xmlns:p14="http://schemas.microsoft.com/office/powerpoint/2010/main" id="1" dur="indefinite" restart="never" nodeType="tmRoot"/>
-      </p:par>
-    </p:tnLst>
-  </p:timing>
-</p:sld>
-</file>
-
-<file path=ppt/slides/slide35.xml><?xml version="1.0" encoding="utf-8"?>
-<p:sld xmlns:a="http://schemas.openxmlformats.org/drawingml/2006/main" xmlns:r="http://schemas.openxmlformats.org/officeDocument/2006/relationships" xmlns:p="http://schemas.openxmlformats.org/presentationml/2006/main" show="0">
-  <p:cSld>
-    <p:spTree>
-      <p:nvGrpSpPr>
-        <p:cNvPr id="1" name=""/>
-        <p:cNvGrpSpPr/>
-        <p:nvPr/>
-      </p:nvGrpSpPr>
-      <p:grpSpPr>
-        <a:xfrm>
-          <a:off x="0" y="0"/>
-          <a:ext cx="0" cy="0"/>
-          <a:chOff x="0" y="0"/>
-          <a:chExt cx="0" cy="0"/>
-        </a:xfrm>
-      </p:grpSpPr>
-      <p:sp>
-        <p:nvSpPr>
-          <p:cNvPr id="2" name="Title 1"/>
-          <p:cNvSpPr>
-            <a:spLocks noGrp="1"/>
-          </p:cNvSpPr>
-          <p:nvPr>
-            <p:ph type="title"/>
-          </p:nvPr>
-        </p:nvSpPr>
-        <p:spPr/>
-        <p:txBody>
-          <a:bodyPr/>
-          <a:lstStyle/>
-          <a:p>
-            <a:r>
-              <a:rPr lang="en-US" dirty="0" smtClean="0"/>
-              <a:t>Line Charts</a:t>
-            </a:r>
-            <a:endParaRPr lang="en-US" dirty="0"/>
-          </a:p>
-        </p:txBody>
-      </p:sp>
-      <p:graphicFrame>
-        <p:nvGraphicFramePr>
-          <p:cNvPr id="4" name="Chart 3"/>
-          <p:cNvGraphicFramePr/>
-          <p:nvPr>
-            <p:extLst>
-              <p:ext uri="{D42A27DB-BD31-4B8C-83A1-F6EECF244321}">
-                <p14:modId xmlns:p14="http://schemas.microsoft.com/office/powerpoint/2010/main" val="528674879"/>
-              </p:ext>
-            </p:extLst>
-          </p:nvPr>
-        </p:nvGraphicFramePr>
-        <p:xfrm>
-          <a:off x="1018702" y="1426722"/>
-          <a:ext cx="7106596" cy="3009495"/>
-        </p:xfrm>
-        <a:graphic>
-          <a:graphicData uri="http://schemas.openxmlformats.org/drawingml/2006/chart">
-            <c:chart xmlns:c="http://schemas.openxmlformats.org/drawingml/2006/chart" xmlns:r="http://schemas.openxmlformats.org/officeDocument/2006/relationships" r:id="rId2"/>
-          </a:graphicData>
-        </a:graphic>
-      </p:graphicFrame>
-      <p:sp>
-        <p:nvSpPr>
-          <p:cNvPr id="5" name="Rectangle 4"/>
-          <p:cNvSpPr/>
-          <p:nvPr/>
-        </p:nvSpPr>
-        <p:spPr>
-          <a:xfrm>
-            <a:off x="9708121" y="1805102"/>
-            <a:ext cx="2886198" cy="1669385"/>
-          </a:xfrm>
-          <a:prstGeom prst="rect">
-            <a:avLst/>
-          </a:prstGeom>
-          <a:solidFill>
-            <a:schemeClr val="bg1"/>
-          </a:solidFill>
-          <a:ln>
-            <a:noFill/>
-          </a:ln>
-          <a:effectLst/>
-        </p:spPr>
-        <p:style>
-          <a:lnRef idx="1">
-            <a:schemeClr val="accent1"/>
-          </a:lnRef>
-          <a:fillRef idx="3">
-            <a:schemeClr val="accent1"/>
-          </a:fillRef>
-          <a:effectRef idx="2">
-            <a:schemeClr val="accent1"/>
-          </a:effectRef>
-          <a:fontRef idx="minor">
-            <a:schemeClr val="lt1"/>
-          </a:fontRef>
-        </p:style>
-        <p:txBody>
-          <a:bodyPr rot="0" spcFirstLastPara="0" vertOverflow="overflow" horzOverflow="overflow" vert="horz" wrap="square" lIns="91440" tIns="45720" rIns="91440" bIns="45720" numCol="1" spcCol="0" rtlCol="0" fromWordArt="0" anchor="t" anchorCtr="0" forceAA="0" compatLnSpc="1">
-            <a:prstTxWarp prst="textNoShape">
-              <a:avLst/>
-            </a:prstTxWarp>
-            <a:noAutofit/>
-          </a:bodyPr>
-          <a:lstStyle/>
-          <a:p>
-            <a:r>
-              <a:rPr lang="en-US" b="1" dirty="0" smtClean="0">
-                <a:solidFill>
-                  <a:schemeClr val="accent2"/>
-                </a:solidFill>
-              </a:rPr>
-              <a:t>Instructions</a:t>
-            </a:r>
-          </a:p>
-          <a:p>
-            <a:pPr>
-              <a:spcBef>
-                <a:spcPts val="600"/>
-              </a:spcBef>
-            </a:pPr>
-            <a:r>
-              <a:rPr lang="en-US" dirty="0" smtClean="0">
-                <a:solidFill>
-                  <a:srgbClr val="1E1C1C"/>
-                </a:solidFill>
-              </a:rPr>
-              <a:t>When building a line chart, copy and paste this chart adjust the chart data to suit your needs. </a:t>
-            </a:r>
-            <a:endParaRPr lang="en-US" dirty="0">
-              <a:solidFill>
-                <a:srgbClr val="1E1C1C"/>
-              </a:solidFill>
-            </a:endParaRPr>
-          </a:p>
-        </p:txBody>
-      </p:sp>
-    </p:spTree>
-    <p:extLst>
-      <p:ext uri="{BB962C8B-B14F-4D97-AF65-F5344CB8AC3E}">
-        <p14:creationId xmlns:p14="http://schemas.microsoft.com/office/powerpoint/2010/main" val="536808516"/>
-      </p:ext>
-    </p:extLst>
-  </p:cSld>
-  <p:clrMapOvr>
-    <a:masterClrMapping/>
-  </p:clrMapOvr>
-  <mc:AlternateContent xmlns:mc="http://schemas.openxmlformats.org/markup-compatibility/2006">
-    <mc:Choice xmlns:p14="http://schemas.microsoft.com/office/powerpoint/2010/main" Requires="p14">
-      <p:transition spd="slow" p14:dur="2000"/>
-    </mc:Choice>
-    <mc:Fallback>
-      <p:transition xmlns:p14="http://schemas.microsoft.com/office/powerpoint/2010/main" spd="slow"/>
-    </mc:Fallback>
-  </mc:AlternateContent>
-  <p:timing>
-    <p:tnLst>
-      <p:par>
-        <p:cTn xmlns:p14="http://schemas.microsoft.com/office/powerpoint/2010/main" id="1" dur="indefinite" restart="never" nodeType="tmRoot"/>
-      </p:par>
-    </p:tnLst>
-  </p:timing>
-</p:sld>
-</file>
-
-<file path=ppt/slides/slide36.xml><?xml version="1.0" encoding="utf-8"?>
-<p:sld xmlns:a="http://schemas.openxmlformats.org/drawingml/2006/main" xmlns:r="http://schemas.openxmlformats.org/officeDocument/2006/relationships" xmlns:p="http://schemas.openxmlformats.org/presentationml/2006/main" show="0">
-  <p:cSld>
-    <p:spTree>
-      <p:nvGrpSpPr>
-        <p:cNvPr id="1" name=""/>
-        <p:cNvGrpSpPr/>
-        <p:nvPr/>
-      </p:nvGrpSpPr>
-      <p:grpSpPr>
-        <a:xfrm>
-          <a:off x="0" y="0"/>
-          <a:ext cx="0" cy="0"/>
-          <a:chOff x="0" y="0"/>
-          <a:chExt cx="0" cy="0"/>
-        </a:xfrm>
-      </p:grpSpPr>
-      <p:sp>
-        <p:nvSpPr>
-          <p:cNvPr id="2" name="Title 1"/>
-          <p:cNvSpPr>
-            <a:spLocks noGrp="1"/>
-          </p:cNvSpPr>
-          <p:nvPr>
-            <p:ph type="title"/>
-          </p:nvPr>
-        </p:nvSpPr>
-        <p:spPr/>
-        <p:txBody>
-          <a:bodyPr/>
-          <a:lstStyle/>
-          <a:p>
-            <a:r>
-              <a:rPr lang="en-US" dirty="0" smtClean="0"/>
-              <a:t>Couchbase Colors for Office</a:t>
-            </a:r>
-            <a:endParaRPr lang="en-US" dirty="0"/>
-          </a:p>
-        </p:txBody>
-      </p:sp>
-      <p:grpSp>
-        <p:nvGrpSpPr>
-          <p:cNvPr id="25" name="Group 24"/>
-          <p:cNvGrpSpPr/>
-          <p:nvPr/>
-        </p:nvGrpSpPr>
-        <p:grpSpPr>
-          <a:xfrm>
-            <a:off x="749051" y="1688204"/>
-            <a:ext cx="7645898" cy="1759543"/>
-            <a:chOff x="583702" y="1688204"/>
-            <a:chExt cx="7645898" cy="1759543"/>
-          </a:xfrm>
-        </p:grpSpPr>
-        <p:grpSp>
-          <p:nvGrpSpPr>
-            <p:cNvPr id="19" name="Group 18"/>
-            <p:cNvGrpSpPr/>
-            <p:nvPr/>
-          </p:nvGrpSpPr>
-          <p:grpSpPr>
-            <a:xfrm>
-              <a:off x="583702" y="1688204"/>
-              <a:ext cx="758140" cy="1759543"/>
-              <a:chOff x="583702" y="1688204"/>
-              <a:chExt cx="758140" cy="1759543"/>
-            </a:xfrm>
-          </p:grpSpPr>
-          <p:sp>
-            <p:nvSpPr>
-              <p:cNvPr id="6" name="Oval 5"/>
-              <p:cNvSpPr/>
-              <p:nvPr/>
-            </p:nvSpPr>
-            <p:spPr>
-              <a:xfrm>
-                <a:off x="583702" y="1688204"/>
-                <a:ext cx="733570" cy="733570"/>
-              </a:xfrm>
-              <a:prstGeom prst="ellipse">
-                <a:avLst/>
-              </a:prstGeom>
-              <a:solidFill>
-                <a:srgbClr val="E1001F"/>
-              </a:solidFill>
-              <a:ln>
-                <a:noFill/>
-              </a:ln>
-              <a:effectLst/>
-            </p:spPr>
-            <p:style>
-              <a:lnRef idx="1">
-                <a:schemeClr val="accent1"/>
-              </a:lnRef>
-              <a:fillRef idx="3">
-                <a:schemeClr val="accent1"/>
-              </a:fillRef>
-              <a:effectRef idx="2">
-                <a:schemeClr val="accent1"/>
-              </a:effectRef>
-              <a:fontRef idx="minor">
-                <a:schemeClr val="lt1"/>
-              </a:fontRef>
-            </p:style>
-            <p:txBody>
-              <a:bodyPr rtlCol="0" anchor="ctr"/>
-              <a:lstStyle/>
-              <a:p>
-                <a:pPr algn="ctr"/>
-                <a:endParaRPr lang="en-US"/>
-              </a:p>
-            </p:txBody>
-          </p:sp>
-          <p:sp>
-            <p:nvSpPr>
-              <p:cNvPr id="12" name="TextBox 11"/>
-              <p:cNvSpPr txBox="1"/>
-              <p:nvPr/>
-            </p:nvSpPr>
-            <p:spPr>
-              <a:xfrm>
-                <a:off x="583702" y="2524417"/>
-                <a:ext cx="758140" cy="923330"/>
-              </a:xfrm>
-              <a:prstGeom prst="rect">
-                <a:avLst/>
-              </a:prstGeom>
-              <a:noFill/>
-            </p:spPr>
-            <p:txBody>
-              <a:bodyPr wrap="none" rtlCol="0">
-                <a:spAutoFit/>
-              </a:bodyPr>
-              <a:lstStyle/>
-              <a:p>
-                <a:r>
-                  <a:rPr lang="en-US" dirty="0"/>
-                  <a:t>R: 225</a:t>
-                </a:r>
-              </a:p>
-              <a:p>
-                <a:r>
-                  <a:rPr lang="en-US" dirty="0"/>
-                  <a:t>G: 0</a:t>
-                </a:r>
-              </a:p>
-              <a:p>
-                <a:r>
-                  <a:rPr lang="en-US" dirty="0"/>
-                  <a:t>B: 31</a:t>
-                </a:r>
-              </a:p>
-            </p:txBody>
-          </p:sp>
-        </p:grpSp>
-        <p:grpSp>
-          <p:nvGrpSpPr>
-            <p:cNvPr id="24" name="Group 23"/>
-            <p:cNvGrpSpPr/>
-            <p:nvPr/>
-          </p:nvGrpSpPr>
-          <p:grpSpPr>
-            <a:xfrm>
-              <a:off x="7456356" y="1688204"/>
-              <a:ext cx="773244" cy="1759543"/>
-              <a:chOff x="7980358" y="1688204"/>
-              <a:chExt cx="773244" cy="1759543"/>
-            </a:xfrm>
-          </p:grpSpPr>
-          <p:sp>
-            <p:nvSpPr>
-              <p:cNvPr id="7" name="Oval 6"/>
-              <p:cNvSpPr/>
-              <p:nvPr/>
-            </p:nvSpPr>
-            <p:spPr>
-              <a:xfrm>
-                <a:off x="7980358" y="1688204"/>
-                <a:ext cx="733570" cy="733570"/>
-              </a:xfrm>
-              <a:prstGeom prst="ellipse">
-                <a:avLst/>
-              </a:prstGeom>
-              <a:solidFill>
-                <a:srgbClr val="129DD8"/>
-              </a:solidFill>
-              <a:ln>
-                <a:noFill/>
-              </a:ln>
-              <a:effectLst/>
-            </p:spPr>
-            <p:style>
-              <a:lnRef idx="1">
-                <a:schemeClr val="accent1"/>
-              </a:lnRef>
-              <a:fillRef idx="3">
-                <a:schemeClr val="accent1"/>
-              </a:fillRef>
-              <a:effectRef idx="2">
-                <a:schemeClr val="accent1"/>
-              </a:effectRef>
-              <a:fontRef idx="minor">
-                <a:schemeClr val="lt1"/>
-              </a:fontRef>
-            </p:style>
-            <p:txBody>
-              <a:bodyPr rtlCol="0" anchor="ctr"/>
-              <a:lstStyle/>
-              <a:p>
-                <a:pPr algn="ctr"/>
-                <a:endParaRPr lang="en-US"/>
-              </a:p>
-            </p:txBody>
-          </p:sp>
-          <p:sp>
-            <p:nvSpPr>
-              <p:cNvPr id="13" name="TextBox 12"/>
-              <p:cNvSpPr txBox="1"/>
-              <p:nvPr/>
-            </p:nvSpPr>
-            <p:spPr>
-              <a:xfrm>
-                <a:off x="7980358" y="2524417"/>
-                <a:ext cx="773244" cy="923330"/>
-              </a:xfrm>
-              <a:prstGeom prst="rect">
-                <a:avLst/>
-              </a:prstGeom>
-              <a:solidFill>
-                <a:srgbClr val="FFFFFF"/>
-              </a:solidFill>
-            </p:spPr>
-            <p:txBody>
-              <a:bodyPr wrap="none" rtlCol="0">
-                <a:spAutoFit/>
-              </a:bodyPr>
-              <a:lstStyle/>
-              <a:p>
-                <a:r>
-                  <a:rPr lang="en-US" dirty="0" smtClean="0"/>
-                  <a:t>R: 18</a:t>
-                </a:r>
-              </a:p>
-              <a:p>
-                <a:r>
-                  <a:rPr lang="en-US" dirty="0" smtClean="0"/>
-                  <a:t>G: 157</a:t>
-                </a:r>
-              </a:p>
-              <a:p>
-                <a:r>
-                  <a:rPr lang="en-US" dirty="0" smtClean="0"/>
-                  <a:t>B: 216</a:t>
-                </a:r>
-                <a:endParaRPr lang="en-US" dirty="0"/>
-              </a:p>
-            </p:txBody>
-          </p:sp>
-        </p:grpSp>
-        <p:grpSp>
-          <p:nvGrpSpPr>
-            <p:cNvPr id="20" name="Group 19"/>
-            <p:cNvGrpSpPr/>
-            <p:nvPr/>
-          </p:nvGrpSpPr>
-          <p:grpSpPr>
-            <a:xfrm>
-              <a:off x="1944302" y="1688204"/>
-              <a:ext cx="754984" cy="1759543"/>
-              <a:chOff x="1897818" y="1688204"/>
-              <a:chExt cx="754984" cy="1759543"/>
-            </a:xfrm>
-          </p:grpSpPr>
-          <p:sp>
-            <p:nvSpPr>
-              <p:cNvPr id="8" name="Oval 7"/>
-              <p:cNvSpPr/>
-              <p:nvPr/>
-            </p:nvSpPr>
-            <p:spPr>
-              <a:xfrm>
-                <a:off x="1897818" y="1688204"/>
-                <a:ext cx="733570" cy="733570"/>
-              </a:xfrm>
-              <a:prstGeom prst="ellipse">
-                <a:avLst/>
-              </a:prstGeom>
-              <a:solidFill>
-                <a:srgbClr val="FD7505"/>
-              </a:solidFill>
-              <a:ln>
-                <a:noFill/>
-              </a:ln>
-              <a:effectLst/>
-            </p:spPr>
-            <p:style>
-              <a:lnRef idx="1">
-                <a:schemeClr val="accent1"/>
-              </a:lnRef>
-              <a:fillRef idx="3">
-                <a:schemeClr val="accent1"/>
-              </a:fillRef>
-              <a:effectRef idx="2">
-                <a:schemeClr val="accent1"/>
-              </a:effectRef>
-              <a:fontRef idx="minor">
-                <a:schemeClr val="lt1"/>
-              </a:fontRef>
-            </p:style>
-            <p:txBody>
-              <a:bodyPr rtlCol="0" anchor="ctr"/>
-              <a:lstStyle/>
-              <a:p>
-                <a:pPr algn="ctr"/>
-                <a:endParaRPr lang="en-US"/>
-              </a:p>
-            </p:txBody>
-          </p:sp>
-          <p:sp>
-            <p:nvSpPr>
-              <p:cNvPr id="14" name="TextBox 13"/>
-              <p:cNvSpPr txBox="1"/>
-              <p:nvPr/>
-            </p:nvSpPr>
-            <p:spPr>
-              <a:xfrm>
-                <a:off x="1897818" y="2524417"/>
-                <a:ext cx="754984" cy="923330"/>
-              </a:xfrm>
-              <a:prstGeom prst="rect">
-                <a:avLst/>
-              </a:prstGeom>
-              <a:noFill/>
-            </p:spPr>
-            <p:txBody>
-              <a:bodyPr wrap="none" rtlCol="0">
-                <a:spAutoFit/>
-              </a:bodyPr>
-              <a:lstStyle/>
-              <a:p>
-                <a:r>
-                  <a:rPr lang="en-US" dirty="0" smtClean="0"/>
-                  <a:t>R: 253</a:t>
-                </a:r>
-              </a:p>
-              <a:p>
-                <a:r>
-                  <a:rPr lang="en-US" dirty="0" smtClean="0"/>
-                  <a:t>G: 117</a:t>
-                </a:r>
-              </a:p>
-              <a:p>
-                <a:r>
-                  <a:rPr lang="en-US" dirty="0" smtClean="0"/>
-                  <a:t>B: </a:t>
-                </a:r>
-                <a:r>
-                  <a:rPr lang="en-US" dirty="0"/>
-                  <a:t>5</a:t>
-                </a:r>
-              </a:p>
-            </p:txBody>
-          </p:sp>
-        </p:grpSp>
-        <p:grpSp>
-          <p:nvGrpSpPr>
-            <p:cNvPr id="21" name="Group 20"/>
-            <p:cNvGrpSpPr/>
-            <p:nvPr/>
-          </p:nvGrpSpPr>
-          <p:grpSpPr>
-            <a:xfrm>
-              <a:off x="3301746" y="1688204"/>
-              <a:ext cx="785304" cy="1759543"/>
-              <a:chOff x="3211935" y="1688204"/>
-              <a:chExt cx="785304" cy="1759543"/>
-            </a:xfrm>
-          </p:grpSpPr>
-          <p:sp>
-            <p:nvSpPr>
-              <p:cNvPr id="9" name="Oval 8"/>
-              <p:cNvSpPr/>
-              <p:nvPr/>
-            </p:nvSpPr>
-            <p:spPr>
-              <a:xfrm>
-                <a:off x="3211935" y="1688204"/>
-                <a:ext cx="733570" cy="733570"/>
-              </a:xfrm>
-              <a:prstGeom prst="ellipse">
-                <a:avLst/>
-              </a:prstGeom>
-              <a:solidFill>
-                <a:srgbClr val="FEB91D"/>
-              </a:solidFill>
-              <a:ln>
-                <a:noFill/>
-              </a:ln>
-              <a:effectLst/>
-            </p:spPr>
-            <p:style>
-              <a:lnRef idx="1">
-                <a:schemeClr val="accent1"/>
-              </a:lnRef>
-              <a:fillRef idx="3">
-                <a:schemeClr val="accent1"/>
-              </a:fillRef>
-              <a:effectRef idx="2">
-                <a:schemeClr val="accent1"/>
-              </a:effectRef>
-              <a:fontRef idx="minor">
-                <a:schemeClr val="lt1"/>
-              </a:fontRef>
-            </p:style>
-            <p:txBody>
-              <a:bodyPr rtlCol="0" anchor="ctr"/>
-              <a:lstStyle/>
-              <a:p>
-                <a:pPr algn="ctr"/>
-                <a:endParaRPr lang="en-US"/>
-              </a:p>
-            </p:txBody>
-          </p:sp>
-          <p:sp>
-            <p:nvSpPr>
-              <p:cNvPr id="15" name="TextBox 14"/>
-              <p:cNvSpPr txBox="1"/>
-              <p:nvPr/>
-            </p:nvSpPr>
-            <p:spPr>
-              <a:xfrm>
-                <a:off x="3211935" y="2524417"/>
-                <a:ext cx="785304" cy="923330"/>
-              </a:xfrm>
-              <a:prstGeom prst="rect">
-                <a:avLst/>
-              </a:prstGeom>
-              <a:noFill/>
-            </p:spPr>
-            <p:txBody>
-              <a:bodyPr wrap="none" rtlCol="0">
-                <a:spAutoFit/>
-              </a:bodyPr>
-              <a:lstStyle/>
-              <a:p>
-                <a:r>
-                  <a:rPr lang="en-US" dirty="0" smtClean="0"/>
-                  <a:t>R: 254</a:t>
-                </a:r>
-              </a:p>
-              <a:p>
-                <a:r>
-                  <a:rPr lang="en-US" dirty="0" smtClean="0"/>
-                  <a:t>G: 185</a:t>
-                </a:r>
-              </a:p>
-              <a:p>
-                <a:r>
-                  <a:rPr lang="en-US" dirty="0" smtClean="0"/>
-                  <a:t>B: 29</a:t>
-                </a:r>
-                <a:endParaRPr lang="en-US" dirty="0"/>
-              </a:p>
-            </p:txBody>
-          </p:sp>
-        </p:grpSp>
-        <p:grpSp>
-          <p:nvGrpSpPr>
-            <p:cNvPr id="22" name="Group 21"/>
-            <p:cNvGrpSpPr/>
-            <p:nvPr/>
-          </p:nvGrpSpPr>
-          <p:grpSpPr>
-            <a:xfrm>
-              <a:off x="4689510" y="1688204"/>
-              <a:ext cx="779104" cy="1759543"/>
-              <a:chOff x="4526052" y="1688204"/>
-              <a:chExt cx="779104" cy="1759543"/>
-            </a:xfrm>
-          </p:grpSpPr>
-          <p:sp>
-            <p:nvSpPr>
-              <p:cNvPr id="10" name="Oval 9"/>
-              <p:cNvSpPr/>
-              <p:nvPr/>
-            </p:nvSpPr>
-            <p:spPr>
-              <a:xfrm>
-                <a:off x="4526052" y="1688204"/>
-                <a:ext cx="733570" cy="733570"/>
-              </a:xfrm>
-              <a:prstGeom prst="ellipse">
-                <a:avLst/>
-              </a:prstGeom>
-              <a:solidFill>
-                <a:srgbClr val="609E0E"/>
-              </a:solidFill>
-              <a:ln>
-                <a:noFill/>
-              </a:ln>
-              <a:effectLst/>
-            </p:spPr>
-            <p:style>
-              <a:lnRef idx="1">
-                <a:schemeClr val="accent1"/>
-              </a:lnRef>
-              <a:fillRef idx="3">
-                <a:schemeClr val="accent1"/>
-              </a:fillRef>
-              <a:effectRef idx="2">
-                <a:schemeClr val="accent1"/>
-              </a:effectRef>
-              <a:fontRef idx="minor">
-                <a:schemeClr val="lt1"/>
-              </a:fontRef>
-            </p:style>
-            <p:txBody>
-              <a:bodyPr rtlCol="0" anchor="ctr"/>
-              <a:lstStyle/>
-              <a:p>
-                <a:pPr algn="ctr"/>
-                <a:endParaRPr lang="en-US"/>
-              </a:p>
-            </p:txBody>
-          </p:sp>
-          <p:sp>
-            <p:nvSpPr>
-              <p:cNvPr id="16" name="TextBox 15"/>
-              <p:cNvSpPr txBox="1"/>
-              <p:nvPr/>
-            </p:nvSpPr>
-            <p:spPr>
-              <a:xfrm>
-                <a:off x="4526052" y="2524417"/>
-                <a:ext cx="779104" cy="923330"/>
-              </a:xfrm>
-              <a:prstGeom prst="rect">
-                <a:avLst/>
-              </a:prstGeom>
-              <a:noFill/>
-            </p:spPr>
-            <p:txBody>
-              <a:bodyPr wrap="none" rtlCol="0">
-                <a:spAutoFit/>
-              </a:bodyPr>
-              <a:lstStyle/>
-              <a:p>
-                <a:r>
-                  <a:rPr lang="en-US" dirty="0" smtClean="0"/>
-                  <a:t>R: 96</a:t>
-                </a:r>
-              </a:p>
-              <a:p>
-                <a:r>
-                  <a:rPr lang="en-US" dirty="0" smtClean="0"/>
-                  <a:t>G: 158</a:t>
-                </a:r>
-              </a:p>
-              <a:p>
-                <a:r>
-                  <a:rPr lang="en-US" dirty="0" smtClean="0"/>
-                  <a:t>B: 14</a:t>
-                </a:r>
-                <a:endParaRPr lang="en-US" dirty="0"/>
-              </a:p>
-            </p:txBody>
-          </p:sp>
-        </p:grpSp>
-        <p:grpSp>
-          <p:nvGrpSpPr>
-            <p:cNvPr id="23" name="Group 22"/>
-            <p:cNvGrpSpPr/>
-            <p:nvPr/>
-          </p:nvGrpSpPr>
-          <p:grpSpPr>
-            <a:xfrm>
-              <a:off x="6071074" y="1688204"/>
-              <a:ext cx="782824" cy="1759543"/>
-              <a:chOff x="5840170" y="1688204"/>
-              <a:chExt cx="782824" cy="1759543"/>
-            </a:xfrm>
-          </p:grpSpPr>
-          <p:sp>
-            <p:nvSpPr>
-              <p:cNvPr id="11" name="Oval 10"/>
-              <p:cNvSpPr/>
-              <p:nvPr/>
-            </p:nvSpPr>
-            <p:spPr>
-              <a:xfrm>
-                <a:off x="5840170" y="1688204"/>
-                <a:ext cx="733570" cy="733570"/>
-              </a:xfrm>
-              <a:prstGeom prst="ellipse">
-                <a:avLst/>
-              </a:prstGeom>
-              <a:solidFill>
-                <a:srgbClr val="16AEB0"/>
-              </a:solidFill>
-              <a:ln>
-                <a:noFill/>
-              </a:ln>
-              <a:effectLst/>
-            </p:spPr>
-            <p:style>
-              <a:lnRef idx="1">
-                <a:schemeClr val="accent1"/>
-              </a:lnRef>
-              <a:fillRef idx="3">
-                <a:schemeClr val="accent1"/>
-              </a:fillRef>
-              <a:effectRef idx="2">
-                <a:schemeClr val="accent1"/>
-              </a:effectRef>
-              <a:fontRef idx="minor">
-                <a:schemeClr val="lt1"/>
-              </a:fontRef>
-            </p:style>
-            <p:txBody>
-              <a:bodyPr rtlCol="0" anchor="ctr"/>
-              <a:lstStyle/>
-              <a:p>
-                <a:pPr algn="ctr"/>
-                <a:endParaRPr lang="en-US"/>
-              </a:p>
-            </p:txBody>
-          </p:sp>
-          <p:sp>
-            <p:nvSpPr>
-              <p:cNvPr id="17" name="TextBox 16"/>
-              <p:cNvSpPr txBox="1"/>
-              <p:nvPr/>
-            </p:nvSpPr>
-            <p:spPr>
-              <a:xfrm>
-                <a:off x="5840170" y="2524417"/>
-                <a:ext cx="782824" cy="923330"/>
-              </a:xfrm>
-              <a:prstGeom prst="rect">
-                <a:avLst/>
-              </a:prstGeom>
-              <a:noFill/>
-            </p:spPr>
-            <p:txBody>
-              <a:bodyPr wrap="none" rtlCol="0">
-                <a:spAutoFit/>
-              </a:bodyPr>
-              <a:lstStyle/>
-              <a:p>
-                <a:r>
-                  <a:rPr lang="en-US" dirty="0" smtClean="0"/>
-                  <a:t>R: 22</a:t>
-                </a:r>
-              </a:p>
-              <a:p>
-                <a:r>
-                  <a:rPr lang="en-US" dirty="0" smtClean="0"/>
-                  <a:t>G: 174</a:t>
-                </a:r>
-              </a:p>
-              <a:p>
-                <a:r>
-                  <a:rPr lang="en-US" dirty="0" smtClean="0"/>
-                  <a:t>B: 176</a:t>
-                </a:r>
-                <a:endParaRPr lang="en-US" dirty="0"/>
-              </a:p>
-            </p:txBody>
-          </p:sp>
-        </p:grpSp>
-      </p:grpSp>
-    </p:spTree>
-    <p:extLst>
-      <p:ext uri="{BB962C8B-B14F-4D97-AF65-F5344CB8AC3E}">
-        <p14:creationId xmlns:p14="http://schemas.microsoft.com/office/powerpoint/2010/main" val="419779537"/>
-      </p:ext>
-    </p:extLst>
-  </p:cSld>
-  <p:clrMapOvr>
-    <a:masterClrMapping/>
-  </p:clrMapOvr>
-  <p:transition xmlns:p14="http://schemas.microsoft.com/office/powerpoint/2010/main">
-    <p:fade/>
-  </p:transition>
-  <p:timing>
-    <p:tnLst>
-      <p:par>
-        <p:cTn xmlns:p14="http://schemas.microsoft.com/office/powerpoint/2010/main" id="1" dur="indefinite" restart="never" nodeType="tmRoot"/>
-      </p:par>
-    </p:tnLst>
-  </p:timing>
-</p:sld>
-</file>
-
-<file path=ppt/slides/slide37.xml><?xml version="1.0" encoding="utf-8"?>
-<p:sld xmlns:a="http://schemas.openxmlformats.org/drawingml/2006/main" xmlns:r="http://schemas.openxmlformats.org/officeDocument/2006/relationships" xmlns:p="http://schemas.openxmlformats.org/presentationml/2006/main" show="0">
-  <p:cSld>
-    <p:spTree>
-      <p:nvGrpSpPr>
-        <p:cNvPr id="1" name=""/>
-        <p:cNvGrpSpPr/>
-        <p:nvPr/>
-      </p:nvGrpSpPr>
-      <p:grpSpPr>
-        <a:xfrm>
-          <a:off x="0" y="0"/>
-          <a:ext cx="0" cy="0"/>
-          <a:chOff x="0" y="0"/>
-          <a:chExt cx="0" cy="0"/>
-        </a:xfrm>
-      </p:grpSpPr>
-      <p:sp>
-        <p:nvSpPr>
-          <p:cNvPr id="2" name="Title 1"/>
-          <p:cNvSpPr>
-            <a:spLocks noGrp="1"/>
-          </p:cNvSpPr>
-          <p:nvPr>
-            <p:ph type="ctrTitle"/>
-          </p:nvPr>
-        </p:nvSpPr>
-        <p:spPr/>
-        <p:txBody>
-          <a:bodyPr/>
-          <a:lstStyle/>
-          <a:p>
-            <a:r>
-              <a:rPr lang="en-US" dirty="0" smtClean="0"/>
-              <a:t>Thank you.</a:t>
-            </a:r>
-            <a:endParaRPr lang="en-US" dirty="0"/>
-          </a:p>
-        </p:txBody>
-      </p:sp>
-    </p:spTree>
-    <p:extLst>
-      <p:ext uri="{BB962C8B-B14F-4D97-AF65-F5344CB8AC3E}">
-        <p14:creationId xmlns:p14="http://schemas.microsoft.com/office/powerpoint/2010/main" val="1577603391"/>
-      </p:ext>
-    </p:extLst>
-  </p:cSld>
-  <p:clrMapOvr>
-    <a:masterClrMapping/>
-  </p:clrMapOvr>
-  <mc:AlternateContent xmlns:mc="http://schemas.openxmlformats.org/markup-compatibility/2006">
-    <mc:Choice xmlns:p14="http://schemas.microsoft.com/office/powerpoint/2010/main" Requires="p14">
-      <p:transition spd="slow" p14:dur="2000"/>
-    </mc:Choice>
-    <mc:Fallback>
-      <p:transition xmlns:p14="http://schemas.microsoft.com/office/powerpoint/2010/main" spd="slow"/>
-    </mc:Fallback>
-  </mc:AlternateContent>
-  <p:timing>
-    <p:tnLst>
-      <p:par>
-        <p:cTn xmlns:p14="http://schemas.microsoft.com/office/powerpoint/2010/main" id="1" dur="indefinite" restart="never" nodeType="tmRoot"/>
-      </p:par>
-    </p:tnLst>
-  </p:timing>
-</p:sld>
-</file>
-
-<file path=ppt/slides/slide38.xml><?xml version="1.0" encoding="utf-8"?>
-<p:sld xmlns:a="http://schemas.openxmlformats.org/drawingml/2006/main" xmlns:r="http://schemas.openxmlformats.org/officeDocument/2006/relationships" xmlns:p="http://schemas.openxmlformats.org/presentationml/2006/main" show="0">
-  <p:cSld>
-    <p:spTree>
-      <p:nvGrpSpPr>
-        <p:cNvPr id="1" name=""/>
-        <p:cNvGrpSpPr/>
-        <p:nvPr/>
-      </p:nvGrpSpPr>
-      <p:grpSpPr>
-        <a:xfrm>
-          <a:off x="0" y="0"/>
-          <a:ext cx="0" cy="0"/>
-          <a:chOff x="0" y="0"/>
-          <a:chExt cx="0" cy="0"/>
-        </a:xfrm>
-      </p:grpSpPr>
-    </p:spTree>
-    <p:extLst>
-      <p:ext uri="{BB962C8B-B14F-4D97-AF65-F5344CB8AC3E}">
-        <p14:creationId xmlns:p14="http://schemas.microsoft.com/office/powerpoint/2010/main" val="913509334"/>
-      </p:ext>
-    </p:extLst>
-  </p:cSld>
-  <p:clrMapOvr>
-    <a:masterClrMapping/>
-  </p:clrMapOvr>
-  <mc:AlternateContent xmlns:mc="http://schemas.openxmlformats.org/markup-compatibility/2006">
-    <mc:Choice xmlns:p14="http://schemas.microsoft.com/office/powerpoint/2010/main" Requires="p14">
-      <p:transition spd="slow" p14:dur="2000"/>
-    </mc:Choice>
-    <mc:Fallback>
-      <p:transition xmlns:p14="http://schemas.microsoft.com/office/powerpoint/2010/main" spd="slow"/>
-    </mc:Fallback>
-  </mc:AlternateContent>
   <p:timing>
     <p:tnLst>
       <p:par>
@@ -20766,7 +14569,7 @@
           <a:blip r:embed="rId2">
             <a:extLst>
               <a:ext uri="{28A0092B-C50C-407E-A947-70E740481C1C}">
-                <a14:useLocalDpi xmlns:a14="http://schemas.microsoft.com/office/drawing/2010/main" val="0"/>
+                <a14:useLocalDpi xmlns:a14="http://schemas.microsoft.com/office/drawing/2010/main"/>
               </a:ext>
             </a:extLst>
           </a:blip>
@@ -21844,7 +15647,7 @@
           <a:blip r:embed="rId2">
             <a:extLst>
               <a:ext uri="{28A0092B-C50C-407E-A947-70E740481C1C}">
-                <a14:useLocalDpi xmlns:a14="http://schemas.microsoft.com/office/drawing/2010/main" val="0"/>
+                <a14:useLocalDpi xmlns:a14="http://schemas.microsoft.com/office/drawing/2010/main"/>
               </a:ext>
             </a:extLst>
           </a:blip>
@@ -23321,829 +17124,4 @@
   </a:objectDefaults>
   <a:extraClrSchemeLst/>
 </a:theme>
-</file>
-
-<file path=ppt/theme/themeOverride1.xml><?xml version="1.0" encoding="utf-8"?>
-<a:themeOverride xmlns:a="http://schemas.openxmlformats.org/drawingml/2006/main">
-  <a:clrScheme name="Couchbase 2014">
-    <a:dk1>
-      <a:srgbClr val="1E1C1C"/>
-    </a:dk1>
-    <a:lt1>
-      <a:sysClr val="window" lastClr="FFFFFF"/>
-    </a:lt1>
-    <a:dk2>
-      <a:srgbClr val="1E1C1C"/>
-    </a:dk2>
-    <a:lt2>
-      <a:srgbClr val="FFFFFF"/>
-    </a:lt2>
-    <a:accent1>
-      <a:srgbClr val="178ADB"/>
-    </a:accent1>
-    <a:accent2>
-      <a:srgbClr val="E10021"/>
-    </a:accent2>
-    <a:accent3>
-      <a:srgbClr val="FD7500"/>
-    </a:accent3>
-    <a:accent4>
-      <a:srgbClr val="FEB900"/>
-    </a:accent4>
-    <a:accent5>
-      <a:srgbClr val="609E0E"/>
-    </a:accent5>
-    <a:accent6>
-      <a:srgbClr val="16AEB0"/>
-    </a:accent6>
-    <a:hlink>
-      <a:srgbClr val="129DD8"/>
-    </a:hlink>
-    <a:folHlink>
-      <a:srgbClr val="292929"/>
-    </a:folHlink>
-  </a:clrScheme>
-  <a:fontScheme name="Module">
-    <a:majorFont>
-      <a:latin typeface="Corbel"/>
-      <a:ea typeface=""/>
-      <a:cs typeface=""/>
-      <a:font script="Jpan" typeface="ＭＳ ゴシック"/>
-      <a:font script="Hang" typeface="HY엽서L"/>
-      <a:font script="Hans" typeface="华文楷体"/>
-      <a:font script="Hant" typeface="新細明體"/>
-      <a:font script="Arab" typeface="Tahoma"/>
-      <a:font script="Hebr" typeface="Miriam"/>
-      <a:font script="Thai" typeface="DilleniaUPC"/>
-      <a:font script="Ethi" typeface="Nyala"/>
-      <a:font script="Beng" typeface="Vrinda"/>
-      <a:font script="Gujr" typeface="Shruti"/>
-      <a:font script="Khmr" typeface="DaunPenh"/>
-      <a:font script="Knda" typeface="Tunga"/>
-      <a:font script="Guru" typeface="Raavi"/>
-      <a:font script="Cans" typeface="Euphemia"/>
-      <a:font script="Cher" typeface="Plantagenet Cherokee"/>
-      <a:font script="Yiii" typeface="Microsoft Yi Baiti"/>
-      <a:font script="Tibt" typeface="Microsoft Himalaya"/>
-      <a:font script="Thaa" typeface="MV Boli"/>
-      <a:font script="Deva" typeface="Mangal"/>
-      <a:font script="Telu" typeface="Gautami"/>
-      <a:font script="Taml" typeface="Latha"/>
-      <a:font script="Syrc" typeface="Estrangelo Edessa"/>
-      <a:font script="Orya" typeface="Kalinga"/>
-      <a:font script="Mlym" typeface="Kartika"/>
-      <a:font script="Laoo" typeface="DokChampa"/>
-      <a:font script="Sinh" typeface="Iskoola Pota"/>
-      <a:font script="Mong" typeface="Mongolian Baiti"/>
-      <a:font script="Viet" typeface="Arial"/>
-      <a:font script="Uigh" typeface="Microsoft Uighur"/>
-    </a:majorFont>
-    <a:minorFont>
-      <a:latin typeface="Corbel"/>
-      <a:ea typeface=""/>
-      <a:cs typeface=""/>
-      <a:font script="Jpan" typeface="ＭＳ ゴシック"/>
-      <a:font script="Hang" typeface="HY엽서L"/>
-      <a:font script="Hans" typeface="华文楷体"/>
-      <a:font script="Hant" typeface="新細明體"/>
-      <a:font script="Arab" typeface="Tahoma"/>
-      <a:font script="Hebr" typeface="Miriam"/>
-      <a:font script="Thai" typeface="DilleniaUPC"/>
-      <a:font script="Ethi" typeface="Nyala"/>
-      <a:font script="Beng" typeface="Vrinda"/>
-      <a:font script="Gujr" typeface="Shruti"/>
-      <a:font script="Khmr" typeface="DaunPenh"/>
-      <a:font script="Knda" typeface="Tunga"/>
-      <a:font script="Guru" typeface="Raavi"/>
-      <a:font script="Cans" typeface="Euphemia"/>
-      <a:font script="Cher" typeface="Plantagenet Cherokee"/>
-      <a:font script="Yiii" typeface="Microsoft Yi Baiti"/>
-      <a:font script="Tibt" typeface="Microsoft Himalaya"/>
-      <a:font script="Thaa" typeface="MV Boli"/>
-      <a:font script="Deva" typeface="Mangal"/>
-      <a:font script="Telu" typeface="Gautami"/>
-      <a:font script="Taml" typeface="Latha"/>
-      <a:font script="Syrc" typeface="Estrangelo Edessa"/>
-      <a:font script="Orya" typeface="Kalinga"/>
-      <a:font script="Mlym" typeface="Kartika"/>
-      <a:font script="Laoo" typeface="DokChampa"/>
-      <a:font script="Sinh" typeface="Iskoola Pota"/>
-      <a:font script="Mong" typeface="Mongolian Baiti"/>
-      <a:font script="Viet" typeface="Arial"/>
-      <a:font script="Uigh" typeface="Microsoft Uighur"/>
-    </a:minorFont>
-  </a:fontScheme>
-  <a:fmtScheme name="Office">
-    <a:fillStyleLst>
-      <a:solidFill>
-        <a:schemeClr val="phClr"/>
-      </a:solidFill>
-      <a:gradFill rotWithShape="1">
-        <a:gsLst>
-          <a:gs pos="0">
-            <a:schemeClr val="phClr">
-              <a:tint val="50000"/>
-              <a:satMod val="300000"/>
-            </a:schemeClr>
-          </a:gs>
-          <a:gs pos="35000">
-            <a:schemeClr val="phClr">
-              <a:tint val="37000"/>
-              <a:satMod val="300000"/>
-            </a:schemeClr>
-          </a:gs>
-          <a:gs pos="100000">
-            <a:schemeClr val="phClr">
-              <a:tint val="15000"/>
-              <a:satMod val="350000"/>
-            </a:schemeClr>
-          </a:gs>
-        </a:gsLst>
-        <a:lin ang="16200000" scaled="1"/>
-      </a:gradFill>
-      <a:gradFill rotWithShape="1">
-        <a:gsLst>
-          <a:gs pos="0">
-            <a:schemeClr val="phClr">
-              <a:tint val="100000"/>
-              <a:shade val="100000"/>
-              <a:satMod val="130000"/>
-            </a:schemeClr>
-          </a:gs>
-          <a:gs pos="100000">
-            <a:schemeClr val="phClr">
-              <a:tint val="50000"/>
-              <a:shade val="100000"/>
-              <a:satMod val="350000"/>
-            </a:schemeClr>
-          </a:gs>
-        </a:gsLst>
-        <a:lin ang="16200000" scaled="0"/>
-      </a:gradFill>
-    </a:fillStyleLst>
-    <a:lnStyleLst>
-      <a:ln w="9525" cap="flat" cmpd="sng" algn="ctr">
-        <a:solidFill>
-          <a:schemeClr val="phClr">
-            <a:shade val="95000"/>
-            <a:satMod val="105000"/>
-          </a:schemeClr>
-        </a:solidFill>
-        <a:prstDash val="solid"/>
-      </a:ln>
-      <a:ln w="25400" cap="flat" cmpd="sng" algn="ctr">
-        <a:solidFill>
-          <a:schemeClr val="phClr"/>
-        </a:solidFill>
-        <a:prstDash val="solid"/>
-      </a:ln>
-      <a:ln w="38100" cap="flat" cmpd="sng" algn="ctr">
-        <a:solidFill>
-          <a:schemeClr val="phClr"/>
-        </a:solidFill>
-        <a:prstDash val="solid"/>
-      </a:ln>
-    </a:lnStyleLst>
-    <a:effectStyleLst>
-      <a:effectStyle>
-        <a:effectLst>
-          <a:outerShdw blurRad="40000" dist="20000" dir="5400000" rotWithShape="0">
-            <a:srgbClr val="000000">
-              <a:alpha val="38000"/>
-            </a:srgbClr>
-          </a:outerShdw>
-        </a:effectLst>
-      </a:effectStyle>
-      <a:effectStyle>
-        <a:effectLst>
-          <a:outerShdw blurRad="40000" dist="23000" dir="5400000" rotWithShape="0">
-            <a:srgbClr val="000000">
-              <a:alpha val="35000"/>
-            </a:srgbClr>
-          </a:outerShdw>
-        </a:effectLst>
-      </a:effectStyle>
-      <a:effectStyle>
-        <a:effectLst>
-          <a:outerShdw blurRad="40000" dist="23000" dir="5400000" rotWithShape="0">
-            <a:srgbClr val="000000">
-              <a:alpha val="35000"/>
-            </a:srgbClr>
-          </a:outerShdw>
-        </a:effectLst>
-        <a:scene3d>
-          <a:camera prst="orthographicFront">
-            <a:rot lat="0" lon="0" rev="0"/>
-          </a:camera>
-          <a:lightRig rig="threePt" dir="t">
-            <a:rot lat="0" lon="0" rev="1200000"/>
-          </a:lightRig>
-        </a:scene3d>
-        <a:sp3d>
-          <a:bevelT w="63500" h="25400"/>
-        </a:sp3d>
-      </a:effectStyle>
-    </a:effectStyleLst>
-    <a:bgFillStyleLst>
-      <a:solidFill>
-        <a:schemeClr val="phClr"/>
-      </a:solidFill>
-      <a:gradFill rotWithShape="1">
-        <a:gsLst>
-          <a:gs pos="0">
-            <a:schemeClr val="phClr">
-              <a:tint val="40000"/>
-              <a:satMod val="350000"/>
-            </a:schemeClr>
-          </a:gs>
-          <a:gs pos="40000">
-            <a:schemeClr val="phClr">
-              <a:tint val="45000"/>
-              <a:shade val="99000"/>
-              <a:satMod val="350000"/>
-            </a:schemeClr>
-          </a:gs>
-          <a:gs pos="100000">
-            <a:schemeClr val="phClr">
-              <a:shade val="20000"/>
-              <a:satMod val="255000"/>
-            </a:schemeClr>
-          </a:gs>
-        </a:gsLst>
-        <a:path path="circle">
-          <a:fillToRect l="50000" t="-80000" r="50000" b="180000"/>
-        </a:path>
-      </a:gradFill>
-      <a:gradFill rotWithShape="1">
-        <a:gsLst>
-          <a:gs pos="0">
-            <a:schemeClr val="phClr">
-              <a:tint val="80000"/>
-              <a:satMod val="300000"/>
-            </a:schemeClr>
-          </a:gs>
-          <a:gs pos="100000">
-            <a:schemeClr val="phClr">
-              <a:shade val="30000"/>
-              <a:satMod val="200000"/>
-            </a:schemeClr>
-          </a:gs>
-        </a:gsLst>
-        <a:path path="circle">
-          <a:fillToRect l="50000" t="50000" r="50000" b="50000"/>
-        </a:path>
-      </a:gradFill>
-    </a:bgFillStyleLst>
-  </a:fmtScheme>
-</a:themeOverride>
-</file>
-
-<file path=ppt/theme/themeOverride2.xml><?xml version="1.0" encoding="utf-8"?>
-<a:themeOverride xmlns:a="http://schemas.openxmlformats.org/drawingml/2006/main">
-  <a:clrScheme name="Couchbase 2014">
-    <a:dk1>
-      <a:srgbClr val="1E1C1C"/>
-    </a:dk1>
-    <a:lt1>
-      <a:sysClr val="window" lastClr="FFFFFF"/>
-    </a:lt1>
-    <a:dk2>
-      <a:srgbClr val="1E1C1C"/>
-    </a:dk2>
-    <a:lt2>
-      <a:srgbClr val="FFFFFF"/>
-    </a:lt2>
-    <a:accent1>
-      <a:srgbClr val="178ADB"/>
-    </a:accent1>
-    <a:accent2>
-      <a:srgbClr val="E10021"/>
-    </a:accent2>
-    <a:accent3>
-      <a:srgbClr val="FD7500"/>
-    </a:accent3>
-    <a:accent4>
-      <a:srgbClr val="FEB900"/>
-    </a:accent4>
-    <a:accent5>
-      <a:srgbClr val="609E0E"/>
-    </a:accent5>
-    <a:accent6>
-      <a:srgbClr val="16AEB0"/>
-    </a:accent6>
-    <a:hlink>
-      <a:srgbClr val="129DD8"/>
-    </a:hlink>
-    <a:folHlink>
-      <a:srgbClr val="292929"/>
-    </a:folHlink>
-  </a:clrScheme>
-  <a:fontScheme name="Module">
-    <a:majorFont>
-      <a:latin typeface="Corbel"/>
-      <a:ea typeface=""/>
-      <a:cs typeface=""/>
-      <a:font script="Jpan" typeface="ＭＳ ゴシック"/>
-      <a:font script="Hang" typeface="HY엽서L"/>
-      <a:font script="Hans" typeface="华文楷体"/>
-      <a:font script="Hant" typeface="新細明體"/>
-      <a:font script="Arab" typeface="Tahoma"/>
-      <a:font script="Hebr" typeface="Miriam"/>
-      <a:font script="Thai" typeface="DilleniaUPC"/>
-      <a:font script="Ethi" typeface="Nyala"/>
-      <a:font script="Beng" typeface="Vrinda"/>
-      <a:font script="Gujr" typeface="Shruti"/>
-      <a:font script="Khmr" typeface="DaunPenh"/>
-      <a:font script="Knda" typeface="Tunga"/>
-      <a:font script="Guru" typeface="Raavi"/>
-      <a:font script="Cans" typeface="Euphemia"/>
-      <a:font script="Cher" typeface="Plantagenet Cherokee"/>
-      <a:font script="Yiii" typeface="Microsoft Yi Baiti"/>
-      <a:font script="Tibt" typeface="Microsoft Himalaya"/>
-      <a:font script="Thaa" typeface="MV Boli"/>
-      <a:font script="Deva" typeface="Mangal"/>
-      <a:font script="Telu" typeface="Gautami"/>
-      <a:font script="Taml" typeface="Latha"/>
-      <a:font script="Syrc" typeface="Estrangelo Edessa"/>
-      <a:font script="Orya" typeface="Kalinga"/>
-      <a:font script="Mlym" typeface="Kartika"/>
-      <a:font script="Laoo" typeface="DokChampa"/>
-      <a:font script="Sinh" typeface="Iskoola Pota"/>
-      <a:font script="Mong" typeface="Mongolian Baiti"/>
-      <a:font script="Viet" typeface="Arial"/>
-      <a:font script="Uigh" typeface="Microsoft Uighur"/>
-    </a:majorFont>
-    <a:minorFont>
-      <a:latin typeface="Corbel"/>
-      <a:ea typeface=""/>
-      <a:cs typeface=""/>
-      <a:font script="Jpan" typeface="ＭＳ ゴシック"/>
-      <a:font script="Hang" typeface="HY엽서L"/>
-      <a:font script="Hans" typeface="华文楷体"/>
-      <a:font script="Hant" typeface="新細明體"/>
-      <a:font script="Arab" typeface="Tahoma"/>
-      <a:font script="Hebr" typeface="Miriam"/>
-      <a:font script="Thai" typeface="DilleniaUPC"/>
-      <a:font script="Ethi" typeface="Nyala"/>
-      <a:font script="Beng" typeface="Vrinda"/>
-      <a:font script="Gujr" typeface="Shruti"/>
-      <a:font script="Khmr" typeface="DaunPenh"/>
-      <a:font script="Knda" typeface="Tunga"/>
-      <a:font script="Guru" typeface="Raavi"/>
-      <a:font script="Cans" typeface="Euphemia"/>
-      <a:font script="Cher" typeface="Plantagenet Cherokee"/>
-      <a:font script="Yiii" typeface="Microsoft Yi Baiti"/>
-      <a:font script="Tibt" typeface="Microsoft Himalaya"/>
-      <a:font script="Thaa" typeface="MV Boli"/>
-      <a:font script="Deva" typeface="Mangal"/>
-      <a:font script="Telu" typeface="Gautami"/>
-      <a:font script="Taml" typeface="Latha"/>
-      <a:font script="Syrc" typeface="Estrangelo Edessa"/>
-      <a:font script="Orya" typeface="Kalinga"/>
-      <a:font script="Mlym" typeface="Kartika"/>
-      <a:font script="Laoo" typeface="DokChampa"/>
-      <a:font script="Sinh" typeface="Iskoola Pota"/>
-      <a:font script="Mong" typeface="Mongolian Baiti"/>
-      <a:font script="Viet" typeface="Arial"/>
-      <a:font script="Uigh" typeface="Microsoft Uighur"/>
-    </a:minorFont>
-  </a:fontScheme>
-  <a:fmtScheme name="Office">
-    <a:fillStyleLst>
-      <a:solidFill>
-        <a:schemeClr val="phClr"/>
-      </a:solidFill>
-      <a:gradFill rotWithShape="1">
-        <a:gsLst>
-          <a:gs pos="0">
-            <a:schemeClr val="phClr">
-              <a:tint val="50000"/>
-              <a:satMod val="300000"/>
-            </a:schemeClr>
-          </a:gs>
-          <a:gs pos="35000">
-            <a:schemeClr val="phClr">
-              <a:tint val="37000"/>
-              <a:satMod val="300000"/>
-            </a:schemeClr>
-          </a:gs>
-          <a:gs pos="100000">
-            <a:schemeClr val="phClr">
-              <a:tint val="15000"/>
-              <a:satMod val="350000"/>
-            </a:schemeClr>
-          </a:gs>
-        </a:gsLst>
-        <a:lin ang="16200000" scaled="1"/>
-      </a:gradFill>
-      <a:gradFill rotWithShape="1">
-        <a:gsLst>
-          <a:gs pos="0">
-            <a:schemeClr val="phClr">
-              <a:tint val="100000"/>
-              <a:shade val="100000"/>
-              <a:satMod val="130000"/>
-            </a:schemeClr>
-          </a:gs>
-          <a:gs pos="100000">
-            <a:schemeClr val="phClr">
-              <a:tint val="50000"/>
-              <a:shade val="100000"/>
-              <a:satMod val="350000"/>
-            </a:schemeClr>
-          </a:gs>
-        </a:gsLst>
-        <a:lin ang="16200000" scaled="0"/>
-      </a:gradFill>
-    </a:fillStyleLst>
-    <a:lnStyleLst>
-      <a:ln w="9525" cap="flat" cmpd="sng" algn="ctr">
-        <a:solidFill>
-          <a:schemeClr val="phClr">
-            <a:shade val="95000"/>
-            <a:satMod val="105000"/>
-          </a:schemeClr>
-        </a:solidFill>
-        <a:prstDash val="solid"/>
-      </a:ln>
-      <a:ln w="25400" cap="flat" cmpd="sng" algn="ctr">
-        <a:solidFill>
-          <a:schemeClr val="phClr"/>
-        </a:solidFill>
-        <a:prstDash val="solid"/>
-      </a:ln>
-      <a:ln w="38100" cap="flat" cmpd="sng" algn="ctr">
-        <a:solidFill>
-          <a:schemeClr val="phClr"/>
-        </a:solidFill>
-        <a:prstDash val="solid"/>
-      </a:ln>
-    </a:lnStyleLst>
-    <a:effectStyleLst>
-      <a:effectStyle>
-        <a:effectLst>
-          <a:outerShdw blurRad="40000" dist="20000" dir="5400000" rotWithShape="0">
-            <a:srgbClr val="000000">
-              <a:alpha val="38000"/>
-            </a:srgbClr>
-          </a:outerShdw>
-        </a:effectLst>
-      </a:effectStyle>
-      <a:effectStyle>
-        <a:effectLst>
-          <a:outerShdw blurRad="40000" dist="23000" dir="5400000" rotWithShape="0">
-            <a:srgbClr val="000000">
-              <a:alpha val="35000"/>
-            </a:srgbClr>
-          </a:outerShdw>
-        </a:effectLst>
-      </a:effectStyle>
-      <a:effectStyle>
-        <a:effectLst>
-          <a:outerShdw blurRad="40000" dist="23000" dir="5400000" rotWithShape="0">
-            <a:srgbClr val="000000">
-              <a:alpha val="35000"/>
-            </a:srgbClr>
-          </a:outerShdw>
-        </a:effectLst>
-        <a:scene3d>
-          <a:camera prst="orthographicFront">
-            <a:rot lat="0" lon="0" rev="0"/>
-          </a:camera>
-          <a:lightRig rig="threePt" dir="t">
-            <a:rot lat="0" lon="0" rev="1200000"/>
-          </a:lightRig>
-        </a:scene3d>
-        <a:sp3d>
-          <a:bevelT w="63500" h="25400"/>
-        </a:sp3d>
-      </a:effectStyle>
-    </a:effectStyleLst>
-    <a:bgFillStyleLst>
-      <a:solidFill>
-        <a:schemeClr val="phClr"/>
-      </a:solidFill>
-      <a:gradFill rotWithShape="1">
-        <a:gsLst>
-          <a:gs pos="0">
-            <a:schemeClr val="phClr">
-              <a:tint val="40000"/>
-              <a:satMod val="350000"/>
-            </a:schemeClr>
-          </a:gs>
-          <a:gs pos="40000">
-            <a:schemeClr val="phClr">
-              <a:tint val="45000"/>
-              <a:shade val="99000"/>
-              <a:satMod val="350000"/>
-            </a:schemeClr>
-          </a:gs>
-          <a:gs pos="100000">
-            <a:schemeClr val="phClr">
-              <a:shade val="20000"/>
-              <a:satMod val="255000"/>
-            </a:schemeClr>
-          </a:gs>
-        </a:gsLst>
-        <a:path path="circle">
-          <a:fillToRect l="50000" t="-80000" r="50000" b="180000"/>
-        </a:path>
-      </a:gradFill>
-      <a:gradFill rotWithShape="1">
-        <a:gsLst>
-          <a:gs pos="0">
-            <a:schemeClr val="phClr">
-              <a:tint val="80000"/>
-              <a:satMod val="300000"/>
-            </a:schemeClr>
-          </a:gs>
-          <a:gs pos="100000">
-            <a:schemeClr val="phClr">
-              <a:shade val="30000"/>
-              <a:satMod val="200000"/>
-            </a:schemeClr>
-          </a:gs>
-        </a:gsLst>
-        <a:path path="circle">
-          <a:fillToRect l="50000" t="50000" r="50000" b="50000"/>
-        </a:path>
-      </a:gradFill>
-    </a:bgFillStyleLst>
-  </a:fmtScheme>
-</a:themeOverride>
-</file>
-
-<file path=ppt/theme/themeOverride3.xml><?xml version="1.0" encoding="utf-8"?>
-<a:themeOverride xmlns:a="http://schemas.openxmlformats.org/drawingml/2006/main">
-  <a:clrScheme name="Couchbase 2014">
-    <a:dk1>
-      <a:srgbClr val="1E1C1C"/>
-    </a:dk1>
-    <a:lt1>
-      <a:sysClr val="window" lastClr="FFFFFF"/>
-    </a:lt1>
-    <a:dk2>
-      <a:srgbClr val="1E1C1C"/>
-    </a:dk2>
-    <a:lt2>
-      <a:srgbClr val="FFFFFF"/>
-    </a:lt2>
-    <a:accent1>
-      <a:srgbClr val="178ADB"/>
-    </a:accent1>
-    <a:accent2>
-      <a:srgbClr val="E10021"/>
-    </a:accent2>
-    <a:accent3>
-      <a:srgbClr val="FD7500"/>
-    </a:accent3>
-    <a:accent4>
-      <a:srgbClr val="FEB900"/>
-    </a:accent4>
-    <a:accent5>
-      <a:srgbClr val="609E0E"/>
-    </a:accent5>
-    <a:accent6>
-      <a:srgbClr val="16AEB0"/>
-    </a:accent6>
-    <a:hlink>
-      <a:srgbClr val="129DD8"/>
-    </a:hlink>
-    <a:folHlink>
-      <a:srgbClr val="292929"/>
-    </a:folHlink>
-  </a:clrScheme>
-  <a:fontScheme name="Module">
-    <a:majorFont>
-      <a:latin typeface="Corbel"/>
-      <a:ea typeface=""/>
-      <a:cs typeface=""/>
-      <a:font script="Jpan" typeface="ＭＳ ゴシック"/>
-      <a:font script="Hang" typeface="HY엽서L"/>
-      <a:font script="Hans" typeface="华文楷体"/>
-      <a:font script="Hant" typeface="新細明體"/>
-      <a:font script="Arab" typeface="Tahoma"/>
-      <a:font script="Hebr" typeface="Miriam"/>
-      <a:font script="Thai" typeface="DilleniaUPC"/>
-      <a:font script="Ethi" typeface="Nyala"/>
-      <a:font script="Beng" typeface="Vrinda"/>
-      <a:font script="Gujr" typeface="Shruti"/>
-      <a:font script="Khmr" typeface="DaunPenh"/>
-      <a:font script="Knda" typeface="Tunga"/>
-      <a:font script="Guru" typeface="Raavi"/>
-      <a:font script="Cans" typeface="Euphemia"/>
-      <a:font script="Cher" typeface="Plantagenet Cherokee"/>
-      <a:font script="Yiii" typeface="Microsoft Yi Baiti"/>
-      <a:font script="Tibt" typeface="Microsoft Himalaya"/>
-      <a:font script="Thaa" typeface="MV Boli"/>
-      <a:font script="Deva" typeface="Mangal"/>
-      <a:font script="Telu" typeface="Gautami"/>
-      <a:font script="Taml" typeface="Latha"/>
-      <a:font script="Syrc" typeface="Estrangelo Edessa"/>
-      <a:font script="Orya" typeface="Kalinga"/>
-      <a:font script="Mlym" typeface="Kartika"/>
-      <a:font script="Laoo" typeface="DokChampa"/>
-      <a:font script="Sinh" typeface="Iskoola Pota"/>
-      <a:font script="Mong" typeface="Mongolian Baiti"/>
-      <a:font script="Viet" typeface="Arial"/>
-      <a:font script="Uigh" typeface="Microsoft Uighur"/>
-    </a:majorFont>
-    <a:minorFont>
-      <a:latin typeface="Corbel"/>
-      <a:ea typeface=""/>
-      <a:cs typeface=""/>
-      <a:font script="Jpan" typeface="ＭＳ ゴシック"/>
-      <a:font script="Hang" typeface="HY엽서L"/>
-      <a:font script="Hans" typeface="华文楷体"/>
-      <a:font script="Hant" typeface="新細明體"/>
-      <a:font script="Arab" typeface="Tahoma"/>
-      <a:font script="Hebr" typeface="Miriam"/>
-      <a:font script="Thai" typeface="DilleniaUPC"/>
-      <a:font script="Ethi" typeface="Nyala"/>
-      <a:font script="Beng" typeface="Vrinda"/>
-      <a:font script="Gujr" typeface="Shruti"/>
-      <a:font script="Khmr" typeface="DaunPenh"/>
-      <a:font script="Knda" typeface="Tunga"/>
-      <a:font script="Guru" typeface="Raavi"/>
-      <a:font script="Cans" typeface="Euphemia"/>
-      <a:font script="Cher" typeface="Plantagenet Cherokee"/>
-      <a:font script="Yiii" typeface="Microsoft Yi Baiti"/>
-      <a:font script="Tibt" typeface="Microsoft Himalaya"/>
-      <a:font script="Thaa" typeface="MV Boli"/>
-      <a:font script="Deva" typeface="Mangal"/>
-      <a:font script="Telu" typeface="Gautami"/>
-      <a:font script="Taml" typeface="Latha"/>
-      <a:font script="Syrc" typeface="Estrangelo Edessa"/>
-      <a:font script="Orya" typeface="Kalinga"/>
-      <a:font script="Mlym" typeface="Kartika"/>
-      <a:font script="Laoo" typeface="DokChampa"/>
-      <a:font script="Sinh" typeface="Iskoola Pota"/>
-      <a:font script="Mong" typeface="Mongolian Baiti"/>
-      <a:font script="Viet" typeface="Arial"/>
-      <a:font script="Uigh" typeface="Microsoft Uighur"/>
-    </a:minorFont>
-  </a:fontScheme>
-  <a:fmtScheme name="Office">
-    <a:fillStyleLst>
-      <a:solidFill>
-        <a:schemeClr val="phClr"/>
-      </a:solidFill>
-      <a:gradFill rotWithShape="1">
-        <a:gsLst>
-          <a:gs pos="0">
-            <a:schemeClr val="phClr">
-              <a:tint val="50000"/>
-              <a:satMod val="300000"/>
-            </a:schemeClr>
-          </a:gs>
-          <a:gs pos="35000">
-            <a:schemeClr val="phClr">
-              <a:tint val="37000"/>
-              <a:satMod val="300000"/>
-            </a:schemeClr>
-          </a:gs>
-          <a:gs pos="100000">
-            <a:schemeClr val="phClr">
-              <a:tint val="15000"/>
-              <a:satMod val="350000"/>
-            </a:schemeClr>
-          </a:gs>
-        </a:gsLst>
-        <a:lin ang="16200000" scaled="1"/>
-      </a:gradFill>
-      <a:gradFill rotWithShape="1">
-        <a:gsLst>
-          <a:gs pos="0">
-            <a:schemeClr val="phClr">
-              <a:tint val="100000"/>
-              <a:shade val="100000"/>
-              <a:satMod val="130000"/>
-            </a:schemeClr>
-          </a:gs>
-          <a:gs pos="100000">
-            <a:schemeClr val="phClr">
-              <a:tint val="50000"/>
-              <a:shade val="100000"/>
-              <a:satMod val="350000"/>
-            </a:schemeClr>
-          </a:gs>
-        </a:gsLst>
-        <a:lin ang="16200000" scaled="0"/>
-      </a:gradFill>
-    </a:fillStyleLst>
-    <a:lnStyleLst>
-      <a:ln w="9525" cap="flat" cmpd="sng" algn="ctr">
-        <a:solidFill>
-          <a:schemeClr val="phClr">
-            <a:shade val="95000"/>
-            <a:satMod val="105000"/>
-          </a:schemeClr>
-        </a:solidFill>
-        <a:prstDash val="solid"/>
-      </a:ln>
-      <a:ln w="25400" cap="flat" cmpd="sng" algn="ctr">
-        <a:solidFill>
-          <a:schemeClr val="phClr"/>
-        </a:solidFill>
-        <a:prstDash val="solid"/>
-      </a:ln>
-      <a:ln w="38100" cap="flat" cmpd="sng" algn="ctr">
-        <a:solidFill>
-          <a:schemeClr val="phClr"/>
-        </a:solidFill>
-        <a:prstDash val="solid"/>
-      </a:ln>
-    </a:lnStyleLst>
-    <a:effectStyleLst>
-      <a:effectStyle>
-        <a:effectLst>
-          <a:outerShdw blurRad="40000" dist="20000" dir="5400000" rotWithShape="0">
-            <a:srgbClr val="000000">
-              <a:alpha val="38000"/>
-            </a:srgbClr>
-          </a:outerShdw>
-        </a:effectLst>
-      </a:effectStyle>
-      <a:effectStyle>
-        <a:effectLst>
-          <a:outerShdw blurRad="40000" dist="23000" dir="5400000" rotWithShape="0">
-            <a:srgbClr val="000000">
-              <a:alpha val="35000"/>
-            </a:srgbClr>
-          </a:outerShdw>
-        </a:effectLst>
-      </a:effectStyle>
-      <a:effectStyle>
-        <a:effectLst>
-          <a:outerShdw blurRad="40000" dist="23000" dir="5400000" rotWithShape="0">
-            <a:srgbClr val="000000">
-              <a:alpha val="35000"/>
-            </a:srgbClr>
-          </a:outerShdw>
-        </a:effectLst>
-        <a:scene3d>
-          <a:camera prst="orthographicFront">
-            <a:rot lat="0" lon="0" rev="0"/>
-          </a:camera>
-          <a:lightRig rig="threePt" dir="t">
-            <a:rot lat="0" lon="0" rev="1200000"/>
-          </a:lightRig>
-        </a:scene3d>
-        <a:sp3d>
-          <a:bevelT w="63500" h="25400"/>
-        </a:sp3d>
-      </a:effectStyle>
-    </a:effectStyleLst>
-    <a:bgFillStyleLst>
-      <a:solidFill>
-        <a:schemeClr val="phClr"/>
-      </a:solidFill>
-      <a:gradFill rotWithShape="1">
-        <a:gsLst>
-          <a:gs pos="0">
-            <a:schemeClr val="phClr">
-              <a:tint val="40000"/>
-              <a:satMod val="350000"/>
-            </a:schemeClr>
-          </a:gs>
-          <a:gs pos="40000">
-            <a:schemeClr val="phClr">
-              <a:tint val="45000"/>
-              <a:shade val="99000"/>
-              <a:satMod val="350000"/>
-            </a:schemeClr>
-          </a:gs>
-          <a:gs pos="100000">
-            <a:schemeClr val="phClr">
-              <a:shade val="20000"/>
-              <a:satMod val="255000"/>
-            </a:schemeClr>
-          </a:gs>
-        </a:gsLst>
-        <a:path path="circle">
-          <a:fillToRect l="50000" t="-80000" r="50000" b="180000"/>
-        </a:path>
-      </a:gradFill>
-      <a:gradFill rotWithShape="1">
-        <a:gsLst>
-          <a:gs pos="0">
-            <a:schemeClr val="phClr">
-              <a:tint val="80000"/>
-              <a:satMod val="300000"/>
-            </a:schemeClr>
-          </a:gs>
-          <a:gs pos="100000">
-            <a:schemeClr val="phClr">
-              <a:shade val="30000"/>
-              <a:satMod val="200000"/>
-            </a:schemeClr>
-          </a:gs>
-        </a:gsLst>
-        <a:path path="circle">
-          <a:fillToRect l="50000" t="50000" r="50000" b="50000"/>
-        </a:path>
-      </a:gradFill>
-    </a:bgFillStyleLst>
-  </a:fmtScheme>
-</a:themeOverride>
 </file>
--- a/server/presentations/07_N1QL Details.pptx
+++ b/server/presentations/07_N1QL Details.pptx
@@ -5,10 +5,10 @@
     <p:sldMasterId id="2147483648" r:id="rId1"/>
   </p:sldMasterIdLst>
   <p:notesMasterIdLst>
-    <p:notesMasterId r:id="rId27"/>
+    <p:notesMasterId r:id="rId23"/>
   </p:notesMasterIdLst>
   <p:handoutMasterIdLst>
-    <p:handoutMasterId r:id="rId28"/>
+    <p:handoutMasterId r:id="rId24"/>
   </p:handoutMasterIdLst>
   <p:sldIdLst>
     <p:sldId id="256" r:id="rId2"/>
@@ -21,21 +21,17 @@
     <p:sldId id="299" r:id="rId9"/>
     <p:sldId id="300" r:id="rId10"/>
     <p:sldId id="305" r:id="rId11"/>
-    <p:sldId id="306" r:id="rId12"/>
-    <p:sldId id="301" r:id="rId13"/>
-    <p:sldId id="302" r:id="rId14"/>
-    <p:sldId id="304" r:id="rId15"/>
-    <p:sldId id="303" r:id="rId16"/>
-    <p:sldId id="290" r:id="rId17"/>
-    <p:sldId id="291" r:id="rId18"/>
-    <p:sldId id="292" r:id="rId19"/>
-    <p:sldId id="285" r:id="rId20"/>
-    <p:sldId id="284" r:id="rId21"/>
-    <p:sldId id="288" r:id="rId22"/>
-    <p:sldId id="287" r:id="rId23"/>
-    <p:sldId id="286" r:id="rId24"/>
-    <p:sldId id="289" r:id="rId25"/>
-    <p:sldId id="294" r:id="rId26"/>
+    <p:sldId id="301" r:id="rId12"/>
+    <p:sldId id="302" r:id="rId13"/>
+    <p:sldId id="304" r:id="rId14"/>
+    <p:sldId id="303" r:id="rId15"/>
+    <p:sldId id="306" r:id="rId16"/>
+    <p:sldId id="284" r:id="rId17"/>
+    <p:sldId id="288" r:id="rId18"/>
+    <p:sldId id="287" r:id="rId19"/>
+    <p:sldId id="286" r:id="rId20"/>
+    <p:sldId id="289" r:id="rId21"/>
+    <p:sldId id="294" r:id="rId22"/>
   </p:sldIdLst>
   <p:sldSz cx="9144000" cy="5143500" type="screen16x9"/>
   <p:notesSz cx="6858000" cy="9144000"/>
@@ -219,7 +215,7 @@
           <a:p>
             <a:fld id="{B5389E1E-C654-E943-9883-792E99AD7287}" type="datetimeFigureOut">
               <a:rPr lang="en-US" smtClean="0"/>
-              <a:t>5/31/15</a:t>
+              <a:t>01/06/15</a:t>
             </a:fld>
             <a:endParaRPr lang="en-US"/>
           </a:p>
@@ -285,7 +281,7 @@
           <a:p>
             <a:fld id="{0550E822-5F4D-874B-B26E-81691243670C}" type="slidenum">
               <a:rPr lang="en-US" smtClean="0"/>
-              <a:t>‹#›</a:t>
+              <a:t>‹Nr.›</a:t>
             </a:fld>
             <a:endParaRPr lang="en-US"/>
           </a:p>
@@ -385,7 +381,7 @@
           <a:p>
             <a:fld id="{9920D99B-2862-464A-984E-65BFC5FC0BBC}" type="datetimeFigureOut">
               <a:rPr lang="en-US" smtClean="0"/>
-              <a:t>5/31/15</a:t>
+              <a:t>01/06/15</a:t>
             </a:fld>
             <a:endParaRPr lang="en-US"/>
           </a:p>
@@ -544,7 +540,7 @@
           <a:p>
             <a:fld id="{F39351FC-18D6-4741-8EEB-9FDB1F020AAC}" type="slidenum">
               <a:rPr lang="en-US" smtClean="0"/>
-              <a:t>‹#›</a:t>
+              <a:t>‹Nr.›</a:t>
             </a:fld>
             <a:endParaRPr lang="en-US"/>
           </a:p>
@@ -673,735 +669,6 @@
       </p:grpSpPr>
       <p:sp>
         <p:nvSpPr>
-          <p:cNvPr id="2" name="Folienbildplatzhalter 1"/>
-          <p:cNvSpPr>
-            <a:spLocks noGrp="1" noRot="1" noChangeAspect="1"/>
-          </p:cNvSpPr>
-          <p:nvPr>
-            <p:ph type="sldImg"/>
-          </p:nvPr>
-        </p:nvSpPr>
-        <p:spPr/>
-      </p:sp>
-      <p:sp>
-        <p:nvSpPr>
-          <p:cNvPr id="3" name="Notizenplatzhalter 2"/>
-          <p:cNvSpPr>
-            <a:spLocks noGrp="1"/>
-          </p:cNvSpPr>
-          <p:nvPr>
-            <p:ph type="body" idx="1"/>
-          </p:nvPr>
-        </p:nvSpPr>
-        <p:spPr/>
-        <p:txBody>
-          <a:bodyPr/>
-          <a:lstStyle/>
-          <a:p>
-            <a:pPr marL="0" marR="0" indent="0" algn="l" defTabSz="457200" rtl="0" eaLnBrk="1" fontAlgn="auto" latinLnBrk="0" hangingPunct="1">
-              <a:lnSpc>
-                <a:spcPct val="100000"/>
-              </a:lnSpc>
-              <a:spcBef>
-                <a:spcPts val="0"/>
-              </a:spcBef>
-              <a:spcAft>
-                <a:spcPts val="0"/>
-              </a:spcAft>
-              <a:buClrTx/>
-              <a:buSzTx/>
-              <a:buFontTx/>
-              <a:buNone/>
-              <a:tabLst/>
-              <a:defRPr/>
-            </a:pPr>
-            <a:r>
-              <a:rPr lang="de-DE" dirty="0" smtClean="0"/>
-              <a:t>Index DDL Request </a:t>
-            </a:r>
-            <a:r>
-              <a:rPr lang="de-DE" dirty="0" err="1" smtClean="0"/>
-              <a:t>from</a:t>
-            </a:r>
-            <a:r>
-              <a:rPr lang="de-DE" dirty="0" smtClean="0"/>
-              <a:t> Query Server </a:t>
-            </a:r>
-            <a:r>
-              <a:rPr lang="de-DE" dirty="0" err="1" smtClean="0"/>
-              <a:t>to</a:t>
-            </a:r>
-            <a:r>
-              <a:rPr lang="de-DE" dirty="0" smtClean="0"/>
-              <a:t> Index Client.</a:t>
-            </a:r>
-          </a:p>
-          <a:p>
-            <a:pPr marL="0" marR="0" indent="0" algn="l" defTabSz="457200" rtl="0" eaLnBrk="1" fontAlgn="auto" latinLnBrk="0" hangingPunct="1">
-              <a:lnSpc>
-                <a:spcPct val="100000"/>
-              </a:lnSpc>
-              <a:spcBef>
-                <a:spcPts val="0"/>
-              </a:spcBef>
-              <a:spcAft>
-                <a:spcPts val="0"/>
-              </a:spcAft>
-              <a:buClrTx/>
-              <a:buSzTx/>
-              <a:buFontTx/>
-              <a:buNone/>
-              <a:tabLst/>
-              <a:defRPr/>
-            </a:pPr>
-            <a:r>
-              <a:rPr lang="de-DE" dirty="0" smtClean="0"/>
-              <a:t>Index Client </a:t>
-            </a:r>
-            <a:r>
-              <a:rPr lang="de-DE" dirty="0" err="1" smtClean="0"/>
-              <a:t>sends</a:t>
-            </a:r>
-            <a:r>
-              <a:rPr lang="de-DE" dirty="0" smtClean="0"/>
-              <a:t> </a:t>
-            </a:r>
-            <a:r>
-              <a:rPr lang="de-DE" dirty="0" err="1" smtClean="0"/>
-              <a:t>the</a:t>
-            </a:r>
-            <a:r>
-              <a:rPr lang="de-DE" dirty="0" smtClean="0"/>
-              <a:t> DDL </a:t>
-            </a:r>
-            <a:r>
-              <a:rPr lang="de-DE" dirty="0" err="1" smtClean="0"/>
-              <a:t>request</a:t>
-            </a:r>
-            <a:r>
-              <a:rPr lang="de-DE" dirty="0" smtClean="0"/>
-              <a:t> </a:t>
-            </a:r>
-            <a:r>
-              <a:rPr lang="de-DE" dirty="0" err="1" smtClean="0"/>
-              <a:t>to</a:t>
-            </a:r>
-            <a:r>
-              <a:rPr lang="de-DE" dirty="0" smtClean="0"/>
-              <a:t> Index </a:t>
-            </a:r>
-            <a:r>
-              <a:rPr lang="de-DE" dirty="0" err="1" smtClean="0"/>
-              <a:t>Coordinator</a:t>
-            </a:r>
-            <a:r>
-              <a:rPr lang="de-DE" dirty="0" smtClean="0"/>
-              <a:t> Master.</a:t>
-            </a:r>
-          </a:p>
-          <a:p>
-            <a:pPr marL="0" marR="0" indent="0" algn="l" defTabSz="457200" rtl="0" eaLnBrk="1" fontAlgn="auto" latinLnBrk="0" hangingPunct="1">
-              <a:lnSpc>
-                <a:spcPct val="100000"/>
-              </a:lnSpc>
-              <a:spcBef>
-                <a:spcPts val="0"/>
-              </a:spcBef>
-              <a:spcAft>
-                <a:spcPts val="0"/>
-              </a:spcAft>
-              <a:buClrTx/>
-              <a:buSzTx/>
-              <a:buFontTx/>
-              <a:buNone/>
-              <a:tabLst/>
-              <a:defRPr/>
-            </a:pPr>
-            <a:r>
-              <a:rPr lang="de-DE" dirty="0" smtClean="0"/>
-              <a:t>Index </a:t>
-            </a:r>
-            <a:r>
-              <a:rPr lang="de-DE" dirty="0" err="1" smtClean="0"/>
-              <a:t>Coordinator</a:t>
-            </a:r>
-            <a:r>
-              <a:rPr lang="de-DE" dirty="0" smtClean="0"/>
-              <a:t> Master </a:t>
-            </a:r>
-            <a:r>
-              <a:rPr lang="de-DE" dirty="0" err="1" smtClean="0"/>
-              <a:t>decides</a:t>
-            </a:r>
-            <a:r>
-              <a:rPr lang="de-DE" dirty="0" smtClean="0"/>
-              <a:t> </a:t>
-            </a:r>
-            <a:r>
-              <a:rPr lang="de-DE" dirty="0" err="1" smtClean="0"/>
-              <a:t>the</a:t>
-            </a:r>
-            <a:r>
-              <a:rPr lang="de-DE" dirty="0" smtClean="0"/>
-              <a:t> </a:t>
-            </a:r>
-            <a:r>
-              <a:rPr lang="de-DE" dirty="0" err="1" smtClean="0"/>
-              <a:t>topology</a:t>
-            </a:r>
-            <a:r>
-              <a:rPr lang="de-DE" dirty="0" smtClean="0"/>
-              <a:t> </a:t>
-            </a:r>
-            <a:r>
-              <a:rPr lang="de-DE" dirty="0" err="1" smtClean="0"/>
-              <a:t>and</a:t>
-            </a:r>
-            <a:r>
-              <a:rPr lang="de-DE" dirty="0" smtClean="0"/>
-              <a:t> </a:t>
-            </a:r>
-            <a:r>
-              <a:rPr lang="de-DE" dirty="0" err="1" smtClean="0"/>
-              <a:t>informs</a:t>
-            </a:r>
-            <a:r>
-              <a:rPr lang="de-DE" dirty="0" smtClean="0"/>
-              <a:t> </a:t>
-            </a:r>
-            <a:r>
-              <a:rPr lang="de-DE" dirty="0" err="1" smtClean="0"/>
-              <a:t>participating</a:t>
-            </a:r>
-            <a:r>
-              <a:rPr lang="de-DE" dirty="0" smtClean="0"/>
-              <a:t> </a:t>
-            </a:r>
-            <a:r>
-              <a:rPr lang="de-DE" dirty="0" err="1" smtClean="0"/>
-              <a:t>Local</a:t>
-            </a:r>
-            <a:r>
-              <a:rPr lang="de-DE" dirty="0" smtClean="0"/>
-              <a:t> </a:t>
-            </a:r>
-            <a:r>
-              <a:rPr lang="de-DE" dirty="0" err="1" smtClean="0"/>
-              <a:t>Indexers</a:t>
-            </a:r>
-            <a:r>
-              <a:rPr lang="de-DE" dirty="0" smtClean="0"/>
-              <a:t> </a:t>
-            </a:r>
-            <a:r>
-              <a:rPr lang="de-DE" dirty="0" err="1" smtClean="0"/>
-              <a:t>to</a:t>
-            </a:r>
-            <a:r>
-              <a:rPr lang="de-DE" dirty="0" smtClean="0"/>
-              <a:t> </a:t>
-            </a:r>
-            <a:r>
-              <a:rPr lang="de-DE" dirty="0" err="1" smtClean="0"/>
-              <a:t>process</a:t>
-            </a:r>
-            <a:r>
-              <a:rPr lang="de-DE" dirty="0" smtClean="0"/>
-              <a:t> DDL.</a:t>
-            </a:r>
-          </a:p>
-          <a:p>
-            <a:pPr marL="0" marR="0" indent="0" algn="l" defTabSz="457200" rtl="0" eaLnBrk="1" fontAlgn="auto" latinLnBrk="0" hangingPunct="1">
-              <a:lnSpc>
-                <a:spcPct val="100000"/>
-              </a:lnSpc>
-              <a:spcBef>
-                <a:spcPts val="0"/>
-              </a:spcBef>
-              <a:spcAft>
-                <a:spcPts val="0"/>
-              </a:spcAft>
-              <a:buClrTx/>
-              <a:buSzTx/>
-              <a:buFontTx/>
-              <a:buNone/>
-              <a:tabLst/>
-              <a:defRPr/>
-            </a:pPr>
-            <a:r>
-              <a:rPr lang="de-DE" dirty="0" err="1" smtClean="0"/>
-              <a:t>Local</a:t>
-            </a:r>
-            <a:r>
-              <a:rPr lang="de-DE" dirty="0" smtClean="0"/>
-              <a:t> </a:t>
-            </a:r>
-            <a:r>
-              <a:rPr lang="de-DE" dirty="0" err="1" smtClean="0"/>
-              <a:t>Indexers</a:t>
-            </a:r>
-            <a:r>
-              <a:rPr lang="de-DE" dirty="0" smtClean="0"/>
-              <a:t> </a:t>
-            </a:r>
-            <a:r>
-              <a:rPr lang="de-DE" dirty="0" err="1" smtClean="0"/>
-              <a:t>allocates</a:t>
-            </a:r>
-            <a:r>
-              <a:rPr lang="de-DE" dirty="0" smtClean="0"/>
-              <a:t>/</a:t>
-            </a:r>
-            <a:r>
-              <a:rPr lang="de-DE" dirty="0" err="1" smtClean="0"/>
-              <a:t>deallocates</a:t>
-            </a:r>
-            <a:r>
-              <a:rPr lang="de-DE" dirty="0" smtClean="0"/>
-              <a:t> </a:t>
-            </a:r>
-            <a:r>
-              <a:rPr lang="de-DE" dirty="0" err="1" smtClean="0"/>
-              <a:t>storage</a:t>
-            </a:r>
-            <a:r>
-              <a:rPr lang="de-DE" dirty="0" smtClean="0"/>
-              <a:t> </a:t>
-            </a:r>
-            <a:r>
-              <a:rPr lang="de-DE" dirty="0" err="1" smtClean="0"/>
-              <a:t>for</a:t>
-            </a:r>
-            <a:r>
-              <a:rPr lang="de-DE" dirty="0" smtClean="0"/>
-              <a:t> </a:t>
-            </a:r>
-            <a:r>
-              <a:rPr lang="de-DE" dirty="0" err="1" smtClean="0"/>
-              <a:t>new</a:t>
-            </a:r>
-            <a:r>
-              <a:rPr lang="de-DE" dirty="0" smtClean="0"/>
-              <a:t> DDL </a:t>
-            </a:r>
-            <a:r>
-              <a:rPr lang="de-DE" dirty="0" err="1" smtClean="0"/>
-              <a:t>request</a:t>
-            </a:r>
-            <a:r>
-              <a:rPr lang="de-DE" dirty="0" smtClean="0"/>
-              <a:t>.</a:t>
-            </a:r>
-          </a:p>
-          <a:p>
-            <a:pPr marL="0" marR="0" indent="0" algn="l" defTabSz="457200" rtl="0" eaLnBrk="1" fontAlgn="auto" latinLnBrk="0" hangingPunct="1">
-              <a:lnSpc>
-                <a:spcPct val="100000"/>
-              </a:lnSpc>
-              <a:spcBef>
-                <a:spcPts val="0"/>
-              </a:spcBef>
-              <a:spcAft>
-                <a:spcPts val="0"/>
-              </a:spcAft>
-              <a:buClrTx/>
-              <a:buSzTx/>
-              <a:buFontTx/>
-              <a:buNone/>
-              <a:tabLst/>
-              <a:defRPr/>
-            </a:pPr>
-            <a:r>
-              <a:rPr lang="de-DE" dirty="0" smtClean="0"/>
-              <a:t>Index </a:t>
-            </a:r>
-            <a:r>
-              <a:rPr lang="de-DE" dirty="0" err="1" smtClean="0"/>
-              <a:t>Coordinator</a:t>
-            </a:r>
-            <a:r>
-              <a:rPr lang="de-DE" dirty="0" smtClean="0"/>
-              <a:t> Master </a:t>
-            </a:r>
-            <a:r>
-              <a:rPr lang="de-DE" dirty="0" err="1" smtClean="0"/>
-              <a:t>replicates</a:t>
-            </a:r>
-            <a:r>
-              <a:rPr lang="de-DE" dirty="0" smtClean="0"/>
-              <a:t> </a:t>
-            </a:r>
-            <a:r>
-              <a:rPr lang="de-DE" dirty="0" err="1" smtClean="0"/>
-              <a:t>the</a:t>
-            </a:r>
-            <a:r>
-              <a:rPr lang="de-DE" dirty="0" smtClean="0"/>
-              <a:t> </a:t>
-            </a:r>
-            <a:r>
-              <a:rPr lang="de-DE" dirty="0" err="1" smtClean="0"/>
-              <a:t>updated</a:t>
-            </a:r>
-            <a:r>
-              <a:rPr lang="de-DE" dirty="0" smtClean="0"/>
-              <a:t> </a:t>
-            </a:r>
-            <a:r>
-              <a:rPr lang="de-DE" dirty="0" err="1" smtClean="0"/>
-              <a:t>metadata</a:t>
-            </a:r>
-            <a:r>
-              <a:rPr lang="de-DE" dirty="0" smtClean="0"/>
-              <a:t>.</a:t>
-            </a:r>
-          </a:p>
-          <a:p>
-            <a:pPr marL="0" marR="0" indent="0" algn="l" defTabSz="457200" rtl="0" eaLnBrk="1" fontAlgn="auto" latinLnBrk="0" hangingPunct="1">
-              <a:lnSpc>
-                <a:spcPct val="100000"/>
-              </a:lnSpc>
-              <a:spcBef>
-                <a:spcPts val="0"/>
-              </a:spcBef>
-              <a:spcAft>
-                <a:spcPts val="0"/>
-              </a:spcAft>
-              <a:buClrTx/>
-              <a:buSzTx/>
-              <a:buFontTx/>
-              <a:buNone/>
-              <a:tabLst/>
-              <a:defRPr/>
-            </a:pPr>
-            <a:r>
-              <a:rPr lang="de-DE" dirty="0" err="1" smtClean="0"/>
-              <a:t>Metadata</a:t>
-            </a:r>
-            <a:r>
-              <a:rPr lang="de-DE" dirty="0" smtClean="0"/>
-              <a:t> </a:t>
-            </a:r>
-            <a:r>
-              <a:rPr lang="de-DE" dirty="0" err="1" smtClean="0"/>
-              <a:t>is</a:t>
-            </a:r>
-            <a:r>
-              <a:rPr lang="de-DE" dirty="0" smtClean="0"/>
-              <a:t> </a:t>
-            </a:r>
-            <a:r>
-              <a:rPr lang="de-DE" dirty="0" err="1" smtClean="0"/>
-              <a:t>persisted</a:t>
-            </a:r>
-            <a:r>
-              <a:rPr lang="de-DE" dirty="0" smtClean="0"/>
-              <a:t> </a:t>
-            </a:r>
-            <a:r>
-              <a:rPr lang="de-DE" dirty="0" err="1" smtClean="0"/>
-              <a:t>at</a:t>
-            </a:r>
-            <a:r>
-              <a:rPr lang="de-DE" dirty="0" smtClean="0"/>
-              <a:t> </a:t>
-            </a:r>
-            <a:r>
-              <a:rPr lang="de-DE" dirty="0" err="1" smtClean="0"/>
-              <a:t>both</a:t>
-            </a:r>
-            <a:r>
-              <a:rPr lang="de-DE" dirty="0" smtClean="0"/>
-              <a:t> </a:t>
-            </a:r>
-            <a:r>
-              <a:rPr lang="de-DE" dirty="0" err="1" smtClean="0"/>
-              <a:t>master</a:t>
-            </a:r>
-            <a:r>
-              <a:rPr lang="de-DE" dirty="0" smtClean="0"/>
-              <a:t> </a:t>
-            </a:r>
-            <a:r>
-              <a:rPr lang="de-DE" dirty="0" err="1" smtClean="0"/>
-              <a:t>and</a:t>
-            </a:r>
-            <a:r>
-              <a:rPr lang="de-DE" dirty="0" smtClean="0"/>
-              <a:t> </a:t>
-            </a:r>
-            <a:r>
-              <a:rPr lang="de-DE" dirty="0" err="1" smtClean="0"/>
-              <a:t>replica</a:t>
-            </a:r>
-            <a:r>
-              <a:rPr lang="de-DE" dirty="0" smtClean="0"/>
-              <a:t> Index </a:t>
-            </a:r>
-            <a:r>
-              <a:rPr lang="de-DE" dirty="0" err="1" smtClean="0"/>
-              <a:t>Coordinator</a:t>
-            </a:r>
-            <a:r>
-              <a:rPr lang="de-DE" dirty="0" smtClean="0"/>
-              <a:t>.</a:t>
-            </a:r>
-          </a:p>
-          <a:p>
-            <a:pPr marL="0" marR="0" indent="0" algn="l" defTabSz="457200" rtl="0" eaLnBrk="1" fontAlgn="auto" latinLnBrk="0" hangingPunct="1">
-              <a:lnSpc>
-                <a:spcPct val="100000"/>
-              </a:lnSpc>
-              <a:spcBef>
-                <a:spcPts val="0"/>
-              </a:spcBef>
-              <a:spcAft>
-                <a:spcPts val="0"/>
-              </a:spcAft>
-              <a:buClrTx/>
-              <a:buSzTx/>
-              <a:buFontTx/>
-              <a:buNone/>
-              <a:tabLst/>
-              <a:defRPr/>
-            </a:pPr>
-            <a:r>
-              <a:rPr lang="de-DE" dirty="0" smtClean="0"/>
-              <a:t>Index </a:t>
-            </a:r>
-            <a:r>
-              <a:rPr lang="de-DE" dirty="0" err="1" smtClean="0"/>
-              <a:t>Coordinator</a:t>
-            </a:r>
-            <a:r>
-              <a:rPr lang="de-DE" dirty="0" smtClean="0"/>
-              <a:t> Master </a:t>
-            </a:r>
-            <a:r>
-              <a:rPr lang="de-DE" dirty="0" err="1" smtClean="0"/>
-              <a:t>notifies</a:t>
-            </a:r>
-            <a:r>
-              <a:rPr lang="de-DE" dirty="0" smtClean="0"/>
-              <a:t> ALL KV </a:t>
-            </a:r>
-            <a:r>
-              <a:rPr lang="de-DE" dirty="0" err="1" smtClean="0"/>
-              <a:t>projectors</a:t>
-            </a:r>
-            <a:r>
-              <a:rPr lang="de-DE" dirty="0" smtClean="0"/>
-              <a:t> </a:t>
-            </a:r>
-            <a:r>
-              <a:rPr lang="de-DE" dirty="0" err="1" smtClean="0"/>
-              <a:t>for</a:t>
-            </a:r>
-            <a:r>
-              <a:rPr lang="de-DE" dirty="0" smtClean="0"/>
-              <a:t> </a:t>
-            </a:r>
-            <a:r>
-              <a:rPr lang="de-DE" dirty="0" err="1" smtClean="0"/>
-              <a:t>the</a:t>
-            </a:r>
-            <a:r>
-              <a:rPr lang="de-DE" dirty="0" smtClean="0"/>
-              <a:t> </a:t>
-            </a:r>
-            <a:r>
-              <a:rPr lang="de-DE" dirty="0" err="1" smtClean="0"/>
-              <a:t>new</a:t>
-            </a:r>
-            <a:r>
-              <a:rPr lang="de-DE" dirty="0" smtClean="0"/>
-              <a:t> DDL </a:t>
-            </a:r>
-            <a:r>
-              <a:rPr lang="de-DE" dirty="0" err="1" smtClean="0"/>
-              <a:t>request</a:t>
-            </a:r>
-            <a:r>
-              <a:rPr lang="de-DE" dirty="0" smtClean="0"/>
-              <a:t>.</a:t>
-            </a:r>
-          </a:p>
-          <a:p>
-            <a:pPr marL="0" marR="0" indent="0" algn="l" defTabSz="457200" rtl="0" eaLnBrk="1" fontAlgn="auto" latinLnBrk="0" hangingPunct="1">
-              <a:lnSpc>
-                <a:spcPct val="100000"/>
-              </a:lnSpc>
-              <a:spcBef>
-                <a:spcPts val="0"/>
-              </a:spcBef>
-              <a:spcAft>
-                <a:spcPts val="0"/>
-              </a:spcAft>
-              <a:buClrTx/>
-              <a:buSzTx/>
-              <a:buFontTx/>
-              <a:buNone/>
-              <a:tabLst/>
-              <a:defRPr/>
-            </a:pPr>
-            <a:r>
-              <a:rPr lang="de-DE" dirty="0" smtClean="0"/>
-              <a:t>Index </a:t>
-            </a:r>
-            <a:r>
-              <a:rPr lang="de-DE" dirty="0" err="1" smtClean="0"/>
-              <a:t>Coordinator</a:t>
-            </a:r>
-            <a:r>
-              <a:rPr lang="de-DE" dirty="0" smtClean="0"/>
-              <a:t> </a:t>
-            </a:r>
-            <a:r>
-              <a:rPr lang="de-DE" dirty="0" err="1" smtClean="0"/>
-              <a:t>returns</a:t>
-            </a:r>
-            <a:r>
-              <a:rPr lang="de-DE" dirty="0" smtClean="0"/>
-              <a:t> </a:t>
-            </a:r>
-            <a:r>
-              <a:rPr lang="de-DE" dirty="0" err="1" smtClean="0"/>
-              <a:t>status</a:t>
-            </a:r>
-            <a:r>
-              <a:rPr lang="de-DE" dirty="0" smtClean="0"/>
-              <a:t> </a:t>
-            </a:r>
-            <a:r>
-              <a:rPr lang="de-DE" dirty="0" err="1" smtClean="0"/>
-              <a:t>of</a:t>
-            </a:r>
-            <a:r>
-              <a:rPr lang="de-DE" dirty="0" smtClean="0"/>
-              <a:t> DDL </a:t>
-            </a:r>
-            <a:r>
-              <a:rPr lang="de-DE" dirty="0" err="1" smtClean="0"/>
-              <a:t>request</a:t>
-            </a:r>
-            <a:r>
-              <a:rPr lang="de-DE" dirty="0" smtClean="0"/>
-              <a:t> </a:t>
-            </a:r>
-            <a:r>
-              <a:rPr lang="de-DE" dirty="0" err="1" smtClean="0"/>
-              <a:t>to</a:t>
-            </a:r>
-            <a:r>
-              <a:rPr lang="de-DE" dirty="0" smtClean="0"/>
-              <a:t> Index Client.</a:t>
-            </a:r>
-          </a:p>
-          <a:p>
-            <a:pPr marL="0" marR="0" indent="0" algn="l" defTabSz="457200" rtl="0" eaLnBrk="1" fontAlgn="auto" latinLnBrk="0" hangingPunct="1">
-              <a:lnSpc>
-                <a:spcPct val="100000"/>
-              </a:lnSpc>
-              <a:spcBef>
-                <a:spcPts val="0"/>
-              </a:spcBef>
-              <a:spcAft>
-                <a:spcPts val="0"/>
-              </a:spcAft>
-              <a:buClrTx/>
-              <a:buSzTx/>
-              <a:buFontTx/>
-              <a:buNone/>
-              <a:tabLst/>
-              <a:defRPr/>
-            </a:pPr>
-            <a:r>
-              <a:rPr lang="de-DE" dirty="0" smtClean="0"/>
-              <a:t>DDL Request Status </a:t>
-            </a:r>
-            <a:r>
-              <a:rPr lang="de-DE" dirty="0" err="1" smtClean="0"/>
-              <a:t>is</a:t>
-            </a:r>
-            <a:r>
-              <a:rPr lang="de-DE" dirty="0" smtClean="0"/>
-              <a:t> </a:t>
-            </a:r>
-            <a:r>
-              <a:rPr lang="de-DE" dirty="0" err="1" smtClean="0"/>
-              <a:t>returned</a:t>
-            </a:r>
-            <a:r>
-              <a:rPr lang="de-DE" dirty="0" smtClean="0"/>
-              <a:t> </a:t>
-            </a:r>
-            <a:r>
-              <a:rPr lang="de-DE" dirty="0" err="1" smtClean="0"/>
-              <a:t>to</a:t>
-            </a:r>
-            <a:r>
-              <a:rPr lang="de-DE" dirty="0" smtClean="0"/>
-              <a:t> Query Server.</a:t>
-            </a:r>
-            <a:endParaRPr lang="de-DE" dirty="0"/>
-          </a:p>
-        </p:txBody>
-      </p:sp>
-      <p:sp>
-        <p:nvSpPr>
-          <p:cNvPr id="4" name="Foliennummernplatzhalter 3"/>
-          <p:cNvSpPr>
-            <a:spLocks noGrp="1"/>
-          </p:cNvSpPr>
-          <p:nvPr>
-            <p:ph type="sldNum" sz="quarter" idx="10"/>
-          </p:nvPr>
-        </p:nvSpPr>
-        <p:spPr/>
-        <p:txBody>
-          <a:bodyPr/>
-          <a:lstStyle/>
-          <a:p>
-            <a:fld id="{F39351FC-18D6-4741-8EEB-9FDB1F020AAC}" type="slidenum">
-              <a:rPr lang="en-US" smtClean="0"/>
-              <a:t>11</a:t>
-            </a:fld>
-            <a:endParaRPr lang="en-US"/>
-          </a:p>
-        </p:txBody>
-      </p:sp>
-    </p:spTree>
-    <p:extLst>
-      <p:ext uri="{BB962C8B-B14F-4D97-AF65-F5344CB8AC3E}">
-        <p14:creationId xmlns:p14="http://schemas.microsoft.com/office/powerpoint/2010/main" val="229821969"/>
-      </p:ext>
-    </p:extLst>
-  </p:cSld>
-  <p:clrMapOvr>
-    <a:masterClrMapping/>
-  </p:clrMapOvr>
-</p:notes>
-</file>
-
-<file path=ppt/notesSlides/notesSlide2.xml><?xml version="1.0" encoding="utf-8"?>
-<p:notes xmlns:a="http://schemas.openxmlformats.org/drawingml/2006/main" xmlns:r="http://schemas.openxmlformats.org/officeDocument/2006/relationships" xmlns:p="http://schemas.openxmlformats.org/presentationml/2006/main">
-  <p:cSld>
-    <p:spTree>
-      <p:nvGrpSpPr>
-        <p:cNvPr id="1" name=""/>
-        <p:cNvGrpSpPr/>
-        <p:nvPr/>
-      </p:nvGrpSpPr>
-      <p:grpSpPr>
-        <a:xfrm>
-          <a:off x="0" y="0"/>
-          <a:ext cx="0" cy="0"/>
-          <a:chOff x="0" y="0"/>
-          <a:chExt cx="0" cy="0"/>
-        </a:xfrm>
-      </p:grpSpPr>
-      <p:sp>
-        <p:nvSpPr>
           <p:cNvPr id="2" name="Slide Image Placeholder 1"/>
           <p:cNvSpPr>
             <a:spLocks noGrp="1" noRot="1" noChangeAspect="1"/>
@@ -1509,7 +776,7 @@
                 <a:latin typeface="Calibri"/>
               </a:rPr>
               <a:pPr/>
-              <a:t>21</a:t>
+              <a:t>17</a:t>
             </a:fld>
             <a:endParaRPr lang="en-US">
               <a:solidFill>
@@ -1533,7 +800,7 @@
 </p:notes>
 </file>
 
-<file path=ppt/notesSlides/notesSlide3.xml><?xml version="1.0" encoding="utf-8"?>
+<file path=ppt/notesSlides/notesSlide2.xml><?xml version="1.0" encoding="utf-8"?>
 <p:notes xmlns:a="http://schemas.openxmlformats.org/drawingml/2006/main" xmlns:r="http://schemas.openxmlformats.org/officeDocument/2006/relationships" xmlns:p="http://schemas.openxmlformats.org/presentationml/2006/main">
   <p:cSld>
     <p:spTree>
@@ -1598,7 +865,7 @@
           <a:p>
             <a:fld id="{615C908D-C35B-B346-A739-79C621D2BD36}" type="slidenum">
               <a:rPr lang="en-US" smtClean="0"/>
-              <a:t>22</a:t>
+              <a:t>18</a:t>
             </a:fld>
             <a:endParaRPr lang="en-US"/>
           </a:p>
@@ -2301,7 +1568,7 @@
           <a:p>
             <a:fld id="{C25E7766-B4D4-B545-BC12-CA0EFEB1F16F}" type="slidenum">
               <a:rPr lang="en-US" smtClean="0"/>
-              <a:t>‹#›</a:t>
+              <a:t>‹Nr.›</a:t>
             </a:fld>
             <a:endParaRPr lang="en-US" dirty="0"/>
           </a:p>
@@ -2784,7 +2051,7 @@
           <a:p>
             <a:fld id="{C25E7766-B4D4-B545-BC12-CA0EFEB1F16F}" type="slidenum">
               <a:rPr lang="en-US" smtClean="0"/>
-              <a:t>‹#›</a:t>
+              <a:t>‹Nr.›</a:t>
             </a:fld>
             <a:endParaRPr lang="en-US" dirty="0"/>
           </a:p>
@@ -3140,7 +2407,7 @@
           <a:p>
             <a:fld id="{C25E7766-B4D4-B545-BC12-CA0EFEB1F16F}" type="slidenum">
               <a:rPr lang="en-US" smtClean="0"/>
-              <a:t>‹#›</a:t>
+              <a:t>‹Nr.›</a:t>
             </a:fld>
             <a:endParaRPr lang="en-US" dirty="0"/>
           </a:p>
@@ -3837,7 +3104,7 @@
           <a:p>
             <a:fld id="{C25E7766-B4D4-B545-BC12-CA0EFEB1F16F}" type="slidenum">
               <a:rPr lang="en-US" smtClean="0"/>
-              <a:t>‹#›</a:t>
+              <a:t>‹Nr.›</a:t>
             </a:fld>
             <a:endParaRPr lang="en-US" dirty="0"/>
           </a:p>
@@ -4049,7 +3316,7 @@
             <a:fld id="{E728A94C-44F1-DF43-8BD8-694E750DEF33}" type="slidenum">
               <a:rPr lang="en-US" smtClean="0"/>
               <a:pPr/>
-              <a:t>‹#›</a:t>
+              <a:t>‹Nr.›</a:t>
             </a:fld>
             <a:endParaRPr lang="en-US"/>
           </a:p>
@@ -4943,279 +4210,9 @@
   <p:timing>
     <p:tnLst>
       <p:par>
-        <p:cTn xmlns:p14="http://schemas.microsoft.com/office/powerpoint/2010/main" id="1" dur="indefinite" restart="never" nodeType="tmRoot">
-          <p:childTnLst>
-            <p:seq concurrent="1" nextAc="seek">
-              <p:cTn id="2" dur="indefinite" nodeType="mainSeq">
-                <p:childTnLst>
-                  <p:par>
-                    <p:cTn id="3" fill="hold">
-                      <p:stCondLst>
-                        <p:cond delay="indefinite"/>
-                      </p:stCondLst>
-                      <p:childTnLst>
-                        <p:par>
-                          <p:cTn id="4" fill="hold">
-                            <p:stCondLst>
-                              <p:cond delay="0"/>
-                            </p:stCondLst>
-                            <p:childTnLst>
-                              <p:par>
-                                <p:cTn id="5" presetID="10" presetClass="entr" presetSubtype="0" fill="hold" grpId="0" nodeType="clickEffect">
-                                  <p:stCondLst>
-                                    <p:cond delay="0"/>
-                                  </p:stCondLst>
-                                  <p:childTnLst>
-                                    <p:set>
-                                      <p:cBhvr>
-                                        <p:cTn id="6" dur="1" fill="hold">
-                                          <p:stCondLst>
-                                            <p:cond delay="0"/>
-                                          </p:stCondLst>
-                                        </p:cTn>
-                                        <p:tgtEl>
-                                          <p:spTgt spid="3">
-                                            <p:txEl>
-                                              <p:pRg st="0" end="0"/>
-                                            </p:txEl>
-                                          </p:spTgt>
-                                        </p:tgtEl>
-                                        <p:attrNameLst>
-                                          <p:attrName>style.visibility</p:attrName>
-                                        </p:attrNameLst>
-                                      </p:cBhvr>
-                                      <p:to>
-                                        <p:strVal val="visible"/>
-                                      </p:to>
-                                    </p:set>
-                                    <p:animEffect transition="in" filter="fade">
-                                      <p:cBhvr>
-                                        <p:cTn id="7" dur="500"/>
-                                        <p:tgtEl>
-                                          <p:spTgt spid="3">
-                                            <p:txEl>
-                                              <p:pRg st="0" end="0"/>
-                                            </p:txEl>
-                                          </p:spTgt>
-                                        </p:tgtEl>
-                                      </p:cBhvr>
-                                    </p:animEffect>
-                                  </p:childTnLst>
-                                </p:cTn>
-                              </p:par>
-                            </p:childTnLst>
-                          </p:cTn>
-                        </p:par>
-                      </p:childTnLst>
-                    </p:cTn>
-                  </p:par>
-                  <p:par>
-                    <p:cTn id="8" fill="hold">
-                      <p:stCondLst>
-                        <p:cond delay="indefinite"/>
-                      </p:stCondLst>
-                      <p:childTnLst>
-                        <p:par>
-                          <p:cTn id="9" fill="hold">
-                            <p:stCondLst>
-                              <p:cond delay="0"/>
-                            </p:stCondLst>
-                            <p:childTnLst>
-                              <p:par>
-                                <p:cTn id="10" presetID="10" presetClass="entr" presetSubtype="0" fill="hold" grpId="0" nodeType="clickEffect">
-                                  <p:stCondLst>
-                                    <p:cond delay="0"/>
-                                  </p:stCondLst>
-                                  <p:childTnLst>
-                                    <p:set>
-                                      <p:cBhvr>
-                                        <p:cTn id="11" dur="1" fill="hold">
-                                          <p:stCondLst>
-                                            <p:cond delay="0"/>
-                                          </p:stCondLst>
-                                        </p:cTn>
-                                        <p:tgtEl>
-                                          <p:spTgt spid="3">
-                                            <p:txEl>
-                                              <p:pRg st="1" end="1"/>
-                                            </p:txEl>
-                                          </p:spTgt>
-                                        </p:tgtEl>
-                                        <p:attrNameLst>
-                                          <p:attrName>style.visibility</p:attrName>
-                                        </p:attrNameLst>
-                                      </p:cBhvr>
-                                      <p:to>
-                                        <p:strVal val="visible"/>
-                                      </p:to>
-                                    </p:set>
-                                    <p:animEffect transition="in" filter="fade">
-                                      <p:cBhvr>
-                                        <p:cTn id="12" dur="500"/>
-                                        <p:tgtEl>
-                                          <p:spTgt spid="3">
-                                            <p:txEl>
-                                              <p:pRg st="1" end="1"/>
-                                            </p:txEl>
-                                          </p:spTgt>
-                                        </p:tgtEl>
-                                      </p:cBhvr>
-                                    </p:animEffect>
-                                  </p:childTnLst>
-                                </p:cTn>
-                              </p:par>
-                            </p:childTnLst>
-                          </p:cTn>
-                        </p:par>
-                      </p:childTnLst>
-                    </p:cTn>
-                  </p:par>
-                  <p:par>
-                    <p:cTn id="13" fill="hold">
-                      <p:stCondLst>
-                        <p:cond delay="indefinite"/>
-                      </p:stCondLst>
-                      <p:childTnLst>
-                        <p:par>
-                          <p:cTn id="14" fill="hold">
-                            <p:stCondLst>
-                              <p:cond delay="0"/>
-                            </p:stCondLst>
-                            <p:childTnLst>
-                              <p:par>
-                                <p:cTn id="15" presetID="10" presetClass="entr" presetSubtype="0" fill="hold" grpId="0" nodeType="clickEffect">
-                                  <p:stCondLst>
-                                    <p:cond delay="0"/>
-                                  </p:stCondLst>
-                                  <p:childTnLst>
-                                    <p:set>
-                                      <p:cBhvr>
-                                        <p:cTn id="16" dur="1" fill="hold">
-                                          <p:stCondLst>
-                                            <p:cond delay="0"/>
-                                          </p:stCondLst>
-                                        </p:cTn>
-                                        <p:tgtEl>
-                                          <p:spTgt spid="3">
-                                            <p:txEl>
-                                              <p:pRg st="2" end="2"/>
-                                            </p:txEl>
-                                          </p:spTgt>
-                                        </p:tgtEl>
-                                        <p:attrNameLst>
-                                          <p:attrName>style.visibility</p:attrName>
-                                        </p:attrNameLst>
-                                      </p:cBhvr>
-                                      <p:to>
-                                        <p:strVal val="visible"/>
-                                      </p:to>
-                                    </p:set>
-                                    <p:animEffect transition="in" filter="fade">
-                                      <p:cBhvr>
-                                        <p:cTn id="17" dur="500"/>
-                                        <p:tgtEl>
-                                          <p:spTgt spid="3">
-                                            <p:txEl>
-                                              <p:pRg st="2" end="2"/>
-                                            </p:txEl>
-                                          </p:spTgt>
-                                        </p:tgtEl>
-                                      </p:cBhvr>
-                                    </p:animEffect>
-                                  </p:childTnLst>
-                                </p:cTn>
-                              </p:par>
-                            </p:childTnLst>
-                          </p:cTn>
-                        </p:par>
-                      </p:childTnLst>
-                    </p:cTn>
-                  </p:par>
-                  <p:par>
-                    <p:cTn id="18" fill="hold">
-                      <p:stCondLst>
-                        <p:cond delay="indefinite"/>
-                      </p:stCondLst>
-                      <p:childTnLst>
-                        <p:par>
-                          <p:cTn id="19" fill="hold">
-                            <p:stCondLst>
-                              <p:cond delay="0"/>
-                            </p:stCondLst>
-                            <p:childTnLst>
-                              <p:par>
-                                <p:cTn id="20" presetID="10" presetClass="entr" presetSubtype="0" fill="hold" grpId="0" nodeType="clickEffect">
-                                  <p:stCondLst>
-                                    <p:cond delay="0"/>
-                                  </p:stCondLst>
-                                  <p:childTnLst>
-                                    <p:set>
-                                      <p:cBhvr>
-                                        <p:cTn id="21" dur="1" fill="hold">
-                                          <p:stCondLst>
-                                            <p:cond delay="0"/>
-                                          </p:stCondLst>
-                                        </p:cTn>
-                                        <p:tgtEl>
-                                          <p:spTgt spid="3">
-                                            <p:txEl>
-                                              <p:pRg st="5" end="5"/>
-                                            </p:txEl>
-                                          </p:spTgt>
-                                        </p:tgtEl>
-                                        <p:attrNameLst>
-                                          <p:attrName>style.visibility</p:attrName>
-                                        </p:attrNameLst>
-                                      </p:cBhvr>
-                                      <p:to>
-                                        <p:strVal val="visible"/>
-                                      </p:to>
-                                    </p:set>
-                                    <p:animEffect transition="in" filter="fade">
-                                      <p:cBhvr>
-                                        <p:cTn id="22" dur="500"/>
-                                        <p:tgtEl>
-                                          <p:spTgt spid="3">
-                                            <p:txEl>
-                                              <p:pRg st="5" end="5"/>
-                                            </p:txEl>
-                                          </p:spTgt>
-                                        </p:tgtEl>
-                                      </p:cBhvr>
-                                    </p:animEffect>
-                                  </p:childTnLst>
-                                </p:cTn>
-                              </p:par>
-                            </p:childTnLst>
-                          </p:cTn>
-                        </p:par>
-                      </p:childTnLst>
-                    </p:cTn>
-                  </p:par>
-                </p:childTnLst>
-              </p:cTn>
-              <p:prevCondLst>
-                <p:cond evt="onPrev" delay="0">
-                  <p:tgtEl>
-                    <p:sldTgt/>
-                  </p:tgtEl>
-                </p:cond>
-              </p:prevCondLst>
-              <p:nextCondLst>
-                <p:cond evt="onNext" delay="0">
-                  <p:tgtEl>
-                    <p:sldTgt/>
-                  </p:tgtEl>
-                </p:cond>
-              </p:nextCondLst>
-            </p:seq>
-          </p:childTnLst>
-        </p:cTn>
+        <p:cTn xmlns:p14="http://schemas.microsoft.com/office/powerpoint/2010/main" id="1" dur="indefinite" restart="never" nodeType="tmRoot"/>
       </p:par>
     </p:tnLst>
-    <p:bldLst>
-      <p:bldP spid="3" grpId="0" build="p"/>
-    </p:bldLst>
   </p:timing>
 </p:sld>
 </file>
@@ -5244,7 +4241,7 @@
             <a:spLocks noGrp="1"/>
           </p:cNvSpPr>
           <p:nvPr>
-            <p:ph type="title"/>
+            <p:ph type="ctrTitle"/>
           </p:nvPr>
         </p:nvSpPr>
         <p:spPr/>
@@ -5254,40 +4251,16 @@
           <a:p>
             <a:r>
               <a:rPr lang="en-US" dirty="0" smtClean="0"/>
-              <a:t>Architecture</a:t>
+              <a:t>Advanced Queries</a:t>
             </a:r>
             <a:endParaRPr lang="en-US" dirty="0"/>
           </a:p>
         </p:txBody>
       </p:sp>
-      <p:pic>
-        <p:nvPicPr>
-          <p:cNvPr id="4" name="Bild 3"/>
-          <p:cNvPicPr>
-            <a:picLocks noChangeAspect="1"/>
-          </p:cNvPicPr>
-          <p:nvPr/>
-        </p:nvPicPr>
-        <p:blipFill>
-          <a:blip r:embed="rId3"/>
-          <a:stretch>
-            <a:fillRect/>
-          </a:stretch>
-        </p:blipFill>
-        <p:spPr>
-          <a:xfrm>
-            <a:off x="0" y="599537"/>
-            <a:ext cx="9144000" cy="4220308"/>
-          </a:xfrm>
-          <a:prstGeom prst="rect">
-            <a:avLst/>
-          </a:prstGeom>
-        </p:spPr>
-      </p:pic>
     </p:spTree>
     <p:extLst>
       <p:ext uri="{BB962C8B-B14F-4D97-AF65-F5344CB8AC3E}">
-        <p14:creationId xmlns:p14="http://schemas.microsoft.com/office/powerpoint/2010/main" val="318855054"/>
+        <p14:creationId xmlns:p14="http://schemas.microsoft.com/office/powerpoint/2010/main" val="3793485633"/>
       </p:ext>
     </p:extLst>
   </p:cSld>
@@ -5328,7 +4301,7 @@
             <a:spLocks noGrp="1"/>
           </p:cNvSpPr>
           <p:nvPr>
-            <p:ph type="ctrTitle"/>
+            <p:ph type="title"/>
           </p:nvPr>
         </p:nvSpPr>
         <p:spPr/>
@@ -5338,8 +4311,109 @@
           <a:p>
             <a:r>
               <a:rPr lang="en-US" dirty="0" smtClean="0"/>
-              <a:t>Advanced Queries</a:t>
-            </a:r>
+              <a:t>Read Your Writes</a:t>
+            </a:r>
+            <a:endParaRPr lang="en-US" dirty="0"/>
+          </a:p>
+        </p:txBody>
+      </p:sp>
+      <p:sp>
+        <p:nvSpPr>
+          <p:cNvPr id="3" name="Content Placeholder 2"/>
+          <p:cNvSpPr>
+            <a:spLocks noGrp="1"/>
+          </p:cNvSpPr>
+          <p:nvPr>
+            <p:ph idx="1"/>
+          </p:nvPr>
+        </p:nvSpPr>
+        <p:spPr>
+          <a:xfrm>
+            <a:off x="457200" y="955193"/>
+            <a:ext cx="8007739" cy="3493655"/>
+          </a:xfrm>
+        </p:spPr>
+        <p:txBody>
+          <a:bodyPr/>
+          <a:lstStyle/>
+          <a:p>
+            <a:pPr>
+              <a:lnSpc>
+                <a:spcPct val="140000"/>
+              </a:lnSpc>
+            </a:pPr>
+            <a:r>
+              <a:rPr lang="en-US" dirty="0" smtClean="0"/>
+              <a:t>Non-Stale queries used for “immediate query consistency”</a:t>
+            </a:r>
+          </a:p>
+          <a:p>
+            <a:pPr>
+              <a:lnSpc>
+                <a:spcPct val="140000"/>
+              </a:lnSpc>
+            </a:pPr>
+            <a:r>
+              <a:rPr lang="en-US" dirty="0" smtClean="0"/>
+              <a:t>Query performance is likely to be slower (since indexing is not </a:t>
+            </a:r>
+            <a:r>
+              <a:rPr lang="en-US" dirty="0" err="1" smtClean="0"/>
+              <a:t>async</a:t>
+            </a:r>
+            <a:r>
+              <a:rPr lang="en-US" dirty="0" smtClean="0"/>
+              <a:t> from query anymore)</a:t>
+            </a:r>
+          </a:p>
+          <a:p>
+            <a:pPr>
+              <a:lnSpc>
+                <a:spcPct val="140000"/>
+              </a:lnSpc>
+            </a:pPr>
+            <a:r>
+              <a:rPr lang="en-US" dirty="0" smtClean="0"/>
+              <a:t>How?</a:t>
+            </a:r>
+          </a:p>
+          <a:p>
+            <a:pPr lvl="1">
+              <a:lnSpc>
+                <a:spcPct val="140000"/>
+              </a:lnSpc>
+            </a:pPr>
+            <a:r>
+              <a:rPr lang="en-US" dirty="0" smtClean="0"/>
+              <a:t>Perform document mutation (insert, </a:t>
+            </a:r>
+            <a:r>
+              <a:rPr lang="en-US" dirty="0" err="1" smtClean="0"/>
+              <a:t>upsert</a:t>
+            </a:r>
+            <a:r>
+              <a:rPr lang="en-US" dirty="0" smtClean="0"/>
+              <a:t>, replace,…)</a:t>
+            </a:r>
+          </a:p>
+          <a:p>
+            <a:pPr lvl="1">
+              <a:lnSpc>
+                <a:spcPct val="140000"/>
+              </a:lnSpc>
+            </a:pPr>
+            <a:r>
+              <a:rPr lang="en-US" dirty="0" smtClean="0"/>
+              <a:t>Query with REQUEST_PLUS consistency</a:t>
+            </a:r>
+          </a:p>
+          <a:p>
+            <a:pPr marL="0" indent="0">
+              <a:lnSpc>
+                <a:spcPct val="140000"/>
+              </a:lnSpc>
+              <a:buNone/>
+            </a:pPr>
             <a:endParaRPr lang="en-US" dirty="0"/>
           </a:p>
         </p:txBody>
@@ -5347,7 +4421,7 @@
     </p:spTree>
     <p:extLst>
       <p:ext uri="{BB962C8B-B14F-4D97-AF65-F5344CB8AC3E}">
-        <p14:creationId xmlns:p14="http://schemas.microsoft.com/office/powerpoint/2010/main" val="3793485633"/>
+        <p14:creationId xmlns:p14="http://schemas.microsoft.com/office/powerpoint/2010/main" val="3563268453"/>
       </p:ext>
     </p:extLst>
   </p:cSld>
@@ -5398,7 +4472,7 @@
           <a:p>
             <a:r>
               <a:rPr lang="en-US" dirty="0" smtClean="0"/>
-              <a:t>Read Your Writes</a:t>
+              <a:t>Parameterized Queries</a:t>
             </a:r>
             <a:endParaRPr lang="en-US" dirty="0"/>
           </a:p>
@@ -5431,7 +4505,7 @@
             </a:pPr>
             <a:r>
               <a:rPr lang="en-US" dirty="0" smtClean="0"/>
-              <a:t>Non-Stale queries used for “immediate query consistency”</a:t>
+              <a:t>Decouple parameters from the actual Query</a:t>
             </a:r>
           </a:p>
           <a:p>
@@ -5442,26 +4516,7 @@
             </a:pPr>
             <a:r>
               <a:rPr lang="en-US" dirty="0" smtClean="0"/>
-              <a:t>Query performance is likely to be slower (since indexing is not </a:t>
-            </a:r>
-            <a:r>
-              <a:rPr lang="en-US" dirty="0" err="1" smtClean="0"/>
-              <a:t>async</a:t>
-            </a:r>
-            <a:r>
-              <a:rPr lang="en-US" dirty="0" smtClean="0"/>
-              <a:t> from query anymore)</a:t>
-            </a:r>
-          </a:p>
-          <a:p>
-            <a:pPr>
-              <a:lnSpc>
-                <a:spcPct val="140000"/>
-              </a:lnSpc>
-            </a:pPr>
-            <a:r>
-              <a:rPr lang="en-US" dirty="0" smtClean="0"/>
-              <a:t>How?</a:t>
+              <a:t>Two variants</a:t>
             </a:r>
           </a:p>
           <a:p>
@@ -5472,15 +4527,7 @@
             </a:pPr>
             <a:r>
               <a:rPr lang="en-US" dirty="0" smtClean="0"/>
-              <a:t>Perform document mutation (insert, </a:t>
-            </a:r>
-            <a:r>
-              <a:rPr lang="en-US" dirty="0" err="1" smtClean="0"/>
-              <a:t>upsert</a:t>
-            </a:r>
-            <a:r>
-              <a:rPr lang="en-US" dirty="0" smtClean="0"/>
-              <a:t>, replace,…)</a:t>
+              <a:t>Positional Parameters ($1, $2,…)</a:t>
             </a:r>
           </a:p>
           <a:p>
@@ -5491,24 +4538,244 @@
             </a:pPr>
             <a:r>
               <a:rPr lang="en-US" dirty="0" smtClean="0"/>
-              <a:t>Query with REQUEST_PLUS consistency</a:t>
-            </a:r>
-          </a:p>
-          <a:p>
-            <a:pPr marL="0" indent="0">
-              <a:lnSpc>
-                <a:spcPct val="140000"/>
-              </a:lnSpc>
-              <a:buNone/>
-            </a:pPr>
-            <a:endParaRPr lang="en-US" dirty="0"/>
+              <a:t>Named Parameters ($</a:t>
+            </a:r>
+            <a:r>
+              <a:rPr lang="en-US" dirty="0" err="1" smtClean="0"/>
+              <a:t>fname</a:t>
+            </a:r>
+            <a:r>
+              <a:rPr lang="en-US" dirty="0" smtClean="0"/>
+              <a:t>, $</a:t>
+            </a:r>
+            <a:r>
+              <a:rPr lang="en-US" dirty="0" err="1" smtClean="0"/>
+              <a:t>lname</a:t>
+            </a:r>
+            <a:r>
+              <a:rPr lang="en-US" dirty="0" smtClean="0"/>
+              <a:t>)</a:t>
+            </a:r>
+          </a:p>
+        </p:txBody>
+      </p:sp>
+      <p:sp>
+        <p:nvSpPr>
+          <p:cNvPr id="4" name="Rechteck 3"/>
+          <p:cNvSpPr/>
+          <p:nvPr/>
+        </p:nvSpPr>
+        <p:spPr>
+          <a:xfrm>
+            <a:off x="457200" y="3244984"/>
+            <a:ext cx="8396825" cy="369332"/>
+          </a:xfrm>
+          <a:prstGeom prst="rect">
+            <a:avLst/>
+          </a:prstGeom>
+        </p:spPr>
+        <p:txBody>
+          <a:bodyPr wrap="square">
+            <a:spAutoFit/>
+          </a:bodyPr>
+          <a:lstStyle/>
+          <a:p>
+            <a:r>
+              <a:rPr lang="de-DE" dirty="0">
+                <a:latin typeface="Courier New"/>
+                <a:cs typeface="Courier New"/>
+              </a:rPr>
+              <a:t> SELECT </a:t>
+            </a:r>
+            <a:r>
+              <a:rPr lang="de-DE" dirty="0" err="1">
+                <a:latin typeface="Courier New"/>
+                <a:cs typeface="Courier New"/>
+              </a:rPr>
+              <a:t>detail</a:t>
+            </a:r>
+            <a:r>
+              <a:rPr lang="de-DE" dirty="0">
+                <a:latin typeface="Courier New"/>
+                <a:cs typeface="Courier New"/>
+              </a:rPr>
+              <a:t> FROM </a:t>
+            </a:r>
+            <a:r>
+              <a:rPr lang="de-DE" dirty="0" err="1">
+                <a:latin typeface="Courier New"/>
+                <a:cs typeface="Courier New"/>
+              </a:rPr>
+              <a:t>emp</a:t>
+            </a:r>
+            <a:r>
+              <a:rPr lang="de-DE" dirty="0">
+                <a:latin typeface="Courier New"/>
+                <a:cs typeface="Courier New"/>
+              </a:rPr>
+              <a:t> </a:t>
+            </a:r>
+            <a:r>
+              <a:rPr lang="de-DE" b="1" dirty="0">
+                <a:latin typeface="Courier New"/>
+                <a:cs typeface="Courier New"/>
+              </a:rPr>
+              <a:t>WHERE </a:t>
+            </a:r>
+            <a:r>
+              <a:rPr lang="de-DE" b="1" dirty="0" err="1">
+                <a:latin typeface="Courier New"/>
+                <a:cs typeface="Courier New"/>
+              </a:rPr>
+              <a:t>name</a:t>
+            </a:r>
+            <a:r>
+              <a:rPr lang="de-DE" b="1" dirty="0">
+                <a:latin typeface="Courier New"/>
+                <a:cs typeface="Courier New"/>
+              </a:rPr>
+              <a:t> = $1 AND </a:t>
+            </a:r>
+            <a:r>
+              <a:rPr lang="de-DE" b="1" dirty="0" err="1">
+                <a:latin typeface="Courier New"/>
+                <a:cs typeface="Courier New"/>
+              </a:rPr>
+              <a:t>hiredate</a:t>
+            </a:r>
+            <a:r>
+              <a:rPr lang="de-DE" b="1" dirty="0">
+                <a:latin typeface="Courier New"/>
+                <a:cs typeface="Courier New"/>
+              </a:rPr>
+              <a:t> &gt; $2 </a:t>
+            </a:r>
+          </a:p>
+        </p:txBody>
+      </p:sp>
+      <p:sp>
+        <p:nvSpPr>
+          <p:cNvPr id="5" name="Rechteck 4"/>
+          <p:cNvSpPr/>
+          <p:nvPr/>
+        </p:nvSpPr>
+        <p:spPr>
+          <a:xfrm>
+            <a:off x="422552" y="3691073"/>
+            <a:ext cx="8554885" cy="369332"/>
+          </a:xfrm>
+          <a:prstGeom prst="rect">
+            <a:avLst/>
+          </a:prstGeom>
+        </p:spPr>
+        <p:txBody>
+          <a:bodyPr wrap="square">
+            <a:spAutoFit/>
+          </a:bodyPr>
+          <a:lstStyle/>
+          <a:p>
+            <a:r>
+              <a:rPr lang="de-DE" dirty="0">
+                <a:latin typeface="Courier New"/>
+                <a:cs typeface="Courier New"/>
+              </a:rPr>
+              <a:t> SELECT </a:t>
+            </a:r>
+            <a:r>
+              <a:rPr lang="de-DE" dirty="0" err="1">
+                <a:latin typeface="Courier New"/>
+                <a:cs typeface="Courier New"/>
+              </a:rPr>
+              <a:t>detail</a:t>
+            </a:r>
+            <a:r>
+              <a:rPr lang="de-DE" dirty="0">
+                <a:latin typeface="Courier New"/>
+                <a:cs typeface="Courier New"/>
+              </a:rPr>
+              <a:t> FROM </a:t>
+            </a:r>
+            <a:r>
+              <a:rPr lang="de-DE" dirty="0" err="1">
+                <a:latin typeface="Courier New"/>
+                <a:cs typeface="Courier New"/>
+              </a:rPr>
+              <a:t>emp</a:t>
+            </a:r>
+            <a:r>
+              <a:rPr lang="de-DE" dirty="0">
+                <a:latin typeface="Courier New"/>
+                <a:cs typeface="Courier New"/>
+              </a:rPr>
+              <a:t> </a:t>
+            </a:r>
+            <a:r>
+              <a:rPr lang="de-DE" b="1" dirty="0">
+                <a:latin typeface="Courier New"/>
+                <a:cs typeface="Courier New"/>
+              </a:rPr>
+              <a:t>WHERE </a:t>
+            </a:r>
+            <a:r>
+              <a:rPr lang="de-DE" b="1" dirty="0" err="1">
+                <a:latin typeface="Courier New"/>
+                <a:cs typeface="Courier New"/>
+              </a:rPr>
+              <a:t>name</a:t>
+            </a:r>
+            <a:r>
+              <a:rPr lang="de-DE" b="1" dirty="0">
+                <a:latin typeface="Courier New"/>
+                <a:cs typeface="Courier New"/>
+              </a:rPr>
+              <a:t> = $</a:t>
+            </a:r>
+            <a:r>
+              <a:rPr lang="de-DE" b="1" dirty="0" err="1">
+                <a:latin typeface="Courier New"/>
+                <a:cs typeface="Courier New"/>
+              </a:rPr>
+              <a:t>nval</a:t>
+            </a:r>
+            <a:r>
+              <a:rPr lang="de-DE" b="1" dirty="0">
+                <a:latin typeface="Courier New"/>
+                <a:cs typeface="Courier New"/>
+              </a:rPr>
+              <a:t> AND </a:t>
+            </a:r>
+            <a:r>
+              <a:rPr lang="de-DE" b="1" dirty="0" err="1">
+                <a:latin typeface="Courier New"/>
+                <a:cs typeface="Courier New"/>
+              </a:rPr>
+              <a:t>age</a:t>
+            </a:r>
+            <a:r>
+              <a:rPr lang="de-DE" b="1" dirty="0">
+                <a:latin typeface="Courier New"/>
+                <a:cs typeface="Courier New"/>
+              </a:rPr>
+              <a:t> &gt; $</a:t>
+            </a:r>
+            <a:r>
+              <a:rPr lang="de-DE" b="1" dirty="0" err="1">
+                <a:latin typeface="Courier New"/>
+                <a:cs typeface="Courier New"/>
+              </a:rPr>
+              <a:t>aval</a:t>
+            </a:r>
+            <a:endParaRPr lang="de-DE" b="1" dirty="0">
+              <a:latin typeface="Courier New"/>
+              <a:cs typeface="Courier New"/>
+            </a:endParaRPr>
           </a:p>
         </p:txBody>
       </p:sp>
     </p:spTree>
     <p:extLst>
       <p:ext uri="{BB962C8B-B14F-4D97-AF65-F5344CB8AC3E}">
-        <p14:creationId xmlns:p14="http://schemas.microsoft.com/office/powerpoint/2010/main" val="3563268453"/>
+        <p14:creationId xmlns:p14="http://schemas.microsoft.com/office/powerpoint/2010/main" val="1090567114"/>
       </p:ext>
     </p:extLst>
   </p:cSld>
@@ -5518,304 +4785,9 @@
   <p:timing>
     <p:tnLst>
       <p:par>
-        <p:cTn xmlns:p14="http://schemas.microsoft.com/office/powerpoint/2010/main" id="1" dur="indefinite" restart="never" nodeType="tmRoot">
-          <p:childTnLst>
-            <p:seq concurrent="1" nextAc="seek">
-              <p:cTn id="2" dur="indefinite" nodeType="mainSeq">
-                <p:childTnLst>
-                  <p:par>
-                    <p:cTn id="3" fill="hold">
-                      <p:stCondLst>
-                        <p:cond delay="indefinite"/>
-                      </p:stCondLst>
-                      <p:childTnLst>
-                        <p:par>
-                          <p:cTn id="4" fill="hold">
-                            <p:stCondLst>
-                              <p:cond delay="0"/>
-                            </p:stCondLst>
-                            <p:childTnLst>
-                              <p:par>
-                                <p:cTn id="5" presetID="10" presetClass="entr" presetSubtype="0" fill="hold" grpId="0" nodeType="clickEffect">
-                                  <p:stCondLst>
-                                    <p:cond delay="0"/>
-                                  </p:stCondLst>
-                                  <p:childTnLst>
-                                    <p:set>
-                                      <p:cBhvr>
-                                        <p:cTn id="6" dur="1" fill="hold">
-                                          <p:stCondLst>
-                                            <p:cond delay="0"/>
-                                          </p:stCondLst>
-                                        </p:cTn>
-                                        <p:tgtEl>
-                                          <p:spTgt spid="3">
-                                            <p:txEl>
-                                              <p:pRg st="0" end="0"/>
-                                            </p:txEl>
-                                          </p:spTgt>
-                                        </p:tgtEl>
-                                        <p:attrNameLst>
-                                          <p:attrName>style.visibility</p:attrName>
-                                        </p:attrNameLst>
-                                      </p:cBhvr>
-                                      <p:to>
-                                        <p:strVal val="visible"/>
-                                      </p:to>
-                                    </p:set>
-                                    <p:animEffect transition="in" filter="fade">
-                                      <p:cBhvr>
-                                        <p:cTn id="7" dur="500"/>
-                                        <p:tgtEl>
-                                          <p:spTgt spid="3">
-                                            <p:txEl>
-                                              <p:pRg st="0" end="0"/>
-                                            </p:txEl>
-                                          </p:spTgt>
-                                        </p:tgtEl>
-                                      </p:cBhvr>
-                                    </p:animEffect>
-                                  </p:childTnLst>
-                                </p:cTn>
-                              </p:par>
-                            </p:childTnLst>
-                          </p:cTn>
-                        </p:par>
-                      </p:childTnLst>
-                    </p:cTn>
-                  </p:par>
-                  <p:par>
-                    <p:cTn id="8" fill="hold">
-                      <p:stCondLst>
-                        <p:cond delay="indefinite"/>
-                      </p:stCondLst>
-                      <p:childTnLst>
-                        <p:par>
-                          <p:cTn id="9" fill="hold">
-                            <p:stCondLst>
-                              <p:cond delay="0"/>
-                            </p:stCondLst>
-                            <p:childTnLst>
-                              <p:par>
-                                <p:cTn id="10" presetID="10" presetClass="entr" presetSubtype="0" fill="hold" grpId="0" nodeType="clickEffect">
-                                  <p:stCondLst>
-                                    <p:cond delay="0"/>
-                                  </p:stCondLst>
-                                  <p:childTnLst>
-                                    <p:set>
-                                      <p:cBhvr>
-                                        <p:cTn id="11" dur="1" fill="hold">
-                                          <p:stCondLst>
-                                            <p:cond delay="0"/>
-                                          </p:stCondLst>
-                                        </p:cTn>
-                                        <p:tgtEl>
-                                          <p:spTgt spid="3">
-                                            <p:txEl>
-                                              <p:pRg st="1" end="1"/>
-                                            </p:txEl>
-                                          </p:spTgt>
-                                        </p:tgtEl>
-                                        <p:attrNameLst>
-                                          <p:attrName>style.visibility</p:attrName>
-                                        </p:attrNameLst>
-                                      </p:cBhvr>
-                                      <p:to>
-                                        <p:strVal val="visible"/>
-                                      </p:to>
-                                    </p:set>
-                                    <p:animEffect transition="in" filter="fade">
-                                      <p:cBhvr>
-                                        <p:cTn id="12" dur="500"/>
-                                        <p:tgtEl>
-                                          <p:spTgt spid="3">
-                                            <p:txEl>
-                                              <p:pRg st="1" end="1"/>
-                                            </p:txEl>
-                                          </p:spTgt>
-                                        </p:tgtEl>
-                                      </p:cBhvr>
-                                    </p:animEffect>
-                                  </p:childTnLst>
-                                </p:cTn>
-                              </p:par>
-                            </p:childTnLst>
-                          </p:cTn>
-                        </p:par>
-                      </p:childTnLst>
-                    </p:cTn>
-                  </p:par>
-                  <p:par>
-                    <p:cTn id="13" fill="hold">
-                      <p:stCondLst>
-                        <p:cond delay="indefinite"/>
-                      </p:stCondLst>
-                      <p:childTnLst>
-                        <p:par>
-                          <p:cTn id="14" fill="hold">
-                            <p:stCondLst>
-                              <p:cond delay="0"/>
-                            </p:stCondLst>
-                            <p:childTnLst>
-                              <p:par>
-                                <p:cTn id="15" presetID="10" presetClass="entr" presetSubtype="0" fill="hold" grpId="0" nodeType="clickEffect">
-                                  <p:stCondLst>
-                                    <p:cond delay="0"/>
-                                  </p:stCondLst>
-                                  <p:childTnLst>
-                                    <p:set>
-                                      <p:cBhvr>
-                                        <p:cTn id="16" dur="1" fill="hold">
-                                          <p:stCondLst>
-                                            <p:cond delay="0"/>
-                                          </p:stCondLst>
-                                        </p:cTn>
-                                        <p:tgtEl>
-                                          <p:spTgt spid="3">
-                                            <p:txEl>
-                                              <p:pRg st="2" end="2"/>
-                                            </p:txEl>
-                                          </p:spTgt>
-                                        </p:tgtEl>
-                                        <p:attrNameLst>
-                                          <p:attrName>style.visibility</p:attrName>
-                                        </p:attrNameLst>
-                                      </p:cBhvr>
-                                      <p:to>
-                                        <p:strVal val="visible"/>
-                                      </p:to>
-                                    </p:set>
-                                    <p:animEffect transition="in" filter="fade">
-                                      <p:cBhvr>
-                                        <p:cTn id="17" dur="500"/>
-                                        <p:tgtEl>
-                                          <p:spTgt spid="3">
-                                            <p:txEl>
-                                              <p:pRg st="2" end="2"/>
-                                            </p:txEl>
-                                          </p:spTgt>
-                                        </p:tgtEl>
-                                      </p:cBhvr>
-                                    </p:animEffect>
-                                  </p:childTnLst>
-                                </p:cTn>
-                              </p:par>
-                              <p:par>
-                                <p:cTn id="18" presetID="10" presetClass="entr" presetSubtype="0" fill="hold" grpId="0" nodeType="withEffect">
-                                  <p:stCondLst>
-                                    <p:cond delay="0"/>
-                                  </p:stCondLst>
-                                  <p:childTnLst>
-                                    <p:set>
-                                      <p:cBhvr>
-                                        <p:cTn id="19" dur="1" fill="hold">
-                                          <p:stCondLst>
-                                            <p:cond delay="0"/>
-                                          </p:stCondLst>
-                                        </p:cTn>
-                                        <p:tgtEl>
-                                          <p:spTgt spid="3">
-                                            <p:txEl>
-                                              <p:pRg st="3" end="3"/>
-                                            </p:txEl>
-                                          </p:spTgt>
-                                        </p:tgtEl>
-                                        <p:attrNameLst>
-                                          <p:attrName>style.visibility</p:attrName>
-                                        </p:attrNameLst>
-                                      </p:cBhvr>
-                                      <p:to>
-                                        <p:strVal val="visible"/>
-                                      </p:to>
-                                    </p:set>
-                                    <p:animEffect transition="in" filter="fade">
-                                      <p:cBhvr>
-                                        <p:cTn id="20" dur="500"/>
-                                        <p:tgtEl>
-                                          <p:spTgt spid="3">
-                                            <p:txEl>
-                                              <p:pRg st="3" end="3"/>
-                                            </p:txEl>
-                                          </p:spTgt>
-                                        </p:tgtEl>
-                                      </p:cBhvr>
-                                    </p:animEffect>
-                                  </p:childTnLst>
-                                </p:cTn>
-                              </p:par>
-                              <p:par>
-                                <p:cTn id="21" presetID="10" presetClass="entr" presetSubtype="0" fill="hold" grpId="0" nodeType="withEffect">
-                                  <p:stCondLst>
-                                    <p:cond delay="0"/>
-                                  </p:stCondLst>
-                                  <p:childTnLst>
-                                    <p:set>
-                                      <p:cBhvr>
-                                        <p:cTn id="22" dur="1" fill="hold">
-                                          <p:stCondLst>
-                                            <p:cond delay="0"/>
-                                          </p:stCondLst>
-                                        </p:cTn>
-                                        <p:tgtEl>
-                                          <p:spTgt spid="3">
-                                            <p:txEl>
-                                              <p:pRg st="4" end="4"/>
-                                            </p:txEl>
-                                          </p:spTgt>
-                                        </p:tgtEl>
-                                        <p:attrNameLst>
-                                          <p:attrName>style.visibility</p:attrName>
-                                        </p:attrNameLst>
-                                      </p:cBhvr>
-                                      <p:to>
-                                        <p:strVal val="visible"/>
-                                      </p:to>
-                                    </p:set>
-                                    <p:animEffect transition="in" filter="fade">
-                                      <p:cBhvr>
-                                        <p:cTn id="23" dur="500"/>
-                                        <p:tgtEl>
-                                          <p:spTgt spid="3">
-                                            <p:txEl>
-                                              <p:pRg st="4" end="4"/>
-                                            </p:txEl>
-                                          </p:spTgt>
-                                        </p:tgtEl>
-                                      </p:cBhvr>
-                                    </p:animEffect>
-                                  </p:childTnLst>
-                                </p:cTn>
-                              </p:par>
-                            </p:childTnLst>
-                          </p:cTn>
-                        </p:par>
-                      </p:childTnLst>
-                    </p:cTn>
-                  </p:par>
-                </p:childTnLst>
-              </p:cTn>
-              <p:prevCondLst>
-                <p:cond evt="onPrev" delay="0">
-                  <p:tgtEl>
-                    <p:sldTgt/>
-                  </p:tgtEl>
-                </p:cond>
-              </p:prevCondLst>
-              <p:nextCondLst>
-                <p:cond evt="onNext" delay="0">
-                  <p:tgtEl>
-                    <p:sldTgt/>
-                  </p:tgtEl>
-                </p:cond>
-              </p:nextCondLst>
-            </p:seq>
-          </p:childTnLst>
-        </p:cTn>
+        <p:cTn xmlns:p14="http://schemas.microsoft.com/office/powerpoint/2010/main" id="1" dur="indefinite" restart="never" nodeType="tmRoot"/>
       </p:par>
     </p:tnLst>
-    <p:bldLst>
-      <p:bldP spid="3" grpId="0" build="p"/>
-    </p:bldLst>
   </p:timing>
 </p:sld>
 </file>
@@ -5854,594 +4826,6 @@
           <a:p>
             <a:r>
               <a:rPr lang="en-US" dirty="0" smtClean="0"/>
-              <a:t>Parameterized Queries</a:t>
-            </a:r>
-            <a:endParaRPr lang="en-US" dirty="0"/>
-          </a:p>
-        </p:txBody>
-      </p:sp>
-      <p:sp>
-        <p:nvSpPr>
-          <p:cNvPr id="3" name="Content Placeholder 2"/>
-          <p:cNvSpPr>
-            <a:spLocks noGrp="1"/>
-          </p:cNvSpPr>
-          <p:nvPr>
-            <p:ph idx="1"/>
-          </p:nvPr>
-        </p:nvSpPr>
-        <p:spPr>
-          <a:xfrm>
-            <a:off x="457200" y="955193"/>
-            <a:ext cx="8007739" cy="3493655"/>
-          </a:xfrm>
-        </p:spPr>
-        <p:txBody>
-          <a:bodyPr/>
-          <a:lstStyle/>
-          <a:p>
-            <a:pPr>
-              <a:lnSpc>
-                <a:spcPct val="140000"/>
-              </a:lnSpc>
-            </a:pPr>
-            <a:r>
-              <a:rPr lang="en-US" dirty="0" smtClean="0"/>
-              <a:t>Decouple parameters from the actual Query</a:t>
-            </a:r>
-          </a:p>
-          <a:p>
-            <a:pPr>
-              <a:lnSpc>
-                <a:spcPct val="140000"/>
-              </a:lnSpc>
-            </a:pPr>
-            <a:r>
-              <a:rPr lang="en-US" dirty="0" smtClean="0"/>
-              <a:t>Two variants</a:t>
-            </a:r>
-          </a:p>
-          <a:p>
-            <a:pPr lvl="1">
-              <a:lnSpc>
-                <a:spcPct val="140000"/>
-              </a:lnSpc>
-            </a:pPr>
-            <a:r>
-              <a:rPr lang="en-US" dirty="0" smtClean="0"/>
-              <a:t>Positional Parameters ($1, $2,…)</a:t>
-            </a:r>
-          </a:p>
-          <a:p>
-            <a:pPr lvl="1">
-              <a:lnSpc>
-                <a:spcPct val="140000"/>
-              </a:lnSpc>
-            </a:pPr>
-            <a:r>
-              <a:rPr lang="en-US" dirty="0" smtClean="0"/>
-              <a:t>Named Parameters ($</a:t>
-            </a:r>
-            <a:r>
-              <a:rPr lang="en-US" dirty="0" err="1" smtClean="0"/>
-              <a:t>fname</a:t>
-            </a:r>
-            <a:r>
-              <a:rPr lang="en-US" dirty="0" smtClean="0"/>
-              <a:t>, $</a:t>
-            </a:r>
-            <a:r>
-              <a:rPr lang="en-US" dirty="0" err="1" smtClean="0"/>
-              <a:t>lname</a:t>
-            </a:r>
-            <a:r>
-              <a:rPr lang="en-US" dirty="0" smtClean="0"/>
-              <a:t>)</a:t>
-            </a:r>
-          </a:p>
-        </p:txBody>
-      </p:sp>
-      <p:sp>
-        <p:nvSpPr>
-          <p:cNvPr id="4" name="Rechteck 3"/>
-          <p:cNvSpPr/>
-          <p:nvPr/>
-        </p:nvSpPr>
-        <p:spPr>
-          <a:xfrm>
-            <a:off x="457200" y="3244984"/>
-            <a:ext cx="8396825" cy="369332"/>
-          </a:xfrm>
-          <a:prstGeom prst="rect">
-            <a:avLst/>
-          </a:prstGeom>
-        </p:spPr>
-        <p:txBody>
-          <a:bodyPr wrap="square">
-            <a:spAutoFit/>
-          </a:bodyPr>
-          <a:lstStyle/>
-          <a:p>
-            <a:r>
-              <a:rPr lang="de-DE" dirty="0">
-                <a:latin typeface="Courier New"/>
-                <a:cs typeface="Courier New"/>
-              </a:rPr>
-              <a:t> SELECT </a:t>
-            </a:r>
-            <a:r>
-              <a:rPr lang="de-DE" dirty="0" err="1">
-                <a:latin typeface="Courier New"/>
-                <a:cs typeface="Courier New"/>
-              </a:rPr>
-              <a:t>detail</a:t>
-            </a:r>
-            <a:r>
-              <a:rPr lang="de-DE" dirty="0">
-                <a:latin typeface="Courier New"/>
-                <a:cs typeface="Courier New"/>
-              </a:rPr>
-              <a:t> FROM </a:t>
-            </a:r>
-            <a:r>
-              <a:rPr lang="de-DE" dirty="0" err="1">
-                <a:latin typeface="Courier New"/>
-                <a:cs typeface="Courier New"/>
-              </a:rPr>
-              <a:t>emp</a:t>
-            </a:r>
-            <a:r>
-              <a:rPr lang="de-DE" dirty="0">
-                <a:latin typeface="Courier New"/>
-                <a:cs typeface="Courier New"/>
-              </a:rPr>
-              <a:t> </a:t>
-            </a:r>
-            <a:r>
-              <a:rPr lang="de-DE" b="1" dirty="0">
-                <a:latin typeface="Courier New"/>
-                <a:cs typeface="Courier New"/>
-              </a:rPr>
-              <a:t>WHERE </a:t>
-            </a:r>
-            <a:r>
-              <a:rPr lang="de-DE" b="1" dirty="0" err="1">
-                <a:latin typeface="Courier New"/>
-                <a:cs typeface="Courier New"/>
-              </a:rPr>
-              <a:t>name</a:t>
-            </a:r>
-            <a:r>
-              <a:rPr lang="de-DE" b="1" dirty="0">
-                <a:latin typeface="Courier New"/>
-                <a:cs typeface="Courier New"/>
-              </a:rPr>
-              <a:t> = $1 AND </a:t>
-            </a:r>
-            <a:r>
-              <a:rPr lang="de-DE" b="1" dirty="0" err="1">
-                <a:latin typeface="Courier New"/>
-                <a:cs typeface="Courier New"/>
-              </a:rPr>
-              <a:t>hiredate</a:t>
-            </a:r>
-            <a:r>
-              <a:rPr lang="de-DE" b="1" dirty="0">
-                <a:latin typeface="Courier New"/>
-                <a:cs typeface="Courier New"/>
-              </a:rPr>
-              <a:t> &gt; $2 </a:t>
-            </a:r>
-          </a:p>
-        </p:txBody>
-      </p:sp>
-      <p:sp>
-        <p:nvSpPr>
-          <p:cNvPr id="5" name="Rechteck 4"/>
-          <p:cNvSpPr/>
-          <p:nvPr/>
-        </p:nvSpPr>
-        <p:spPr>
-          <a:xfrm>
-            <a:off x="422552" y="3691073"/>
-            <a:ext cx="8554885" cy="369332"/>
-          </a:xfrm>
-          <a:prstGeom prst="rect">
-            <a:avLst/>
-          </a:prstGeom>
-        </p:spPr>
-        <p:txBody>
-          <a:bodyPr wrap="square">
-            <a:spAutoFit/>
-          </a:bodyPr>
-          <a:lstStyle/>
-          <a:p>
-            <a:r>
-              <a:rPr lang="de-DE" dirty="0">
-                <a:latin typeface="Courier New"/>
-                <a:cs typeface="Courier New"/>
-              </a:rPr>
-              <a:t> SELECT </a:t>
-            </a:r>
-            <a:r>
-              <a:rPr lang="de-DE" dirty="0" err="1">
-                <a:latin typeface="Courier New"/>
-                <a:cs typeface="Courier New"/>
-              </a:rPr>
-              <a:t>detail</a:t>
-            </a:r>
-            <a:r>
-              <a:rPr lang="de-DE" dirty="0">
-                <a:latin typeface="Courier New"/>
-                <a:cs typeface="Courier New"/>
-              </a:rPr>
-              <a:t> FROM </a:t>
-            </a:r>
-            <a:r>
-              <a:rPr lang="de-DE" dirty="0" err="1">
-                <a:latin typeface="Courier New"/>
-                <a:cs typeface="Courier New"/>
-              </a:rPr>
-              <a:t>emp</a:t>
-            </a:r>
-            <a:r>
-              <a:rPr lang="de-DE" dirty="0">
-                <a:latin typeface="Courier New"/>
-                <a:cs typeface="Courier New"/>
-              </a:rPr>
-              <a:t> </a:t>
-            </a:r>
-            <a:r>
-              <a:rPr lang="de-DE" b="1" dirty="0">
-                <a:latin typeface="Courier New"/>
-                <a:cs typeface="Courier New"/>
-              </a:rPr>
-              <a:t>WHERE </a:t>
-            </a:r>
-            <a:r>
-              <a:rPr lang="de-DE" b="1" dirty="0" err="1">
-                <a:latin typeface="Courier New"/>
-                <a:cs typeface="Courier New"/>
-              </a:rPr>
-              <a:t>name</a:t>
-            </a:r>
-            <a:r>
-              <a:rPr lang="de-DE" b="1" dirty="0">
-                <a:latin typeface="Courier New"/>
-                <a:cs typeface="Courier New"/>
-              </a:rPr>
-              <a:t> = $</a:t>
-            </a:r>
-            <a:r>
-              <a:rPr lang="de-DE" b="1" dirty="0" err="1">
-                <a:latin typeface="Courier New"/>
-                <a:cs typeface="Courier New"/>
-              </a:rPr>
-              <a:t>nval</a:t>
-            </a:r>
-            <a:r>
-              <a:rPr lang="de-DE" b="1" dirty="0">
-                <a:latin typeface="Courier New"/>
-                <a:cs typeface="Courier New"/>
-              </a:rPr>
-              <a:t> AND </a:t>
-            </a:r>
-            <a:r>
-              <a:rPr lang="de-DE" b="1" dirty="0" err="1">
-                <a:latin typeface="Courier New"/>
-                <a:cs typeface="Courier New"/>
-              </a:rPr>
-              <a:t>age</a:t>
-            </a:r>
-            <a:r>
-              <a:rPr lang="de-DE" b="1" dirty="0">
-                <a:latin typeface="Courier New"/>
-                <a:cs typeface="Courier New"/>
-              </a:rPr>
-              <a:t> &gt; $</a:t>
-            </a:r>
-            <a:r>
-              <a:rPr lang="de-DE" b="1" dirty="0" err="1">
-                <a:latin typeface="Courier New"/>
-                <a:cs typeface="Courier New"/>
-              </a:rPr>
-              <a:t>aval</a:t>
-            </a:r>
-            <a:endParaRPr lang="de-DE" b="1" dirty="0">
-              <a:latin typeface="Courier New"/>
-              <a:cs typeface="Courier New"/>
-            </a:endParaRPr>
-          </a:p>
-        </p:txBody>
-      </p:sp>
-    </p:spTree>
-    <p:extLst>
-      <p:ext uri="{BB962C8B-B14F-4D97-AF65-F5344CB8AC3E}">
-        <p14:creationId xmlns:p14="http://schemas.microsoft.com/office/powerpoint/2010/main" val="1090567114"/>
-      </p:ext>
-    </p:extLst>
-  </p:cSld>
-  <p:clrMapOvr>
-    <a:masterClrMapping/>
-  </p:clrMapOvr>
-  <p:timing>
-    <p:tnLst>
-      <p:par>
-        <p:cTn xmlns:p14="http://schemas.microsoft.com/office/powerpoint/2010/main" id="1" dur="indefinite" restart="never" nodeType="tmRoot">
-          <p:childTnLst>
-            <p:seq concurrent="1" nextAc="seek">
-              <p:cTn id="2" dur="indefinite" nodeType="mainSeq">
-                <p:childTnLst>
-                  <p:par>
-                    <p:cTn id="3" fill="hold">
-                      <p:stCondLst>
-                        <p:cond delay="indefinite"/>
-                      </p:stCondLst>
-                      <p:childTnLst>
-                        <p:par>
-                          <p:cTn id="4" fill="hold">
-                            <p:stCondLst>
-                              <p:cond delay="0"/>
-                            </p:stCondLst>
-                            <p:childTnLst>
-                              <p:par>
-                                <p:cTn id="5" presetID="10" presetClass="entr" presetSubtype="0" fill="hold" grpId="0" nodeType="clickEffect">
-                                  <p:stCondLst>
-                                    <p:cond delay="0"/>
-                                  </p:stCondLst>
-                                  <p:childTnLst>
-                                    <p:set>
-                                      <p:cBhvr>
-                                        <p:cTn id="6" dur="1" fill="hold">
-                                          <p:stCondLst>
-                                            <p:cond delay="0"/>
-                                          </p:stCondLst>
-                                        </p:cTn>
-                                        <p:tgtEl>
-                                          <p:spTgt spid="3">
-                                            <p:txEl>
-                                              <p:pRg st="0" end="0"/>
-                                            </p:txEl>
-                                          </p:spTgt>
-                                        </p:tgtEl>
-                                        <p:attrNameLst>
-                                          <p:attrName>style.visibility</p:attrName>
-                                        </p:attrNameLst>
-                                      </p:cBhvr>
-                                      <p:to>
-                                        <p:strVal val="visible"/>
-                                      </p:to>
-                                    </p:set>
-                                    <p:animEffect transition="in" filter="fade">
-                                      <p:cBhvr>
-                                        <p:cTn id="7" dur="500"/>
-                                        <p:tgtEl>
-                                          <p:spTgt spid="3">
-                                            <p:txEl>
-                                              <p:pRg st="0" end="0"/>
-                                            </p:txEl>
-                                          </p:spTgt>
-                                        </p:tgtEl>
-                                      </p:cBhvr>
-                                    </p:animEffect>
-                                  </p:childTnLst>
-                                </p:cTn>
-                              </p:par>
-                            </p:childTnLst>
-                          </p:cTn>
-                        </p:par>
-                      </p:childTnLst>
-                    </p:cTn>
-                  </p:par>
-                  <p:par>
-                    <p:cTn id="8" fill="hold">
-                      <p:stCondLst>
-                        <p:cond delay="indefinite"/>
-                      </p:stCondLst>
-                      <p:childTnLst>
-                        <p:par>
-                          <p:cTn id="9" fill="hold">
-                            <p:stCondLst>
-                              <p:cond delay="0"/>
-                            </p:stCondLst>
-                            <p:childTnLst>
-                              <p:par>
-                                <p:cTn id="10" presetID="10" presetClass="entr" presetSubtype="0" fill="hold" grpId="0" nodeType="clickEffect">
-                                  <p:stCondLst>
-                                    <p:cond delay="0"/>
-                                  </p:stCondLst>
-                                  <p:childTnLst>
-                                    <p:set>
-                                      <p:cBhvr>
-                                        <p:cTn id="11" dur="1" fill="hold">
-                                          <p:stCondLst>
-                                            <p:cond delay="0"/>
-                                          </p:stCondLst>
-                                        </p:cTn>
-                                        <p:tgtEl>
-                                          <p:spTgt spid="3">
-                                            <p:txEl>
-                                              <p:pRg st="1" end="1"/>
-                                            </p:txEl>
-                                          </p:spTgt>
-                                        </p:tgtEl>
-                                        <p:attrNameLst>
-                                          <p:attrName>style.visibility</p:attrName>
-                                        </p:attrNameLst>
-                                      </p:cBhvr>
-                                      <p:to>
-                                        <p:strVal val="visible"/>
-                                      </p:to>
-                                    </p:set>
-                                    <p:animEffect transition="in" filter="fade">
-                                      <p:cBhvr>
-                                        <p:cTn id="12" dur="500"/>
-                                        <p:tgtEl>
-                                          <p:spTgt spid="3">
-                                            <p:txEl>
-                                              <p:pRg st="1" end="1"/>
-                                            </p:txEl>
-                                          </p:spTgt>
-                                        </p:tgtEl>
-                                      </p:cBhvr>
-                                    </p:animEffect>
-                                  </p:childTnLst>
-                                </p:cTn>
-                              </p:par>
-                              <p:par>
-                                <p:cTn id="13" presetID="10" presetClass="entr" presetSubtype="0" fill="hold" grpId="0" nodeType="withEffect">
-                                  <p:stCondLst>
-                                    <p:cond delay="0"/>
-                                  </p:stCondLst>
-                                  <p:childTnLst>
-                                    <p:set>
-                                      <p:cBhvr>
-                                        <p:cTn id="14" dur="1" fill="hold">
-                                          <p:stCondLst>
-                                            <p:cond delay="0"/>
-                                          </p:stCondLst>
-                                        </p:cTn>
-                                        <p:tgtEl>
-                                          <p:spTgt spid="3">
-                                            <p:txEl>
-                                              <p:pRg st="2" end="2"/>
-                                            </p:txEl>
-                                          </p:spTgt>
-                                        </p:tgtEl>
-                                        <p:attrNameLst>
-                                          <p:attrName>style.visibility</p:attrName>
-                                        </p:attrNameLst>
-                                      </p:cBhvr>
-                                      <p:to>
-                                        <p:strVal val="visible"/>
-                                      </p:to>
-                                    </p:set>
-                                    <p:animEffect transition="in" filter="fade">
-                                      <p:cBhvr>
-                                        <p:cTn id="15" dur="500"/>
-                                        <p:tgtEl>
-                                          <p:spTgt spid="3">
-                                            <p:txEl>
-                                              <p:pRg st="2" end="2"/>
-                                            </p:txEl>
-                                          </p:spTgt>
-                                        </p:tgtEl>
-                                      </p:cBhvr>
-                                    </p:animEffect>
-                                  </p:childTnLst>
-                                </p:cTn>
-                              </p:par>
-                              <p:par>
-                                <p:cTn id="16" presetID="10" presetClass="entr" presetSubtype="0" fill="hold" grpId="0" nodeType="withEffect">
-                                  <p:stCondLst>
-                                    <p:cond delay="0"/>
-                                  </p:stCondLst>
-                                  <p:childTnLst>
-                                    <p:set>
-                                      <p:cBhvr>
-                                        <p:cTn id="17" dur="1" fill="hold">
-                                          <p:stCondLst>
-                                            <p:cond delay="0"/>
-                                          </p:stCondLst>
-                                        </p:cTn>
-                                        <p:tgtEl>
-                                          <p:spTgt spid="3">
-                                            <p:txEl>
-                                              <p:pRg st="3" end="3"/>
-                                            </p:txEl>
-                                          </p:spTgt>
-                                        </p:tgtEl>
-                                        <p:attrNameLst>
-                                          <p:attrName>style.visibility</p:attrName>
-                                        </p:attrNameLst>
-                                      </p:cBhvr>
-                                      <p:to>
-                                        <p:strVal val="visible"/>
-                                      </p:to>
-                                    </p:set>
-                                    <p:animEffect transition="in" filter="fade">
-                                      <p:cBhvr>
-                                        <p:cTn id="18" dur="500"/>
-                                        <p:tgtEl>
-                                          <p:spTgt spid="3">
-                                            <p:txEl>
-                                              <p:pRg st="3" end="3"/>
-                                            </p:txEl>
-                                          </p:spTgt>
-                                        </p:tgtEl>
-                                      </p:cBhvr>
-                                    </p:animEffect>
-                                  </p:childTnLst>
-                                </p:cTn>
-                              </p:par>
-                            </p:childTnLst>
-                          </p:cTn>
-                        </p:par>
-                      </p:childTnLst>
-                    </p:cTn>
-                  </p:par>
-                </p:childTnLst>
-              </p:cTn>
-              <p:prevCondLst>
-                <p:cond evt="onPrev" delay="0">
-                  <p:tgtEl>
-                    <p:sldTgt/>
-                  </p:tgtEl>
-                </p:cond>
-              </p:prevCondLst>
-              <p:nextCondLst>
-                <p:cond evt="onNext" delay="0">
-                  <p:tgtEl>
-                    <p:sldTgt/>
-                  </p:tgtEl>
-                </p:cond>
-              </p:nextCondLst>
-            </p:seq>
-          </p:childTnLst>
-        </p:cTn>
-      </p:par>
-    </p:tnLst>
-    <p:bldLst>
-      <p:bldP spid="3" grpId="0" build="p"/>
-    </p:bldLst>
-  </p:timing>
-</p:sld>
-</file>
-
-<file path=ppt/slides/slide15.xml><?xml version="1.0" encoding="utf-8"?>
-<p:sld xmlns:a="http://schemas.openxmlformats.org/drawingml/2006/main" xmlns:r="http://schemas.openxmlformats.org/officeDocument/2006/relationships" xmlns:p="http://schemas.openxmlformats.org/presentationml/2006/main">
-  <p:cSld>
-    <p:spTree>
-      <p:nvGrpSpPr>
-        <p:cNvPr id="1" name=""/>
-        <p:cNvGrpSpPr/>
-        <p:nvPr/>
-      </p:nvGrpSpPr>
-      <p:grpSpPr>
-        <a:xfrm>
-          <a:off x="0" y="0"/>
-          <a:ext cx="0" cy="0"/>
-          <a:chOff x="0" y="0"/>
-          <a:chExt cx="0" cy="0"/>
-        </a:xfrm>
-      </p:grpSpPr>
-      <p:sp>
-        <p:nvSpPr>
-          <p:cNvPr id="2" name="Title 1"/>
-          <p:cNvSpPr>
-            <a:spLocks noGrp="1"/>
-          </p:cNvSpPr>
-          <p:nvPr>
-            <p:ph type="title"/>
-          </p:nvPr>
-        </p:nvSpPr>
-        <p:spPr/>
-        <p:txBody>
-          <a:bodyPr/>
-          <a:lstStyle/>
-          <a:p>
-            <a:r>
-              <a:rPr lang="en-US" dirty="0" smtClean="0"/>
               <a:t>Prepared Queries</a:t>
             </a:r>
             <a:endParaRPr lang="en-US" dirty="0"/>
@@ -6583,223 +4967,14 @@
   <p:timing>
     <p:tnLst>
       <p:par>
-        <p:cTn xmlns:p14="http://schemas.microsoft.com/office/powerpoint/2010/main" id="1" dur="indefinite" restart="never" nodeType="tmRoot">
-          <p:childTnLst>
-            <p:seq concurrent="1" nextAc="seek">
-              <p:cTn id="2" dur="indefinite" nodeType="mainSeq">
-                <p:childTnLst>
-                  <p:par>
-                    <p:cTn id="3" fill="hold">
-                      <p:stCondLst>
-                        <p:cond delay="indefinite"/>
-                      </p:stCondLst>
-                      <p:childTnLst>
-                        <p:par>
-                          <p:cTn id="4" fill="hold">
-                            <p:stCondLst>
-                              <p:cond delay="0"/>
-                            </p:stCondLst>
-                            <p:childTnLst>
-                              <p:par>
-                                <p:cTn id="5" presetID="10" presetClass="entr" presetSubtype="0" fill="hold" grpId="0" nodeType="clickEffect">
-                                  <p:stCondLst>
-                                    <p:cond delay="0"/>
-                                  </p:stCondLst>
-                                  <p:childTnLst>
-                                    <p:set>
-                                      <p:cBhvr>
-                                        <p:cTn id="6" dur="1" fill="hold">
-                                          <p:stCondLst>
-                                            <p:cond delay="0"/>
-                                          </p:stCondLst>
-                                        </p:cTn>
-                                        <p:tgtEl>
-                                          <p:spTgt spid="3">
-                                            <p:txEl>
-                                              <p:pRg st="0" end="0"/>
-                                            </p:txEl>
-                                          </p:spTgt>
-                                        </p:tgtEl>
-                                        <p:attrNameLst>
-                                          <p:attrName>style.visibility</p:attrName>
-                                        </p:attrNameLst>
-                                      </p:cBhvr>
-                                      <p:to>
-                                        <p:strVal val="visible"/>
-                                      </p:to>
-                                    </p:set>
-                                    <p:animEffect transition="in" filter="fade">
-                                      <p:cBhvr>
-                                        <p:cTn id="7" dur="500"/>
-                                        <p:tgtEl>
-                                          <p:spTgt spid="3">
-                                            <p:txEl>
-                                              <p:pRg st="0" end="0"/>
-                                            </p:txEl>
-                                          </p:spTgt>
-                                        </p:tgtEl>
-                                      </p:cBhvr>
-                                    </p:animEffect>
-                                  </p:childTnLst>
-                                </p:cTn>
-                              </p:par>
-                            </p:childTnLst>
-                          </p:cTn>
-                        </p:par>
-                      </p:childTnLst>
-                    </p:cTn>
-                  </p:par>
-                  <p:par>
-                    <p:cTn id="8" fill="hold">
-                      <p:stCondLst>
-                        <p:cond delay="indefinite"/>
-                      </p:stCondLst>
-                      <p:childTnLst>
-                        <p:par>
-                          <p:cTn id="9" fill="hold">
-                            <p:stCondLst>
-                              <p:cond delay="0"/>
-                            </p:stCondLst>
-                            <p:childTnLst>
-                              <p:par>
-                                <p:cTn id="10" presetID="10" presetClass="entr" presetSubtype="0" fill="hold" grpId="0" nodeType="clickEffect">
-                                  <p:stCondLst>
-                                    <p:cond delay="0"/>
-                                  </p:stCondLst>
-                                  <p:childTnLst>
-                                    <p:set>
-                                      <p:cBhvr>
-                                        <p:cTn id="11" dur="1" fill="hold">
-                                          <p:stCondLst>
-                                            <p:cond delay="0"/>
-                                          </p:stCondLst>
-                                        </p:cTn>
-                                        <p:tgtEl>
-                                          <p:spTgt spid="3">
-                                            <p:txEl>
-                                              <p:pRg st="2" end="2"/>
-                                            </p:txEl>
-                                          </p:spTgt>
-                                        </p:tgtEl>
-                                        <p:attrNameLst>
-                                          <p:attrName>style.visibility</p:attrName>
-                                        </p:attrNameLst>
-                                      </p:cBhvr>
-                                      <p:to>
-                                        <p:strVal val="visible"/>
-                                      </p:to>
-                                    </p:set>
-                                    <p:animEffect transition="in" filter="fade">
-                                      <p:cBhvr>
-                                        <p:cTn id="12" dur="500"/>
-                                        <p:tgtEl>
-                                          <p:spTgt spid="3">
-                                            <p:txEl>
-                                              <p:pRg st="2" end="2"/>
-                                            </p:txEl>
-                                          </p:spTgt>
-                                        </p:tgtEl>
-                                      </p:cBhvr>
-                                    </p:animEffect>
-                                  </p:childTnLst>
-                                </p:cTn>
-                              </p:par>
-                            </p:childTnLst>
-                          </p:cTn>
-                        </p:par>
-                      </p:childTnLst>
-                    </p:cTn>
-                  </p:par>
-                  <p:par>
-                    <p:cTn id="13" fill="hold">
-                      <p:stCondLst>
-                        <p:cond delay="indefinite"/>
-                      </p:stCondLst>
-                      <p:childTnLst>
-                        <p:par>
-                          <p:cTn id="14" fill="hold">
-                            <p:stCondLst>
-                              <p:cond delay="0"/>
-                            </p:stCondLst>
-                            <p:childTnLst>
-                              <p:par>
-                                <p:cTn id="15" presetID="10" presetClass="entr" presetSubtype="0" fill="hold" grpId="0" nodeType="clickEffect">
-                                  <p:stCondLst>
-                                    <p:cond delay="0"/>
-                                  </p:stCondLst>
-                                  <p:childTnLst>
-                                    <p:set>
-                                      <p:cBhvr>
-                                        <p:cTn id="16" dur="1" fill="hold">
-                                          <p:stCondLst>
-                                            <p:cond delay="0"/>
-                                          </p:stCondLst>
-                                        </p:cTn>
-                                        <p:tgtEl>
-                                          <p:spTgt spid="3">
-                                            <p:txEl>
-                                              <p:pRg st="3" end="3"/>
-                                            </p:txEl>
-                                          </p:spTgt>
-                                        </p:tgtEl>
-                                        <p:attrNameLst>
-                                          <p:attrName>style.visibility</p:attrName>
-                                        </p:attrNameLst>
-                                      </p:cBhvr>
-                                      <p:to>
-                                        <p:strVal val="visible"/>
-                                      </p:to>
-                                    </p:set>
-                                    <p:animEffect transition="in" filter="fade">
-                                      <p:cBhvr>
-                                        <p:cTn id="17" dur="500"/>
-                                        <p:tgtEl>
-                                          <p:spTgt spid="3">
-                                            <p:txEl>
-                                              <p:pRg st="3" end="3"/>
-                                            </p:txEl>
-                                          </p:spTgt>
-                                        </p:tgtEl>
-                                      </p:cBhvr>
-                                    </p:animEffect>
-                                  </p:childTnLst>
-                                </p:cTn>
-                              </p:par>
-                            </p:childTnLst>
-                          </p:cTn>
-                        </p:par>
-                      </p:childTnLst>
-                    </p:cTn>
-                  </p:par>
-                </p:childTnLst>
-              </p:cTn>
-              <p:prevCondLst>
-                <p:cond evt="onPrev" delay="0">
-                  <p:tgtEl>
-                    <p:sldTgt/>
-                  </p:tgtEl>
-                </p:cond>
-              </p:prevCondLst>
-              <p:nextCondLst>
-                <p:cond evt="onNext" delay="0">
-                  <p:tgtEl>
-                    <p:sldTgt/>
-                  </p:tgtEl>
-                </p:cond>
-              </p:nextCondLst>
-            </p:seq>
-          </p:childTnLst>
-        </p:cTn>
+        <p:cTn xmlns:p14="http://schemas.microsoft.com/office/powerpoint/2010/main" id="1" dur="indefinite" restart="never" nodeType="tmRoot"/>
       </p:par>
     </p:tnLst>
-    <p:bldLst>
-      <p:bldP spid="3" grpId="0" build="p"/>
-    </p:bldLst>
   </p:timing>
 </p:sld>
 </file>
 
-<file path=ppt/slides/slide16.xml><?xml version="1.0" encoding="utf-8"?>
+<file path=ppt/slides/slide15.xml><?xml version="1.0" encoding="utf-8"?>
 <p:sld xmlns:a="http://schemas.openxmlformats.org/drawingml/2006/main" xmlns:r="http://schemas.openxmlformats.org/officeDocument/2006/relationships" xmlns:p="http://schemas.openxmlformats.org/presentationml/2006/main">
   <p:cSld>
     <p:spTree>
@@ -6833,8 +5008,27 @@
           <a:p>
             <a:r>
               <a:rPr lang="en-US" dirty="0" smtClean="0"/>
-              <a:t>Advanced Queries - Java</a:t>
-            </a:r>
+              <a:t>Views vs. Indexes</a:t>
+            </a:r>
+            <a:endParaRPr lang="en-US" dirty="0"/>
+          </a:p>
+        </p:txBody>
+      </p:sp>
+      <p:sp>
+        <p:nvSpPr>
+          <p:cNvPr id="3" name="Subtitle 2"/>
+          <p:cNvSpPr>
+            <a:spLocks noGrp="1"/>
+          </p:cNvSpPr>
+          <p:nvPr>
+            <p:ph type="subTitle" idx="1"/>
+          </p:nvPr>
+        </p:nvSpPr>
+        <p:spPr/>
+        <p:txBody>
+          <a:bodyPr/>
+          <a:lstStyle/>
+          <a:p>
             <a:endParaRPr lang="en-US" dirty="0"/>
           </a:p>
         </p:txBody>
@@ -6842,7 +5036,7 @@
     </p:spTree>
     <p:extLst>
       <p:ext uri="{BB962C8B-B14F-4D97-AF65-F5344CB8AC3E}">
-        <p14:creationId xmlns:p14="http://schemas.microsoft.com/office/powerpoint/2010/main" val="3683186877"/>
+        <p14:creationId xmlns:p14="http://schemas.microsoft.com/office/powerpoint/2010/main" val="3600556044"/>
       </p:ext>
     </p:extLst>
   </p:cSld>
@@ -6859,255 +5053,7 @@
 </p:sld>
 </file>
 
-<file path=ppt/slides/slide17.xml><?xml version="1.0" encoding="utf-8"?>
-<p:sld xmlns:a="http://schemas.openxmlformats.org/drawingml/2006/main" xmlns:r="http://schemas.openxmlformats.org/officeDocument/2006/relationships" xmlns:p="http://schemas.openxmlformats.org/presentationml/2006/main">
-  <p:cSld>
-    <p:spTree>
-      <p:nvGrpSpPr>
-        <p:cNvPr id="1" name=""/>
-        <p:cNvGrpSpPr/>
-        <p:nvPr/>
-      </p:nvGrpSpPr>
-      <p:grpSpPr>
-        <a:xfrm>
-          <a:off x="0" y="0"/>
-          <a:ext cx="0" cy="0"/>
-          <a:chOff x="0" y="0"/>
-          <a:chExt cx="0" cy="0"/>
-        </a:xfrm>
-      </p:grpSpPr>
-      <p:sp>
-        <p:nvSpPr>
-          <p:cNvPr id="2" name="Title 1"/>
-          <p:cNvSpPr>
-            <a:spLocks noGrp="1"/>
-          </p:cNvSpPr>
-          <p:nvPr>
-            <p:ph type="ctrTitle"/>
-          </p:nvPr>
-        </p:nvSpPr>
-        <p:spPr/>
-        <p:txBody>
-          <a:bodyPr/>
-          <a:lstStyle/>
-          <a:p>
-            <a:r>
-              <a:rPr lang="en-US" dirty="0"/>
-              <a:t>Advanced Queries - </a:t>
-            </a:r>
-            <a:r>
-              <a:rPr lang="en-US" dirty="0" smtClean="0"/>
-              <a:t>.NET</a:t>
-            </a:r>
-            <a:endParaRPr lang="en-US" dirty="0"/>
-          </a:p>
-        </p:txBody>
-      </p:sp>
-    </p:spTree>
-    <p:extLst>
-      <p:ext uri="{BB962C8B-B14F-4D97-AF65-F5344CB8AC3E}">
-        <p14:creationId xmlns:p14="http://schemas.microsoft.com/office/powerpoint/2010/main" val="882545490"/>
-      </p:ext>
-    </p:extLst>
-  </p:cSld>
-  <p:clrMapOvr>
-    <a:masterClrMapping/>
-  </p:clrMapOvr>
-  <p:timing>
-    <p:tnLst>
-      <p:par>
-        <p:cTn xmlns:p14="http://schemas.microsoft.com/office/powerpoint/2010/main" id="1" dur="indefinite" restart="never" nodeType="tmRoot"/>
-      </p:par>
-    </p:tnLst>
-  </p:timing>
-</p:sld>
-</file>
-
-<file path=ppt/slides/slide18.xml><?xml version="1.0" encoding="utf-8"?>
-<p:sld xmlns:a="http://schemas.openxmlformats.org/drawingml/2006/main" xmlns:r="http://schemas.openxmlformats.org/officeDocument/2006/relationships" xmlns:p="http://schemas.openxmlformats.org/presentationml/2006/main">
-  <p:cSld>
-    <p:spTree>
-      <p:nvGrpSpPr>
-        <p:cNvPr id="1" name=""/>
-        <p:cNvGrpSpPr/>
-        <p:nvPr/>
-      </p:nvGrpSpPr>
-      <p:grpSpPr>
-        <a:xfrm>
-          <a:off x="0" y="0"/>
-          <a:ext cx="0" cy="0"/>
-          <a:chOff x="0" y="0"/>
-          <a:chExt cx="0" cy="0"/>
-        </a:xfrm>
-      </p:grpSpPr>
-      <p:sp>
-        <p:nvSpPr>
-          <p:cNvPr id="2" name="Title 1"/>
-          <p:cNvSpPr>
-            <a:spLocks noGrp="1"/>
-          </p:cNvSpPr>
-          <p:nvPr>
-            <p:ph type="ctrTitle"/>
-          </p:nvPr>
-        </p:nvSpPr>
-        <p:spPr/>
-        <p:txBody>
-          <a:bodyPr/>
-          <a:lstStyle/>
-          <a:p>
-            <a:r>
-              <a:rPr lang="en-US" dirty="0"/>
-              <a:t>Advanced Queries - </a:t>
-            </a:r>
-            <a:r>
-              <a:rPr lang="en-US" dirty="0" err="1" smtClean="0"/>
-              <a:t>NodeJS</a:t>
-            </a:r>
-            <a:endParaRPr lang="en-US" dirty="0"/>
-          </a:p>
-        </p:txBody>
-      </p:sp>
-    </p:spTree>
-    <p:extLst>
-      <p:ext uri="{BB962C8B-B14F-4D97-AF65-F5344CB8AC3E}">
-        <p14:creationId xmlns:p14="http://schemas.microsoft.com/office/powerpoint/2010/main" val="3686523847"/>
-      </p:ext>
-    </p:extLst>
-  </p:cSld>
-  <p:clrMapOvr>
-    <a:masterClrMapping/>
-  </p:clrMapOvr>
-  <p:timing>
-    <p:tnLst>
-      <p:par>
-        <p:cTn xmlns:p14="http://schemas.microsoft.com/office/powerpoint/2010/main" id="1" dur="indefinite" restart="never" nodeType="tmRoot"/>
-      </p:par>
-    </p:tnLst>
-  </p:timing>
-</p:sld>
-</file>
-
-<file path=ppt/slides/slide19.xml><?xml version="1.0" encoding="utf-8"?>
-<p:sld xmlns:a="http://schemas.openxmlformats.org/drawingml/2006/main" xmlns:r="http://schemas.openxmlformats.org/officeDocument/2006/relationships" xmlns:p="http://schemas.openxmlformats.org/presentationml/2006/main">
-  <p:cSld>
-    <p:spTree>
-      <p:nvGrpSpPr>
-        <p:cNvPr id="1" name=""/>
-        <p:cNvGrpSpPr/>
-        <p:nvPr/>
-      </p:nvGrpSpPr>
-      <p:grpSpPr>
-        <a:xfrm>
-          <a:off x="0" y="0"/>
-          <a:ext cx="0" cy="0"/>
-          <a:chOff x="0" y="0"/>
-          <a:chExt cx="0" cy="0"/>
-        </a:xfrm>
-      </p:grpSpPr>
-      <p:sp>
-        <p:nvSpPr>
-          <p:cNvPr id="2" name="Title 1"/>
-          <p:cNvSpPr>
-            <a:spLocks noGrp="1"/>
-          </p:cNvSpPr>
-          <p:nvPr>
-            <p:ph type="ctrTitle"/>
-          </p:nvPr>
-        </p:nvSpPr>
-        <p:spPr/>
-        <p:txBody>
-          <a:bodyPr/>
-          <a:lstStyle/>
-          <a:p>
-            <a:r>
-              <a:rPr lang="en-US" dirty="0" smtClean="0"/>
-              <a:t>View vs. Indexes</a:t>
-            </a:r>
-            <a:endParaRPr lang="en-US" dirty="0"/>
-          </a:p>
-        </p:txBody>
-      </p:sp>
-    </p:spTree>
-    <p:extLst>
-      <p:ext uri="{BB962C8B-B14F-4D97-AF65-F5344CB8AC3E}">
-        <p14:creationId xmlns:p14="http://schemas.microsoft.com/office/powerpoint/2010/main" val="1029701812"/>
-      </p:ext>
-    </p:extLst>
-  </p:cSld>
-  <p:clrMapOvr>
-    <a:masterClrMapping/>
-  </p:clrMapOvr>
-  <p:timing>
-    <p:tnLst>
-      <p:par>
-        <p:cTn xmlns:p14="http://schemas.microsoft.com/office/powerpoint/2010/main" id="1" dur="indefinite" restart="never" nodeType="tmRoot"/>
-      </p:par>
-    </p:tnLst>
-  </p:timing>
-</p:sld>
-</file>
-
-<file path=ppt/slides/slide2.xml><?xml version="1.0" encoding="utf-8"?>
-<p:sld xmlns:a="http://schemas.openxmlformats.org/drawingml/2006/main" xmlns:r="http://schemas.openxmlformats.org/officeDocument/2006/relationships" xmlns:p="http://schemas.openxmlformats.org/presentationml/2006/main">
-  <p:cSld>
-    <p:spTree>
-      <p:nvGrpSpPr>
-        <p:cNvPr id="1" name=""/>
-        <p:cNvGrpSpPr/>
-        <p:nvPr/>
-      </p:nvGrpSpPr>
-      <p:grpSpPr>
-        <a:xfrm>
-          <a:off x="0" y="0"/>
-          <a:ext cx="0" cy="0"/>
-          <a:chOff x="0" y="0"/>
-          <a:chExt cx="0" cy="0"/>
-        </a:xfrm>
-      </p:grpSpPr>
-      <p:sp>
-        <p:nvSpPr>
-          <p:cNvPr id="2" name="Title 1"/>
-          <p:cNvSpPr>
-            <a:spLocks noGrp="1"/>
-          </p:cNvSpPr>
-          <p:nvPr>
-            <p:ph type="ctrTitle"/>
-          </p:nvPr>
-        </p:nvSpPr>
-        <p:spPr/>
-        <p:txBody>
-          <a:bodyPr/>
-          <a:lstStyle/>
-          <a:p>
-            <a:r>
-              <a:rPr lang="en-US" dirty="0" smtClean="0"/>
-              <a:t>Index Management</a:t>
-            </a:r>
-            <a:endParaRPr lang="en-US" dirty="0"/>
-          </a:p>
-        </p:txBody>
-      </p:sp>
-    </p:spTree>
-    <p:extLst>
-      <p:ext uri="{BB962C8B-B14F-4D97-AF65-F5344CB8AC3E}">
-        <p14:creationId xmlns:p14="http://schemas.microsoft.com/office/powerpoint/2010/main" val="735871736"/>
-      </p:ext>
-    </p:extLst>
-  </p:cSld>
-  <p:clrMapOvr>
-    <a:masterClrMapping/>
-  </p:clrMapOvr>
-  <p:timing>
-    <p:tnLst>
-      <p:par>
-        <p:cTn xmlns:p14="http://schemas.microsoft.com/office/powerpoint/2010/main" id="1" dur="indefinite" restart="never" nodeType="tmRoot"/>
-      </p:par>
-    </p:tnLst>
-  </p:timing>
-</p:sld>
-</file>
-
-<file path=ppt/slides/slide20.xml><?xml version="1.0" encoding="utf-8"?>
+<file path=ppt/slides/slide16.xml><?xml version="1.0" encoding="utf-8"?>
 <p:sld xmlns:a="http://schemas.openxmlformats.org/drawingml/2006/main" xmlns:r="http://schemas.openxmlformats.org/officeDocument/2006/relationships" xmlns:p="http://schemas.openxmlformats.org/presentationml/2006/main">
   <p:cSld>
     <p:spTree>
@@ -7522,7 +5468,7 @@
 </p:sld>
 </file>
 
-<file path=ppt/slides/slide21.xml><?xml version="1.0" encoding="utf-8"?>
+<file path=ppt/slides/slide17.xml><?xml version="1.0" encoding="utf-8"?>
 <p:sld xmlns:a="http://schemas.openxmlformats.org/drawingml/2006/main" xmlns:r="http://schemas.openxmlformats.org/officeDocument/2006/relationships" xmlns:p="http://schemas.openxmlformats.org/presentationml/2006/main">
   <p:cSld>
     <p:spTree>
@@ -7755,7 +5701,7 @@
             <a:fld id="{2066355A-084C-D24E-9AD2-7E4FC41EA627}" type="slidenum">
               <a:rPr lang="en-US" smtClean="0"/>
               <a:pPr/>
-              <a:t>21</a:t>
+              <a:t>17</a:t>
             </a:fld>
             <a:endParaRPr lang="en-US" dirty="0"/>
           </a:p>
@@ -11379,7 +9325,7 @@
 </p:sld>
 </file>
 
-<file path=ppt/slides/slide22.xml><?xml version="1.0" encoding="utf-8"?>
+<file path=ppt/slides/slide18.xml><?xml version="1.0" encoding="utf-8"?>
 <p:sld xmlns:a="http://schemas.openxmlformats.org/drawingml/2006/main" xmlns:r="http://schemas.openxmlformats.org/officeDocument/2006/relationships" xmlns:p="http://schemas.openxmlformats.org/presentationml/2006/main">
   <p:cSld>
     <p:spTree>
@@ -13306,7 +11252,7 @@
 </p:sld>
 </file>
 
-<file path=ppt/slides/slide23.xml><?xml version="1.0" encoding="utf-8"?>
+<file path=ppt/slides/slide19.xml><?xml version="1.0" encoding="utf-8"?>
 <p:sld xmlns:a="http://schemas.openxmlformats.org/drawingml/2006/main" xmlns:r="http://schemas.openxmlformats.org/officeDocument/2006/relationships" xmlns:p="http://schemas.openxmlformats.org/presentationml/2006/main">
   <p:cSld>
     <p:spTree>
@@ -13340,15 +11286,7 @@
           <a:p>
             <a:r>
               <a:rPr lang="en-US" dirty="0" smtClean="0"/>
-              <a:t>Views </a:t>
-            </a:r>
-            <a:r>
-              <a:rPr lang="en-US" dirty="0" smtClean="0"/>
-              <a:t> &amp; New </a:t>
-            </a:r>
-            <a:r>
-              <a:rPr lang="en-US" dirty="0" smtClean="0"/>
-              <a:t>Indexes</a:t>
+              <a:t>Views  &amp; New Indexes</a:t>
             </a:r>
             <a:endParaRPr lang="en-US" dirty="0"/>
           </a:p>
@@ -14015,7 +11953,7 @@
 </p:sld>
 </file>
 
-<file path=ppt/slides/slide24.xml><?xml version="1.0" encoding="utf-8"?>
+<file path=ppt/slides/slide2.xml><?xml version="1.0" encoding="utf-8"?>
 <p:sld xmlns:a="http://schemas.openxmlformats.org/drawingml/2006/main" xmlns:r="http://schemas.openxmlformats.org/officeDocument/2006/relationships" xmlns:p="http://schemas.openxmlformats.org/presentationml/2006/main">
   <p:cSld>
     <p:spTree>
@@ -14049,6 +11987,66 @@
           <a:p>
             <a:r>
               <a:rPr lang="en-US" dirty="0" smtClean="0"/>
+              <a:t>Index Management</a:t>
+            </a:r>
+            <a:endParaRPr lang="en-US" dirty="0"/>
+          </a:p>
+        </p:txBody>
+      </p:sp>
+    </p:spTree>
+    <p:extLst>
+      <p:ext uri="{BB962C8B-B14F-4D97-AF65-F5344CB8AC3E}">
+        <p14:creationId xmlns:p14="http://schemas.microsoft.com/office/powerpoint/2010/main" val="735871736"/>
+      </p:ext>
+    </p:extLst>
+  </p:cSld>
+  <p:clrMapOvr>
+    <a:masterClrMapping/>
+  </p:clrMapOvr>
+  <p:timing>
+    <p:tnLst>
+      <p:par>
+        <p:cTn xmlns:p14="http://schemas.microsoft.com/office/powerpoint/2010/main" id="1" dur="indefinite" restart="never" nodeType="tmRoot"/>
+      </p:par>
+    </p:tnLst>
+  </p:timing>
+</p:sld>
+</file>
+
+<file path=ppt/slides/slide20.xml><?xml version="1.0" encoding="utf-8"?>
+<p:sld xmlns:a="http://schemas.openxmlformats.org/drawingml/2006/main" xmlns:r="http://schemas.openxmlformats.org/officeDocument/2006/relationships" xmlns:p="http://schemas.openxmlformats.org/presentationml/2006/main">
+  <p:cSld>
+    <p:spTree>
+      <p:nvGrpSpPr>
+        <p:cNvPr id="1" name=""/>
+        <p:cNvGrpSpPr/>
+        <p:nvPr/>
+      </p:nvGrpSpPr>
+      <p:grpSpPr>
+        <a:xfrm>
+          <a:off x="0" y="0"/>
+          <a:ext cx="0" cy="0"/>
+          <a:chOff x="0" y="0"/>
+          <a:chExt cx="0" cy="0"/>
+        </a:xfrm>
+      </p:grpSpPr>
+      <p:sp>
+        <p:nvSpPr>
+          <p:cNvPr id="2" name="Title 1"/>
+          <p:cNvSpPr>
+            <a:spLocks noGrp="1"/>
+          </p:cNvSpPr>
+          <p:nvPr>
+            <p:ph type="ctrTitle"/>
+          </p:nvPr>
+        </p:nvSpPr>
+        <p:spPr/>
+        <p:txBody>
+          <a:bodyPr/>
+          <a:lstStyle/>
+          <a:p>
+            <a:r>
+              <a:rPr lang="en-US" dirty="0" smtClean="0"/>
               <a:t>Questions?</a:t>
             </a:r>
             <a:endParaRPr lang="en-US" dirty="0"/>
@@ -14094,7 +12092,7 @@
 </p:sld>
 </file>
 
-<file path=ppt/slides/slide25.xml><?xml version="1.0" encoding="utf-8"?>
+<file path=ppt/slides/slide21.xml><?xml version="1.0" encoding="utf-8"?>
 <p:sld xmlns:a="http://schemas.openxmlformats.org/drawingml/2006/main" xmlns:r="http://schemas.openxmlformats.org/officeDocument/2006/relationships" xmlns:p="http://schemas.openxmlformats.org/presentationml/2006/main">
   <p:cSld>
     <p:spTree>
@@ -14685,7 +12683,11 @@
             </a:pPr>
             <a:r>
               <a:rPr lang="en-US" dirty="0"/>
-              <a:t>Names are unique on a per-bucket </a:t>
+              <a:t>Names are unique on a per-</a:t>
+            </a:r>
+            <a:r>
+              <a:rPr lang="en-US" dirty="0" smtClean="0"/>
+              <a:t>bucket &amp; type </a:t>
             </a:r>
             <a:r>
               <a:rPr lang="en-US" dirty="0" smtClean="0"/>
@@ -14913,157 +12915,9 @@
   <p:timing>
     <p:tnLst>
       <p:par>
-        <p:cTn xmlns:p14="http://schemas.microsoft.com/office/powerpoint/2010/main" id="1" dur="indefinite" restart="never" nodeType="tmRoot">
-          <p:childTnLst>
-            <p:seq concurrent="1" nextAc="seek">
-              <p:cTn id="2" dur="indefinite" nodeType="mainSeq">
-                <p:childTnLst>
-                  <p:par>
-                    <p:cTn id="3" fill="hold">
-                      <p:stCondLst>
-                        <p:cond delay="indefinite"/>
-                      </p:stCondLst>
-                      <p:childTnLst>
-                        <p:par>
-                          <p:cTn id="4" fill="hold">
-                            <p:stCondLst>
-                              <p:cond delay="0"/>
-                            </p:stCondLst>
-                            <p:childTnLst>
-                              <p:par>
-                                <p:cTn id="5" presetID="10" presetClass="entr" presetSubtype="0" fill="hold" grpId="0" nodeType="clickEffect">
-                                  <p:stCondLst>
-                                    <p:cond delay="0"/>
-                                  </p:stCondLst>
-                                  <p:childTnLst>
-                                    <p:set>
-                                      <p:cBhvr>
-                                        <p:cTn id="6" dur="1" fill="hold">
-                                          <p:stCondLst>
-                                            <p:cond delay="0"/>
-                                          </p:stCondLst>
-                                        </p:cTn>
-                                        <p:tgtEl>
-                                          <p:spTgt spid="3">
-                                            <p:txEl>
-                                              <p:pRg st="0" end="0"/>
-                                            </p:txEl>
-                                          </p:spTgt>
-                                        </p:tgtEl>
-                                        <p:attrNameLst>
-                                          <p:attrName>style.visibility</p:attrName>
-                                        </p:attrNameLst>
-                                      </p:cBhvr>
-                                      <p:to>
-                                        <p:strVal val="visible"/>
-                                      </p:to>
-                                    </p:set>
-                                    <p:animEffect transition="in" filter="fade">
-                                      <p:cBhvr>
-                                        <p:cTn id="7" dur="500"/>
-                                        <p:tgtEl>
-                                          <p:spTgt spid="3">
-                                            <p:txEl>
-                                              <p:pRg st="0" end="0"/>
-                                            </p:txEl>
-                                          </p:spTgt>
-                                        </p:tgtEl>
-                                      </p:cBhvr>
-                                    </p:animEffect>
-                                  </p:childTnLst>
-                                </p:cTn>
-                              </p:par>
-                            </p:childTnLst>
-                          </p:cTn>
-                        </p:par>
-                      </p:childTnLst>
-                    </p:cTn>
-                  </p:par>
-                  <p:par>
-                    <p:cTn id="8" fill="hold">
-                      <p:stCondLst>
-                        <p:cond delay="indefinite"/>
-                      </p:stCondLst>
-                      <p:childTnLst>
-                        <p:par>
-                          <p:cTn id="9" fill="hold">
-                            <p:stCondLst>
-                              <p:cond delay="0"/>
-                            </p:stCondLst>
-                            <p:childTnLst>
-                              <p:par>
-                                <p:cTn id="10" presetID="10" presetClass="entr" presetSubtype="0" fill="hold" grpId="0" nodeType="clickEffect">
-                                  <p:stCondLst>
-                                    <p:cond delay="0"/>
-                                  </p:stCondLst>
-                                  <p:childTnLst>
-                                    <p:set>
-                                      <p:cBhvr>
-                                        <p:cTn id="11" dur="1" fill="hold">
-                                          <p:stCondLst>
-                                            <p:cond delay="0"/>
-                                          </p:stCondLst>
-                                        </p:cTn>
-                                        <p:tgtEl>
-                                          <p:spTgt spid="3">
-                                            <p:txEl>
-                                              <p:pRg st="1" end="1"/>
-                                            </p:txEl>
-                                          </p:spTgt>
-                                        </p:tgtEl>
-                                        <p:attrNameLst>
-                                          <p:attrName>style.visibility</p:attrName>
-                                        </p:attrNameLst>
-                                      </p:cBhvr>
-                                      <p:to>
-                                        <p:strVal val="visible"/>
-                                      </p:to>
-                                    </p:set>
-                                    <p:animEffect transition="in" filter="fade">
-                                      <p:cBhvr>
-                                        <p:cTn id="12" dur="500"/>
-                                        <p:tgtEl>
-                                          <p:spTgt spid="3">
-                                            <p:txEl>
-                                              <p:pRg st="1" end="1"/>
-                                            </p:txEl>
-                                          </p:spTgt>
-                                        </p:tgtEl>
-                                      </p:cBhvr>
-                                    </p:animEffect>
-                                  </p:childTnLst>
-                                </p:cTn>
-                              </p:par>
-                            </p:childTnLst>
-                          </p:cTn>
-                        </p:par>
-                      </p:childTnLst>
-                    </p:cTn>
-                  </p:par>
-                </p:childTnLst>
-              </p:cTn>
-              <p:prevCondLst>
-                <p:cond evt="onPrev" delay="0">
-                  <p:tgtEl>
-                    <p:sldTgt/>
-                  </p:tgtEl>
-                </p:cond>
-              </p:prevCondLst>
-              <p:nextCondLst>
-                <p:cond evt="onNext" delay="0">
-                  <p:tgtEl>
-                    <p:sldTgt/>
-                  </p:tgtEl>
-                </p:cond>
-              </p:nextCondLst>
-            </p:seq>
-          </p:childTnLst>
-        </p:cTn>
+        <p:cTn xmlns:p14="http://schemas.microsoft.com/office/powerpoint/2010/main" id="1" dur="indefinite" restart="never" nodeType="tmRoot"/>
       </p:par>
     </p:tnLst>
-    <p:bldLst>
-      <p:bldP spid="3" grpId="0" build="p"/>
-    </p:bldLst>
   </p:timing>
 </p:sld>
 </file>
@@ -15304,157 +13158,9 @@
   <p:timing>
     <p:tnLst>
       <p:par>
-        <p:cTn xmlns:p14="http://schemas.microsoft.com/office/powerpoint/2010/main" id="1" dur="indefinite" restart="never" nodeType="tmRoot">
-          <p:childTnLst>
-            <p:seq concurrent="1" nextAc="seek">
-              <p:cTn id="2" dur="indefinite" nodeType="mainSeq">
-                <p:childTnLst>
-                  <p:par>
-                    <p:cTn id="3" fill="hold">
-                      <p:stCondLst>
-                        <p:cond delay="indefinite"/>
-                      </p:stCondLst>
-                      <p:childTnLst>
-                        <p:par>
-                          <p:cTn id="4" fill="hold">
-                            <p:stCondLst>
-                              <p:cond delay="0"/>
-                            </p:stCondLst>
-                            <p:childTnLst>
-                              <p:par>
-                                <p:cTn id="5" presetID="10" presetClass="entr" presetSubtype="0" fill="hold" grpId="0" nodeType="clickEffect">
-                                  <p:stCondLst>
-                                    <p:cond delay="0"/>
-                                  </p:stCondLst>
-                                  <p:childTnLst>
-                                    <p:set>
-                                      <p:cBhvr>
-                                        <p:cTn id="6" dur="1" fill="hold">
-                                          <p:stCondLst>
-                                            <p:cond delay="0"/>
-                                          </p:stCondLst>
-                                        </p:cTn>
-                                        <p:tgtEl>
-                                          <p:spTgt spid="3">
-                                            <p:txEl>
-                                              <p:pRg st="0" end="0"/>
-                                            </p:txEl>
-                                          </p:spTgt>
-                                        </p:tgtEl>
-                                        <p:attrNameLst>
-                                          <p:attrName>style.visibility</p:attrName>
-                                        </p:attrNameLst>
-                                      </p:cBhvr>
-                                      <p:to>
-                                        <p:strVal val="visible"/>
-                                      </p:to>
-                                    </p:set>
-                                    <p:animEffect transition="in" filter="fade">
-                                      <p:cBhvr>
-                                        <p:cTn id="7" dur="500"/>
-                                        <p:tgtEl>
-                                          <p:spTgt spid="3">
-                                            <p:txEl>
-                                              <p:pRg st="0" end="0"/>
-                                            </p:txEl>
-                                          </p:spTgt>
-                                        </p:tgtEl>
-                                      </p:cBhvr>
-                                    </p:animEffect>
-                                  </p:childTnLst>
-                                </p:cTn>
-                              </p:par>
-                            </p:childTnLst>
-                          </p:cTn>
-                        </p:par>
-                      </p:childTnLst>
-                    </p:cTn>
-                  </p:par>
-                  <p:par>
-                    <p:cTn id="8" fill="hold">
-                      <p:stCondLst>
-                        <p:cond delay="indefinite"/>
-                      </p:stCondLst>
-                      <p:childTnLst>
-                        <p:par>
-                          <p:cTn id="9" fill="hold">
-                            <p:stCondLst>
-                              <p:cond delay="0"/>
-                            </p:stCondLst>
-                            <p:childTnLst>
-                              <p:par>
-                                <p:cTn id="10" presetID="10" presetClass="entr" presetSubtype="0" fill="hold" grpId="0" nodeType="clickEffect">
-                                  <p:stCondLst>
-                                    <p:cond delay="0"/>
-                                  </p:stCondLst>
-                                  <p:childTnLst>
-                                    <p:set>
-                                      <p:cBhvr>
-                                        <p:cTn id="11" dur="1" fill="hold">
-                                          <p:stCondLst>
-                                            <p:cond delay="0"/>
-                                          </p:stCondLst>
-                                        </p:cTn>
-                                        <p:tgtEl>
-                                          <p:spTgt spid="3">
-                                            <p:txEl>
-                                              <p:pRg st="1" end="1"/>
-                                            </p:txEl>
-                                          </p:spTgt>
-                                        </p:tgtEl>
-                                        <p:attrNameLst>
-                                          <p:attrName>style.visibility</p:attrName>
-                                        </p:attrNameLst>
-                                      </p:cBhvr>
-                                      <p:to>
-                                        <p:strVal val="visible"/>
-                                      </p:to>
-                                    </p:set>
-                                    <p:animEffect transition="in" filter="fade">
-                                      <p:cBhvr>
-                                        <p:cTn id="12" dur="500"/>
-                                        <p:tgtEl>
-                                          <p:spTgt spid="3">
-                                            <p:txEl>
-                                              <p:pRg st="1" end="1"/>
-                                            </p:txEl>
-                                          </p:spTgt>
-                                        </p:tgtEl>
-                                      </p:cBhvr>
-                                    </p:animEffect>
-                                  </p:childTnLst>
-                                </p:cTn>
-                              </p:par>
-                            </p:childTnLst>
-                          </p:cTn>
-                        </p:par>
-                      </p:childTnLst>
-                    </p:cTn>
-                  </p:par>
-                </p:childTnLst>
-              </p:cTn>
-              <p:prevCondLst>
-                <p:cond evt="onPrev" delay="0">
-                  <p:tgtEl>
-                    <p:sldTgt/>
-                  </p:tgtEl>
-                </p:cond>
-              </p:prevCondLst>
-              <p:nextCondLst>
-                <p:cond evt="onNext" delay="0">
-                  <p:tgtEl>
-                    <p:sldTgt/>
-                  </p:tgtEl>
-                </p:cond>
-              </p:nextCondLst>
-            </p:seq>
-          </p:childTnLst>
-        </p:cTn>
+        <p:cTn xmlns:p14="http://schemas.microsoft.com/office/powerpoint/2010/main" id="1" dur="indefinite" restart="never" nodeType="tmRoot"/>
       </p:par>
     </p:tnLst>
-    <p:bldLst>
-      <p:bldP spid="3" grpId="0" build="p"/>
-    </p:bldLst>
   </p:timing>
 </p:sld>
 </file>
@@ -15994,157 +13700,9 @@
   <p:timing>
     <p:tnLst>
       <p:par>
-        <p:cTn xmlns:p14="http://schemas.microsoft.com/office/powerpoint/2010/main" id="1" dur="indefinite" restart="never" nodeType="tmRoot">
-          <p:childTnLst>
-            <p:seq concurrent="1" nextAc="seek">
-              <p:cTn id="2" dur="indefinite" nodeType="mainSeq">
-                <p:childTnLst>
-                  <p:par>
-                    <p:cTn id="3" fill="hold">
-                      <p:stCondLst>
-                        <p:cond delay="indefinite"/>
-                      </p:stCondLst>
-                      <p:childTnLst>
-                        <p:par>
-                          <p:cTn id="4" fill="hold">
-                            <p:stCondLst>
-                              <p:cond delay="0"/>
-                            </p:stCondLst>
-                            <p:childTnLst>
-                              <p:par>
-                                <p:cTn id="5" presetID="10" presetClass="entr" presetSubtype="0" fill="hold" grpId="0" nodeType="clickEffect">
-                                  <p:stCondLst>
-                                    <p:cond delay="0"/>
-                                  </p:stCondLst>
-                                  <p:childTnLst>
-                                    <p:set>
-                                      <p:cBhvr>
-                                        <p:cTn id="6" dur="1" fill="hold">
-                                          <p:stCondLst>
-                                            <p:cond delay="0"/>
-                                          </p:stCondLst>
-                                        </p:cTn>
-                                        <p:tgtEl>
-                                          <p:spTgt spid="3">
-                                            <p:txEl>
-                                              <p:pRg st="0" end="0"/>
-                                            </p:txEl>
-                                          </p:spTgt>
-                                        </p:tgtEl>
-                                        <p:attrNameLst>
-                                          <p:attrName>style.visibility</p:attrName>
-                                        </p:attrNameLst>
-                                      </p:cBhvr>
-                                      <p:to>
-                                        <p:strVal val="visible"/>
-                                      </p:to>
-                                    </p:set>
-                                    <p:animEffect transition="in" filter="fade">
-                                      <p:cBhvr>
-                                        <p:cTn id="7" dur="500"/>
-                                        <p:tgtEl>
-                                          <p:spTgt spid="3">
-                                            <p:txEl>
-                                              <p:pRg st="0" end="0"/>
-                                            </p:txEl>
-                                          </p:spTgt>
-                                        </p:tgtEl>
-                                      </p:cBhvr>
-                                    </p:animEffect>
-                                  </p:childTnLst>
-                                </p:cTn>
-                              </p:par>
-                            </p:childTnLst>
-                          </p:cTn>
-                        </p:par>
-                      </p:childTnLst>
-                    </p:cTn>
-                  </p:par>
-                  <p:par>
-                    <p:cTn id="8" fill="hold">
-                      <p:stCondLst>
-                        <p:cond delay="indefinite"/>
-                      </p:stCondLst>
-                      <p:childTnLst>
-                        <p:par>
-                          <p:cTn id="9" fill="hold">
-                            <p:stCondLst>
-                              <p:cond delay="0"/>
-                            </p:stCondLst>
-                            <p:childTnLst>
-                              <p:par>
-                                <p:cTn id="10" presetID="10" presetClass="entr" presetSubtype="0" fill="hold" grpId="0" nodeType="clickEffect">
-                                  <p:stCondLst>
-                                    <p:cond delay="0"/>
-                                  </p:stCondLst>
-                                  <p:childTnLst>
-                                    <p:set>
-                                      <p:cBhvr>
-                                        <p:cTn id="11" dur="1" fill="hold">
-                                          <p:stCondLst>
-                                            <p:cond delay="0"/>
-                                          </p:stCondLst>
-                                        </p:cTn>
-                                        <p:tgtEl>
-                                          <p:spTgt spid="3">
-                                            <p:txEl>
-                                              <p:pRg st="3" end="3"/>
-                                            </p:txEl>
-                                          </p:spTgt>
-                                        </p:tgtEl>
-                                        <p:attrNameLst>
-                                          <p:attrName>style.visibility</p:attrName>
-                                        </p:attrNameLst>
-                                      </p:cBhvr>
-                                      <p:to>
-                                        <p:strVal val="visible"/>
-                                      </p:to>
-                                    </p:set>
-                                    <p:animEffect transition="in" filter="fade">
-                                      <p:cBhvr>
-                                        <p:cTn id="12" dur="500"/>
-                                        <p:tgtEl>
-                                          <p:spTgt spid="3">
-                                            <p:txEl>
-                                              <p:pRg st="3" end="3"/>
-                                            </p:txEl>
-                                          </p:spTgt>
-                                        </p:tgtEl>
-                                      </p:cBhvr>
-                                    </p:animEffect>
-                                  </p:childTnLst>
-                                </p:cTn>
-                              </p:par>
-                            </p:childTnLst>
-                          </p:cTn>
-                        </p:par>
-                      </p:childTnLst>
-                    </p:cTn>
-                  </p:par>
-                </p:childTnLst>
-              </p:cTn>
-              <p:prevCondLst>
-                <p:cond evt="onPrev" delay="0">
-                  <p:tgtEl>
-                    <p:sldTgt/>
-                  </p:tgtEl>
-                </p:cond>
-              </p:prevCondLst>
-              <p:nextCondLst>
-                <p:cond evt="onNext" delay="0">
-                  <p:tgtEl>
-                    <p:sldTgt/>
-                  </p:tgtEl>
-                </p:cond>
-              </p:nextCondLst>
-            </p:seq>
-          </p:childTnLst>
-        </p:cTn>
+        <p:cTn xmlns:p14="http://schemas.microsoft.com/office/powerpoint/2010/main" id="1" dur="indefinite" restart="never" nodeType="tmRoot"/>
       </p:par>
     </p:tnLst>
-    <p:bldLst>
-      <p:bldP spid="3" grpId="0" build="p"/>
-    </p:bldLst>
   </p:timing>
 </p:sld>
 </file>
